--- a/IoT analytics.pptx
+++ b/IoT analytics.pptx
@@ -6,10 +6,13 @@
   </p:sldMasterIdLst>
   <p:sldIdLst>
     <p:sldId id="256" r:id="rId2"/>
-    <p:sldId id="259" r:id="rId3"/>
-    <p:sldId id="263" r:id="rId4"/>
-    <p:sldId id="260" r:id="rId5"/>
-    <p:sldId id="261" r:id="rId6"/>
+    <p:sldId id="266" r:id="rId3"/>
+    <p:sldId id="267" r:id="rId4"/>
+    <p:sldId id="259" r:id="rId5"/>
+    <p:sldId id="264" r:id="rId6"/>
+    <p:sldId id="265" r:id="rId7"/>
+    <p:sldId id="260" r:id="rId8"/>
+    <p:sldId id="261" r:id="rId9"/>
   </p:sldIdLst>
   <p:sldSz cx="12192000" cy="6858000"/>
   <p:notesSz cx="6858000" cy="9144000"/>
@@ -247,7 +250,7 @@
           <a:p>
             <a:fld id="{3BC1C1F4-6ABF-4EFA-90D5-B3F216C913A9}" type="datetimeFigureOut">
               <a:rPr lang="en-US" smtClean="0"/>
-              <a:t>10/19/2020</a:t>
+              <a:t>10/20/2020</a:t>
             </a:fld>
             <a:endParaRPr lang="en-US"/>
           </a:p>
@@ -417,7 +420,7 @@
           <a:p>
             <a:fld id="{3BC1C1F4-6ABF-4EFA-90D5-B3F216C913A9}" type="datetimeFigureOut">
               <a:rPr lang="en-US" smtClean="0"/>
-              <a:t>10/19/2020</a:t>
+              <a:t>10/20/2020</a:t>
             </a:fld>
             <a:endParaRPr lang="en-US"/>
           </a:p>
@@ -597,7 +600,7 @@
           <a:p>
             <a:fld id="{3BC1C1F4-6ABF-4EFA-90D5-B3F216C913A9}" type="datetimeFigureOut">
               <a:rPr lang="en-US" smtClean="0"/>
-              <a:t>10/19/2020</a:t>
+              <a:t>10/20/2020</a:t>
             </a:fld>
             <a:endParaRPr lang="en-US"/>
           </a:p>
@@ -767,7 +770,7 @@
           <a:p>
             <a:fld id="{3BC1C1F4-6ABF-4EFA-90D5-B3F216C913A9}" type="datetimeFigureOut">
               <a:rPr lang="en-US" smtClean="0"/>
-              <a:t>10/19/2020</a:t>
+              <a:t>10/20/2020</a:t>
             </a:fld>
             <a:endParaRPr lang="en-US"/>
           </a:p>
@@ -1013,7 +1016,7 @@
           <a:p>
             <a:fld id="{3BC1C1F4-6ABF-4EFA-90D5-B3F216C913A9}" type="datetimeFigureOut">
               <a:rPr lang="en-US" smtClean="0"/>
-              <a:t>10/19/2020</a:t>
+              <a:t>10/20/2020</a:t>
             </a:fld>
             <a:endParaRPr lang="en-US"/>
           </a:p>
@@ -1245,7 +1248,7 @@
           <a:p>
             <a:fld id="{3BC1C1F4-6ABF-4EFA-90D5-B3F216C913A9}" type="datetimeFigureOut">
               <a:rPr lang="en-US" smtClean="0"/>
-              <a:t>10/19/2020</a:t>
+              <a:t>10/20/2020</a:t>
             </a:fld>
             <a:endParaRPr lang="en-US"/>
           </a:p>
@@ -1612,7 +1615,7 @@
           <a:p>
             <a:fld id="{3BC1C1F4-6ABF-4EFA-90D5-B3F216C913A9}" type="datetimeFigureOut">
               <a:rPr lang="en-US" smtClean="0"/>
-              <a:t>10/19/2020</a:t>
+              <a:t>10/20/2020</a:t>
             </a:fld>
             <a:endParaRPr lang="en-US"/>
           </a:p>
@@ -1730,7 +1733,7 @@
           <a:p>
             <a:fld id="{3BC1C1F4-6ABF-4EFA-90D5-B3F216C913A9}" type="datetimeFigureOut">
               <a:rPr lang="en-US" smtClean="0"/>
-              <a:t>10/19/2020</a:t>
+              <a:t>10/20/2020</a:t>
             </a:fld>
             <a:endParaRPr lang="en-US"/>
           </a:p>
@@ -1825,7 +1828,7 @@
           <a:p>
             <a:fld id="{3BC1C1F4-6ABF-4EFA-90D5-B3F216C913A9}" type="datetimeFigureOut">
               <a:rPr lang="en-US" smtClean="0"/>
-              <a:t>10/19/2020</a:t>
+              <a:t>10/20/2020</a:t>
             </a:fld>
             <a:endParaRPr lang="en-US"/>
           </a:p>
@@ -2102,7 +2105,7 @@
           <a:p>
             <a:fld id="{3BC1C1F4-6ABF-4EFA-90D5-B3F216C913A9}" type="datetimeFigureOut">
               <a:rPr lang="en-US" smtClean="0"/>
-              <a:t>10/19/2020</a:t>
+              <a:t>10/20/2020</a:t>
             </a:fld>
             <a:endParaRPr lang="en-US"/>
           </a:p>
@@ -2355,7 +2358,7 @@
           <a:p>
             <a:fld id="{3BC1C1F4-6ABF-4EFA-90D5-B3F216C913A9}" type="datetimeFigureOut">
               <a:rPr lang="en-US" smtClean="0"/>
-              <a:t>10/19/2020</a:t>
+              <a:t>10/20/2020</a:t>
             </a:fld>
             <a:endParaRPr lang="en-US"/>
           </a:p>
@@ -2568,7 +2571,7 @@
           <a:p>
             <a:fld id="{3BC1C1F4-6ABF-4EFA-90D5-B3F216C913A9}" type="datetimeFigureOut">
               <a:rPr lang="en-US" smtClean="0"/>
-              <a:t>10/19/2020</a:t>
+              <a:t>10/20/2020</a:t>
             </a:fld>
             <a:endParaRPr lang="en-US"/>
           </a:p>
@@ -2990,7 +2993,15 @@
           <a:p>
             <a:r>
               <a:rPr lang="en-US" smtClean="0"/>
-              <a:t>AWS analytics pipeline</a:t>
+              <a:t>AWS </a:t>
+            </a:r>
+            <a:r>
+              <a:rPr lang="en-US" smtClean="0"/>
+              <a:t>IoT </a:t>
+            </a:r>
+            <a:r>
+              <a:rPr lang="en-US" smtClean="0"/>
+              <a:t>pipeline</a:t>
             </a:r>
             <a:endParaRPr lang="en-US"/>
           </a:p>
@@ -3042,12 +3053,347 @@
           <a:lstStyle/>
           <a:p>
             <a:r>
+              <a:rPr lang="en-US" smtClean="0"/>
+              <a:t>AWS IoT core platform</a:t>
+            </a:r>
+            <a:endParaRPr lang="en-US"/>
+          </a:p>
+        </p:txBody>
+      </p:sp>
+      <p:pic>
+        <p:nvPicPr>
+          <p:cNvPr id="4" name="Picture 3"/>
+          <p:cNvPicPr>
+            <a:picLocks noChangeAspect="1"/>
+          </p:cNvPicPr>
+          <p:nvPr/>
+        </p:nvPicPr>
+        <p:blipFill>
+          <a:blip r:embed="rId2"/>
+          <a:stretch>
+            <a:fillRect/>
+          </a:stretch>
+        </p:blipFill>
+        <p:spPr>
+          <a:xfrm>
+            <a:off x="184638" y="1620684"/>
+            <a:ext cx="6796454" cy="5233332"/>
+          </a:xfrm>
+          <a:prstGeom prst="rect">
+            <a:avLst/>
+          </a:prstGeom>
+        </p:spPr>
+      </p:pic>
+      <p:sp>
+        <p:nvSpPr>
+          <p:cNvPr id="5" name="Rectangle 4"/>
+          <p:cNvSpPr/>
+          <p:nvPr/>
+        </p:nvSpPr>
+        <p:spPr>
+          <a:xfrm>
+            <a:off x="7127630" y="1620684"/>
+            <a:ext cx="4706815" cy="646331"/>
+          </a:xfrm>
+          <a:prstGeom prst="rect">
+            <a:avLst/>
+          </a:prstGeom>
+        </p:spPr>
+        <p:txBody>
+          <a:bodyPr wrap="square">
+            <a:spAutoFit/>
+          </a:bodyPr>
+          <a:lstStyle/>
+          <a:p>
+            <a:r>
+              <a:rPr lang="en-US"/>
+              <a:t>Gateway currently supports MQTT</a:t>
+            </a:r>
+            <a:r>
+              <a:rPr lang="en-US"/>
+              <a:t>, </a:t>
+            </a:r>
+            <a:endParaRPr lang="en-US" smtClean="0"/>
+          </a:p>
+          <a:p>
+            <a:r>
+              <a:rPr lang="en-US" smtClean="0"/>
+              <a:t>WebSockets</a:t>
+            </a:r>
+            <a:r>
+              <a:rPr lang="en-US"/>
+              <a:t>, and HTTP 1.1 protocols</a:t>
+            </a:r>
+          </a:p>
+        </p:txBody>
+      </p:sp>
+      <p:sp>
+        <p:nvSpPr>
+          <p:cNvPr id="6" name="Rectangle 5"/>
+          <p:cNvSpPr/>
+          <p:nvPr/>
+        </p:nvSpPr>
+        <p:spPr>
+          <a:xfrm>
+            <a:off x="7127630" y="2599244"/>
+            <a:ext cx="4941277" cy="923330"/>
+          </a:xfrm>
+          <a:prstGeom prst="rect">
+            <a:avLst/>
+          </a:prstGeom>
+        </p:spPr>
+        <p:txBody>
+          <a:bodyPr wrap="square">
+            <a:spAutoFit/>
+          </a:bodyPr>
+          <a:lstStyle/>
+          <a:p>
+            <a:r>
+              <a:rPr lang="en-US"/>
+              <a:t>Once an MQTT message is received from an IoT device (a thing), we use </a:t>
+            </a:r>
+            <a:r>
+              <a:rPr lang="en-US">
+                <a:hlinkClick r:id="rId3"/>
+              </a:rPr>
+              <a:t>AWS IoT Rules</a:t>
+            </a:r>
+            <a:r>
+              <a:rPr lang="en-US"/>
+              <a:t> to send message data to an </a:t>
+            </a:r>
+            <a:r>
+              <a:rPr lang="en-US">
+                <a:hlinkClick r:id="rId4"/>
+              </a:rPr>
+              <a:t>AWS IoT Analytics Channel</a:t>
+            </a:r>
+            <a:r>
+              <a:rPr lang="en-US"/>
+              <a:t>.</a:t>
+            </a:r>
+          </a:p>
+        </p:txBody>
+      </p:sp>
+    </p:spTree>
+    <p:extLst>
+      <p:ext uri="{BB962C8B-B14F-4D97-AF65-F5344CB8AC3E}">
+        <p14:creationId xmlns:p14="http://schemas.microsoft.com/office/powerpoint/2010/main" val="547988742"/>
+      </p:ext>
+    </p:extLst>
+  </p:cSld>
+  <p:clrMapOvr>
+    <a:masterClrMapping/>
+  </p:clrMapOvr>
+</p:sld>
+</file>
+
+<file path=ppt/slides/slide3.xml><?xml version="1.0" encoding="utf-8"?>
+<p:sld xmlns:a="http://schemas.openxmlformats.org/drawingml/2006/main" xmlns:r="http://schemas.openxmlformats.org/officeDocument/2006/relationships" xmlns:p="http://schemas.openxmlformats.org/presentationml/2006/main">
+  <p:cSld>
+    <p:spTree>
+      <p:nvGrpSpPr>
+        <p:cNvPr id="1" name=""/>
+        <p:cNvGrpSpPr/>
+        <p:nvPr/>
+      </p:nvGrpSpPr>
+      <p:grpSpPr>
+        <a:xfrm>
+          <a:off x="0" y="0"/>
+          <a:ext cx="0" cy="0"/>
+          <a:chOff x="0" y="0"/>
+          <a:chExt cx="0" cy="0"/>
+        </a:xfrm>
+      </p:grpSpPr>
+      <p:sp>
+        <p:nvSpPr>
+          <p:cNvPr id="2" name="Title 1"/>
+          <p:cNvSpPr>
+            <a:spLocks noGrp="1"/>
+          </p:cNvSpPr>
+          <p:nvPr>
+            <p:ph type="title"/>
+          </p:nvPr>
+        </p:nvSpPr>
+        <p:spPr/>
+        <p:txBody>
+          <a:bodyPr/>
+          <a:lstStyle/>
+          <a:p>
+            <a:r>
+              <a:rPr lang="en-US" smtClean="0"/>
+              <a:t>AWS CloudFormation</a:t>
+            </a:r>
+            <a:endParaRPr lang="en-US"/>
+          </a:p>
+        </p:txBody>
+      </p:sp>
+      <p:sp>
+        <p:nvSpPr>
+          <p:cNvPr id="3" name="Content Placeholder 2"/>
+          <p:cNvSpPr>
+            <a:spLocks noGrp="1"/>
+          </p:cNvSpPr>
+          <p:nvPr>
+            <p:ph idx="1"/>
+          </p:nvPr>
+        </p:nvSpPr>
+        <p:spPr/>
+        <p:txBody>
+          <a:bodyPr>
+            <a:normAutofit/>
+          </a:bodyPr>
+          <a:lstStyle/>
+          <a:p>
+            <a:r>
+              <a:rPr lang="en-US"/>
+              <a:t>Use the CloudFormation template, iot-analytics.yaml, to create an IoT Analytics stack containing (17) resources, including the following.</a:t>
+            </a:r>
+          </a:p>
+          <a:p>
+            <a:pPr lvl="1"/>
+            <a:r>
+              <a:rPr lang="en-US"/>
+              <a:t>(3) AWS IoT Things</a:t>
+            </a:r>
+          </a:p>
+          <a:p>
+            <a:pPr lvl="1"/>
+            <a:r>
+              <a:rPr lang="en-US"/>
+              <a:t>(1) AWS IoT Core Topic Rule</a:t>
+            </a:r>
+          </a:p>
+          <a:p>
+            <a:pPr lvl="1"/>
+            <a:r>
+              <a:rPr lang="en-US"/>
+              <a:t>(1) AWS IoT Analytics Channel, Pipeline, Data store, and Data set</a:t>
+            </a:r>
+          </a:p>
+          <a:p>
+            <a:pPr lvl="1"/>
+            <a:r>
+              <a:rPr lang="en-US"/>
+              <a:t>(1) AWS Lambda and Lambda Permission</a:t>
+            </a:r>
+          </a:p>
+          <a:p>
+            <a:pPr lvl="1"/>
+            <a:r>
+              <a:rPr lang="en-US"/>
+              <a:t>(1) Amazon S3 Bucket</a:t>
+            </a:r>
+          </a:p>
+          <a:p>
+            <a:pPr lvl="1"/>
+            <a:r>
+              <a:rPr lang="en-US"/>
+              <a:t>(1) Amazon SageMaker Notebook Instance</a:t>
+            </a:r>
+          </a:p>
+          <a:p>
+            <a:pPr lvl="1"/>
+            <a:r>
+              <a:rPr lang="en-US"/>
+              <a:t>(5) AWS IAM Roles</a:t>
+            </a:r>
+          </a:p>
+        </p:txBody>
+      </p:sp>
+      <p:sp>
+        <p:nvSpPr>
+          <p:cNvPr id="4" name="Rectangle 3"/>
+          <p:cNvSpPr/>
+          <p:nvPr/>
+        </p:nvSpPr>
+        <p:spPr>
+          <a:xfrm>
+            <a:off x="973015" y="5807631"/>
+            <a:ext cx="10087708" cy="369332"/>
+          </a:xfrm>
+          <a:prstGeom prst="rect">
+            <a:avLst/>
+          </a:prstGeom>
+        </p:spPr>
+        <p:txBody>
+          <a:bodyPr wrap="square">
+            <a:spAutoFit/>
+          </a:bodyPr>
+          <a:lstStyle/>
+          <a:p>
+            <a:r>
+              <a:rPr lang="en-US" smtClean="0">
+                <a:hlinkClick r:id="rId2"/>
+              </a:rPr>
+              <a:t>https</a:t>
+            </a:r>
+            <a:r>
+              <a:rPr lang="en-US">
+                <a:hlinkClick r:id="rId2"/>
+              </a:rPr>
+              <a:t>://towardsdatascience.com/getting-started-with-iot-analytics-on-aws-5f2093bcf704</a:t>
+            </a:r>
+            <a:endParaRPr lang="en-US"/>
+          </a:p>
+        </p:txBody>
+      </p:sp>
+    </p:spTree>
+    <p:extLst>
+      <p:ext uri="{BB962C8B-B14F-4D97-AF65-F5344CB8AC3E}">
+        <p14:creationId xmlns:p14="http://schemas.microsoft.com/office/powerpoint/2010/main" val="3035742588"/>
+      </p:ext>
+    </p:extLst>
+  </p:cSld>
+  <p:clrMapOvr>
+    <a:masterClrMapping/>
+  </p:clrMapOvr>
+</p:sld>
+</file>
+
+<file path=ppt/slides/slide4.xml><?xml version="1.0" encoding="utf-8"?>
+<p:sld xmlns:a="http://schemas.openxmlformats.org/drawingml/2006/main" xmlns:r="http://schemas.openxmlformats.org/officeDocument/2006/relationships" xmlns:p="http://schemas.openxmlformats.org/presentationml/2006/main">
+  <p:cSld>
+    <p:spTree>
+      <p:nvGrpSpPr>
+        <p:cNvPr id="1" name=""/>
+        <p:cNvGrpSpPr/>
+        <p:nvPr/>
+      </p:nvGrpSpPr>
+      <p:grpSpPr>
+        <a:xfrm>
+          <a:off x="0" y="0"/>
+          <a:ext cx="0" cy="0"/>
+          <a:chOff x="0" y="0"/>
+          <a:chExt cx="0" cy="0"/>
+        </a:xfrm>
+      </p:grpSpPr>
+      <p:sp>
+        <p:nvSpPr>
+          <p:cNvPr id="2" name="Title 1"/>
+          <p:cNvSpPr>
+            <a:spLocks noGrp="1"/>
+          </p:cNvSpPr>
+          <p:nvPr>
+            <p:ph type="title"/>
+          </p:nvPr>
+        </p:nvSpPr>
+        <p:spPr/>
+        <p:txBody>
+          <a:bodyPr/>
+          <a:lstStyle/>
+          <a:p>
+            <a:r>
               <a:rPr lang="en-US"/>
               <a:t>AWS </a:t>
             </a:r>
             <a:r>
               <a:rPr lang="en-US" smtClean="0"/>
-              <a:t>Predictive maintenance</a:t>
+              <a:t>Predictive </a:t>
+            </a:r>
+            <a:r>
+              <a:rPr lang="en-US" smtClean="0"/>
+              <a:t>maintenance architecture</a:t>
             </a:r>
             <a:endParaRPr lang="en-US"/>
           </a:p>
@@ -3090,7 +3436,7 @@
 </p:sld>
 </file>
 
-<file path=ppt/slides/slide3.xml><?xml version="1.0" encoding="utf-8"?>
+<file path=ppt/slides/slide5.xml><?xml version="1.0" encoding="utf-8"?>
 <p:sld xmlns:a="http://schemas.openxmlformats.org/drawingml/2006/main" xmlns:r="http://schemas.openxmlformats.org/officeDocument/2006/relationships" xmlns:p="http://schemas.openxmlformats.org/presentationml/2006/main">
   <p:cSld>
     <p:spTree>
@@ -3123,36 +3469,112 @@
           <a:lstStyle/>
           <a:p>
             <a:r>
-              <a:rPr lang="en-US" smtClean="0"/>
+              <a:rPr lang="en-US"/>
+              <a:t>AWS Predictive maintenance architecture</a:t>
+            </a:r>
+          </a:p>
+        </p:txBody>
+      </p:sp>
+      <p:sp>
+        <p:nvSpPr>
+          <p:cNvPr id="3" name="Content Placeholder 2"/>
+          <p:cNvSpPr>
+            <a:spLocks noGrp="1"/>
+          </p:cNvSpPr>
+          <p:nvPr>
+            <p:ph idx="1"/>
+          </p:nvPr>
+        </p:nvSpPr>
+        <p:spPr/>
+        <p:txBody>
+          <a:bodyPr>
+            <a:normAutofit fontScale="92500" lnSpcReduction="20000"/>
+          </a:bodyPr>
+          <a:lstStyle/>
+          <a:p>
+            <a:r>
+              <a:rPr lang="en-US"/>
+              <a:t>This solution includes an </a:t>
+            </a:r>
+            <a:r>
+              <a:rPr lang="en-US">
+                <a:hlinkClick r:id="rId2"/>
+              </a:rPr>
+              <a:t>AWS CloudFormation</a:t>
+            </a:r>
+            <a:r>
+              <a:rPr lang="en-US"/>
+              <a:t> template that deploys an example dataset of a </a:t>
+            </a:r>
+            <a:r>
+              <a:rPr lang="en-US">
+                <a:hlinkClick r:id="rId3"/>
+              </a:rPr>
+              <a:t>turbofan degradation simulation</a:t>
+            </a:r>
+            <a:r>
+              <a:rPr lang="en-US"/>
+              <a:t> contained in an </a:t>
+            </a:r>
+            <a:r>
+              <a:rPr lang="en-US">
+                <a:hlinkClick r:id="rId4"/>
+              </a:rPr>
+              <a:t>Amazon Simple Storage Service</a:t>
+            </a:r>
+            <a:r>
+              <a:rPr lang="en-US"/>
+              <a:t> (Amazon S3) bucket and an </a:t>
+            </a:r>
+            <a:r>
+              <a:rPr lang="en-US">
+                <a:hlinkClick r:id="rId5"/>
+              </a:rPr>
               <a:t>Amazon SageMaker</a:t>
             </a:r>
-            <a:endParaRPr lang="en-US"/>
-          </a:p>
-        </p:txBody>
-      </p:sp>
-      <p:sp>
-        <p:nvSpPr>
-          <p:cNvPr id="3" name="Content Placeholder 2"/>
-          <p:cNvSpPr>
-            <a:spLocks noGrp="1"/>
-          </p:cNvSpPr>
-          <p:nvPr>
-            <p:ph idx="1"/>
-          </p:nvPr>
-        </p:nvSpPr>
-        <p:spPr/>
-        <p:txBody>
-          <a:bodyPr/>
-          <a:lstStyle/>
-          <a:p>
-            <a:endParaRPr lang="en-US"/>
+            <a:r>
+              <a:rPr lang="en-US"/>
+              <a:t> endpoint with an ML model that will be trained on the dataset to predict remaining useful life (RUL).</a:t>
+            </a:r>
+          </a:p>
+          <a:p>
+            <a:r>
+              <a:rPr lang="en-US"/>
+              <a:t>The solution uses a SageMaker notebook instance to orchestrate the model, and a SageMaker training instance to perform the training. The training code and trained model are stored in the solution's Amazon S3 bucket.</a:t>
+            </a:r>
+          </a:p>
+          <a:p>
+            <a:r>
+              <a:rPr lang="en-US"/>
+              <a:t>The solution also deploys an </a:t>
+            </a:r>
+            <a:r>
+              <a:rPr lang="en-US">
+                <a:hlinkClick r:id="rId6"/>
+              </a:rPr>
+              <a:t>Amazon CloudWatch Events</a:t>
+            </a:r>
+            <a:r>
+              <a:rPr lang="en-US"/>
+              <a:t> rule that is configured to run once per day. The rule is configured to trigger an </a:t>
+            </a:r>
+            <a:r>
+              <a:rPr lang="en-US">
+                <a:hlinkClick r:id="rId7"/>
+              </a:rPr>
+              <a:t>AWS Lambda</a:t>
+            </a:r>
+            <a:r>
+              <a:rPr lang="en-US"/>
+              <a:t> function that creates an Amazon SageMaker batch transform job that uses the trained model to predict RUL from the example dataset.</a:t>
+            </a:r>
           </a:p>
         </p:txBody>
       </p:sp>
     </p:spTree>
     <p:extLst>
       <p:ext uri="{BB962C8B-B14F-4D97-AF65-F5344CB8AC3E}">
-        <p14:creationId xmlns:p14="http://schemas.microsoft.com/office/powerpoint/2010/main" val="745708400"/>
+        <p14:creationId xmlns:p14="http://schemas.microsoft.com/office/powerpoint/2010/main" val="2322710326"/>
       </p:ext>
     </p:extLst>
   </p:cSld>
@@ -3162,7 +3584,7 @@
 </p:sld>
 </file>
 
-<file path=ppt/slides/slide4.xml><?xml version="1.0" encoding="utf-8"?>
+<file path=ppt/slides/slide6.xml><?xml version="1.0" encoding="utf-8"?>
 <p:sld xmlns:a="http://schemas.openxmlformats.org/drawingml/2006/main" xmlns:r="http://schemas.openxmlformats.org/officeDocument/2006/relationships" xmlns:p="http://schemas.openxmlformats.org/presentationml/2006/main">
   <p:cSld>
     <p:spTree>
@@ -3195,12 +3617,173 @@
           <a:lstStyle/>
           <a:p>
             <a:r>
+              <a:rPr lang="en-US" smtClean="0"/>
+              <a:t>Steps to deploy </a:t>
+            </a:r>
+            <a:endParaRPr lang="en-US"/>
+          </a:p>
+        </p:txBody>
+      </p:sp>
+      <p:sp>
+        <p:nvSpPr>
+          <p:cNvPr id="3" name="Content Placeholder 2"/>
+          <p:cNvSpPr>
+            <a:spLocks noGrp="1"/>
+          </p:cNvSpPr>
+          <p:nvPr>
+            <p:ph idx="1"/>
+          </p:nvPr>
+        </p:nvSpPr>
+        <p:spPr/>
+        <p:txBody>
+          <a:bodyPr>
+            <a:normAutofit fontScale="92500" lnSpcReduction="10000"/>
+          </a:bodyPr>
+          <a:lstStyle/>
+          <a:p>
+            <a:r>
+              <a:rPr lang="en-US" u="sng">
+                <a:hlinkClick r:id="rId2"/>
+              </a:rPr>
+              <a:t>Step 1. Launch the Stack</a:t>
+            </a:r>
+            <a:endParaRPr lang="en-US"/>
+          </a:p>
+          <a:p>
+            <a:pPr lvl="1"/>
+            <a:r>
               <a:rPr lang="en-US"/>
-              <a:t>Amazon </a:t>
-            </a:r>
+              <a:t>Launch the AWS CloudFormation template into your AWS account.</a:t>
+            </a:r>
+          </a:p>
+          <a:p>
+            <a:pPr lvl="1"/>
             <a:r>
               <a:rPr lang="en-US"/>
-              <a:t>CloudWatch </a:t>
+              <a:t>Enter values for the required parameters: </a:t>
+            </a:r>
+            <a:r>
+              <a:rPr lang="en-US" b="1"/>
+              <a:t>Stack Name</a:t>
+            </a:r>
+            <a:r>
+              <a:rPr lang="en-US"/>
+              <a:t>, </a:t>
+            </a:r>
+            <a:r>
+              <a:rPr lang="en-US" b="1"/>
+              <a:t>Model and Data Bucket Name</a:t>
+            </a:r>
+            <a:endParaRPr lang="en-US"/>
+          </a:p>
+          <a:p>
+            <a:pPr lvl="1"/>
+            <a:r>
+              <a:rPr lang="en-US"/>
+              <a:t>Review the other template parameters, and adjust if necessary.</a:t>
+            </a:r>
+          </a:p>
+          <a:p>
+            <a:r>
+              <a:rPr lang="en-US">
+                <a:hlinkClick r:id="rId3"/>
+              </a:rPr>
+              <a:t>Step 2. Run the Notebook</a:t>
+            </a:r>
+            <a:endParaRPr lang="en-US"/>
+          </a:p>
+          <a:p>
+            <a:pPr lvl="1"/>
+            <a:r>
+              <a:rPr lang="en-US"/>
+              <a:t>Run the Jupyter Notebook to train the ML model.</a:t>
+            </a:r>
+          </a:p>
+          <a:p>
+            <a:r>
+              <a:rPr lang="en-US">
+                <a:hlinkClick r:id="rId4"/>
+              </a:rPr>
+              <a:t>Step 3. Enable the CloudWatch Events Rule</a:t>
+            </a:r>
+            <a:endParaRPr lang="en-US"/>
+          </a:p>
+          <a:p>
+            <a:pPr lvl="1"/>
+            <a:r>
+              <a:rPr lang="en-US"/>
+              <a:t>Enable the Amazon CloudWatch Events rule.</a:t>
+            </a:r>
+          </a:p>
+          <a:p>
+            <a:r>
+              <a:rPr lang="en-US">
+                <a:hlinkClick r:id="rId5"/>
+              </a:rPr>
+              <a:t>Step 4. Verify the Lambda Function Is Processing Data</a:t>
+            </a:r>
+            <a:endParaRPr lang="en-US"/>
+          </a:p>
+          <a:p>
+            <a:pPr lvl="1"/>
+            <a:r>
+              <a:rPr lang="en-US"/>
+              <a:t>Verify that the AWS Lambda function is processing data.</a:t>
+            </a:r>
+          </a:p>
+          <a:p>
+            <a:endParaRPr lang="en-US"/>
+          </a:p>
+        </p:txBody>
+      </p:sp>
+    </p:spTree>
+    <p:extLst>
+      <p:ext uri="{BB962C8B-B14F-4D97-AF65-F5344CB8AC3E}">
+        <p14:creationId xmlns:p14="http://schemas.microsoft.com/office/powerpoint/2010/main" val="3570463678"/>
+      </p:ext>
+    </p:extLst>
+  </p:cSld>
+  <p:clrMapOvr>
+    <a:masterClrMapping/>
+  </p:clrMapOvr>
+</p:sld>
+</file>
+
+<file path=ppt/slides/slide7.xml><?xml version="1.0" encoding="utf-8"?>
+<p:sld xmlns:a="http://schemas.openxmlformats.org/drawingml/2006/main" xmlns:r="http://schemas.openxmlformats.org/officeDocument/2006/relationships" xmlns:p="http://schemas.openxmlformats.org/presentationml/2006/main">
+  <p:cSld>
+    <p:spTree>
+      <p:nvGrpSpPr>
+        <p:cNvPr id="1" name=""/>
+        <p:cNvGrpSpPr/>
+        <p:nvPr/>
+      </p:nvGrpSpPr>
+      <p:grpSpPr>
+        <a:xfrm>
+          <a:off x="0" y="0"/>
+          <a:ext cx="0" cy="0"/>
+          <a:chOff x="0" y="0"/>
+          <a:chExt cx="0" cy="0"/>
+        </a:xfrm>
+      </p:grpSpPr>
+      <p:sp>
+        <p:nvSpPr>
+          <p:cNvPr id="2" name="Title 1"/>
+          <p:cNvSpPr>
+            <a:spLocks noGrp="1"/>
+          </p:cNvSpPr>
+          <p:nvPr>
+            <p:ph type="title"/>
+          </p:nvPr>
+        </p:nvSpPr>
+        <p:spPr/>
+        <p:txBody>
+          <a:bodyPr/>
+          <a:lstStyle/>
+          <a:p>
+            <a:r>
+              <a:rPr lang="en-US"/>
+              <a:t>Amazon CloudWatch </a:t>
             </a:r>
             <a:r>
               <a:rPr lang="en-US" smtClean="0"/>
@@ -3297,7 +3880,7 @@
 </p:sld>
 </file>
 
-<file path=ppt/slides/slide5.xml><?xml version="1.0" encoding="utf-8"?>
+<file path=ppt/slides/slide8.xml><?xml version="1.0" encoding="utf-8"?>
 <p:sld xmlns:a="http://schemas.openxmlformats.org/drawingml/2006/main" xmlns:r="http://schemas.openxmlformats.org/officeDocument/2006/relationships" xmlns:p="http://schemas.openxmlformats.org/presentationml/2006/main">
   <p:cSld>
     <p:spTree>

--- a/IoT analytics.pptx
+++ b/IoT analytics.pptx
@@ -8,11 +8,17 @@
     <p:sldId id="256" r:id="rId2"/>
     <p:sldId id="266" r:id="rId3"/>
     <p:sldId id="267" r:id="rId4"/>
-    <p:sldId id="259" r:id="rId5"/>
-    <p:sldId id="264" r:id="rId6"/>
-    <p:sldId id="265" r:id="rId7"/>
-    <p:sldId id="260" r:id="rId8"/>
-    <p:sldId id="261" r:id="rId9"/>
+    <p:sldId id="268" r:id="rId5"/>
+    <p:sldId id="269" r:id="rId6"/>
+    <p:sldId id="270" r:id="rId7"/>
+    <p:sldId id="271" r:id="rId8"/>
+    <p:sldId id="272" r:id="rId9"/>
+    <p:sldId id="273" r:id="rId10"/>
+    <p:sldId id="259" r:id="rId11"/>
+    <p:sldId id="264" r:id="rId12"/>
+    <p:sldId id="265" r:id="rId13"/>
+    <p:sldId id="260" r:id="rId14"/>
+    <p:sldId id="261" r:id="rId15"/>
   </p:sldIdLst>
   <p:sldSz cx="12192000" cy="6858000"/>
   <p:notesSz cx="6858000" cy="9144000"/>
@@ -250,7 +256,7 @@
           <a:p>
             <a:fld id="{3BC1C1F4-6ABF-4EFA-90D5-B3F216C913A9}" type="datetimeFigureOut">
               <a:rPr lang="en-US" smtClean="0"/>
-              <a:t>10/20/2020</a:t>
+              <a:t>10/22/2020</a:t>
             </a:fld>
             <a:endParaRPr lang="en-US"/>
           </a:p>
@@ -420,7 +426,7 @@
           <a:p>
             <a:fld id="{3BC1C1F4-6ABF-4EFA-90D5-B3F216C913A9}" type="datetimeFigureOut">
               <a:rPr lang="en-US" smtClean="0"/>
-              <a:t>10/20/2020</a:t>
+              <a:t>10/22/2020</a:t>
             </a:fld>
             <a:endParaRPr lang="en-US"/>
           </a:p>
@@ -600,7 +606,7 @@
           <a:p>
             <a:fld id="{3BC1C1F4-6ABF-4EFA-90D5-B3F216C913A9}" type="datetimeFigureOut">
               <a:rPr lang="en-US" smtClean="0"/>
-              <a:t>10/20/2020</a:t>
+              <a:t>10/22/2020</a:t>
             </a:fld>
             <a:endParaRPr lang="en-US"/>
           </a:p>
@@ -770,7 +776,7 @@
           <a:p>
             <a:fld id="{3BC1C1F4-6ABF-4EFA-90D5-B3F216C913A9}" type="datetimeFigureOut">
               <a:rPr lang="en-US" smtClean="0"/>
-              <a:t>10/20/2020</a:t>
+              <a:t>10/22/2020</a:t>
             </a:fld>
             <a:endParaRPr lang="en-US"/>
           </a:p>
@@ -1016,7 +1022,7 @@
           <a:p>
             <a:fld id="{3BC1C1F4-6ABF-4EFA-90D5-B3F216C913A9}" type="datetimeFigureOut">
               <a:rPr lang="en-US" smtClean="0"/>
-              <a:t>10/20/2020</a:t>
+              <a:t>10/22/2020</a:t>
             </a:fld>
             <a:endParaRPr lang="en-US"/>
           </a:p>
@@ -1248,7 +1254,7 @@
           <a:p>
             <a:fld id="{3BC1C1F4-6ABF-4EFA-90D5-B3F216C913A9}" type="datetimeFigureOut">
               <a:rPr lang="en-US" smtClean="0"/>
-              <a:t>10/20/2020</a:t>
+              <a:t>10/22/2020</a:t>
             </a:fld>
             <a:endParaRPr lang="en-US"/>
           </a:p>
@@ -1615,7 +1621,7 @@
           <a:p>
             <a:fld id="{3BC1C1F4-6ABF-4EFA-90D5-B3F216C913A9}" type="datetimeFigureOut">
               <a:rPr lang="en-US" smtClean="0"/>
-              <a:t>10/20/2020</a:t>
+              <a:t>10/22/2020</a:t>
             </a:fld>
             <a:endParaRPr lang="en-US"/>
           </a:p>
@@ -1733,7 +1739,7 @@
           <a:p>
             <a:fld id="{3BC1C1F4-6ABF-4EFA-90D5-B3F216C913A9}" type="datetimeFigureOut">
               <a:rPr lang="en-US" smtClean="0"/>
-              <a:t>10/20/2020</a:t>
+              <a:t>10/22/2020</a:t>
             </a:fld>
             <a:endParaRPr lang="en-US"/>
           </a:p>
@@ -1828,7 +1834,7 @@
           <a:p>
             <a:fld id="{3BC1C1F4-6ABF-4EFA-90D5-B3F216C913A9}" type="datetimeFigureOut">
               <a:rPr lang="en-US" smtClean="0"/>
-              <a:t>10/20/2020</a:t>
+              <a:t>10/22/2020</a:t>
             </a:fld>
             <a:endParaRPr lang="en-US"/>
           </a:p>
@@ -2105,7 +2111,7 @@
           <a:p>
             <a:fld id="{3BC1C1F4-6ABF-4EFA-90D5-B3F216C913A9}" type="datetimeFigureOut">
               <a:rPr lang="en-US" smtClean="0"/>
-              <a:t>10/20/2020</a:t>
+              <a:t>10/22/2020</a:t>
             </a:fld>
             <a:endParaRPr lang="en-US"/>
           </a:p>
@@ -2358,7 +2364,7 @@
           <a:p>
             <a:fld id="{3BC1C1F4-6ABF-4EFA-90D5-B3F216C913A9}" type="datetimeFigureOut">
               <a:rPr lang="en-US" smtClean="0"/>
-              <a:t>10/20/2020</a:t>
+              <a:t>10/22/2020</a:t>
             </a:fld>
             <a:endParaRPr lang="en-US"/>
           </a:p>
@@ -2571,7 +2577,7 @@
           <a:p>
             <a:fld id="{3BC1C1F4-6ABF-4EFA-90D5-B3F216C913A9}" type="datetimeFigureOut">
               <a:rPr lang="en-US" smtClean="0"/>
-              <a:t>10/20/2020</a:t>
+              <a:t>10/22/2020</a:t>
             </a:fld>
             <a:endParaRPr lang="en-US"/>
           </a:p>
@@ -2993,15 +2999,7 @@
           <a:p>
             <a:r>
               <a:rPr lang="en-US" smtClean="0"/>
-              <a:t>AWS </a:t>
-            </a:r>
-            <a:r>
-              <a:rPr lang="en-US" smtClean="0"/>
-              <a:t>IoT </a:t>
-            </a:r>
-            <a:r>
-              <a:rPr lang="en-US" smtClean="0"/>
-              <a:t>pipeline</a:t>
+              <a:t>AWS IoT pipeline</a:t>
             </a:r>
             <a:endParaRPr lang="en-US"/>
           </a:p>
@@ -3020,7 +3018,7 @@
 </p:sld>
 </file>
 
-<file path=ppt/slides/slide2.xml><?xml version="1.0" encoding="utf-8"?>
+<file path=ppt/slides/slide10.xml><?xml version="1.0" encoding="utf-8"?>
 <p:sld xmlns:a="http://schemas.openxmlformats.org/drawingml/2006/main" xmlns:r="http://schemas.openxmlformats.org/officeDocument/2006/relationships" xmlns:p="http://schemas.openxmlformats.org/presentationml/2006/main">
   <p:cSld>
     <p:spTree>
@@ -3053,347 +3051,12 @@
           <a:lstStyle/>
           <a:p>
             <a:r>
-              <a:rPr lang="en-US" smtClean="0"/>
-              <a:t>AWS IoT core platform</a:t>
-            </a:r>
-            <a:endParaRPr lang="en-US"/>
-          </a:p>
-        </p:txBody>
-      </p:sp>
-      <p:pic>
-        <p:nvPicPr>
-          <p:cNvPr id="4" name="Picture 3"/>
-          <p:cNvPicPr>
-            <a:picLocks noChangeAspect="1"/>
-          </p:cNvPicPr>
-          <p:nvPr/>
-        </p:nvPicPr>
-        <p:blipFill>
-          <a:blip r:embed="rId2"/>
-          <a:stretch>
-            <a:fillRect/>
-          </a:stretch>
-        </p:blipFill>
-        <p:spPr>
-          <a:xfrm>
-            <a:off x="184638" y="1620684"/>
-            <a:ext cx="6796454" cy="5233332"/>
-          </a:xfrm>
-          <a:prstGeom prst="rect">
-            <a:avLst/>
-          </a:prstGeom>
-        </p:spPr>
-      </p:pic>
-      <p:sp>
-        <p:nvSpPr>
-          <p:cNvPr id="5" name="Rectangle 4"/>
-          <p:cNvSpPr/>
-          <p:nvPr/>
-        </p:nvSpPr>
-        <p:spPr>
-          <a:xfrm>
-            <a:off x="7127630" y="1620684"/>
-            <a:ext cx="4706815" cy="646331"/>
-          </a:xfrm>
-          <a:prstGeom prst="rect">
-            <a:avLst/>
-          </a:prstGeom>
-        </p:spPr>
-        <p:txBody>
-          <a:bodyPr wrap="square">
-            <a:spAutoFit/>
-          </a:bodyPr>
-          <a:lstStyle/>
-          <a:p>
-            <a:r>
-              <a:rPr lang="en-US"/>
-              <a:t>Gateway currently supports MQTT</a:t>
-            </a:r>
-            <a:r>
-              <a:rPr lang="en-US"/>
-              <a:t>, </a:t>
-            </a:r>
-            <a:endParaRPr lang="en-US" smtClean="0"/>
-          </a:p>
-          <a:p>
-            <a:r>
-              <a:rPr lang="en-US" smtClean="0"/>
-              <a:t>WebSockets</a:t>
-            </a:r>
-            <a:r>
-              <a:rPr lang="en-US"/>
-              <a:t>, and HTTP 1.1 protocols</a:t>
-            </a:r>
-          </a:p>
-        </p:txBody>
-      </p:sp>
-      <p:sp>
-        <p:nvSpPr>
-          <p:cNvPr id="6" name="Rectangle 5"/>
-          <p:cNvSpPr/>
-          <p:nvPr/>
-        </p:nvSpPr>
-        <p:spPr>
-          <a:xfrm>
-            <a:off x="7127630" y="2599244"/>
-            <a:ext cx="4941277" cy="923330"/>
-          </a:xfrm>
-          <a:prstGeom prst="rect">
-            <a:avLst/>
-          </a:prstGeom>
-        </p:spPr>
-        <p:txBody>
-          <a:bodyPr wrap="square">
-            <a:spAutoFit/>
-          </a:bodyPr>
-          <a:lstStyle/>
-          <a:p>
-            <a:r>
-              <a:rPr lang="en-US"/>
-              <a:t>Once an MQTT message is received from an IoT device (a thing), we use </a:t>
-            </a:r>
-            <a:r>
-              <a:rPr lang="en-US">
-                <a:hlinkClick r:id="rId3"/>
-              </a:rPr>
-              <a:t>AWS IoT Rules</a:t>
-            </a:r>
-            <a:r>
-              <a:rPr lang="en-US"/>
-              <a:t> to send message data to an </a:t>
-            </a:r>
-            <a:r>
-              <a:rPr lang="en-US">
-                <a:hlinkClick r:id="rId4"/>
-              </a:rPr>
-              <a:t>AWS IoT Analytics Channel</a:t>
-            </a:r>
-            <a:r>
-              <a:rPr lang="en-US"/>
-              <a:t>.</a:t>
-            </a:r>
-          </a:p>
-        </p:txBody>
-      </p:sp>
-    </p:spTree>
-    <p:extLst>
-      <p:ext uri="{BB962C8B-B14F-4D97-AF65-F5344CB8AC3E}">
-        <p14:creationId xmlns:p14="http://schemas.microsoft.com/office/powerpoint/2010/main" val="547988742"/>
-      </p:ext>
-    </p:extLst>
-  </p:cSld>
-  <p:clrMapOvr>
-    <a:masterClrMapping/>
-  </p:clrMapOvr>
-</p:sld>
-</file>
-
-<file path=ppt/slides/slide3.xml><?xml version="1.0" encoding="utf-8"?>
-<p:sld xmlns:a="http://schemas.openxmlformats.org/drawingml/2006/main" xmlns:r="http://schemas.openxmlformats.org/officeDocument/2006/relationships" xmlns:p="http://schemas.openxmlformats.org/presentationml/2006/main">
-  <p:cSld>
-    <p:spTree>
-      <p:nvGrpSpPr>
-        <p:cNvPr id="1" name=""/>
-        <p:cNvGrpSpPr/>
-        <p:nvPr/>
-      </p:nvGrpSpPr>
-      <p:grpSpPr>
-        <a:xfrm>
-          <a:off x="0" y="0"/>
-          <a:ext cx="0" cy="0"/>
-          <a:chOff x="0" y="0"/>
-          <a:chExt cx="0" cy="0"/>
-        </a:xfrm>
-      </p:grpSpPr>
-      <p:sp>
-        <p:nvSpPr>
-          <p:cNvPr id="2" name="Title 1"/>
-          <p:cNvSpPr>
-            <a:spLocks noGrp="1"/>
-          </p:cNvSpPr>
-          <p:nvPr>
-            <p:ph type="title"/>
-          </p:nvPr>
-        </p:nvSpPr>
-        <p:spPr/>
-        <p:txBody>
-          <a:bodyPr/>
-          <a:lstStyle/>
-          <a:p>
-            <a:r>
-              <a:rPr lang="en-US" smtClean="0"/>
-              <a:t>AWS CloudFormation</a:t>
-            </a:r>
-            <a:endParaRPr lang="en-US"/>
-          </a:p>
-        </p:txBody>
-      </p:sp>
-      <p:sp>
-        <p:nvSpPr>
-          <p:cNvPr id="3" name="Content Placeholder 2"/>
-          <p:cNvSpPr>
-            <a:spLocks noGrp="1"/>
-          </p:cNvSpPr>
-          <p:nvPr>
-            <p:ph idx="1"/>
-          </p:nvPr>
-        </p:nvSpPr>
-        <p:spPr/>
-        <p:txBody>
-          <a:bodyPr>
-            <a:normAutofit/>
-          </a:bodyPr>
-          <a:lstStyle/>
-          <a:p>
-            <a:r>
-              <a:rPr lang="en-US"/>
-              <a:t>Use the CloudFormation template, iot-analytics.yaml, to create an IoT Analytics stack containing (17) resources, including the following.</a:t>
-            </a:r>
-          </a:p>
-          <a:p>
-            <a:pPr lvl="1"/>
-            <a:r>
-              <a:rPr lang="en-US"/>
-              <a:t>(3) AWS IoT Things</a:t>
-            </a:r>
-          </a:p>
-          <a:p>
-            <a:pPr lvl="1"/>
-            <a:r>
-              <a:rPr lang="en-US"/>
-              <a:t>(1) AWS IoT Core Topic Rule</a:t>
-            </a:r>
-          </a:p>
-          <a:p>
-            <a:pPr lvl="1"/>
-            <a:r>
-              <a:rPr lang="en-US"/>
-              <a:t>(1) AWS IoT Analytics Channel, Pipeline, Data store, and Data set</a:t>
-            </a:r>
-          </a:p>
-          <a:p>
-            <a:pPr lvl="1"/>
-            <a:r>
-              <a:rPr lang="en-US"/>
-              <a:t>(1) AWS Lambda and Lambda Permission</a:t>
-            </a:r>
-          </a:p>
-          <a:p>
-            <a:pPr lvl="1"/>
-            <a:r>
-              <a:rPr lang="en-US"/>
-              <a:t>(1) Amazon S3 Bucket</a:t>
-            </a:r>
-          </a:p>
-          <a:p>
-            <a:pPr lvl="1"/>
-            <a:r>
-              <a:rPr lang="en-US"/>
-              <a:t>(1) Amazon SageMaker Notebook Instance</a:t>
-            </a:r>
-          </a:p>
-          <a:p>
-            <a:pPr lvl="1"/>
-            <a:r>
-              <a:rPr lang="en-US"/>
-              <a:t>(5) AWS IAM Roles</a:t>
-            </a:r>
-          </a:p>
-        </p:txBody>
-      </p:sp>
-      <p:sp>
-        <p:nvSpPr>
-          <p:cNvPr id="4" name="Rectangle 3"/>
-          <p:cNvSpPr/>
-          <p:nvPr/>
-        </p:nvSpPr>
-        <p:spPr>
-          <a:xfrm>
-            <a:off x="973015" y="5807631"/>
-            <a:ext cx="10087708" cy="369332"/>
-          </a:xfrm>
-          <a:prstGeom prst="rect">
-            <a:avLst/>
-          </a:prstGeom>
-        </p:spPr>
-        <p:txBody>
-          <a:bodyPr wrap="square">
-            <a:spAutoFit/>
-          </a:bodyPr>
-          <a:lstStyle/>
-          <a:p>
-            <a:r>
-              <a:rPr lang="en-US" smtClean="0">
-                <a:hlinkClick r:id="rId2"/>
-              </a:rPr>
-              <a:t>https</a:t>
-            </a:r>
-            <a:r>
-              <a:rPr lang="en-US">
-                <a:hlinkClick r:id="rId2"/>
-              </a:rPr>
-              <a:t>://towardsdatascience.com/getting-started-with-iot-analytics-on-aws-5f2093bcf704</a:t>
-            </a:r>
-            <a:endParaRPr lang="en-US"/>
-          </a:p>
-        </p:txBody>
-      </p:sp>
-    </p:spTree>
-    <p:extLst>
-      <p:ext uri="{BB962C8B-B14F-4D97-AF65-F5344CB8AC3E}">
-        <p14:creationId xmlns:p14="http://schemas.microsoft.com/office/powerpoint/2010/main" val="3035742588"/>
-      </p:ext>
-    </p:extLst>
-  </p:cSld>
-  <p:clrMapOvr>
-    <a:masterClrMapping/>
-  </p:clrMapOvr>
-</p:sld>
-</file>
-
-<file path=ppt/slides/slide4.xml><?xml version="1.0" encoding="utf-8"?>
-<p:sld xmlns:a="http://schemas.openxmlformats.org/drawingml/2006/main" xmlns:r="http://schemas.openxmlformats.org/officeDocument/2006/relationships" xmlns:p="http://schemas.openxmlformats.org/presentationml/2006/main">
-  <p:cSld>
-    <p:spTree>
-      <p:nvGrpSpPr>
-        <p:cNvPr id="1" name=""/>
-        <p:cNvGrpSpPr/>
-        <p:nvPr/>
-      </p:nvGrpSpPr>
-      <p:grpSpPr>
-        <a:xfrm>
-          <a:off x="0" y="0"/>
-          <a:ext cx="0" cy="0"/>
-          <a:chOff x="0" y="0"/>
-          <a:chExt cx="0" cy="0"/>
-        </a:xfrm>
-      </p:grpSpPr>
-      <p:sp>
-        <p:nvSpPr>
-          <p:cNvPr id="2" name="Title 1"/>
-          <p:cNvSpPr>
-            <a:spLocks noGrp="1"/>
-          </p:cNvSpPr>
-          <p:nvPr>
-            <p:ph type="title"/>
-          </p:nvPr>
-        </p:nvSpPr>
-        <p:spPr/>
-        <p:txBody>
-          <a:bodyPr/>
-          <a:lstStyle/>
-          <a:p>
-            <a:r>
               <a:rPr lang="en-US"/>
               <a:t>AWS </a:t>
             </a:r>
             <a:r>
               <a:rPr lang="en-US" smtClean="0"/>
-              <a:t>Predictive </a:t>
-            </a:r>
-            <a:r>
-              <a:rPr lang="en-US" smtClean="0"/>
-              <a:t>maintenance architecture</a:t>
+              <a:t>Predictive maintenance architecture</a:t>
             </a:r>
             <a:endParaRPr lang="en-US"/>
           </a:p>
@@ -3436,7 +3099,7 @@
 </p:sld>
 </file>
 
-<file path=ppt/slides/slide5.xml><?xml version="1.0" encoding="utf-8"?>
+<file path=ppt/slides/slide11.xml><?xml version="1.0" encoding="utf-8"?>
 <p:sld xmlns:a="http://schemas.openxmlformats.org/drawingml/2006/main" xmlns:r="http://schemas.openxmlformats.org/officeDocument/2006/relationships" xmlns:p="http://schemas.openxmlformats.org/presentationml/2006/main">
   <p:cSld>
     <p:spTree>
@@ -3584,7 +3247,7 @@
 </p:sld>
 </file>
 
-<file path=ppt/slides/slide6.xml><?xml version="1.0" encoding="utf-8"?>
+<file path=ppt/slides/slide12.xml><?xml version="1.0" encoding="utf-8"?>
 <p:sld xmlns:a="http://schemas.openxmlformats.org/drawingml/2006/main" xmlns:r="http://schemas.openxmlformats.org/officeDocument/2006/relationships" xmlns:p="http://schemas.openxmlformats.org/presentationml/2006/main">
   <p:cSld>
     <p:spTree>
@@ -3749,7 +3412,7 @@
 </p:sld>
 </file>
 
-<file path=ppt/slides/slide7.xml><?xml version="1.0" encoding="utf-8"?>
+<file path=ppt/slides/slide13.xml><?xml version="1.0" encoding="utf-8"?>
 <p:sld xmlns:a="http://schemas.openxmlformats.org/drawingml/2006/main" xmlns:r="http://schemas.openxmlformats.org/officeDocument/2006/relationships" xmlns:p="http://schemas.openxmlformats.org/presentationml/2006/main">
   <p:cSld>
     <p:spTree>
@@ -3880,7 +3543,7 @@
 </p:sld>
 </file>
 
-<file path=ppt/slides/slide8.xml><?xml version="1.0" encoding="utf-8"?>
+<file path=ppt/slides/slide14.xml><?xml version="1.0" encoding="utf-8"?>
 <p:sld xmlns:a="http://schemas.openxmlformats.org/drawingml/2006/main" xmlns:r="http://schemas.openxmlformats.org/officeDocument/2006/relationships" xmlns:p="http://schemas.openxmlformats.org/presentationml/2006/main">
   <p:cSld>
     <p:spTree>
@@ -3971,6 +3634,942 @@
     <p:extLst>
       <p:ext uri="{BB962C8B-B14F-4D97-AF65-F5344CB8AC3E}">
         <p14:creationId xmlns:p14="http://schemas.microsoft.com/office/powerpoint/2010/main" val="863799276"/>
+      </p:ext>
+    </p:extLst>
+  </p:cSld>
+  <p:clrMapOvr>
+    <a:masterClrMapping/>
+  </p:clrMapOvr>
+</p:sld>
+</file>
+
+<file path=ppt/slides/slide2.xml><?xml version="1.0" encoding="utf-8"?>
+<p:sld xmlns:a="http://schemas.openxmlformats.org/drawingml/2006/main" xmlns:r="http://schemas.openxmlformats.org/officeDocument/2006/relationships" xmlns:p="http://schemas.openxmlformats.org/presentationml/2006/main">
+  <p:cSld>
+    <p:spTree>
+      <p:nvGrpSpPr>
+        <p:cNvPr id="1" name=""/>
+        <p:cNvGrpSpPr/>
+        <p:nvPr/>
+      </p:nvGrpSpPr>
+      <p:grpSpPr>
+        <a:xfrm>
+          <a:off x="0" y="0"/>
+          <a:ext cx="0" cy="0"/>
+          <a:chOff x="0" y="0"/>
+          <a:chExt cx="0" cy="0"/>
+        </a:xfrm>
+      </p:grpSpPr>
+      <p:sp>
+        <p:nvSpPr>
+          <p:cNvPr id="2" name="Title 1"/>
+          <p:cNvSpPr>
+            <a:spLocks noGrp="1"/>
+          </p:cNvSpPr>
+          <p:nvPr>
+            <p:ph type="title"/>
+          </p:nvPr>
+        </p:nvSpPr>
+        <p:spPr/>
+        <p:txBody>
+          <a:bodyPr/>
+          <a:lstStyle/>
+          <a:p>
+            <a:r>
+              <a:rPr lang="en-US" smtClean="0"/>
+              <a:t>AWS IoT core platform</a:t>
+            </a:r>
+            <a:endParaRPr lang="en-US"/>
+          </a:p>
+        </p:txBody>
+      </p:sp>
+      <p:pic>
+        <p:nvPicPr>
+          <p:cNvPr id="4" name="Picture 3"/>
+          <p:cNvPicPr>
+            <a:picLocks noChangeAspect="1"/>
+          </p:cNvPicPr>
+          <p:nvPr/>
+        </p:nvPicPr>
+        <p:blipFill>
+          <a:blip r:embed="rId2"/>
+          <a:stretch>
+            <a:fillRect/>
+          </a:stretch>
+        </p:blipFill>
+        <p:spPr>
+          <a:xfrm>
+            <a:off x="184638" y="1620684"/>
+            <a:ext cx="6796454" cy="5233332"/>
+          </a:xfrm>
+          <a:prstGeom prst="rect">
+            <a:avLst/>
+          </a:prstGeom>
+        </p:spPr>
+      </p:pic>
+      <p:sp>
+        <p:nvSpPr>
+          <p:cNvPr id="5" name="Rectangle 4"/>
+          <p:cNvSpPr/>
+          <p:nvPr/>
+        </p:nvSpPr>
+        <p:spPr>
+          <a:xfrm>
+            <a:off x="7127630" y="1620684"/>
+            <a:ext cx="4706815" cy="646331"/>
+          </a:xfrm>
+          <a:prstGeom prst="rect">
+            <a:avLst/>
+          </a:prstGeom>
+        </p:spPr>
+        <p:txBody>
+          <a:bodyPr wrap="square">
+            <a:spAutoFit/>
+          </a:bodyPr>
+          <a:lstStyle/>
+          <a:p>
+            <a:r>
+              <a:rPr lang="en-US"/>
+              <a:t>Gateway currently supports MQTT, </a:t>
+            </a:r>
+            <a:endParaRPr lang="en-US" smtClean="0"/>
+          </a:p>
+          <a:p>
+            <a:r>
+              <a:rPr lang="en-US" smtClean="0"/>
+              <a:t>WebSockets</a:t>
+            </a:r>
+            <a:r>
+              <a:rPr lang="en-US"/>
+              <a:t>, and HTTP 1.1 protocols</a:t>
+            </a:r>
+          </a:p>
+        </p:txBody>
+      </p:sp>
+      <p:sp>
+        <p:nvSpPr>
+          <p:cNvPr id="6" name="Rectangle 5"/>
+          <p:cNvSpPr/>
+          <p:nvPr/>
+        </p:nvSpPr>
+        <p:spPr>
+          <a:xfrm>
+            <a:off x="7127630" y="2599244"/>
+            <a:ext cx="4941277" cy="923330"/>
+          </a:xfrm>
+          <a:prstGeom prst="rect">
+            <a:avLst/>
+          </a:prstGeom>
+        </p:spPr>
+        <p:txBody>
+          <a:bodyPr wrap="square">
+            <a:spAutoFit/>
+          </a:bodyPr>
+          <a:lstStyle/>
+          <a:p>
+            <a:r>
+              <a:rPr lang="en-US"/>
+              <a:t>Once an MQTT message is received from an IoT device (a thing), we use </a:t>
+            </a:r>
+            <a:r>
+              <a:rPr lang="en-US">
+                <a:hlinkClick r:id="rId3"/>
+              </a:rPr>
+              <a:t>AWS IoT Rules</a:t>
+            </a:r>
+            <a:r>
+              <a:rPr lang="en-US"/>
+              <a:t> to send message data to an </a:t>
+            </a:r>
+            <a:r>
+              <a:rPr lang="en-US">
+                <a:hlinkClick r:id="rId4"/>
+              </a:rPr>
+              <a:t>AWS IoT Analytics Channel</a:t>
+            </a:r>
+            <a:r>
+              <a:rPr lang="en-US"/>
+              <a:t>.</a:t>
+            </a:r>
+          </a:p>
+        </p:txBody>
+      </p:sp>
+    </p:spTree>
+    <p:extLst>
+      <p:ext uri="{BB962C8B-B14F-4D97-AF65-F5344CB8AC3E}">
+        <p14:creationId xmlns:p14="http://schemas.microsoft.com/office/powerpoint/2010/main" val="547988742"/>
+      </p:ext>
+    </p:extLst>
+  </p:cSld>
+  <p:clrMapOvr>
+    <a:masterClrMapping/>
+  </p:clrMapOvr>
+</p:sld>
+</file>
+
+<file path=ppt/slides/slide3.xml><?xml version="1.0" encoding="utf-8"?>
+<p:sld xmlns:a="http://schemas.openxmlformats.org/drawingml/2006/main" xmlns:r="http://schemas.openxmlformats.org/officeDocument/2006/relationships" xmlns:p="http://schemas.openxmlformats.org/presentationml/2006/main">
+  <p:cSld>
+    <p:spTree>
+      <p:nvGrpSpPr>
+        <p:cNvPr id="1" name=""/>
+        <p:cNvGrpSpPr/>
+        <p:nvPr/>
+      </p:nvGrpSpPr>
+      <p:grpSpPr>
+        <a:xfrm>
+          <a:off x="0" y="0"/>
+          <a:ext cx="0" cy="0"/>
+          <a:chOff x="0" y="0"/>
+          <a:chExt cx="0" cy="0"/>
+        </a:xfrm>
+      </p:grpSpPr>
+      <p:sp>
+        <p:nvSpPr>
+          <p:cNvPr id="2" name="Title 1"/>
+          <p:cNvSpPr>
+            <a:spLocks noGrp="1"/>
+          </p:cNvSpPr>
+          <p:nvPr>
+            <p:ph type="title"/>
+          </p:nvPr>
+        </p:nvSpPr>
+        <p:spPr/>
+        <p:txBody>
+          <a:bodyPr/>
+          <a:lstStyle/>
+          <a:p>
+            <a:r>
+              <a:rPr lang="en-US" smtClean="0"/>
+              <a:t>AWS CloudFormation</a:t>
+            </a:r>
+            <a:endParaRPr lang="en-US"/>
+          </a:p>
+        </p:txBody>
+      </p:sp>
+      <p:sp>
+        <p:nvSpPr>
+          <p:cNvPr id="3" name="Content Placeholder 2"/>
+          <p:cNvSpPr>
+            <a:spLocks noGrp="1"/>
+          </p:cNvSpPr>
+          <p:nvPr>
+            <p:ph idx="1"/>
+          </p:nvPr>
+        </p:nvSpPr>
+        <p:spPr/>
+        <p:txBody>
+          <a:bodyPr>
+            <a:normAutofit/>
+          </a:bodyPr>
+          <a:lstStyle/>
+          <a:p>
+            <a:r>
+              <a:rPr lang="en-US"/>
+              <a:t>Use the CloudFormation template, iot-analytics.yaml, to create an IoT Analytics stack containing (17) resources, including the following.</a:t>
+            </a:r>
+          </a:p>
+          <a:p>
+            <a:pPr lvl="1"/>
+            <a:r>
+              <a:rPr lang="en-US"/>
+              <a:t>(3) AWS IoT Things</a:t>
+            </a:r>
+          </a:p>
+          <a:p>
+            <a:pPr lvl="1"/>
+            <a:r>
+              <a:rPr lang="en-US"/>
+              <a:t>(1) AWS IoT Core Topic Rule</a:t>
+            </a:r>
+          </a:p>
+          <a:p>
+            <a:pPr lvl="1"/>
+            <a:r>
+              <a:rPr lang="en-US"/>
+              <a:t>(1) AWS IoT Analytics Channel, Pipeline, Data store, and Data set</a:t>
+            </a:r>
+          </a:p>
+          <a:p>
+            <a:pPr lvl="1"/>
+            <a:r>
+              <a:rPr lang="en-US"/>
+              <a:t>(1) AWS Lambda and Lambda Permission</a:t>
+            </a:r>
+          </a:p>
+          <a:p>
+            <a:pPr lvl="1"/>
+            <a:r>
+              <a:rPr lang="en-US"/>
+              <a:t>(1) Amazon S3 Bucket</a:t>
+            </a:r>
+          </a:p>
+          <a:p>
+            <a:pPr lvl="1"/>
+            <a:r>
+              <a:rPr lang="en-US"/>
+              <a:t>(1) Amazon SageMaker Notebook Instance</a:t>
+            </a:r>
+          </a:p>
+          <a:p>
+            <a:pPr lvl="1"/>
+            <a:r>
+              <a:rPr lang="en-US"/>
+              <a:t>(5) AWS IAM Roles</a:t>
+            </a:r>
+          </a:p>
+        </p:txBody>
+      </p:sp>
+      <p:sp>
+        <p:nvSpPr>
+          <p:cNvPr id="4" name="Rectangle 3"/>
+          <p:cNvSpPr/>
+          <p:nvPr/>
+        </p:nvSpPr>
+        <p:spPr>
+          <a:xfrm>
+            <a:off x="973015" y="5807631"/>
+            <a:ext cx="10087708" cy="369332"/>
+          </a:xfrm>
+          <a:prstGeom prst="rect">
+            <a:avLst/>
+          </a:prstGeom>
+        </p:spPr>
+        <p:txBody>
+          <a:bodyPr wrap="square">
+            <a:spAutoFit/>
+          </a:bodyPr>
+          <a:lstStyle/>
+          <a:p>
+            <a:r>
+              <a:rPr lang="en-US" smtClean="0">
+                <a:hlinkClick r:id="rId2"/>
+              </a:rPr>
+              <a:t>https</a:t>
+            </a:r>
+            <a:r>
+              <a:rPr lang="en-US">
+                <a:hlinkClick r:id="rId2"/>
+              </a:rPr>
+              <a:t>://towardsdatascience.com/getting-started-with-iot-analytics-on-aws-5f2093bcf704</a:t>
+            </a:r>
+            <a:endParaRPr lang="en-US"/>
+          </a:p>
+        </p:txBody>
+      </p:sp>
+    </p:spTree>
+    <p:extLst>
+      <p:ext uri="{BB962C8B-B14F-4D97-AF65-F5344CB8AC3E}">
+        <p14:creationId xmlns:p14="http://schemas.microsoft.com/office/powerpoint/2010/main" val="3035742588"/>
+      </p:ext>
+    </p:extLst>
+  </p:cSld>
+  <p:clrMapOvr>
+    <a:masterClrMapping/>
+  </p:clrMapOvr>
+</p:sld>
+</file>
+
+<file path=ppt/slides/slide4.xml><?xml version="1.0" encoding="utf-8"?>
+<p:sld xmlns:a="http://schemas.openxmlformats.org/drawingml/2006/main" xmlns:r="http://schemas.openxmlformats.org/officeDocument/2006/relationships" xmlns:p="http://schemas.openxmlformats.org/presentationml/2006/main">
+  <p:cSld>
+    <p:spTree>
+      <p:nvGrpSpPr>
+        <p:cNvPr id="1" name=""/>
+        <p:cNvGrpSpPr/>
+        <p:nvPr/>
+      </p:nvGrpSpPr>
+      <p:grpSpPr>
+        <a:xfrm>
+          <a:off x="0" y="0"/>
+          <a:ext cx="0" cy="0"/>
+          <a:chOff x="0" y="0"/>
+          <a:chExt cx="0" cy="0"/>
+        </a:xfrm>
+      </p:grpSpPr>
+      <p:sp>
+        <p:nvSpPr>
+          <p:cNvPr id="2" name="Title 1"/>
+          <p:cNvSpPr>
+            <a:spLocks noGrp="1"/>
+          </p:cNvSpPr>
+          <p:nvPr>
+            <p:ph type="title"/>
+          </p:nvPr>
+        </p:nvSpPr>
+        <p:spPr/>
+        <p:txBody>
+          <a:bodyPr/>
+          <a:lstStyle/>
+          <a:p>
+            <a:r>
+              <a:rPr lang="en-US" smtClean="0"/>
+              <a:t>AWS IoT Analytics</a:t>
+            </a:r>
+            <a:endParaRPr lang="en-US"/>
+          </a:p>
+        </p:txBody>
+      </p:sp>
+      <p:pic>
+        <p:nvPicPr>
+          <p:cNvPr id="5" name="Picture 4"/>
+          <p:cNvPicPr>
+            <a:picLocks noChangeAspect="1"/>
+          </p:cNvPicPr>
+          <p:nvPr/>
+        </p:nvPicPr>
+        <p:blipFill>
+          <a:blip r:embed="rId2"/>
+          <a:stretch>
+            <a:fillRect/>
+          </a:stretch>
+        </p:blipFill>
+        <p:spPr>
+          <a:xfrm>
+            <a:off x="838200" y="1298464"/>
+            <a:ext cx="7153834" cy="5441805"/>
+          </a:xfrm>
+          <a:prstGeom prst="rect">
+            <a:avLst/>
+          </a:prstGeom>
+        </p:spPr>
+      </p:pic>
+    </p:spTree>
+    <p:extLst>
+      <p:ext uri="{BB962C8B-B14F-4D97-AF65-F5344CB8AC3E}">
+        <p14:creationId xmlns:p14="http://schemas.microsoft.com/office/powerpoint/2010/main" val="1253626712"/>
+      </p:ext>
+    </p:extLst>
+  </p:cSld>
+  <p:clrMapOvr>
+    <a:masterClrMapping/>
+  </p:clrMapOvr>
+</p:sld>
+</file>
+
+<file path=ppt/slides/slide5.xml><?xml version="1.0" encoding="utf-8"?>
+<p:sld xmlns:a="http://schemas.openxmlformats.org/drawingml/2006/main" xmlns:r="http://schemas.openxmlformats.org/officeDocument/2006/relationships" xmlns:p="http://schemas.openxmlformats.org/presentationml/2006/main">
+  <p:cSld>
+    <p:spTree>
+      <p:nvGrpSpPr>
+        <p:cNvPr id="1" name=""/>
+        <p:cNvGrpSpPr/>
+        <p:nvPr/>
+      </p:nvGrpSpPr>
+      <p:grpSpPr>
+        <a:xfrm>
+          <a:off x="0" y="0"/>
+          <a:ext cx="0" cy="0"/>
+          <a:chOff x="0" y="0"/>
+          <a:chExt cx="0" cy="0"/>
+        </a:xfrm>
+      </p:grpSpPr>
+      <p:sp>
+        <p:nvSpPr>
+          <p:cNvPr id="2" name="Title 1"/>
+          <p:cNvSpPr>
+            <a:spLocks noGrp="1"/>
+          </p:cNvSpPr>
+          <p:nvPr>
+            <p:ph type="title"/>
+          </p:nvPr>
+        </p:nvSpPr>
+        <p:spPr/>
+        <p:txBody>
+          <a:bodyPr/>
+          <a:lstStyle/>
+          <a:p>
+            <a:r>
+              <a:rPr lang="en-US" smtClean="0"/>
+              <a:t>IoT Analytics Channel</a:t>
+            </a:r>
+            <a:endParaRPr lang="en-US"/>
+          </a:p>
+        </p:txBody>
+      </p:sp>
+      <p:sp>
+        <p:nvSpPr>
+          <p:cNvPr id="3" name="Content Placeholder 2"/>
+          <p:cNvSpPr>
+            <a:spLocks noGrp="1"/>
+          </p:cNvSpPr>
+          <p:nvPr>
+            <p:ph idx="1"/>
+          </p:nvPr>
+        </p:nvSpPr>
+        <p:spPr/>
+        <p:txBody>
+          <a:bodyPr/>
+          <a:lstStyle/>
+          <a:p>
+            <a:r>
+              <a:rPr lang="en-US"/>
+              <a:t>A</a:t>
+            </a:r>
+            <a:r>
+              <a:rPr lang="en-US" smtClean="0"/>
+              <a:t>WS </a:t>
+            </a:r>
+            <a:r>
+              <a:rPr lang="en-US"/>
+              <a:t>IoT Analytics Channel pulls messages or data into IoT Analytics from other </a:t>
+            </a:r>
+            <a:r>
+              <a:rPr lang="en-US"/>
+              <a:t>AWS </a:t>
+            </a:r>
+            <a:r>
+              <a:rPr lang="en-US" smtClean="0"/>
+              <a:t>sources</a:t>
+            </a:r>
+          </a:p>
+          <a:p>
+            <a:pPr lvl="1"/>
+            <a:r>
+              <a:rPr lang="en-US" smtClean="0"/>
+              <a:t>E.g. </a:t>
+            </a:r>
+            <a:r>
+              <a:rPr lang="en-US"/>
+              <a:t>Amazon S3, Amazon Kinesis, or Amazon IoT Core</a:t>
+            </a:r>
+            <a:endParaRPr lang="en-US"/>
+          </a:p>
+        </p:txBody>
+      </p:sp>
+      <p:pic>
+        <p:nvPicPr>
+          <p:cNvPr id="4" name="Picture 3"/>
+          <p:cNvPicPr>
+            <a:picLocks noChangeAspect="1"/>
+          </p:cNvPicPr>
+          <p:nvPr/>
+        </p:nvPicPr>
+        <p:blipFill>
+          <a:blip r:embed="rId2"/>
+          <a:stretch>
+            <a:fillRect/>
+          </a:stretch>
+        </p:blipFill>
+        <p:spPr>
+          <a:xfrm>
+            <a:off x="2026024" y="3121749"/>
+            <a:ext cx="5705754" cy="3574885"/>
+          </a:xfrm>
+          <a:prstGeom prst="rect">
+            <a:avLst/>
+          </a:prstGeom>
+        </p:spPr>
+      </p:pic>
+    </p:spTree>
+    <p:extLst>
+      <p:ext uri="{BB962C8B-B14F-4D97-AF65-F5344CB8AC3E}">
+        <p14:creationId xmlns:p14="http://schemas.microsoft.com/office/powerpoint/2010/main" val="1557344867"/>
+      </p:ext>
+    </p:extLst>
+  </p:cSld>
+  <p:clrMapOvr>
+    <a:masterClrMapping/>
+  </p:clrMapOvr>
+</p:sld>
+</file>
+
+<file path=ppt/slides/slide6.xml><?xml version="1.0" encoding="utf-8"?>
+<p:sld xmlns:a="http://schemas.openxmlformats.org/drawingml/2006/main" xmlns:r="http://schemas.openxmlformats.org/officeDocument/2006/relationships" xmlns:p="http://schemas.openxmlformats.org/presentationml/2006/main">
+  <p:cSld>
+    <p:spTree>
+      <p:nvGrpSpPr>
+        <p:cNvPr id="1" name=""/>
+        <p:cNvGrpSpPr/>
+        <p:nvPr/>
+      </p:nvGrpSpPr>
+      <p:grpSpPr>
+        <a:xfrm>
+          <a:off x="0" y="0"/>
+          <a:ext cx="0" cy="0"/>
+          <a:chOff x="0" y="0"/>
+          <a:chExt cx="0" cy="0"/>
+        </a:xfrm>
+      </p:grpSpPr>
+      <p:sp>
+        <p:nvSpPr>
+          <p:cNvPr id="2" name="Title 1"/>
+          <p:cNvSpPr>
+            <a:spLocks noGrp="1"/>
+          </p:cNvSpPr>
+          <p:nvPr>
+            <p:ph type="title"/>
+          </p:nvPr>
+        </p:nvSpPr>
+        <p:spPr/>
+        <p:txBody>
+          <a:bodyPr/>
+          <a:lstStyle/>
+          <a:p>
+            <a:r>
+              <a:rPr lang="en-US"/>
+              <a:t>IoT </a:t>
+            </a:r>
+            <a:r>
+              <a:rPr lang="en-US"/>
+              <a:t>Analytics </a:t>
+            </a:r>
+            <a:r>
+              <a:rPr lang="en-US" smtClean="0"/>
+              <a:t>Pipeline</a:t>
+            </a:r>
+            <a:endParaRPr lang="en-US"/>
+          </a:p>
+        </p:txBody>
+      </p:sp>
+      <p:sp>
+        <p:nvSpPr>
+          <p:cNvPr id="3" name="Content Placeholder 2"/>
+          <p:cNvSpPr>
+            <a:spLocks noGrp="1"/>
+          </p:cNvSpPr>
+          <p:nvPr>
+            <p:ph idx="1"/>
+          </p:nvPr>
+        </p:nvSpPr>
+        <p:spPr/>
+        <p:txBody>
+          <a:bodyPr/>
+          <a:lstStyle/>
+          <a:p>
+            <a:r>
+              <a:rPr lang="en-US"/>
+              <a:t>AWS IoT Analytics Pipeline consumes messages from one or more Channels. Pipelines transform, filter, and enrich the messages before storing them in IoT Analytics Data stores</a:t>
+            </a:r>
+          </a:p>
+        </p:txBody>
+      </p:sp>
+      <p:pic>
+        <p:nvPicPr>
+          <p:cNvPr id="4" name="Picture 3"/>
+          <p:cNvPicPr>
+            <a:picLocks noChangeAspect="1"/>
+          </p:cNvPicPr>
+          <p:nvPr/>
+        </p:nvPicPr>
+        <p:blipFill>
+          <a:blip r:embed="rId2"/>
+          <a:stretch>
+            <a:fillRect/>
+          </a:stretch>
+        </p:blipFill>
+        <p:spPr>
+          <a:xfrm>
+            <a:off x="2057399" y="3174375"/>
+            <a:ext cx="5943600" cy="3536211"/>
+          </a:xfrm>
+          <a:prstGeom prst="rect">
+            <a:avLst/>
+          </a:prstGeom>
+        </p:spPr>
+      </p:pic>
+    </p:spTree>
+    <p:extLst>
+      <p:ext uri="{BB962C8B-B14F-4D97-AF65-F5344CB8AC3E}">
+        <p14:creationId xmlns:p14="http://schemas.microsoft.com/office/powerpoint/2010/main" val="3475319303"/>
+      </p:ext>
+    </p:extLst>
+  </p:cSld>
+  <p:clrMapOvr>
+    <a:masterClrMapping/>
+  </p:clrMapOvr>
+</p:sld>
+</file>
+
+<file path=ppt/slides/slide7.xml><?xml version="1.0" encoding="utf-8"?>
+<p:sld xmlns:a="http://schemas.openxmlformats.org/drawingml/2006/main" xmlns:r="http://schemas.openxmlformats.org/officeDocument/2006/relationships" xmlns:p="http://schemas.openxmlformats.org/presentationml/2006/main">
+  <p:cSld>
+    <p:spTree>
+      <p:nvGrpSpPr>
+        <p:cNvPr id="1" name=""/>
+        <p:cNvGrpSpPr/>
+        <p:nvPr/>
+      </p:nvGrpSpPr>
+      <p:grpSpPr>
+        <a:xfrm>
+          <a:off x="0" y="0"/>
+          <a:ext cx="0" cy="0"/>
+          <a:chOff x="0" y="0"/>
+          <a:chExt cx="0" cy="0"/>
+        </a:xfrm>
+      </p:grpSpPr>
+      <p:sp>
+        <p:nvSpPr>
+          <p:cNvPr id="2" name="Title 1"/>
+          <p:cNvSpPr>
+            <a:spLocks noGrp="1"/>
+          </p:cNvSpPr>
+          <p:nvPr>
+            <p:ph type="title"/>
+          </p:nvPr>
+        </p:nvSpPr>
+        <p:spPr/>
+        <p:txBody>
+          <a:bodyPr/>
+          <a:lstStyle/>
+          <a:p>
+            <a:r>
+              <a:rPr lang="en-US"/>
+              <a:t>IoT Analytics </a:t>
+            </a:r>
+            <a:r>
+              <a:rPr lang="en-US"/>
+              <a:t>Data </a:t>
+            </a:r>
+            <a:r>
+              <a:rPr lang="en-US" smtClean="0"/>
+              <a:t>store</a:t>
+            </a:r>
+            <a:endParaRPr lang="en-US"/>
+          </a:p>
+        </p:txBody>
+      </p:sp>
+      <p:sp>
+        <p:nvSpPr>
+          <p:cNvPr id="3" name="Content Placeholder 2"/>
+          <p:cNvSpPr>
+            <a:spLocks noGrp="1"/>
+          </p:cNvSpPr>
+          <p:nvPr>
+            <p:ph idx="1"/>
+          </p:nvPr>
+        </p:nvSpPr>
+        <p:spPr/>
+        <p:txBody>
+          <a:bodyPr/>
+          <a:lstStyle/>
+          <a:p>
+            <a:r>
+              <a:rPr lang="en-US"/>
+              <a:t>AWS IoT Analytics Data store stores prepared data from an AWS IoT Analytics Pipeline, in a fully-managed database</a:t>
+            </a:r>
+            <a:endParaRPr lang="en-US"/>
+          </a:p>
+        </p:txBody>
+      </p:sp>
+      <p:pic>
+        <p:nvPicPr>
+          <p:cNvPr id="4" name="Picture 3"/>
+          <p:cNvPicPr>
+            <a:picLocks noChangeAspect="1"/>
+          </p:cNvPicPr>
+          <p:nvPr/>
+        </p:nvPicPr>
+        <p:blipFill>
+          <a:blip r:embed="rId2"/>
+          <a:stretch>
+            <a:fillRect/>
+          </a:stretch>
+        </p:blipFill>
+        <p:spPr>
+          <a:xfrm>
+            <a:off x="2960907" y="2822331"/>
+            <a:ext cx="6235481" cy="3735264"/>
+          </a:xfrm>
+          <a:prstGeom prst="rect">
+            <a:avLst/>
+          </a:prstGeom>
+        </p:spPr>
+      </p:pic>
+    </p:spTree>
+    <p:extLst>
+      <p:ext uri="{BB962C8B-B14F-4D97-AF65-F5344CB8AC3E}">
+        <p14:creationId xmlns:p14="http://schemas.microsoft.com/office/powerpoint/2010/main" val="1434670765"/>
+      </p:ext>
+    </p:extLst>
+  </p:cSld>
+  <p:clrMapOvr>
+    <a:masterClrMapping/>
+  </p:clrMapOvr>
+</p:sld>
+</file>
+
+<file path=ppt/slides/slide8.xml><?xml version="1.0" encoding="utf-8"?>
+<p:sld xmlns:a="http://schemas.openxmlformats.org/drawingml/2006/main" xmlns:r="http://schemas.openxmlformats.org/officeDocument/2006/relationships" xmlns:p="http://schemas.openxmlformats.org/presentationml/2006/main">
+  <p:cSld>
+    <p:spTree>
+      <p:nvGrpSpPr>
+        <p:cNvPr id="1" name=""/>
+        <p:cNvGrpSpPr/>
+        <p:nvPr/>
+      </p:nvGrpSpPr>
+      <p:grpSpPr>
+        <a:xfrm>
+          <a:off x="0" y="0"/>
+          <a:ext cx="0" cy="0"/>
+          <a:chOff x="0" y="0"/>
+          <a:chExt cx="0" cy="0"/>
+        </a:xfrm>
+      </p:grpSpPr>
+      <p:sp>
+        <p:nvSpPr>
+          <p:cNvPr id="2" name="Title 1"/>
+          <p:cNvSpPr>
+            <a:spLocks noGrp="1"/>
+          </p:cNvSpPr>
+          <p:nvPr>
+            <p:ph type="title"/>
+          </p:nvPr>
+        </p:nvSpPr>
+        <p:spPr/>
+        <p:txBody>
+          <a:bodyPr/>
+          <a:lstStyle/>
+          <a:p>
+            <a:r>
+              <a:rPr lang="en-US"/>
+              <a:t>IoT Analytics Data set</a:t>
+            </a:r>
+          </a:p>
+        </p:txBody>
+      </p:sp>
+      <p:sp>
+        <p:nvSpPr>
+          <p:cNvPr id="3" name="Content Placeholder 2"/>
+          <p:cNvSpPr>
+            <a:spLocks noGrp="1"/>
+          </p:cNvSpPr>
+          <p:nvPr>
+            <p:ph idx="1"/>
+          </p:nvPr>
+        </p:nvSpPr>
+        <p:spPr/>
+        <p:txBody>
+          <a:bodyPr/>
+          <a:lstStyle/>
+          <a:p>
+            <a:r>
+              <a:rPr lang="en-US"/>
+              <a:t> AWS IoT Analytics Data set automatically provides regular, up-to-date insights for data analysts by querying a Data store using standard SQL</a:t>
+            </a:r>
+          </a:p>
+        </p:txBody>
+      </p:sp>
+      <p:pic>
+        <p:nvPicPr>
+          <p:cNvPr id="4" name="Picture 3"/>
+          <p:cNvPicPr>
+            <a:picLocks noChangeAspect="1"/>
+          </p:cNvPicPr>
+          <p:nvPr/>
+        </p:nvPicPr>
+        <p:blipFill>
+          <a:blip r:embed="rId2"/>
+          <a:stretch>
+            <a:fillRect/>
+          </a:stretch>
+        </p:blipFill>
+        <p:spPr>
+          <a:xfrm>
+            <a:off x="2690446" y="2795672"/>
+            <a:ext cx="6341818" cy="3821272"/>
+          </a:xfrm>
+          <a:prstGeom prst="rect">
+            <a:avLst/>
+          </a:prstGeom>
+        </p:spPr>
+      </p:pic>
+    </p:spTree>
+    <p:extLst>
+      <p:ext uri="{BB962C8B-B14F-4D97-AF65-F5344CB8AC3E}">
+        <p14:creationId xmlns:p14="http://schemas.microsoft.com/office/powerpoint/2010/main" val="908538385"/>
+      </p:ext>
+    </p:extLst>
+  </p:cSld>
+  <p:clrMapOvr>
+    <a:masterClrMapping/>
+  </p:clrMapOvr>
+</p:sld>
+</file>
+
+<file path=ppt/slides/slide9.xml><?xml version="1.0" encoding="utf-8"?>
+<p:sld xmlns:a="http://schemas.openxmlformats.org/drawingml/2006/main" xmlns:r="http://schemas.openxmlformats.org/officeDocument/2006/relationships" xmlns:p="http://schemas.openxmlformats.org/presentationml/2006/main">
+  <p:cSld>
+    <p:spTree>
+      <p:nvGrpSpPr>
+        <p:cNvPr id="1" name=""/>
+        <p:cNvGrpSpPr/>
+        <p:nvPr/>
+      </p:nvGrpSpPr>
+      <p:grpSpPr>
+        <a:xfrm>
+          <a:off x="0" y="0"/>
+          <a:ext cx="0" cy="0"/>
+          <a:chOff x="0" y="0"/>
+          <a:chExt cx="0" cy="0"/>
+        </a:xfrm>
+      </p:grpSpPr>
+      <p:sp>
+        <p:nvSpPr>
+          <p:cNvPr id="3" name="Content Placeholder 2"/>
+          <p:cNvSpPr>
+            <a:spLocks noGrp="1"/>
+          </p:cNvSpPr>
+          <p:nvPr>
+            <p:ph idx="1"/>
+          </p:nvPr>
+        </p:nvSpPr>
+        <p:spPr/>
+        <p:txBody>
+          <a:bodyPr>
+            <a:normAutofit/>
+          </a:bodyPr>
+          <a:lstStyle/>
+          <a:p>
+            <a:r>
+              <a:rPr lang="en-US" sz="2400"/>
+              <a:t>AWS IoT Analytics Notebook allows users to perform statistical analysis and machine learning on IoT Analytics Data sets using </a:t>
+            </a:r>
+            <a:r>
+              <a:rPr lang="en-US" sz="2400" u="sng">
+                <a:hlinkClick r:id="rId2"/>
+              </a:rPr>
+              <a:t>Jupyter Notebooks</a:t>
+            </a:r>
+            <a:endParaRPr lang="en-US" sz="2400"/>
+          </a:p>
+        </p:txBody>
+      </p:sp>
+      <p:sp>
+        <p:nvSpPr>
+          <p:cNvPr id="2" name="Title 1"/>
+          <p:cNvSpPr>
+            <a:spLocks noGrp="1"/>
+          </p:cNvSpPr>
+          <p:nvPr>
+            <p:ph type="title"/>
+          </p:nvPr>
+        </p:nvSpPr>
+        <p:spPr/>
+        <p:txBody>
+          <a:bodyPr/>
+          <a:lstStyle/>
+          <a:p>
+            <a:r>
+              <a:rPr lang="en-US"/>
+              <a:t>IoT </a:t>
+            </a:r>
+            <a:r>
+              <a:rPr lang="en-US"/>
+              <a:t>Analytics </a:t>
+            </a:r>
+            <a:r>
+              <a:rPr lang="en-US" smtClean="0"/>
+              <a:t>Notebook</a:t>
+            </a:r>
+            <a:endParaRPr lang="en-US"/>
+          </a:p>
+        </p:txBody>
+      </p:sp>
+    </p:spTree>
+    <p:extLst>
+      <p:ext uri="{BB962C8B-B14F-4D97-AF65-F5344CB8AC3E}">
+        <p14:creationId xmlns:p14="http://schemas.microsoft.com/office/powerpoint/2010/main" val="2536839982"/>
       </p:ext>
     </p:extLst>
   </p:cSld>

--- a/IoT analytics.pptx
+++ b/IoT analytics.pptx
@@ -7,18 +7,18 @@
   <p:sldIdLst>
     <p:sldId id="256" r:id="rId2"/>
     <p:sldId id="266" r:id="rId3"/>
-    <p:sldId id="267" r:id="rId4"/>
-    <p:sldId id="268" r:id="rId5"/>
-    <p:sldId id="269" r:id="rId6"/>
-    <p:sldId id="270" r:id="rId7"/>
-    <p:sldId id="271" r:id="rId8"/>
-    <p:sldId id="272" r:id="rId9"/>
-    <p:sldId id="273" r:id="rId10"/>
-    <p:sldId id="259" r:id="rId11"/>
-    <p:sldId id="264" r:id="rId12"/>
-    <p:sldId id="265" r:id="rId13"/>
-    <p:sldId id="260" r:id="rId14"/>
-    <p:sldId id="261" r:id="rId15"/>
+    <p:sldId id="276" r:id="rId4"/>
+    <p:sldId id="267" r:id="rId5"/>
+    <p:sldId id="268" r:id="rId6"/>
+    <p:sldId id="269" r:id="rId7"/>
+    <p:sldId id="270" r:id="rId8"/>
+    <p:sldId id="271" r:id="rId9"/>
+    <p:sldId id="272" r:id="rId10"/>
+    <p:sldId id="273" r:id="rId11"/>
+    <p:sldId id="274" r:id="rId12"/>
+    <p:sldId id="259" r:id="rId13"/>
+    <p:sldId id="264" r:id="rId14"/>
+    <p:sldId id="265" r:id="rId15"/>
   </p:sldIdLst>
   <p:sldSz cx="12192000" cy="6858000"/>
   <p:notesSz cx="6858000" cy="9144000"/>
@@ -256,7 +256,7 @@
           <a:p>
             <a:fld id="{3BC1C1F4-6ABF-4EFA-90D5-B3F216C913A9}" type="datetimeFigureOut">
               <a:rPr lang="en-US" smtClean="0"/>
-              <a:t>10/22/2020</a:t>
+              <a:t>10/23/2020</a:t>
             </a:fld>
             <a:endParaRPr lang="en-US"/>
           </a:p>
@@ -426,7 +426,7 @@
           <a:p>
             <a:fld id="{3BC1C1F4-6ABF-4EFA-90D5-B3F216C913A9}" type="datetimeFigureOut">
               <a:rPr lang="en-US" smtClean="0"/>
-              <a:t>10/22/2020</a:t>
+              <a:t>10/23/2020</a:t>
             </a:fld>
             <a:endParaRPr lang="en-US"/>
           </a:p>
@@ -606,7 +606,7 @@
           <a:p>
             <a:fld id="{3BC1C1F4-6ABF-4EFA-90D5-B3F216C913A9}" type="datetimeFigureOut">
               <a:rPr lang="en-US" smtClean="0"/>
-              <a:t>10/22/2020</a:t>
+              <a:t>10/23/2020</a:t>
             </a:fld>
             <a:endParaRPr lang="en-US"/>
           </a:p>
@@ -776,7 +776,7 @@
           <a:p>
             <a:fld id="{3BC1C1F4-6ABF-4EFA-90D5-B3F216C913A9}" type="datetimeFigureOut">
               <a:rPr lang="en-US" smtClean="0"/>
-              <a:t>10/22/2020</a:t>
+              <a:t>10/23/2020</a:t>
             </a:fld>
             <a:endParaRPr lang="en-US"/>
           </a:p>
@@ -1022,7 +1022,7 @@
           <a:p>
             <a:fld id="{3BC1C1F4-6ABF-4EFA-90D5-B3F216C913A9}" type="datetimeFigureOut">
               <a:rPr lang="en-US" smtClean="0"/>
-              <a:t>10/22/2020</a:t>
+              <a:t>10/23/2020</a:t>
             </a:fld>
             <a:endParaRPr lang="en-US"/>
           </a:p>
@@ -1254,7 +1254,7 @@
           <a:p>
             <a:fld id="{3BC1C1F4-6ABF-4EFA-90D5-B3F216C913A9}" type="datetimeFigureOut">
               <a:rPr lang="en-US" smtClean="0"/>
-              <a:t>10/22/2020</a:t>
+              <a:t>10/23/2020</a:t>
             </a:fld>
             <a:endParaRPr lang="en-US"/>
           </a:p>
@@ -1621,7 +1621,7 @@
           <a:p>
             <a:fld id="{3BC1C1F4-6ABF-4EFA-90D5-B3F216C913A9}" type="datetimeFigureOut">
               <a:rPr lang="en-US" smtClean="0"/>
-              <a:t>10/22/2020</a:t>
+              <a:t>10/23/2020</a:t>
             </a:fld>
             <a:endParaRPr lang="en-US"/>
           </a:p>
@@ -1739,7 +1739,7 @@
           <a:p>
             <a:fld id="{3BC1C1F4-6ABF-4EFA-90D5-B3F216C913A9}" type="datetimeFigureOut">
               <a:rPr lang="en-US" smtClean="0"/>
-              <a:t>10/22/2020</a:t>
+              <a:t>10/23/2020</a:t>
             </a:fld>
             <a:endParaRPr lang="en-US"/>
           </a:p>
@@ -1834,7 +1834,7 @@
           <a:p>
             <a:fld id="{3BC1C1F4-6ABF-4EFA-90D5-B3F216C913A9}" type="datetimeFigureOut">
               <a:rPr lang="en-US" smtClean="0"/>
-              <a:t>10/22/2020</a:t>
+              <a:t>10/23/2020</a:t>
             </a:fld>
             <a:endParaRPr lang="en-US"/>
           </a:p>
@@ -2111,7 +2111,7 @@
           <a:p>
             <a:fld id="{3BC1C1F4-6ABF-4EFA-90D5-B3F216C913A9}" type="datetimeFigureOut">
               <a:rPr lang="en-US" smtClean="0"/>
-              <a:t>10/22/2020</a:t>
+              <a:t>10/23/2020</a:t>
             </a:fld>
             <a:endParaRPr lang="en-US"/>
           </a:p>
@@ -2364,7 +2364,7 @@
           <a:p>
             <a:fld id="{3BC1C1F4-6ABF-4EFA-90D5-B3F216C913A9}" type="datetimeFigureOut">
               <a:rPr lang="en-US" smtClean="0"/>
-              <a:t>10/22/2020</a:t>
+              <a:t>10/23/2020</a:t>
             </a:fld>
             <a:endParaRPr lang="en-US"/>
           </a:p>
@@ -2577,7 +2577,7 @@
           <a:p>
             <a:fld id="{3BC1C1F4-6ABF-4EFA-90D5-B3F216C913A9}" type="datetimeFigureOut">
               <a:rPr lang="en-US" smtClean="0"/>
-              <a:t>10/22/2020</a:t>
+              <a:t>10/23/2020</a:t>
             </a:fld>
             <a:endParaRPr lang="en-US"/>
           </a:p>
@@ -3037,6 +3037,37 @@
       </p:grpSpPr>
       <p:sp>
         <p:nvSpPr>
+          <p:cNvPr id="3" name="Content Placeholder 2"/>
+          <p:cNvSpPr>
+            <a:spLocks noGrp="1"/>
+          </p:cNvSpPr>
+          <p:nvPr>
+            <p:ph idx="1"/>
+          </p:nvPr>
+        </p:nvSpPr>
+        <p:spPr/>
+        <p:txBody>
+          <a:bodyPr>
+            <a:normAutofit/>
+          </a:bodyPr>
+          <a:lstStyle/>
+          <a:p>
+            <a:r>
+              <a:rPr lang="en-US" sz="2400"/>
+              <a:t>AWS IoT Analytics Notebook allows users to perform statistical analysis and machine learning on IoT Analytics Data sets using </a:t>
+            </a:r>
+            <a:r>
+              <a:rPr lang="en-US" sz="2400" u="sng">
+                <a:hlinkClick r:id="rId2"/>
+              </a:rPr>
+              <a:t>Jupyter Notebooks</a:t>
+            </a:r>
+            <a:endParaRPr lang="en-US" sz="2400"/>
+          </a:p>
+        </p:txBody>
+      </p:sp>
+      <p:sp>
+        <p:nvSpPr>
           <p:cNvPr id="2" name="Title 1"/>
           <p:cNvSpPr>
             <a:spLocks noGrp="1"/>
@@ -3052,11 +3083,11 @@
           <a:p>
             <a:r>
               <a:rPr lang="en-US"/>
-              <a:t>AWS </a:t>
-            </a:r>
-            <a:r>
-              <a:rPr lang="en-US" smtClean="0"/>
-              <a:t>Predictive maintenance architecture</a:t>
+              <a:t>IoT Analytics </a:t>
+            </a:r>
+            <a:r>
+              <a:rPr lang="en-US" smtClean="0"/>
+              <a:t>Notebook</a:t>
             </a:r>
             <a:endParaRPr lang="en-US"/>
           </a:p>
@@ -3064,32 +3095,90 @@
       </p:sp>
       <p:pic>
         <p:nvPicPr>
-          <p:cNvPr id="4" name="Picture 3"/>
+          <p:cNvPr id="1026" name="Picture 2" descr="Image for post"/>
           <p:cNvPicPr>
-            <a:picLocks noChangeAspect="1"/>
+            <a:picLocks noChangeAspect="1" noChangeArrowheads="1"/>
           </p:cNvPicPr>
           <p:nvPr/>
         </p:nvPicPr>
         <p:blipFill>
-          <a:blip r:embed="rId2"/>
+          <a:blip r:embed="rId3">
+            <a:extLst>
+              <a:ext uri="{28A0092B-C50C-407E-A947-70E740481C1C}">
+                <a14:useLocalDpi xmlns:a14="http://schemas.microsoft.com/office/drawing/2010/main" val="0"/>
+              </a:ext>
+            </a:extLst>
+          </a:blip>
+          <a:srcRect/>
           <a:stretch>
             <a:fillRect/>
           </a:stretch>
         </p:blipFill>
-        <p:spPr>
+        <p:spPr bwMode="auto">
           <a:xfrm>
-            <a:off x="1635369" y="1402175"/>
-            <a:ext cx="7236070" cy="4658264"/>
+            <a:off x="6093069" y="2811064"/>
+            <a:ext cx="5643442" cy="3528637"/>
           </a:xfrm>
           <a:prstGeom prst="rect">
             <a:avLst/>
           </a:prstGeom>
+          <a:noFill/>
+          <a:extLst>
+            <a:ext uri="{909E8E84-426E-40DD-AFC4-6F175D3DCCD1}">
+              <a14:hiddenFill xmlns:a14="http://schemas.microsoft.com/office/drawing/2010/main">
+                <a:solidFill>
+                  <a:srgbClr val="FFFFFF"/>
+                </a:solidFill>
+              </a14:hiddenFill>
+            </a:ext>
+          </a:extLst>
+        </p:spPr>
+      </p:pic>
+      <p:pic>
+        <p:nvPicPr>
+          <p:cNvPr id="1028" name="Picture 4" descr="Image for post"/>
+          <p:cNvPicPr>
+            <a:picLocks noChangeAspect="1" noChangeArrowheads="1"/>
+          </p:cNvPicPr>
+          <p:nvPr/>
+        </p:nvPicPr>
+        <p:blipFill>
+          <a:blip r:embed="rId4">
+            <a:extLst>
+              <a:ext uri="{28A0092B-C50C-407E-A947-70E740481C1C}">
+                <a14:useLocalDpi xmlns:a14="http://schemas.microsoft.com/office/drawing/2010/main" val="0"/>
+              </a:ext>
+            </a:extLst>
+          </a:blip>
+          <a:srcRect/>
+          <a:stretch>
+            <a:fillRect/>
+          </a:stretch>
+        </p:blipFill>
+        <p:spPr bwMode="auto">
+          <a:xfrm>
+            <a:off x="211014" y="2811064"/>
+            <a:ext cx="5598980" cy="3500836"/>
+          </a:xfrm>
+          <a:prstGeom prst="rect">
+            <a:avLst/>
+          </a:prstGeom>
+          <a:noFill/>
+          <a:extLst>
+            <a:ext uri="{909E8E84-426E-40DD-AFC4-6F175D3DCCD1}">
+              <a14:hiddenFill xmlns:a14="http://schemas.microsoft.com/office/drawing/2010/main">
+                <a:solidFill>
+                  <a:srgbClr val="FFFFFF"/>
+                </a:solidFill>
+              </a14:hiddenFill>
+            </a:ext>
+          </a:extLst>
         </p:spPr>
       </p:pic>
     </p:spTree>
     <p:extLst>
       <p:ext uri="{BB962C8B-B14F-4D97-AF65-F5344CB8AC3E}">
-        <p14:creationId xmlns:p14="http://schemas.microsoft.com/office/powerpoint/2010/main" val="2281016447"/>
+        <p14:creationId xmlns:p14="http://schemas.microsoft.com/office/powerpoint/2010/main" val="2536839982"/>
       </p:ext>
     </p:extLst>
   </p:cSld>
@@ -3133,8 +3222,13 @@
           <a:p>
             <a:r>
               <a:rPr lang="en-US"/>
-              <a:t>AWS Predictive maintenance architecture</a:t>
-            </a:r>
+              <a:t>Amazon </a:t>
+            </a:r>
+            <a:r>
+              <a:rPr lang="en-US" smtClean="0"/>
+              <a:t>QuickSight</a:t>
+            </a:r>
+            <a:endParaRPr lang="en-US"/>
           </a:p>
         </p:txBody>
       </p:sp>
@@ -3150,94 +3244,103 @@
         </p:nvSpPr>
         <p:spPr/>
         <p:txBody>
-          <a:bodyPr>
-            <a:normAutofit fontScale="92500" lnSpcReduction="20000"/>
-          </a:bodyPr>
+          <a:bodyPr/>
           <a:lstStyle/>
           <a:p>
             <a:r>
               <a:rPr lang="en-US"/>
-              <a:t>This solution includes an </a:t>
-            </a:r>
-            <a:r>
-              <a:rPr lang="en-US">
-                <a:hlinkClick r:id="rId2"/>
-              </a:rPr>
-              <a:t>AWS CloudFormation</a:t>
-            </a:r>
-            <a:r>
-              <a:rPr lang="en-US"/>
-              <a:t> template that deploys an example dataset of a </a:t>
-            </a:r>
-            <a:r>
-              <a:rPr lang="en-US">
-                <a:hlinkClick r:id="rId3"/>
-              </a:rPr>
-              <a:t>turbofan degradation simulation</a:t>
-            </a:r>
-            <a:r>
-              <a:rPr lang="en-US"/>
-              <a:t> contained in an </a:t>
-            </a:r>
-            <a:r>
-              <a:rPr lang="en-US">
-                <a:hlinkClick r:id="rId4"/>
-              </a:rPr>
-              <a:t>Amazon Simple Storage Service</a:t>
-            </a:r>
-            <a:r>
-              <a:rPr lang="en-US"/>
-              <a:t> (Amazon S3) bucket and an </a:t>
-            </a:r>
-            <a:r>
-              <a:rPr lang="en-US">
-                <a:hlinkClick r:id="rId5"/>
-              </a:rPr>
-              <a:t>Amazon SageMaker</a:t>
-            </a:r>
-            <a:r>
-              <a:rPr lang="en-US"/>
-              <a:t> endpoint with an ML model that will be trained on the dataset to predict remaining useful life (RUL).</a:t>
-            </a:r>
-          </a:p>
-          <a:p>
-            <a:r>
-              <a:rPr lang="en-US"/>
-              <a:t>The solution uses a SageMaker notebook instance to orchestrate the model, and a SageMaker training instance to perform the training. The training code and trained model are stored in the solution's Amazon S3 bucket.</a:t>
-            </a:r>
-          </a:p>
-          <a:p>
-            <a:r>
-              <a:rPr lang="en-US"/>
-              <a:t>The solution also deploys an </a:t>
-            </a:r>
-            <a:r>
-              <a:rPr lang="en-US">
-                <a:hlinkClick r:id="rId6"/>
-              </a:rPr>
-              <a:t>Amazon CloudWatch Events</a:t>
-            </a:r>
-            <a:r>
-              <a:rPr lang="en-US"/>
-              <a:t> rule that is configured to run once per day. The rule is configured to trigger an </a:t>
-            </a:r>
-            <a:r>
-              <a:rPr lang="en-US">
-                <a:hlinkClick r:id="rId7"/>
-              </a:rPr>
-              <a:t>AWS Lambda</a:t>
-            </a:r>
-            <a:r>
-              <a:rPr lang="en-US"/>
-              <a:t> function that creates an Amazon SageMaker batch transform job that uses the trained model to predict RUL from the example dataset.</a:t>
-            </a:r>
-          </a:p>
-        </p:txBody>
-      </p:sp>
+              <a:t>a wide variety of data source options for creating Amazon QuickSight Data sets</a:t>
+            </a:r>
+            <a:endParaRPr lang="en-US"/>
+          </a:p>
+        </p:txBody>
+      </p:sp>
+      <p:pic>
+        <p:nvPicPr>
+          <p:cNvPr id="2050" name="Picture 2" descr="Image for post"/>
+          <p:cNvPicPr>
+            <a:picLocks noChangeAspect="1" noChangeArrowheads="1"/>
+          </p:cNvPicPr>
+          <p:nvPr/>
+        </p:nvPicPr>
+        <p:blipFill>
+          <a:blip r:embed="rId2">
+            <a:extLst>
+              <a:ext uri="{28A0092B-C50C-407E-A947-70E740481C1C}">
+                <a14:useLocalDpi xmlns:a14="http://schemas.microsoft.com/office/drawing/2010/main" val="0"/>
+              </a:ext>
+            </a:extLst>
+          </a:blip>
+          <a:srcRect/>
+          <a:stretch>
+            <a:fillRect/>
+          </a:stretch>
+        </p:blipFill>
+        <p:spPr bwMode="auto">
+          <a:xfrm>
+            <a:off x="158262" y="2978117"/>
+            <a:ext cx="5331808" cy="3333783"/>
+          </a:xfrm>
+          <a:prstGeom prst="rect">
+            <a:avLst/>
+          </a:prstGeom>
+          <a:noFill/>
+          <a:extLst>
+            <a:ext uri="{909E8E84-426E-40DD-AFC4-6F175D3DCCD1}">
+              <a14:hiddenFill xmlns:a14="http://schemas.microsoft.com/office/drawing/2010/main">
+                <a:solidFill>
+                  <a:srgbClr val="FFFFFF"/>
+                </a:solidFill>
+              </a14:hiddenFill>
+            </a:ext>
+          </a:extLst>
+        </p:spPr>
+      </p:pic>
+      <p:pic>
+        <p:nvPicPr>
+          <p:cNvPr id="2052" name="Picture 4" descr="Image for post"/>
+          <p:cNvPicPr>
+            <a:picLocks noChangeAspect="1" noChangeArrowheads="1"/>
+          </p:cNvPicPr>
+          <p:nvPr/>
+        </p:nvPicPr>
+        <p:blipFill>
+          <a:blip r:embed="rId3">
+            <a:extLst>
+              <a:ext uri="{28A0092B-C50C-407E-A947-70E740481C1C}">
+                <a14:useLocalDpi xmlns:a14="http://schemas.microsoft.com/office/drawing/2010/main" val="0"/>
+              </a:ext>
+            </a:extLst>
+          </a:blip>
+          <a:srcRect/>
+          <a:stretch>
+            <a:fillRect/>
+          </a:stretch>
+        </p:blipFill>
+        <p:spPr bwMode="auto">
+          <a:xfrm>
+            <a:off x="5828079" y="2748903"/>
+            <a:ext cx="6064982" cy="3792210"/>
+          </a:xfrm>
+          <a:prstGeom prst="rect">
+            <a:avLst/>
+          </a:prstGeom>
+          <a:noFill/>
+          <a:extLst>
+            <a:ext uri="{909E8E84-426E-40DD-AFC4-6F175D3DCCD1}">
+              <a14:hiddenFill xmlns:a14="http://schemas.microsoft.com/office/drawing/2010/main">
+                <a:solidFill>
+                  <a:srgbClr val="FFFFFF"/>
+                </a:solidFill>
+              </a14:hiddenFill>
+            </a:ext>
+          </a:extLst>
+        </p:spPr>
+      </p:pic>
     </p:spTree>
     <p:extLst>
       <p:ext uri="{BB962C8B-B14F-4D97-AF65-F5344CB8AC3E}">
-        <p14:creationId xmlns:p14="http://schemas.microsoft.com/office/powerpoint/2010/main" val="2322710326"/>
+        <p14:creationId xmlns:p14="http://schemas.microsoft.com/office/powerpoint/2010/main" val="3778093758"/>
       </p:ext>
     </p:extLst>
   </p:cSld>
@@ -3280,129 +3383,45 @@
           <a:lstStyle/>
           <a:p>
             <a:r>
-              <a:rPr lang="en-US" smtClean="0"/>
-              <a:t>Steps to deploy </a:t>
-            </a:r>
-            <a:endParaRPr lang="en-US"/>
-          </a:p>
-        </p:txBody>
-      </p:sp>
-      <p:sp>
-        <p:nvSpPr>
-          <p:cNvPr id="3" name="Content Placeholder 2"/>
-          <p:cNvSpPr>
-            <a:spLocks noGrp="1"/>
-          </p:cNvSpPr>
-          <p:nvPr>
-            <p:ph idx="1"/>
-          </p:nvPr>
-        </p:nvSpPr>
-        <p:spPr/>
-        <p:txBody>
-          <a:bodyPr>
-            <a:normAutofit fontScale="92500" lnSpcReduction="10000"/>
-          </a:bodyPr>
-          <a:lstStyle/>
-          <a:p>
-            <a:r>
-              <a:rPr lang="en-US" u="sng">
-                <a:hlinkClick r:id="rId2"/>
-              </a:rPr>
-              <a:t>Step 1. Launch the Stack</a:t>
-            </a:r>
-            <a:endParaRPr lang="en-US"/>
-          </a:p>
-          <a:p>
-            <a:pPr lvl="1"/>
-            <a:r>
               <a:rPr lang="en-US"/>
-              <a:t>Launch the AWS CloudFormation template into your AWS account.</a:t>
-            </a:r>
-          </a:p>
-          <a:p>
-            <a:pPr lvl="1"/>
-            <a:r>
-              <a:rPr lang="en-US"/>
-              <a:t>Enter values for the required parameters: </a:t>
-            </a:r>
-            <a:r>
-              <a:rPr lang="en-US" b="1"/>
-              <a:t>Stack Name</a:t>
-            </a:r>
-            <a:r>
-              <a:rPr lang="en-US"/>
-              <a:t>, </a:t>
-            </a:r>
-            <a:r>
-              <a:rPr lang="en-US" b="1"/>
-              <a:t>Model and Data Bucket Name</a:t>
-            </a:r>
-            <a:endParaRPr lang="en-US"/>
-          </a:p>
-          <a:p>
-            <a:pPr lvl="1"/>
-            <a:r>
-              <a:rPr lang="en-US"/>
-              <a:t>Review the other template parameters, and adjust if necessary.</a:t>
-            </a:r>
-          </a:p>
-          <a:p>
-            <a:r>
-              <a:rPr lang="en-US">
-                <a:hlinkClick r:id="rId3"/>
-              </a:rPr>
-              <a:t>Step 2. Run the Notebook</a:t>
-            </a:r>
-            <a:endParaRPr lang="en-US"/>
-          </a:p>
-          <a:p>
-            <a:pPr lvl="1"/>
-            <a:r>
-              <a:rPr lang="en-US"/>
-              <a:t>Run the Jupyter Notebook to train the ML model.</a:t>
-            </a:r>
-          </a:p>
-          <a:p>
-            <a:r>
-              <a:rPr lang="en-US">
-                <a:hlinkClick r:id="rId4"/>
-              </a:rPr>
-              <a:t>Step 3. Enable the CloudWatch Events Rule</a:t>
-            </a:r>
-            <a:endParaRPr lang="en-US"/>
-          </a:p>
-          <a:p>
-            <a:pPr lvl="1"/>
-            <a:r>
-              <a:rPr lang="en-US"/>
-              <a:t>Enable the Amazon CloudWatch Events rule.</a:t>
-            </a:r>
-          </a:p>
-          <a:p>
-            <a:r>
-              <a:rPr lang="en-US">
-                <a:hlinkClick r:id="rId5"/>
-              </a:rPr>
-              <a:t>Step 4. Verify the Lambda Function Is Processing Data</a:t>
-            </a:r>
-            <a:endParaRPr lang="en-US"/>
-          </a:p>
-          <a:p>
-            <a:pPr lvl="1"/>
-            <a:r>
-              <a:rPr lang="en-US"/>
-              <a:t>Verify that the AWS Lambda function is processing data.</a:t>
-            </a:r>
-          </a:p>
-          <a:p>
-            <a:endParaRPr lang="en-US"/>
-          </a:p>
-        </p:txBody>
-      </p:sp>
+              <a:t>AWS </a:t>
+            </a:r>
+            <a:r>
+              <a:rPr lang="en-US" smtClean="0"/>
+              <a:t>Predictive maintenance architecture</a:t>
+            </a:r>
+            <a:endParaRPr lang="en-US"/>
+          </a:p>
+        </p:txBody>
+      </p:sp>
+      <p:pic>
+        <p:nvPicPr>
+          <p:cNvPr id="4" name="Picture 3"/>
+          <p:cNvPicPr>
+            <a:picLocks noChangeAspect="1"/>
+          </p:cNvPicPr>
+          <p:nvPr/>
+        </p:nvPicPr>
+        <p:blipFill>
+          <a:blip r:embed="rId2"/>
+          <a:stretch>
+            <a:fillRect/>
+          </a:stretch>
+        </p:blipFill>
+        <p:spPr>
+          <a:xfrm>
+            <a:off x="1863969" y="1490098"/>
+            <a:ext cx="7236070" cy="4658264"/>
+          </a:xfrm>
+          <a:prstGeom prst="rect">
+            <a:avLst/>
+          </a:prstGeom>
+        </p:spPr>
+      </p:pic>
     </p:spTree>
     <p:extLst>
       <p:ext uri="{BB962C8B-B14F-4D97-AF65-F5344CB8AC3E}">
-        <p14:creationId xmlns:p14="http://schemas.microsoft.com/office/powerpoint/2010/main" val="3570463678"/>
+        <p14:creationId xmlns:p14="http://schemas.microsoft.com/office/powerpoint/2010/main" val="2281016447"/>
       </p:ext>
     </p:extLst>
   </p:cSld>
@@ -3446,13 +3465,8 @@
           <a:p>
             <a:r>
               <a:rPr lang="en-US"/>
-              <a:t>Amazon CloudWatch </a:t>
-            </a:r>
-            <a:r>
-              <a:rPr lang="en-US" smtClean="0"/>
-              <a:t>Events</a:t>
-            </a:r>
-            <a:endParaRPr lang="en-US"/>
+              <a:t>AWS Predictive maintenance architecture</a:t>
+            </a:r>
           </a:p>
         </p:txBody>
       </p:sp>
@@ -3468,72 +3482,94 @@
         </p:nvSpPr>
         <p:spPr/>
         <p:txBody>
-          <a:bodyPr/>
-          <a:lstStyle/>
-          <a:p>
-            <a:r>
-              <a:rPr lang="en-US" smtClean="0"/>
-              <a:t>Events</a:t>
-            </a:r>
-            <a:endParaRPr lang="en-US"/>
-          </a:p>
-          <a:p>
-            <a:pPr lvl="1"/>
-            <a:r>
-              <a:rPr lang="en-US" smtClean="0"/>
-              <a:t>An event indicates a change in AWS environment</a:t>
-            </a:r>
-          </a:p>
-          <a:p>
-            <a:pPr lvl="1"/>
-            <a:r>
-              <a:rPr lang="en-US" smtClean="0"/>
-              <a:t>E.g. EC2 instance changes from pending to running</a:t>
-            </a:r>
-          </a:p>
-          <a:p>
-            <a:r>
-              <a:rPr lang="en-US" smtClean="0"/>
-              <a:t>Rules</a:t>
-            </a:r>
-          </a:p>
-          <a:p>
-            <a:pPr lvl="1"/>
-            <a:r>
-              <a:rPr lang="en-US" smtClean="0"/>
-              <a:t>A rule matches incoming events and routes them to targets</a:t>
-            </a:r>
-          </a:p>
-          <a:p>
-            <a:r>
-              <a:rPr lang="en-US" smtClean="0"/>
-              <a:t>Targets</a:t>
-            </a:r>
-          </a:p>
-          <a:p>
-            <a:pPr lvl="1"/>
-            <a:r>
-              <a:rPr lang="en-US" smtClean="0"/>
-              <a:t>A target processes events</a:t>
-            </a:r>
-          </a:p>
-          <a:p>
-            <a:pPr lvl="1"/>
-            <a:r>
-              <a:rPr lang="en-US" smtClean="0"/>
-              <a:t>E.g. Lambda functions, EC2 instances</a:t>
-            </a:r>
-          </a:p>
-          <a:p>
-            <a:pPr lvl="1"/>
-            <a:endParaRPr lang="en-US"/>
+          <a:bodyPr>
+            <a:normAutofit fontScale="92500" lnSpcReduction="20000"/>
+          </a:bodyPr>
+          <a:lstStyle/>
+          <a:p>
+            <a:r>
+              <a:rPr lang="en-US"/>
+              <a:t>This solution includes an </a:t>
+            </a:r>
+            <a:r>
+              <a:rPr lang="en-US">
+                <a:hlinkClick r:id="rId2"/>
+              </a:rPr>
+              <a:t>AWS CloudFormation</a:t>
+            </a:r>
+            <a:r>
+              <a:rPr lang="en-US"/>
+              <a:t> template that deploys an example dataset of a </a:t>
+            </a:r>
+            <a:r>
+              <a:rPr lang="en-US">
+                <a:hlinkClick r:id="rId3"/>
+              </a:rPr>
+              <a:t>turbofan degradation simulation</a:t>
+            </a:r>
+            <a:r>
+              <a:rPr lang="en-US"/>
+              <a:t> contained in an </a:t>
+            </a:r>
+            <a:r>
+              <a:rPr lang="en-US">
+                <a:hlinkClick r:id="rId4"/>
+              </a:rPr>
+              <a:t>Amazon Simple Storage Service</a:t>
+            </a:r>
+            <a:r>
+              <a:rPr lang="en-US"/>
+              <a:t> (Amazon S3) bucket and an </a:t>
+            </a:r>
+            <a:r>
+              <a:rPr lang="en-US">
+                <a:hlinkClick r:id="rId5"/>
+              </a:rPr>
+              <a:t>Amazon SageMaker</a:t>
+            </a:r>
+            <a:r>
+              <a:rPr lang="en-US"/>
+              <a:t> endpoint with an ML model that will be trained on the dataset to predict remaining useful life (RUL).</a:t>
+            </a:r>
+          </a:p>
+          <a:p>
+            <a:r>
+              <a:rPr lang="en-US"/>
+              <a:t>The solution uses a SageMaker notebook instance to orchestrate the model, and a SageMaker training instance to perform the training. The training code and trained model are stored in the solution's Amazon S3 bucket.</a:t>
+            </a:r>
+          </a:p>
+          <a:p>
+            <a:r>
+              <a:rPr lang="en-US"/>
+              <a:t>The solution also deploys an </a:t>
+            </a:r>
+            <a:r>
+              <a:rPr lang="en-US">
+                <a:hlinkClick r:id="rId6"/>
+              </a:rPr>
+              <a:t>Amazon CloudWatch Events</a:t>
+            </a:r>
+            <a:r>
+              <a:rPr lang="en-US"/>
+              <a:t> rule that is configured to run once per day. The rule is configured to trigger an </a:t>
+            </a:r>
+            <a:r>
+              <a:rPr lang="en-US">
+                <a:hlinkClick r:id="rId7"/>
+              </a:rPr>
+              <a:t>AWS Lambda</a:t>
+            </a:r>
+            <a:r>
+              <a:rPr lang="en-US"/>
+              <a:t> function that creates an Amazon SageMaker batch transform job that uses the trained model to predict RUL from the example dataset.</a:t>
+            </a:r>
           </a:p>
         </p:txBody>
       </p:sp>
     </p:spTree>
     <p:extLst>
       <p:ext uri="{BB962C8B-B14F-4D97-AF65-F5344CB8AC3E}">
-        <p14:creationId xmlns:p14="http://schemas.microsoft.com/office/powerpoint/2010/main" val="2505378797"/>
+        <p14:creationId xmlns:p14="http://schemas.microsoft.com/office/powerpoint/2010/main" val="2322710326"/>
       </p:ext>
     </p:extLst>
   </p:cSld>
@@ -3577,15 +3613,15 @@
           <a:p>
             <a:r>
               <a:rPr lang="en-US" smtClean="0"/>
-              <a:t>AWS Lambda</a:t>
-            </a:r>
-            <a:endParaRPr lang="en-US"/>
-          </a:p>
-        </p:txBody>
-      </p:sp>
-      <p:sp>
-        <p:nvSpPr>
-          <p:cNvPr id="5" name="Content Placeholder 4"/>
+              <a:t>Steps to deploy </a:t>
+            </a:r>
+            <a:endParaRPr lang="en-US"/>
+          </a:p>
+        </p:txBody>
+      </p:sp>
+      <p:sp>
+        <p:nvSpPr>
+          <p:cNvPr id="3" name="Content Placeholder 2"/>
           <p:cNvSpPr>
             <a:spLocks noGrp="1"/>
           </p:cNvSpPr>
@@ -3595,45 +3631,110 @@
         </p:nvSpPr>
         <p:spPr/>
         <p:txBody>
-          <a:bodyPr/>
-          <a:lstStyle/>
-          <a:p>
-            <a:r>
-              <a:rPr lang="en-US" smtClean="0"/>
-              <a:t>Configure code to run in response to events</a:t>
-            </a:r>
-            <a:endParaRPr lang="en-US"/>
-          </a:p>
-        </p:txBody>
-      </p:sp>
-      <p:pic>
-        <p:nvPicPr>
-          <p:cNvPr id="4" name="Picture 3"/>
-          <p:cNvPicPr>
-            <a:picLocks noChangeAspect="1"/>
-          </p:cNvPicPr>
-          <p:nvPr/>
-        </p:nvPicPr>
-        <p:blipFill>
-          <a:blip r:embed="rId2"/>
-          <a:stretch>
-            <a:fillRect/>
-          </a:stretch>
-        </p:blipFill>
-        <p:spPr>
-          <a:xfrm>
-            <a:off x="564356" y="2852783"/>
-            <a:ext cx="11063287" cy="2669885"/>
-          </a:xfrm>
-          <a:prstGeom prst="rect">
-            <a:avLst/>
-          </a:prstGeom>
-        </p:spPr>
-      </p:pic>
+          <a:bodyPr>
+            <a:normAutofit fontScale="92500" lnSpcReduction="10000"/>
+          </a:bodyPr>
+          <a:lstStyle/>
+          <a:p>
+            <a:r>
+              <a:rPr lang="en-US" u="sng">
+                <a:hlinkClick r:id="rId2"/>
+              </a:rPr>
+              <a:t>Step 1. Launch the Stack</a:t>
+            </a:r>
+            <a:endParaRPr lang="en-US"/>
+          </a:p>
+          <a:p>
+            <a:pPr lvl="1"/>
+            <a:r>
+              <a:rPr lang="en-US"/>
+              <a:t>Launch the AWS CloudFormation template into your AWS account.</a:t>
+            </a:r>
+          </a:p>
+          <a:p>
+            <a:pPr lvl="1"/>
+            <a:r>
+              <a:rPr lang="en-US"/>
+              <a:t>Enter values for the required parameters: </a:t>
+            </a:r>
+            <a:r>
+              <a:rPr lang="en-US" b="1"/>
+              <a:t>Stack Name</a:t>
+            </a:r>
+            <a:r>
+              <a:rPr lang="en-US"/>
+              <a:t>, </a:t>
+            </a:r>
+            <a:r>
+              <a:rPr lang="en-US" b="1"/>
+              <a:t>Model and Data Bucket Name</a:t>
+            </a:r>
+            <a:endParaRPr lang="en-US"/>
+          </a:p>
+          <a:p>
+            <a:pPr lvl="1"/>
+            <a:r>
+              <a:rPr lang="en-US"/>
+              <a:t>Review the other template parameters, and adjust if necessary.</a:t>
+            </a:r>
+          </a:p>
+          <a:p>
+            <a:r>
+              <a:rPr lang="en-US">
+                <a:hlinkClick r:id="rId3"/>
+              </a:rPr>
+              <a:t>Step 2. Run the Notebook</a:t>
+            </a:r>
+            <a:endParaRPr lang="en-US"/>
+          </a:p>
+          <a:p>
+            <a:pPr lvl="1"/>
+            <a:r>
+              <a:rPr lang="en-US"/>
+              <a:t>Run the Jupyter Notebook to train the ML model.</a:t>
+            </a:r>
+          </a:p>
+          <a:p>
+            <a:r>
+              <a:rPr lang="en-US">
+                <a:hlinkClick r:id="rId4"/>
+              </a:rPr>
+              <a:t>Step 3. Enable the CloudWatch Events Rule</a:t>
+            </a:r>
+            <a:endParaRPr lang="en-US"/>
+          </a:p>
+          <a:p>
+            <a:pPr lvl="1"/>
+            <a:r>
+              <a:rPr lang="en-US"/>
+              <a:t>Enable the Amazon CloudWatch Events rule.</a:t>
+            </a:r>
+          </a:p>
+          <a:p>
+            <a:r>
+              <a:rPr lang="en-US">
+                <a:hlinkClick r:id="rId5"/>
+              </a:rPr>
+              <a:t>Step 4. Verify the Lambda Function Is Processing Data</a:t>
+            </a:r>
+            <a:endParaRPr lang="en-US"/>
+          </a:p>
+          <a:p>
+            <a:pPr lvl="1"/>
+            <a:r>
+              <a:rPr lang="en-US"/>
+              <a:t>Verify that the AWS Lambda function is processing data.</a:t>
+            </a:r>
+          </a:p>
+          <a:p>
+            <a:endParaRPr lang="en-US"/>
+          </a:p>
+        </p:txBody>
+      </p:sp>
     </p:spTree>
     <p:extLst>
       <p:ext uri="{BB962C8B-B14F-4D97-AF65-F5344CB8AC3E}">
-        <p14:creationId xmlns:p14="http://schemas.microsoft.com/office/powerpoint/2010/main" val="863799276"/>
+        <p14:creationId xmlns:p14="http://schemas.microsoft.com/office/powerpoint/2010/main" val="3570463678"/>
       </p:ext>
     </p:extLst>
   </p:cSld>
@@ -3841,126 +3942,64 @@
           <a:p>
             <a:r>
               <a:rPr lang="en-US" smtClean="0"/>
-              <a:t>AWS CloudFormation</a:t>
-            </a:r>
-            <a:endParaRPr lang="en-US"/>
-          </a:p>
-        </p:txBody>
-      </p:sp>
-      <p:sp>
-        <p:nvSpPr>
-          <p:cNvPr id="3" name="Content Placeholder 2"/>
-          <p:cNvSpPr>
-            <a:spLocks noGrp="1"/>
-          </p:cNvSpPr>
-          <p:nvPr>
-            <p:ph idx="1"/>
-          </p:nvPr>
-        </p:nvSpPr>
-        <p:spPr/>
-        <p:txBody>
-          <a:bodyPr>
-            <a:normAutofit/>
-          </a:bodyPr>
-          <a:lstStyle/>
-          <a:p>
-            <a:r>
-              <a:rPr lang="en-US"/>
-              <a:t>Use the CloudFormation template, iot-analytics.yaml, to create an IoT Analytics stack containing (17) resources, including the following.</a:t>
-            </a:r>
-          </a:p>
-          <a:p>
-            <a:pPr lvl="1"/>
-            <a:r>
-              <a:rPr lang="en-US"/>
-              <a:t>(3) AWS IoT Things</a:t>
-            </a:r>
-          </a:p>
-          <a:p>
-            <a:pPr lvl="1"/>
-            <a:r>
-              <a:rPr lang="en-US"/>
-              <a:t>(1) AWS IoT Core Topic Rule</a:t>
-            </a:r>
-          </a:p>
-          <a:p>
-            <a:pPr lvl="1"/>
-            <a:r>
-              <a:rPr lang="en-US"/>
-              <a:t>(1) AWS IoT Analytics Channel, Pipeline, Data store, and Data set</a:t>
-            </a:r>
-          </a:p>
-          <a:p>
-            <a:pPr lvl="1"/>
-            <a:r>
-              <a:rPr lang="en-US"/>
-              <a:t>(1) AWS Lambda and Lambda Permission</a:t>
-            </a:r>
-          </a:p>
-          <a:p>
-            <a:pPr lvl="1"/>
-            <a:r>
-              <a:rPr lang="en-US"/>
-              <a:t>(1) Amazon S3 Bucket</a:t>
-            </a:r>
-          </a:p>
-          <a:p>
-            <a:pPr lvl="1"/>
-            <a:r>
-              <a:rPr lang="en-US"/>
-              <a:t>(1) Amazon SageMaker Notebook Instance</a:t>
-            </a:r>
-          </a:p>
-          <a:p>
-            <a:pPr lvl="1"/>
-            <a:r>
-              <a:rPr lang="en-US"/>
-              <a:t>(5) AWS IAM Roles</a:t>
-            </a:r>
-          </a:p>
-        </p:txBody>
-      </p:sp>
-      <p:sp>
-        <p:nvSpPr>
-          <p:cNvPr id="4" name="Rectangle 3"/>
-          <p:cNvSpPr/>
+              <a:t>Things, rules and actions</a:t>
+            </a:r>
+            <a:endParaRPr lang="en-US"/>
+          </a:p>
+        </p:txBody>
+      </p:sp>
+      <p:pic>
+        <p:nvPicPr>
+          <p:cNvPr id="4" name="Picture 3"/>
+          <p:cNvPicPr>
+            <a:picLocks noChangeAspect="1"/>
+          </p:cNvPicPr>
           <p:nvPr/>
-        </p:nvSpPr>
+        </p:nvPicPr>
+        <p:blipFill>
+          <a:blip r:embed="rId2"/>
+          <a:stretch>
+            <a:fillRect/>
+          </a:stretch>
+        </p:blipFill>
         <p:spPr>
           <a:xfrm>
-            <a:off x="973015" y="5807631"/>
-            <a:ext cx="10087708" cy="369332"/>
+            <a:off x="5498787" y="1601482"/>
+            <a:ext cx="6693213" cy="3907082"/>
           </a:xfrm>
           <a:prstGeom prst="rect">
             <a:avLst/>
           </a:prstGeom>
         </p:spPr>
-        <p:txBody>
-          <a:bodyPr wrap="square">
-            <a:spAutoFit/>
-          </a:bodyPr>
-          <a:lstStyle/>
-          <a:p>
-            <a:r>
-              <a:rPr lang="en-US" smtClean="0">
-                <a:hlinkClick r:id="rId2"/>
-              </a:rPr>
-              <a:t>https</a:t>
-            </a:r>
-            <a:r>
-              <a:rPr lang="en-US">
-                <a:hlinkClick r:id="rId2"/>
-              </a:rPr>
-              <a:t>://towardsdatascience.com/getting-started-with-iot-analytics-on-aws-5f2093bcf704</a:t>
-            </a:r>
-            <a:endParaRPr lang="en-US"/>
-          </a:p>
-        </p:txBody>
-      </p:sp>
+      </p:pic>
+      <p:pic>
+        <p:nvPicPr>
+          <p:cNvPr id="5" name="Picture 4"/>
+          <p:cNvPicPr>
+            <a:picLocks noChangeAspect="1"/>
+          </p:cNvPicPr>
+          <p:nvPr/>
+        </p:nvPicPr>
+        <p:blipFill>
+          <a:blip r:embed="rId3"/>
+          <a:stretch>
+            <a:fillRect/>
+          </a:stretch>
+        </p:blipFill>
+        <p:spPr>
+          <a:xfrm>
+            <a:off x="167053" y="1782924"/>
+            <a:ext cx="4835770" cy="3544198"/>
+          </a:xfrm>
+          <a:prstGeom prst="rect">
+            <a:avLst/>
+          </a:prstGeom>
+        </p:spPr>
+      </p:pic>
     </p:spTree>
     <p:extLst>
       <p:ext uri="{BB962C8B-B14F-4D97-AF65-F5344CB8AC3E}">
-        <p14:creationId xmlns:p14="http://schemas.microsoft.com/office/powerpoint/2010/main" val="3035742588"/>
+        <p14:creationId xmlns:p14="http://schemas.microsoft.com/office/powerpoint/2010/main" val="4036106335"/>
       </p:ext>
     </p:extLst>
   </p:cSld>
@@ -4004,40 +4043,126 @@
           <a:p>
             <a:r>
               <a:rPr lang="en-US" smtClean="0"/>
-              <a:t>AWS IoT Analytics</a:t>
-            </a:r>
-            <a:endParaRPr lang="en-US"/>
-          </a:p>
-        </p:txBody>
-      </p:sp>
-      <p:pic>
-        <p:nvPicPr>
-          <p:cNvPr id="5" name="Picture 4"/>
-          <p:cNvPicPr>
-            <a:picLocks noChangeAspect="1"/>
-          </p:cNvPicPr>
+              <a:t>AWS CloudFormation</a:t>
+            </a:r>
+            <a:endParaRPr lang="en-US"/>
+          </a:p>
+        </p:txBody>
+      </p:sp>
+      <p:sp>
+        <p:nvSpPr>
+          <p:cNvPr id="3" name="Content Placeholder 2"/>
+          <p:cNvSpPr>
+            <a:spLocks noGrp="1"/>
+          </p:cNvSpPr>
+          <p:nvPr>
+            <p:ph idx="1"/>
+          </p:nvPr>
+        </p:nvSpPr>
+        <p:spPr/>
+        <p:txBody>
+          <a:bodyPr>
+            <a:normAutofit/>
+          </a:bodyPr>
+          <a:lstStyle/>
+          <a:p>
+            <a:r>
+              <a:rPr lang="en-US"/>
+              <a:t>Use the CloudFormation template, iot-analytics.yaml, to create an IoT Analytics stack containing (17) resources, including the following.</a:t>
+            </a:r>
+          </a:p>
+          <a:p>
+            <a:pPr lvl="1"/>
+            <a:r>
+              <a:rPr lang="en-US"/>
+              <a:t>(3) AWS IoT Things</a:t>
+            </a:r>
+          </a:p>
+          <a:p>
+            <a:pPr lvl="1"/>
+            <a:r>
+              <a:rPr lang="en-US"/>
+              <a:t>(1) AWS IoT Core Topic Rule</a:t>
+            </a:r>
+          </a:p>
+          <a:p>
+            <a:pPr lvl="1"/>
+            <a:r>
+              <a:rPr lang="en-US"/>
+              <a:t>(1) AWS IoT Analytics Channel, Pipeline, Data store, and Data set</a:t>
+            </a:r>
+          </a:p>
+          <a:p>
+            <a:pPr lvl="1"/>
+            <a:r>
+              <a:rPr lang="en-US"/>
+              <a:t>(1) AWS Lambda and Lambda Permission</a:t>
+            </a:r>
+          </a:p>
+          <a:p>
+            <a:pPr lvl="1"/>
+            <a:r>
+              <a:rPr lang="en-US"/>
+              <a:t>(1) Amazon S3 Bucket</a:t>
+            </a:r>
+          </a:p>
+          <a:p>
+            <a:pPr lvl="1"/>
+            <a:r>
+              <a:rPr lang="en-US"/>
+              <a:t>(1) Amazon SageMaker Notebook Instance</a:t>
+            </a:r>
+          </a:p>
+          <a:p>
+            <a:pPr lvl="1"/>
+            <a:r>
+              <a:rPr lang="en-US"/>
+              <a:t>(5) AWS IAM Roles</a:t>
+            </a:r>
+          </a:p>
+        </p:txBody>
+      </p:sp>
+      <p:sp>
+        <p:nvSpPr>
+          <p:cNvPr id="4" name="Rectangle 3"/>
+          <p:cNvSpPr/>
           <p:nvPr/>
-        </p:nvPicPr>
-        <p:blipFill>
-          <a:blip r:embed="rId2"/>
-          <a:stretch>
-            <a:fillRect/>
-          </a:stretch>
-        </p:blipFill>
+        </p:nvSpPr>
         <p:spPr>
           <a:xfrm>
-            <a:off x="838200" y="1298464"/>
-            <a:ext cx="7153834" cy="5441805"/>
+            <a:off x="973015" y="5807631"/>
+            <a:ext cx="10087708" cy="369332"/>
           </a:xfrm>
           <a:prstGeom prst="rect">
             <a:avLst/>
           </a:prstGeom>
         </p:spPr>
-      </p:pic>
+        <p:txBody>
+          <a:bodyPr wrap="square">
+            <a:spAutoFit/>
+          </a:bodyPr>
+          <a:lstStyle/>
+          <a:p>
+            <a:r>
+              <a:rPr lang="en-US" smtClean="0">
+                <a:hlinkClick r:id="rId2"/>
+              </a:rPr>
+              <a:t>https</a:t>
+            </a:r>
+            <a:r>
+              <a:rPr lang="en-US">
+                <a:hlinkClick r:id="rId2"/>
+              </a:rPr>
+              <a:t>://towardsdatascience.com/getting-started-with-iot-analytics-on-aws-5f2093bcf704</a:t>
+            </a:r>
+            <a:endParaRPr lang="en-US"/>
+          </a:p>
+        </p:txBody>
+      </p:sp>
     </p:spTree>
     <p:extLst>
       <p:ext uri="{BB962C8B-B14F-4D97-AF65-F5344CB8AC3E}">
-        <p14:creationId xmlns:p14="http://schemas.microsoft.com/office/powerpoint/2010/main" val="1253626712"/>
+        <p14:creationId xmlns:p14="http://schemas.microsoft.com/office/powerpoint/2010/main" val="3035742588"/>
       </p:ext>
     </p:extLst>
   </p:cSld>
@@ -4081,6 +4206,83 @@
           <a:p>
             <a:r>
               <a:rPr lang="en-US" smtClean="0"/>
+              <a:t>AWS IoT Analytics</a:t>
+            </a:r>
+            <a:endParaRPr lang="en-US"/>
+          </a:p>
+        </p:txBody>
+      </p:sp>
+      <p:pic>
+        <p:nvPicPr>
+          <p:cNvPr id="5" name="Picture 4"/>
+          <p:cNvPicPr>
+            <a:picLocks noChangeAspect="1"/>
+          </p:cNvPicPr>
+          <p:nvPr/>
+        </p:nvPicPr>
+        <p:blipFill>
+          <a:blip r:embed="rId2"/>
+          <a:stretch>
+            <a:fillRect/>
+          </a:stretch>
+        </p:blipFill>
+        <p:spPr>
+          <a:xfrm>
+            <a:off x="2280139" y="1351218"/>
+            <a:ext cx="7153834" cy="5441805"/>
+          </a:xfrm>
+          <a:prstGeom prst="rect">
+            <a:avLst/>
+          </a:prstGeom>
+        </p:spPr>
+      </p:pic>
+    </p:spTree>
+    <p:extLst>
+      <p:ext uri="{BB962C8B-B14F-4D97-AF65-F5344CB8AC3E}">
+        <p14:creationId xmlns:p14="http://schemas.microsoft.com/office/powerpoint/2010/main" val="1253626712"/>
+      </p:ext>
+    </p:extLst>
+  </p:cSld>
+  <p:clrMapOvr>
+    <a:masterClrMapping/>
+  </p:clrMapOvr>
+</p:sld>
+</file>
+
+<file path=ppt/slides/slide6.xml><?xml version="1.0" encoding="utf-8"?>
+<p:sld xmlns:a="http://schemas.openxmlformats.org/drawingml/2006/main" xmlns:r="http://schemas.openxmlformats.org/officeDocument/2006/relationships" xmlns:p="http://schemas.openxmlformats.org/presentationml/2006/main">
+  <p:cSld>
+    <p:spTree>
+      <p:nvGrpSpPr>
+        <p:cNvPr id="1" name=""/>
+        <p:cNvGrpSpPr/>
+        <p:nvPr/>
+      </p:nvGrpSpPr>
+      <p:grpSpPr>
+        <a:xfrm>
+          <a:off x="0" y="0"/>
+          <a:ext cx="0" cy="0"/>
+          <a:chOff x="0" y="0"/>
+          <a:chExt cx="0" cy="0"/>
+        </a:xfrm>
+      </p:grpSpPr>
+      <p:sp>
+        <p:nvSpPr>
+          <p:cNvPr id="2" name="Title 1"/>
+          <p:cNvSpPr>
+            <a:spLocks noGrp="1"/>
+          </p:cNvSpPr>
+          <p:nvPr>
+            <p:ph type="title"/>
+          </p:nvPr>
+        </p:nvSpPr>
+        <p:spPr/>
+        <p:txBody>
+          <a:bodyPr/>
+          <a:lstStyle/>
+          <a:p>
+            <a:r>
+              <a:rPr lang="en-US" smtClean="0"/>
               <a:t>IoT Analytics Channel</a:t>
             </a:r>
             <a:endParaRPr lang="en-US"/>
@@ -4112,11 +4314,7 @@
             </a:r>
             <a:r>
               <a:rPr lang="en-US"/>
-              <a:t>IoT Analytics Channel pulls messages or data into IoT Analytics from other </a:t>
-            </a:r>
-            <a:r>
-              <a:rPr lang="en-US"/>
-              <a:t>AWS </a:t>
+              <a:t>IoT Analytics Channel pulls messages or data into IoT Analytics from other AWS </a:t>
             </a:r>
             <a:r>
               <a:rPr lang="en-US" smtClean="0"/>
@@ -4133,7 +4331,6 @@
               <a:rPr lang="en-US"/>
               <a:t>Amazon S3, Amazon Kinesis, or Amazon IoT Core</a:t>
             </a:r>
-            <a:endParaRPr lang="en-US"/>
           </a:p>
         </p:txBody>
       </p:sp>
@@ -4174,7 +4371,7 @@
 </p:sld>
 </file>
 
-<file path=ppt/slides/slide6.xml><?xml version="1.0" encoding="utf-8"?>
+<file path=ppt/slides/slide7.xml><?xml version="1.0" encoding="utf-8"?>
 <p:sld xmlns:a="http://schemas.openxmlformats.org/drawingml/2006/main" xmlns:r="http://schemas.openxmlformats.org/officeDocument/2006/relationships" xmlns:p="http://schemas.openxmlformats.org/presentationml/2006/main">
   <p:cSld>
     <p:spTree>
@@ -4208,11 +4405,7 @@
           <a:p>
             <a:r>
               <a:rPr lang="en-US"/>
-              <a:t>IoT </a:t>
-            </a:r>
-            <a:r>
-              <a:rPr lang="en-US"/>
-              <a:t>Analytics </a:t>
+              <a:t>IoT Analytics </a:t>
             </a:r>
             <a:r>
               <a:rPr lang="en-US" smtClean="0"/>
@@ -4281,7 +4474,7 @@
 </p:sld>
 </file>
 
-<file path=ppt/slides/slide7.xml><?xml version="1.0" encoding="utf-8"?>
+<file path=ppt/slides/slide8.xml><?xml version="1.0" encoding="utf-8"?>
 <p:sld xmlns:a="http://schemas.openxmlformats.org/drawingml/2006/main" xmlns:r="http://schemas.openxmlformats.org/officeDocument/2006/relationships" xmlns:p="http://schemas.openxmlformats.org/presentationml/2006/main">
   <p:cSld>
     <p:spTree>
@@ -4315,11 +4508,7 @@
           <a:p>
             <a:r>
               <a:rPr lang="en-US"/>
-              <a:t>IoT Analytics </a:t>
-            </a:r>
-            <a:r>
-              <a:rPr lang="en-US"/>
-              <a:t>Data </a:t>
+              <a:t>IoT Analytics Data </a:t>
             </a:r>
             <a:r>
               <a:rPr lang="en-US" smtClean="0"/>
@@ -4348,7 +4537,6 @@
               <a:rPr lang="en-US"/>
               <a:t>AWS IoT Analytics Data store stores prepared data from an AWS IoT Analytics Pipeline, in a fully-managed database</a:t>
             </a:r>
-            <a:endParaRPr lang="en-US"/>
           </a:p>
         </p:txBody>
       </p:sp>
@@ -4389,7 +4577,7 @@
 </p:sld>
 </file>
 
-<file path=ppt/slides/slide8.xml><?xml version="1.0" encoding="utf-8"?>
+<file path=ppt/slides/slide9.xml><?xml version="1.0" encoding="utf-8"?>
 <p:sld xmlns:a="http://schemas.openxmlformats.org/drawingml/2006/main" xmlns:r="http://schemas.openxmlformats.org/officeDocument/2006/relationships" xmlns:p="http://schemas.openxmlformats.org/presentationml/2006/main">
   <p:cSld>
     <p:spTree>
@@ -4478,98 +4666,6 @@
     <p:extLst>
       <p:ext uri="{BB962C8B-B14F-4D97-AF65-F5344CB8AC3E}">
         <p14:creationId xmlns:p14="http://schemas.microsoft.com/office/powerpoint/2010/main" val="908538385"/>
-      </p:ext>
-    </p:extLst>
-  </p:cSld>
-  <p:clrMapOvr>
-    <a:masterClrMapping/>
-  </p:clrMapOvr>
-</p:sld>
-</file>
-
-<file path=ppt/slides/slide9.xml><?xml version="1.0" encoding="utf-8"?>
-<p:sld xmlns:a="http://schemas.openxmlformats.org/drawingml/2006/main" xmlns:r="http://schemas.openxmlformats.org/officeDocument/2006/relationships" xmlns:p="http://schemas.openxmlformats.org/presentationml/2006/main">
-  <p:cSld>
-    <p:spTree>
-      <p:nvGrpSpPr>
-        <p:cNvPr id="1" name=""/>
-        <p:cNvGrpSpPr/>
-        <p:nvPr/>
-      </p:nvGrpSpPr>
-      <p:grpSpPr>
-        <a:xfrm>
-          <a:off x="0" y="0"/>
-          <a:ext cx="0" cy="0"/>
-          <a:chOff x="0" y="0"/>
-          <a:chExt cx="0" cy="0"/>
-        </a:xfrm>
-      </p:grpSpPr>
-      <p:sp>
-        <p:nvSpPr>
-          <p:cNvPr id="3" name="Content Placeholder 2"/>
-          <p:cNvSpPr>
-            <a:spLocks noGrp="1"/>
-          </p:cNvSpPr>
-          <p:nvPr>
-            <p:ph idx="1"/>
-          </p:nvPr>
-        </p:nvSpPr>
-        <p:spPr/>
-        <p:txBody>
-          <a:bodyPr>
-            <a:normAutofit/>
-          </a:bodyPr>
-          <a:lstStyle/>
-          <a:p>
-            <a:r>
-              <a:rPr lang="en-US" sz="2400"/>
-              <a:t>AWS IoT Analytics Notebook allows users to perform statistical analysis and machine learning on IoT Analytics Data sets using </a:t>
-            </a:r>
-            <a:r>
-              <a:rPr lang="en-US" sz="2400" u="sng">
-                <a:hlinkClick r:id="rId2"/>
-              </a:rPr>
-              <a:t>Jupyter Notebooks</a:t>
-            </a:r>
-            <a:endParaRPr lang="en-US" sz="2400"/>
-          </a:p>
-        </p:txBody>
-      </p:sp>
-      <p:sp>
-        <p:nvSpPr>
-          <p:cNvPr id="2" name="Title 1"/>
-          <p:cNvSpPr>
-            <a:spLocks noGrp="1"/>
-          </p:cNvSpPr>
-          <p:nvPr>
-            <p:ph type="title"/>
-          </p:nvPr>
-        </p:nvSpPr>
-        <p:spPr/>
-        <p:txBody>
-          <a:bodyPr/>
-          <a:lstStyle/>
-          <a:p>
-            <a:r>
-              <a:rPr lang="en-US"/>
-              <a:t>IoT </a:t>
-            </a:r>
-            <a:r>
-              <a:rPr lang="en-US"/>
-              <a:t>Analytics </a:t>
-            </a:r>
-            <a:r>
-              <a:rPr lang="en-US" smtClean="0"/>
-              <a:t>Notebook</a:t>
-            </a:r>
-            <a:endParaRPr lang="en-US"/>
-          </a:p>
-        </p:txBody>
-      </p:sp>
-    </p:spTree>
-    <p:extLst>
-      <p:ext uri="{BB962C8B-B14F-4D97-AF65-F5344CB8AC3E}">
-        <p14:creationId xmlns:p14="http://schemas.microsoft.com/office/powerpoint/2010/main" val="2536839982"/>
       </p:ext>
     </p:extLst>
   </p:cSld>

--- a/IoT analytics.pptx
+++ b/IoT analytics.pptx
@@ -16,9 +16,19 @@
     <p:sldId id="272" r:id="rId10"/>
     <p:sldId id="273" r:id="rId11"/>
     <p:sldId id="274" r:id="rId12"/>
-    <p:sldId id="259" r:id="rId13"/>
-    <p:sldId id="264" r:id="rId14"/>
-    <p:sldId id="265" r:id="rId15"/>
+    <p:sldId id="285" r:id="rId13"/>
+    <p:sldId id="259" r:id="rId14"/>
+    <p:sldId id="264" r:id="rId15"/>
+    <p:sldId id="265" r:id="rId16"/>
+    <p:sldId id="277" r:id="rId17"/>
+    <p:sldId id="278" r:id="rId18"/>
+    <p:sldId id="282" r:id="rId19"/>
+    <p:sldId id="279" r:id="rId20"/>
+    <p:sldId id="280" r:id="rId21"/>
+    <p:sldId id="281" r:id="rId22"/>
+    <p:sldId id="283" r:id="rId23"/>
+    <p:sldId id="284" r:id="rId24"/>
+    <p:sldId id="286" r:id="rId25"/>
   </p:sldIdLst>
   <p:sldSz cx="12192000" cy="6858000"/>
   <p:notesSz cx="6858000" cy="9144000"/>
@@ -256,7 +266,7 @@
           <a:p>
             <a:fld id="{3BC1C1F4-6ABF-4EFA-90D5-B3F216C913A9}" type="datetimeFigureOut">
               <a:rPr lang="en-US" smtClean="0"/>
-              <a:t>10/23/2020</a:t>
+              <a:t>11/4/2020</a:t>
             </a:fld>
             <a:endParaRPr lang="en-US"/>
           </a:p>
@@ -426,7 +436,7 @@
           <a:p>
             <a:fld id="{3BC1C1F4-6ABF-4EFA-90D5-B3F216C913A9}" type="datetimeFigureOut">
               <a:rPr lang="en-US" smtClean="0"/>
-              <a:t>10/23/2020</a:t>
+              <a:t>11/4/2020</a:t>
             </a:fld>
             <a:endParaRPr lang="en-US"/>
           </a:p>
@@ -606,7 +616,7 @@
           <a:p>
             <a:fld id="{3BC1C1F4-6ABF-4EFA-90D5-B3F216C913A9}" type="datetimeFigureOut">
               <a:rPr lang="en-US" smtClean="0"/>
-              <a:t>10/23/2020</a:t>
+              <a:t>11/4/2020</a:t>
             </a:fld>
             <a:endParaRPr lang="en-US"/>
           </a:p>
@@ -776,7 +786,7 @@
           <a:p>
             <a:fld id="{3BC1C1F4-6ABF-4EFA-90D5-B3F216C913A9}" type="datetimeFigureOut">
               <a:rPr lang="en-US" smtClean="0"/>
-              <a:t>10/23/2020</a:t>
+              <a:t>11/4/2020</a:t>
             </a:fld>
             <a:endParaRPr lang="en-US"/>
           </a:p>
@@ -1022,7 +1032,7 @@
           <a:p>
             <a:fld id="{3BC1C1F4-6ABF-4EFA-90D5-B3F216C913A9}" type="datetimeFigureOut">
               <a:rPr lang="en-US" smtClean="0"/>
-              <a:t>10/23/2020</a:t>
+              <a:t>11/4/2020</a:t>
             </a:fld>
             <a:endParaRPr lang="en-US"/>
           </a:p>
@@ -1254,7 +1264,7 @@
           <a:p>
             <a:fld id="{3BC1C1F4-6ABF-4EFA-90D5-B3F216C913A9}" type="datetimeFigureOut">
               <a:rPr lang="en-US" smtClean="0"/>
-              <a:t>10/23/2020</a:t>
+              <a:t>11/4/2020</a:t>
             </a:fld>
             <a:endParaRPr lang="en-US"/>
           </a:p>
@@ -1621,7 +1631,7 @@
           <a:p>
             <a:fld id="{3BC1C1F4-6ABF-4EFA-90D5-B3F216C913A9}" type="datetimeFigureOut">
               <a:rPr lang="en-US" smtClean="0"/>
-              <a:t>10/23/2020</a:t>
+              <a:t>11/4/2020</a:t>
             </a:fld>
             <a:endParaRPr lang="en-US"/>
           </a:p>
@@ -1739,7 +1749,7 @@
           <a:p>
             <a:fld id="{3BC1C1F4-6ABF-4EFA-90D5-B3F216C913A9}" type="datetimeFigureOut">
               <a:rPr lang="en-US" smtClean="0"/>
-              <a:t>10/23/2020</a:t>
+              <a:t>11/4/2020</a:t>
             </a:fld>
             <a:endParaRPr lang="en-US"/>
           </a:p>
@@ -1834,7 +1844,7 @@
           <a:p>
             <a:fld id="{3BC1C1F4-6ABF-4EFA-90D5-B3F216C913A9}" type="datetimeFigureOut">
               <a:rPr lang="en-US" smtClean="0"/>
-              <a:t>10/23/2020</a:t>
+              <a:t>11/4/2020</a:t>
             </a:fld>
             <a:endParaRPr lang="en-US"/>
           </a:p>
@@ -2111,7 +2121,7 @@
           <a:p>
             <a:fld id="{3BC1C1F4-6ABF-4EFA-90D5-B3F216C913A9}" type="datetimeFigureOut">
               <a:rPr lang="en-US" smtClean="0"/>
-              <a:t>10/23/2020</a:t>
+              <a:t>11/4/2020</a:t>
             </a:fld>
             <a:endParaRPr lang="en-US"/>
           </a:p>
@@ -2364,7 +2374,7 @@
           <a:p>
             <a:fld id="{3BC1C1F4-6ABF-4EFA-90D5-B3F216C913A9}" type="datetimeFigureOut">
               <a:rPr lang="en-US" smtClean="0"/>
-              <a:t>10/23/2020</a:t>
+              <a:t>11/4/2020</a:t>
             </a:fld>
             <a:endParaRPr lang="en-US"/>
           </a:p>
@@ -2577,7 +2587,7 @@
           <a:p>
             <a:fld id="{3BC1C1F4-6ABF-4EFA-90D5-B3F216C913A9}" type="datetimeFigureOut">
               <a:rPr lang="en-US" smtClean="0"/>
-              <a:t>10/23/2020</a:t>
+              <a:t>11/4/2020</a:t>
             </a:fld>
             <a:endParaRPr lang="en-US"/>
           </a:p>
@@ -2989,7 +2999,7 @@
             <a:spLocks noGrp="1"/>
           </p:cNvSpPr>
           <p:nvPr>
-            <p:ph type="ctrTitle"/>
+            <p:ph type="title"/>
           </p:nvPr>
         </p:nvSpPr>
         <p:spPr/>
@@ -3001,6 +3011,25 @@
               <a:rPr lang="en-US" smtClean="0"/>
               <a:t>AWS IoT pipeline</a:t>
             </a:r>
+            <a:endParaRPr lang="en-US"/>
+          </a:p>
+        </p:txBody>
+      </p:sp>
+      <p:sp>
+        <p:nvSpPr>
+          <p:cNvPr id="3" name="Text Placeholder 2"/>
+          <p:cNvSpPr>
+            <a:spLocks noGrp="1"/>
+          </p:cNvSpPr>
+          <p:nvPr>
+            <p:ph type="body" idx="1"/>
+          </p:nvPr>
+        </p:nvSpPr>
+        <p:spPr/>
+        <p:txBody>
+          <a:bodyPr/>
+          <a:lstStyle/>
+          <a:p>
             <a:endParaRPr lang="en-US"/>
           </a:p>
         </p:txBody>
@@ -3251,7 +3280,6 @@
               <a:rPr lang="en-US"/>
               <a:t>a wide variety of data source options for creating Amazon QuickSight Data sets</a:t>
             </a:r>
-            <a:endParaRPr lang="en-US"/>
           </a:p>
         </p:txBody>
       </p:sp>
@@ -3369,6 +3397,82 @@
       </p:grpSpPr>
       <p:sp>
         <p:nvSpPr>
+          <p:cNvPr id="4" name="Title 3"/>
+          <p:cNvSpPr>
+            <a:spLocks noGrp="1"/>
+          </p:cNvSpPr>
+          <p:nvPr>
+            <p:ph type="title"/>
+          </p:nvPr>
+        </p:nvSpPr>
+        <p:spPr/>
+        <p:txBody>
+          <a:bodyPr/>
+          <a:lstStyle/>
+          <a:p>
+            <a:r>
+              <a:rPr lang="en-US"/>
+              <a:t>Predictive </a:t>
+            </a:r>
+            <a:r>
+              <a:rPr lang="en-US" smtClean="0"/>
+              <a:t>maintenance use case</a:t>
+            </a:r>
+            <a:endParaRPr lang="en-US"/>
+          </a:p>
+        </p:txBody>
+      </p:sp>
+      <p:sp>
+        <p:nvSpPr>
+          <p:cNvPr id="5" name="Text Placeholder 4"/>
+          <p:cNvSpPr>
+            <a:spLocks noGrp="1"/>
+          </p:cNvSpPr>
+          <p:nvPr>
+            <p:ph type="body" idx="1"/>
+          </p:nvPr>
+        </p:nvSpPr>
+        <p:spPr/>
+        <p:txBody>
+          <a:bodyPr/>
+          <a:lstStyle/>
+          <a:p>
+            <a:endParaRPr lang="en-US"/>
+          </a:p>
+        </p:txBody>
+      </p:sp>
+    </p:spTree>
+    <p:extLst>
+      <p:ext uri="{BB962C8B-B14F-4D97-AF65-F5344CB8AC3E}">
+        <p14:creationId xmlns:p14="http://schemas.microsoft.com/office/powerpoint/2010/main" val="2184144916"/>
+      </p:ext>
+    </p:extLst>
+  </p:cSld>
+  <p:clrMapOvr>
+    <a:masterClrMapping/>
+  </p:clrMapOvr>
+</p:sld>
+</file>
+
+<file path=ppt/slides/slide13.xml><?xml version="1.0" encoding="utf-8"?>
+<p:sld xmlns:a="http://schemas.openxmlformats.org/drawingml/2006/main" xmlns:r="http://schemas.openxmlformats.org/officeDocument/2006/relationships" xmlns:p="http://schemas.openxmlformats.org/presentationml/2006/main">
+  <p:cSld>
+    <p:spTree>
+      <p:nvGrpSpPr>
+        <p:cNvPr id="1" name=""/>
+        <p:cNvGrpSpPr/>
+        <p:nvPr/>
+      </p:nvGrpSpPr>
+      <p:grpSpPr>
+        <a:xfrm>
+          <a:off x="0" y="0"/>
+          <a:ext cx="0" cy="0"/>
+          <a:chOff x="0" y="0"/>
+          <a:chExt cx="0" cy="0"/>
+        </a:xfrm>
+      </p:grpSpPr>
+      <p:sp>
+        <p:nvSpPr>
           <p:cNvPr id="2" name="Title 1"/>
           <p:cNvSpPr>
             <a:spLocks noGrp="1"/>
@@ -3431,154 +3535,6 @@
 </p:sld>
 </file>
 
-<file path=ppt/slides/slide13.xml><?xml version="1.0" encoding="utf-8"?>
-<p:sld xmlns:a="http://schemas.openxmlformats.org/drawingml/2006/main" xmlns:r="http://schemas.openxmlformats.org/officeDocument/2006/relationships" xmlns:p="http://schemas.openxmlformats.org/presentationml/2006/main">
-  <p:cSld>
-    <p:spTree>
-      <p:nvGrpSpPr>
-        <p:cNvPr id="1" name=""/>
-        <p:cNvGrpSpPr/>
-        <p:nvPr/>
-      </p:nvGrpSpPr>
-      <p:grpSpPr>
-        <a:xfrm>
-          <a:off x="0" y="0"/>
-          <a:ext cx="0" cy="0"/>
-          <a:chOff x="0" y="0"/>
-          <a:chExt cx="0" cy="0"/>
-        </a:xfrm>
-      </p:grpSpPr>
-      <p:sp>
-        <p:nvSpPr>
-          <p:cNvPr id="2" name="Title 1"/>
-          <p:cNvSpPr>
-            <a:spLocks noGrp="1"/>
-          </p:cNvSpPr>
-          <p:nvPr>
-            <p:ph type="title"/>
-          </p:nvPr>
-        </p:nvSpPr>
-        <p:spPr/>
-        <p:txBody>
-          <a:bodyPr/>
-          <a:lstStyle/>
-          <a:p>
-            <a:r>
-              <a:rPr lang="en-US"/>
-              <a:t>AWS Predictive maintenance architecture</a:t>
-            </a:r>
-          </a:p>
-        </p:txBody>
-      </p:sp>
-      <p:sp>
-        <p:nvSpPr>
-          <p:cNvPr id="3" name="Content Placeholder 2"/>
-          <p:cNvSpPr>
-            <a:spLocks noGrp="1"/>
-          </p:cNvSpPr>
-          <p:nvPr>
-            <p:ph idx="1"/>
-          </p:nvPr>
-        </p:nvSpPr>
-        <p:spPr/>
-        <p:txBody>
-          <a:bodyPr>
-            <a:normAutofit fontScale="92500" lnSpcReduction="20000"/>
-          </a:bodyPr>
-          <a:lstStyle/>
-          <a:p>
-            <a:r>
-              <a:rPr lang="en-US"/>
-              <a:t>This solution includes an </a:t>
-            </a:r>
-            <a:r>
-              <a:rPr lang="en-US">
-                <a:hlinkClick r:id="rId2"/>
-              </a:rPr>
-              <a:t>AWS CloudFormation</a:t>
-            </a:r>
-            <a:r>
-              <a:rPr lang="en-US"/>
-              <a:t> template that deploys an example dataset of a </a:t>
-            </a:r>
-            <a:r>
-              <a:rPr lang="en-US">
-                <a:hlinkClick r:id="rId3"/>
-              </a:rPr>
-              <a:t>turbofan degradation simulation</a:t>
-            </a:r>
-            <a:r>
-              <a:rPr lang="en-US"/>
-              <a:t> contained in an </a:t>
-            </a:r>
-            <a:r>
-              <a:rPr lang="en-US">
-                <a:hlinkClick r:id="rId4"/>
-              </a:rPr>
-              <a:t>Amazon Simple Storage Service</a:t>
-            </a:r>
-            <a:r>
-              <a:rPr lang="en-US"/>
-              <a:t> (Amazon S3) bucket and an </a:t>
-            </a:r>
-            <a:r>
-              <a:rPr lang="en-US">
-                <a:hlinkClick r:id="rId5"/>
-              </a:rPr>
-              <a:t>Amazon SageMaker</a:t>
-            </a:r>
-            <a:r>
-              <a:rPr lang="en-US"/>
-              <a:t> endpoint with an ML model that will be trained on the dataset to predict remaining useful life (RUL).</a:t>
-            </a:r>
-          </a:p>
-          <a:p>
-            <a:r>
-              <a:rPr lang="en-US"/>
-              <a:t>The solution uses a SageMaker notebook instance to orchestrate the model, and a SageMaker training instance to perform the training. The training code and trained model are stored in the solution's Amazon S3 bucket.</a:t>
-            </a:r>
-          </a:p>
-          <a:p>
-            <a:r>
-              <a:rPr lang="en-US"/>
-              <a:t>The solution also deploys an </a:t>
-            </a:r>
-            <a:r>
-              <a:rPr lang="en-US">
-                <a:hlinkClick r:id="rId6"/>
-              </a:rPr>
-              <a:t>Amazon CloudWatch Events</a:t>
-            </a:r>
-            <a:r>
-              <a:rPr lang="en-US"/>
-              <a:t> rule that is configured to run once per day. The rule is configured to trigger an </a:t>
-            </a:r>
-            <a:r>
-              <a:rPr lang="en-US">
-                <a:hlinkClick r:id="rId7"/>
-              </a:rPr>
-              <a:t>AWS Lambda</a:t>
-            </a:r>
-            <a:r>
-              <a:rPr lang="en-US"/>
-              <a:t> function that creates an Amazon SageMaker batch transform job that uses the trained model to predict RUL from the example dataset.</a:t>
-            </a:r>
-          </a:p>
-        </p:txBody>
-      </p:sp>
-    </p:spTree>
-    <p:extLst>
-      <p:ext uri="{BB962C8B-B14F-4D97-AF65-F5344CB8AC3E}">
-        <p14:creationId xmlns:p14="http://schemas.microsoft.com/office/powerpoint/2010/main" val="2322710326"/>
-      </p:ext>
-    </p:extLst>
-  </p:cSld>
-  <p:clrMapOvr>
-    <a:masterClrMapping/>
-  </p:clrMapOvr>
-</p:sld>
-</file>
-
 <file path=ppt/slides/slide14.xml><?xml version="1.0" encoding="utf-8"?>
 <p:sld xmlns:a="http://schemas.openxmlformats.org/drawingml/2006/main" xmlns:r="http://schemas.openxmlformats.org/officeDocument/2006/relationships" xmlns:p="http://schemas.openxmlformats.org/presentationml/2006/main">
   <p:cSld>
@@ -3612,6 +3568,154 @@
           <a:lstStyle/>
           <a:p>
             <a:r>
+              <a:rPr lang="en-US"/>
+              <a:t>AWS Predictive maintenance architecture</a:t>
+            </a:r>
+          </a:p>
+        </p:txBody>
+      </p:sp>
+      <p:sp>
+        <p:nvSpPr>
+          <p:cNvPr id="3" name="Content Placeholder 2"/>
+          <p:cNvSpPr>
+            <a:spLocks noGrp="1"/>
+          </p:cNvSpPr>
+          <p:nvPr>
+            <p:ph idx="1"/>
+          </p:nvPr>
+        </p:nvSpPr>
+        <p:spPr/>
+        <p:txBody>
+          <a:bodyPr>
+            <a:normAutofit fontScale="92500" lnSpcReduction="20000"/>
+          </a:bodyPr>
+          <a:lstStyle/>
+          <a:p>
+            <a:r>
+              <a:rPr lang="en-US"/>
+              <a:t>This solution includes an </a:t>
+            </a:r>
+            <a:r>
+              <a:rPr lang="en-US">
+                <a:hlinkClick r:id="rId2"/>
+              </a:rPr>
+              <a:t>AWS CloudFormation</a:t>
+            </a:r>
+            <a:r>
+              <a:rPr lang="en-US"/>
+              <a:t> template that deploys an example dataset of a </a:t>
+            </a:r>
+            <a:r>
+              <a:rPr lang="en-US">
+                <a:hlinkClick r:id="rId3"/>
+              </a:rPr>
+              <a:t>turbofan degradation simulation</a:t>
+            </a:r>
+            <a:r>
+              <a:rPr lang="en-US"/>
+              <a:t> contained in an </a:t>
+            </a:r>
+            <a:r>
+              <a:rPr lang="en-US">
+                <a:hlinkClick r:id="rId4"/>
+              </a:rPr>
+              <a:t>Amazon Simple Storage Service</a:t>
+            </a:r>
+            <a:r>
+              <a:rPr lang="en-US"/>
+              <a:t> (Amazon S3) bucket and an </a:t>
+            </a:r>
+            <a:r>
+              <a:rPr lang="en-US">
+                <a:hlinkClick r:id="rId5"/>
+              </a:rPr>
+              <a:t>Amazon SageMaker</a:t>
+            </a:r>
+            <a:r>
+              <a:rPr lang="en-US"/>
+              <a:t> endpoint with an ML model that will be trained on the dataset to predict remaining useful life (RUL).</a:t>
+            </a:r>
+          </a:p>
+          <a:p>
+            <a:r>
+              <a:rPr lang="en-US"/>
+              <a:t>The solution uses a SageMaker notebook instance to orchestrate the model, and a SageMaker training instance to perform the training. The training code and trained model are stored in the solution's Amazon S3 bucket.</a:t>
+            </a:r>
+          </a:p>
+          <a:p>
+            <a:r>
+              <a:rPr lang="en-US"/>
+              <a:t>The solution also deploys an </a:t>
+            </a:r>
+            <a:r>
+              <a:rPr lang="en-US">
+                <a:hlinkClick r:id="rId6"/>
+              </a:rPr>
+              <a:t>Amazon CloudWatch Events</a:t>
+            </a:r>
+            <a:r>
+              <a:rPr lang="en-US"/>
+              <a:t> rule that is configured to run once per day. The rule is configured to trigger an </a:t>
+            </a:r>
+            <a:r>
+              <a:rPr lang="en-US">
+                <a:hlinkClick r:id="rId7"/>
+              </a:rPr>
+              <a:t>AWS Lambda</a:t>
+            </a:r>
+            <a:r>
+              <a:rPr lang="en-US"/>
+              <a:t> function that creates an Amazon SageMaker batch transform job that uses the trained model to predict RUL from the example dataset.</a:t>
+            </a:r>
+          </a:p>
+        </p:txBody>
+      </p:sp>
+    </p:spTree>
+    <p:extLst>
+      <p:ext uri="{BB962C8B-B14F-4D97-AF65-F5344CB8AC3E}">
+        <p14:creationId xmlns:p14="http://schemas.microsoft.com/office/powerpoint/2010/main" val="2322710326"/>
+      </p:ext>
+    </p:extLst>
+  </p:cSld>
+  <p:clrMapOvr>
+    <a:masterClrMapping/>
+  </p:clrMapOvr>
+</p:sld>
+</file>
+
+<file path=ppt/slides/slide15.xml><?xml version="1.0" encoding="utf-8"?>
+<p:sld xmlns:a="http://schemas.openxmlformats.org/drawingml/2006/main" xmlns:r="http://schemas.openxmlformats.org/officeDocument/2006/relationships" xmlns:p="http://schemas.openxmlformats.org/presentationml/2006/main">
+  <p:cSld>
+    <p:spTree>
+      <p:nvGrpSpPr>
+        <p:cNvPr id="1" name=""/>
+        <p:cNvGrpSpPr/>
+        <p:nvPr/>
+      </p:nvGrpSpPr>
+      <p:grpSpPr>
+        <a:xfrm>
+          <a:off x="0" y="0"/>
+          <a:ext cx="0" cy="0"/>
+          <a:chOff x="0" y="0"/>
+          <a:chExt cx="0" cy="0"/>
+        </a:xfrm>
+      </p:grpSpPr>
+      <p:sp>
+        <p:nvSpPr>
+          <p:cNvPr id="2" name="Title 1"/>
+          <p:cNvSpPr>
+            <a:spLocks noGrp="1"/>
+          </p:cNvSpPr>
+          <p:nvPr>
+            <p:ph type="title"/>
+          </p:nvPr>
+        </p:nvSpPr>
+        <p:spPr/>
+        <p:txBody>
+          <a:bodyPr/>
+          <a:lstStyle/>
+          <a:p>
+            <a:r>
               <a:rPr lang="en-US" smtClean="0"/>
               <a:t>Steps to deploy </a:t>
             </a:r>
@@ -3735,6 +3839,493 @@
     <p:extLst>
       <p:ext uri="{BB962C8B-B14F-4D97-AF65-F5344CB8AC3E}">
         <p14:creationId xmlns:p14="http://schemas.microsoft.com/office/powerpoint/2010/main" val="3570463678"/>
+      </p:ext>
+    </p:extLst>
+  </p:cSld>
+  <p:clrMapOvr>
+    <a:masterClrMapping/>
+  </p:clrMapOvr>
+</p:sld>
+</file>
+
+<file path=ppt/slides/slide16.xml><?xml version="1.0" encoding="utf-8"?>
+<p:sld xmlns:a="http://schemas.openxmlformats.org/drawingml/2006/main" xmlns:r="http://schemas.openxmlformats.org/officeDocument/2006/relationships" xmlns:p="http://schemas.openxmlformats.org/presentationml/2006/main">
+  <p:cSld>
+    <p:spTree>
+      <p:nvGrpSpPr>
+        <p:cNvPr id="1" name=""/>
+        <p:cNvGrpSpPr/>
+        <p:nvPr/>
+      </p:nvGrpSpPr>
+      <p:grpSpPr>
+        <a:xfrm>
+          <a:off x="0" y="0"/>
+          <a:ext cx="0" cy="0"/>
+          <a:chOff x="0" y="0"/>
+          <a:chExt cx="0" cy="0"/>
+        </a:xfrm>
+      </p:grpSpPr>
+      <p:sp>
+        <p:nvSpPr>
+          <p:cNvPr id="2" name="Title 1"/>
+          <p:cNvSpPr>
+            <a:spLocks noGrp="1"/>
+          </p:cNvSpPr>
+          <p:nvPr>
+            <p:ph type="title"/>
+          </p:nvPr>
+        </p:nvSpPr>
+        <p:spPr/>
+        <p:txBody>
+          <a:bodyPr/>
+          <a:lstStyle/>
+          <a:p>
+            <a:r>
+              <a:rPr lang="en-US" smtClean="0"/>
+              <a:t>Turbofan architecture</a:t>
+            </a:r>
+            <a:endParaRPr lang="en-US"/>
+          </a:p>
+        </p:txBody>
+      </p:sp>
+      <p:pic>
+        <p:nvPicPr>
+          <p:cNvPr id="4" name="Picture 3"/>
+          <p:cNvPicPr>
+            <a:picLocks noChangeAspect="1"/>
+          </p:cNvPicPr>
+          <p:nvPr/>
+        </p:nvPicPr>
+        <p:blipFill>
+          <a:blip r:embed="rId2"/>
+          <a:stretch>
+            <a:fillRect/>
+          </a:stretch>
+        </p:blipFill>
+        <p:spPr>
+          <a:xfrm>
+            <a:off x="591650" y="2029074"/>
+            <a:ext cx="5504350" cy="4509838"/>
+          </a:xfrm>
+          <a:prstGeom prst="rect">
+            <a:avLst/>
+          </a:prstGeom>
+        </p:spPr>
+      </p:pic>
+      <p:pic>
+        <p:nvPicPr>
+          <p:cNvPr id="5" name="Picture 4"/>
+          <p:cNvPicPr>
+            <a:picLocks noChangeAspect="1"/>
+          </p:cNvPicPr>
+          <p:nvPr/>
+        </p:nvPicPr>
+        <p:blipFill>
+          <a:blip r:embed="rId3"/>
+          <a:stretch>
+            <a:fillRect/>
+          </a:stretch>
+        </p:blipFill>
+        <p:spPr>
+          <a:xfrm>
+            <a:off x="6315075" y="2200641"/>
+            <a:ext cx="5038725" cy="3248025"/>
+          </a:xfrm>
+          <a:prstGeom prst="rect">
+            <a:avLst/>
+          </a:prstGeom>
+        </p:spPr>
+      </p:pic>
+    </p:spTree>
+    <p:extLst>
+      <p:ext uri="{BB962C8B-B14F-4D97-AF65-F5344CB8AC3E}">
+        <p14:creationId xmlns:p14="http://schemas.microsoft.com/office/powerpoint/2010/main" val="682639420"/>
+      </p:ext>
+    </p:extLst>
+  </p:cSld>
+  <p:clrMapOvr>
+    <a:masterClrMapping/>
+  </p:clrMapOvr>
+</p:sld>
+</file>
+
+<file path=ppt/slides/slide17.xml><?xml version="1.0" encoding="utf-8"?>
+<p:sld xmlns:a="http://schemas.openxmlformats.org/drawingml/2006/main" xmlns:r="http://schemas.openxmlformats.org/officeDocument/2006/relationships" xmlns:p="http://schemas.openxmlformats.org/presentationml/2006/main">
+  <p:cSld>
+    <p:spTree>
+      <p:nvGrpSpPr>
+        <p:cNvPr id="1" name=""/>
+        <p:cNvGrpSpPr/>
+        <p:nvPr/>
+      </p:nvGrpSpPr>
+      <p:grpSpPr>
+        <a:xfrm>
+          <a:off x="0" y="0"/>
+          <a:ext cx="0" cy="0"/>
+          <a:chOff x="0" y="0"/>
+          <a:chExt cx="0" cy="0"/>
+        </a:xfrm>
+      </p:grpSpPr>
+      <p:sp>
+        <p:nvSpPr>
+          <p:cNvPr id="2" name="Title 1"/>
+          <p:cNvSpPr>
+            <a:spLocks noGrp="1"/>
+          </p:cNvSpPr>
+          <p:nvPr>
+            <p:ph type="title"/>
+          </p:nvPr>
+        </p:nvSpPr>
+        <p:spPr/>
+        <p:txBody>
+          <a:bodyPr/>
+          <a:lstStyle/>
+          <a:p>
+            <a:r>
+              <a:rPr lang="en-US" smtClean="0"/>
+              <a:t>Measurement sensor</a:t>
+            </a:r>
+            <a:endParaRPr lang="en-US"/>
+          </a:p>
+        </p:txBody>
+      </p:sp>
+      <p:pic>
+        <p:nvPicPr>
+          <p:cNvPr id="4" name="Picture 3"/>
+          <p:cNvPicPr>
+            <a:picLocks noChangeAspect="1"/>
+          </p:cNvPicPr>
+          <p:nvPr/>
+        </p:nvPicPr>
+        <p:blipFill>
+          <a:blip r:embed="rId2"/>
+          <a:stretch>
+            <a:fillRect/>
+          </a:stretch>
+        </p:blipFill>
+        <p:spPr>
+          <a:xfrm>
+            <a:off x="949569" y="1814732"/>
+            <a:ext cx="5077558" cy="4700368"/>
+          </a:xfrm>
+          <a:prstGeom prst="rect">
+            <a:avLst/>
+          </a:prstGeom>
+        </p:spPr>
+      </p:pic>
+      <p:pic>
+        <p:nvPicPr>
+          <p:cNvPr id="5" name="Picture 4"/>
+          <p:cNvPicPr>
+            <a:picLocks noChangeAspect="1"/>
+          </p:cNvPicPr>
+          <p:nvPr/>
+        </p:nvPicPr>
+        <p:blipFill>
+          <a:blip r:embed="rId3"/>
+          <a:stretch>
+            <a:fillRect/>
+          </a:stretch>
+        </p:blipFill>
+        <p:spPr>
+          <a:xfrm>
+            <a:off x="6565289" y="1975624"/>
+            <a:ext cx="5207611" cy="1274892"/>
+          </a:xfrm>
+          <a:prstGeom prst="rect">
+            <a:avLst/>
+          </a:prstGeom>
+        </p:spPr>
+      </p:pic>
+    </p:spTree>
+    <p:extLst>
+      <p:ext uri="{BB962C8B-B14F-4D97-AF65-F5344CB8AC3E}">
+        <p14:creationId xmlns:p14="http://schemas.microsoft.com/office/powerpoint/2010/main" val="1857905192"/>
+      </p:ext>
+    </p:extLst>
+  </p:cSld>
+  <p:clrMapOvr>
+    <a:masterClrMapping/>
+  </p:clrMapOvr>
+</p:sld>
+</file>
+
+<file path=ppt/slides/slide18.xml><?xml version="1.0" encoding="utf-8"?>
+<p:sld xmlns:a="http://schemas.openxmlformats.org/drawingml/2006/main" xmlns:r="http://schemas.openxmlformats.org/officeDocument/2006/relationships" xmlns:p="http://schemas.openxmlformats.org/presentationml/2006/main">
+  <p:cSld>
+    <p:spTree>
+      <p:nvGrpSpPr>
+        <p:cNvPr id="1" name=""/>
+        <p:cNvGrpSpPr/>
+        <p:nvPr/>
+      </p:nvGrpSpPr>
+      <p:grpSpPr>
+        <a:xfrm>
+          <a:off x="0" y="0"/>
+          <a:ext cx="0" cy="0"/>
+          <a:chOff x="0" y="0"/>
+          <a:chExt cx="0" cy="0"/>
+        </a:xfrm>
+      </p:grpSpPr>
+      <p:sp>
+        <p:nvSpPr>
+          <p:cNvPr id="2" name="Title 1"/>
+          <p:cNvSpPr>
+            <a:spLocks noGrp="1"/>
+          </p:cNvSpPr>
+          <p:nvPr>
+            <p:ph type="title"/>
+          </p:nvPr>
+        </p:nvSpPr>
+        <p:spPr/>
+        <p:txBody>
+          <a:bodyPr/>
+          <a:lstStyle/>
+          <a:p>
+            <a:r>
+              <a:rPr lang="en-US" smtClean="0"/>
+              <a:t>Data set</a:t>
+            </a:r>
+            <a:endParaRPr lang="en-US"/>
+          </a:p>
+        </p:txBody>
+      </p:sp>
+      <p:pic>
+        <p:nvPicPr>
+          <p:cNvPr id="4" name="Picture 3"/>
+          <p:cNvPicPr>
+            <a:picLocks noChangeAspect="1"/>
+          </p:cNvPicPr>
+          <p:nvPr/>
+        </p:nvPicPr>
+        <p:blipFill>
+          <a:blip r:embed="rId2"/>
+          <a:stretch>
+            <a:fillRect/>
+          </a:stretch>
+        </p:blipFill>
+        <p:spPr>
+          <a:xfrm>
+            <a:off x="518747" y="2225393"/>
+            <a:ext cx="11596687" cy="3832873"/>
+          </a:xfrm>
+          <a:prstGeom prst="rect">
+            <a:avLst/>
+          </a:prstGeom>
+        </p:spPr>
+      </p:pic>
+    </p:spTree>
+    <p:extLst>
+      <p:ext uri="{BB962C8B-B14F-4D97-AF65-F5344CB8AC3E}">
+        <p14:creationId xmlns:p14="http://schemas.microsoft.com/office/powerpoint/2010/main" val="2750307966"/>
+      </p:ext>
+    </p:extLst>
+  </p:cSld>
+  <p:clrMapOvr>
+    <a:masterClrMapping/>
+  </p:clrMapOvr>
+</p:sld>
+</file>
+
+<file path=ppt/slides/slide19.xml><?xml version="1.0" encoding="utf-8"?>
+<p:sld xmlns:a="http://schemas.openxmlformats.org/drawingml/2006/main" xmlns:r="http://schemas.openxmlformats.org/officeDocument/2006/relationships" xmlns:p="http://schemas.openxmlformats.org/presentationml/2006/main">
+  <p:cSld>
+    <p:spTree>
+      <p:nvGrpSpPr>
+        <p:cNvPr id="1" name=""/>
+        <p:cNvGrpSpPr/>
+        <p:nvPr/>
+      </p:nvGrpSpPr>
+      <p:grpSpPr>
+        <a:xfrm>
+          <a:off x="0" y="0"/>
+          <a:ext cx="0" cy="0"/>
+          <a:chOff x="0" y="0"/>
+          <a:chExt cx="0" cy="0"/>
+        </a:xfrm>
+      </p:grpSpPr>
+      <p:sp>
+        <p:nvSpPr>
+          <p:cNvPr id="2" name="Title 1"/>
+          <p:cNvSpPr>
+            <a:spLocks noGrp="1"/>
+          </p:cNvSpPr>
+          <p:nvPr>
+            <p:ph type="title"/>
+          </p:nvPr>
+        </p:nvSpPr>
+        <p:spPr/>
+        <p:txBody>
+          <a:bodyPr/>
+          <a:lstStyle/>
+          <a:p>
+            <a:r>
+              <a:rPr lang="en-US"/>
+              <a:t>Prepare train data</a:t>
+            </a:r>
+          </a:p>
+        </p:txBody>
+      </p:sp>
+      <p:pic>
+        <p:nvPicPr>
+          <p:cNvPr id="4" name="Picture 3"/>
+          <p:cNvPicPr>
+            <a:picLocks noChangeAspect="1"/>
+          </p:cNvPicPr>
+          <p:nvPr/>
+        </p:nvPicPr>
+        <p:blipFill>
+          <a:blip r:embed="rId2"/>
+          <a:stretch>
+            <a:fillRect/>
+          </a:stretch>
+        </p:blipFill>
+        <p:spPr>
+          <a:xfrm>
+            <a:off x="265235" y="2099456"/>
+            <a:ext cx="11926765" cy="2973339"/>
+          </a:xfrm>
+          <a:prstGeom prst="rect">
+            <a:avLst/>
+          </a:prstGeom>
+        </p:spPr>
+      </p:pic>
+      <p:sp>
+        <p:nvSpPr>
+          <p:cNvPr id="5" name="TextBox 4"/>
+          <p:cNvSpPr txBox="1"/>
+          <p:nvPr/>
+        </p:nvSpPr>
+        <p:spPr>
+          <a:xfrm>
+            <a:off x="2297669" y="5717177"/>
+            <a:ext cx="3930948" cy="646331"/>
+          </a:xfrm>
+          <a:prstGeom prst="rect">
+            <a:avLst/>
+          </a:prstGeom>
+          <a:noFill/>
+        </p:spPr>
+        <p:txBody>
+          <a:bodyPr wrap="none" rtlCol="0">
+            <a:spAutoFit/>
+          </a:bodyPr>
+          <a:lstStyle/>
+          <a:p>
+            <a:r>
+              <a:rPr lang="en-US" smtClean="0"/>
+              <a:t>Engine setting </a:t>
+            </a:r>
+          </a:p>
+          <a:p>
+            <a:r>
+              <a:rPr lang="en-US" smtClean="0"/>
+              <a:t>(altitude, march, sea-level temperature)</a:t>
+            </a:r>
+            <a:endParaRPr lang="en-US"/>
+          </a:p>
+        </p:txBody>
+      </p:sp>
+      <p:sp>
+        <p:nvSpPr>
+          <p:cNvPr id="6" name="TextBox 5"/>
+          <p:cNvSpPr txBox="1"/>
+          <p:nvPr/>
+        </p:nvSpPr>
+        <p:spPr>
+          <a:xfrm>
+            <a:off x="7239000" y="5855677"/>
+            <a:ext cx="2183290" cy="369332"/>
+          </a:xfrm>
+          <a:prstGeom prst="rect">
+            <a:avLst/>
+          </a:prstGeom>
+          <a:noFill/>
+        </p:spPr>
+        <p:txBody>
+          <a:bodyPr wrap="none" rtlCol="0">
+            <a:spAutoFit/>
+          </a:bodyPr>
+          <a:lstStyle/>
+          <a:p>
+            <a:r>
+              <a:rPr lang="en-US" smtClean="0"/>
+              <a:t>Sensor measurement</a:t>
+            </a:r>
+            <a:endParaRPr lang="en-US"/>
+          </a:p>
+        </p:txBody>
+      </p:sp>
+      <p:cxnSp>
+        <p:nvCxnSpPr>
+          <p:cNvPr id="8" name="Straight Arrow Connector 7"/>
+          <p:cNvCxnSpPr/>
+          <p:nvPr/>
+        </p:nvCxnSpPr>
+        <p:spPr>
+          <a:xfrm flipV="1">
+            <a:off x="3253154" y="5134709"/>
+            <a:ext cx="1" cy="582468"/>
+          </a:xfrm>
+          <a:prstGeom prst="straightConnector1">
+            <a:avLst/>
+          </a:prstGeom>
+          <a:ln>
+            <a:tailEnd type="triangle"/>
+          </a:ln>
+        </p:spPr>
+        <p:style>
+          <a:lnRef idx="1">
+            <a:schemeClr val="accent1"/>
+          </a:lnRef>
+          <a:fillRef idx="0">
+            <a:schemeClr val="accent1"/>
+          </a:fillRef>
+          <a:effectRef idx="0">
+            <a:schemeClr val="accent1"/>
+          </a:effectRef>
+          <a:fontRef idx="minor">
+            <a:schemeClr val="tx1"/>
+          </a:fontRef>
+        </p:style>
+      </p:cxnSp>
+      <p:cxnSp>
+        <p:nvCxnSpPr>
+          <p:cNvPr id="10" name="Straight Arrow Connector 9"/>
+          <p:cNvCxnSpPr/>
+          <p:nvPr/>
+        </p:nvCxnSpPr>
+        <p:spPr>
+          <a:xfrm flipH="1" flipV="1">
+            <a:off x="8097715" y="5169694"/>
+            <a:ext cx="483577" cy="685983"/>
+          </a:xfrm>
+          <a:prstGeom prst="straightConnector1">
+            <a:avLst/>
+          </a:prstGeom>
+          <a:ln>
+            <a:tailEnd type="triangle"/>
+          </a:ln>
+        </p:spPr>
+        <p:style>
+          <a:lnRef idx="1">
+            <a:schemeClr val="accent1"/>
+          </a:lnRef>
+          <a:fillRef idx="0">
+            <a:schemeClr val="accent1"/>
+          </a:fillRef>
+          <a:effectRef idx="0">
+            <a:schemeClr val="accent1"/>
+          </a:effectRef>
+          <a:fontRef idx="minor">
+            <a:schemeClr val="tx1"/>
+          </a:fontRef>
+        </p:style>
+      </p:cxnSp>
+    </p:spTree>
+    <p:extLst>
+      <p:ext uri="{BB962C8B-B14F-4D97-AF65-F5344CB8AC3E}">
+        <p14:creationId xmlns:p14="http://schemas.microsoft.com/office/powerpoint/2010/main" val="1690943893"/>
       </p:ext>
     </p:extLst>
   </p:cSld>
@@ -3899,6 +4490,454 @@
     <p:extLst>
       <p:ext uri="{BB962C8B-B14F-4D97-AF65-F5344CB8AC3E}">
         <p14:creationId xmlns:p14="http://schemas.microsoft.com/office/powerpoint/2010/main" val="547988742"/>
+      </p:ext>
+    </p:extLst>
+  </p:cSld>
+  <p:clrMapOvr>
+    <a:masterClrMapping/>
+  </p:clrMapOvr>
+</p:sld>
+</file>
+
+<file path=ppt/slides/slide20.xml><?xml version="1.0" encoding="utf-8"?>
+<p:sld xmlns:a="http://schemas.openxmlformats.org/drawingml/2006/main" xmlns:r="http://schemas.openxmlformats.org/officeDocument/2006/relationships" xmlns:p="http://schemas.openxmlformats.org/presentationml/2006/main">
+  <p:cSld>
+    <p:spTree>
+      <p:nvGrpSpPr>
+        <p:cNvPr id="1" name=""/>
+        <p:cNvGrpSpPr/>
+        <p:nvPr/>
+      </p:nvGrpSpPr>
+      <p:grpSpPr>
+        <a:xfrm>
+          <a:off x="0" y="0"/>
+          <a:ext cx="0" cy="0"/>
+          <a:chOff x="0" y="0"/>
+          <a:chExt cx="0" cy="0"/>
+        </a:xfrm>
+      </p:grpSpPr>
+      <p:sp>
+        <p:nvSpPr>
+          <p:cNvPr id="2" name="Title 1"/>
+          <p:cNvSpPr>
+            <a:spLocks noGrp="1"/>
+          </p:cNvSpPr>
+          <p:nvPr>
+            <p:ph type="title"/>
+          </p:nvPr>
+        </p:nvSpPr>
+        <p:spPr/>
+        <p:txBody>
+          <a:bodyPr/>
+          <a:lstStyle/>
+          <a:p>
+            <a:r>
+              <a:rPr lang="en-US" smtClean="0"/>
+              <a:t>Prepare train data</a:t>
+            </a:r>
+            <a:endParaRPr lang="en-US"/>
+          </a:p>
+        </p:txBody>
+      </p:sp>
+      <p:pic>
+        <p:nvPicPr>
+          <p:cNvPr id="4" name="Picture 3"/>
+          <p:cNvPicPr>
+            <a:picLocks noChangeAspect="1"/>
+          </p:cNvPicPr>
+          <p:nvPr/>
+        </p:nvPicPr>
+        <p:blipFill>
+          <a:blip r:embed="rId2"/>
+          <a:stretch>
+            <a:fillRect/>
+          </a:stretch>
+        </p:blipFill>
+        <p:spPr>
+          <a:xfrm>
+            <a:off x="19050" y="1690688"/>
+            <a:ext cx="12153900" cy="4295775"/>
+          </a:xfrm>
+          <a:prstGeom prst="rect">
+            <a:avLst/>
+          </a:prstGeom>
+        </p:spPr>
+      </p:pic>
+    </p:spTree>
+    <p:extLst>
+      <p:ext uri="{BB962C8B-B14F-4D97-AF65-F5344CB8AC3E}">
+        <p14:creationId xmlns:p14="http://schemas.microsoft.com/office/powerpoint/2010/main" val="468710246"/>
+      </p:ext>
+    </p:extLst>
+  </p:cSld>
+  <p:clrMapOvr>
+    <a:masterClrMapping/>
+  </p:clrMapOvr>
+</p:sld>
+</file>
+
+<file path=ppt/slides/slide21.xml><?xml version="1.0" encoding="utf-8"?>
+<p:sld xmlns:a="http://schemas.openxmlformats.org/drawingml/2006/main" xmlns:r="http://schemas.openxmlformats.org/officeDocument/2006/relationships" xmlns:p="http://schemas.openxmlformats.org/presentationml/2006/main">
+  <p:cSld>
+    <p:spTree>
+      <p:nvGrpSpPr>
+        <p:cNvPr id="1" name=""/>
+        <p:cNvGrpSpPr/>
+        <p:nvPr/>
+      </p:nvGrpSpPr>
+      <p:grpSpPr>
+        <a:xfrm>
+          <a:off x="0" y="0"/>
+          <a:ext cx="0" cy="0"/>
+          <a:chOff x="0" y="0"/>
+          <a:chExt cx="0" cy="0"/>
+        </a:xfrm>
+      </p:grpSpPr>
+      <p:sp>
+        <p:nvSpPr>
+          <p:cNvPr id="2" name="Title 1"/>
+          <p:cNvSpPr>
+            <a:spLocks noGrp="1"/>
+          </p:cNvSpPr>
+          <p:nvPr>
+            <p:ph type="title"/>
+          </p:nvPr>
+        </p:nvSpPr>
+        <p:spPr/>
+        <p:txBody>
+          <a:bodyPr/>
+          <a:lstStyle/>
+          <a:p>
+            <a:r>
+              <a:rPr lang="en-US" smtClean="0"/>
+              <a:t>Create model and train</a:t>
+            </a:r>
+            <a:endParaRPr lang="en-US"/>
+          </a:p>
+        </p:txBody>
+      </p:sp>
+      <p:pic>
+        <p:nvPicPr>
+          <p:cNvPr id="4" name="Picture 3"/>
+          <p:cNvPicPr>
+            <a:picLocks noChangeAspect="1"/>
+          </p:cNvPicPr>
+          <p:nvPr/>
+        </p:nvPicPr>
+        <p:blipFill>
+          <a:blip r:embed="rId2"/>
+          <a:stretch>
+            <a:fillRect/>
+          </a:stretch>
+        </p:blipFill>
+        <p:spPr>
+          <a:xfrm>
+            <a:off x="764931" y="1690688"/>
+            <a:ext cx="11017127" cy="4936809"/>
+          </a:xfrm>
+          <a:prstGeom prst="rect">
+            <a:avLst/>
+          </a:prstGeom>
+        </p:spPr>
+      </p:pic>
+    </p:spTree>
+    <p:extLst>
+      <p:ext uri="{BB962C8B-B14F-4D97-AF65-F5344CB8AC3E}">
+        <p14:creationId xmlns:p14="http://schemas.microsoft.com/office/powerpoint/2010/main" val="3152476639"/>
+      </p:ext>
+    </p:extLst>
+  </p:cSld>
+  <p:clrMapOvr>
+    <a:masterClrMapping/>
+  </p:clrMapOvr>
+</p:sld>
+</file>
+
+<file path=ppt/slides/slide22.xml><?xml version="1.0" encoding="utf-8"?>
+<p:sld xmlns:a="http://schemas.openxmlformats.org/drawingml/2006/main" xmlns:r="http://schemas.openxmlformats.org/officeDocument/2006/relationships" xmlns:p="http://schemas.openxmlformats.org/presentationml/2006/main">
+  <p:cSld>
+    <p:spTree>
+      <p:nvGrpSpPr>
+        <p:cNvPr id="1" name=""/>
+        <p:cNvGrpSpPr/>
+        <p:nvPr/>
+      </p:nvGrpSpPr>
+      <p:grpSpPr>
+        <a:xfrm>
+          <a:off x="0" y="0"/>
+          <a:ext cx="0" cy="0"/>
+          <a:chOff x="0" y="0"/>
+          <a:chExt cx="0" cy="0"/>
+        </a:xfrm>
+      </p:grpSpPr>
+      <p:sp>
+        <p:nvSpPr>
+          <p:cNvPr id="2" name="Title 1"/>
+          <p:cNvSpPr>
+            <a:spLocks noGrp="1"/>
+          </p:cNvSpPr>
+          <p:nvPr>
+            <p:ph type="title"/>
+          </p:nvPr>
+        </p:nvSpPr>
+        <p:spPr/>
+        <p:txBody>
+          <a:bodyPr/>
+          <a:lstStyle/>
+          <a:p>
+            <a:r>
+              <a:rPr lang="en-US" smtClean="0"/>
+              <a:t>Transform test data </a:t>
+            </a:r>
+            <a:endParaRPr lang="en-US"/>
+          </a:p>
+        </p:txBody>
+      </p:sp>
+      <p:pic>
+        <p:nvPicPr>
+          <p:cNvPr id="4" name="Content Placeholder 3"/>
+          <p:cNvPicPr>
+            <a:picLocks noGrp="1" noChangeAspect="1"/>
+          </p:cNvPicPr>
+          <p:nvPr>
+            <p:ph idx="1"/>
+          </p:nvPr>
+        </p:nvPicPr>
+        <p:blipFill>
+          <a:blip r:embed="rId2"/>
+          <a:stretch>
+            <a:fillRect/>
+          </a:stretch>
+        </p:blipFill>
+        <p:spPr>
+          <a:xfrm>
+            <a:off x="838200" y="1986306"/>
+            <a:ext cx="10515600" cy="4029975"/>
+          </a:xfrm>
+          <a:prstGeom prst="rect">
+            <a:avLst/>
+          </a:prstGeom>
+        </p:spPr>
+      </p:pic>
+    </p:spTree>
+    <p:extLst>
+      <p:ext uri="{BB962C8B-B14F-4D97-AF65-F5344CB8AC3E}">
+        <p14:creationId xmlns:p14="http://schemas.microsoft.com/office/powerpoint/2010/main" val="3733946999"/>
+      </p:ext>
+    </p:extLst>
+  </p:cSld>
+  <p:clrMapOvr>
+    <a:masterClrMapping/>
+  </p:clrMapOvr>
+</p:sld>
+</file>
+
+<file path=ppt/slides/slide23.xml><?xml version="1.0" encoding="utf-8"?>
+<p:sld xmlns:a="http://schemas.openxmlformats.org/drawingml/2006/main" xmlns:r="http://schemas.openxmlformats.org/officeDocument/2006/relationships" xmlns:p="http://schemas.openxmlformats.org/presentationml/2006/main">
+  <p:cSld>
+    <p:spTree>
+      <p:nvGrpSpPr>
+        <p:cNvPr id="1" name=""/>
+        <p:cNvGrpSpPr/>
+        <p:nvPr/>
+      </p:nvGrpSpPr>
+      <p:grpSpPr>
+        <a:xfrm>
+          <a:off x="0" y="0"/>
+          <a:ext cx="0" cy="0"/>
+          <a:chOff x="0" y="0"/>
+          <a:chExt cx="0" cy="0"/>
+        </a:xfrm>
+      </p:grpSpPr>
+      <p:sp>
+        <p:nvSpPr>
+          <p:cNvPr id="2" name="Title 1"/>
+          <p:cNvSpPr>
+            <a:spLocks noGrp="1"/>
+          </p:cNvSpPr>
+          <p:nvPr>
+            <p:ph type="title"/>
+          </p:nvPr>
+        </p:nvSpPr>
+        <p:spPr/>
+        <p:txBody>
+          <a:bodyPr/>
+          <a:lstStyle/>
+          <a:p>
+            <a:r>
+              <a:rPr lang="en-US" smtClean="0"/>
+              <a:t>AWS SageMaker</a:t>
+            </a:r>
+            <a:endParaRPr lang="en-US"/>
+          </a:p>
+        </p:txBody>
+      </p:sp>
+      <p:sp>
+        <p:nvSpPr>
+          <p:cNvPr id="4" name="Text Placeholder 3"/>
+          <p:cNvSpPr>
+            <a:spLocks noGrp="1"/>
+          </p:cNvSpPr>
+          <p:nvPr>
+            <p:ph type="body" idx="1"/>
+          </p:nvPr>
+        </p:nvSpPr>
+        <p:spPr/>
+        <p:txBody>
+          <a:bodyPr/>
+          <a:lstStyle/>
+          <a:p>
+            <a:endParaRPr lang="en-US"/>
+          </a:p>
+        </p:txBody>
+      </p:sp>
+    </p:spTree>
+    <p:extLst>
+      <p:ext uri="{BB962C8B-B14F-4D97-AF65-F5344CB8AC3E}">
+        <p14:creationId xmlns:p14="http://schemas.microsoft.com/office/powerpoint/2010/main" val="2981711098"/>
+      </p:ext>
+    </p:extLst>
+  </p:cSld>
+  <p:clrMapOvr>
+    <a:masterClrMapping/>
+  </p:clrMapOvr>
+</p:sld>
+</file>
+
+<file path=ppt/slides/slide24.xml><?xml version="1.0" encoding="utf-8"?>
+<p:sld xmlns:a="http://schemas.openxmlformats.org/drawingml/2006/main" xmlns:r="http://schemas.openxmlformats.org/officeDocument/2006/relationships" xmlns:p="http://schemas.openxmlformats.org/presentationml/2006/main">
+  <p:cSld>
+    <p:spTree>
+      <p:nvGrpSpPr>
+        <p:cNvPr id="1" name=""/>
+        <p:cNvGrpSpPr/>
+        <p:nvPr/>
+      </p:nvGrpSpPr>
+      <p:grpSpPr>
+        <a:xfrm>
+          <a:off x="0" y="0"/>
+          <a:ext cx="0" cy="0"/>
+          <a:chOff x="0" y="0"/>
+          <a:chExt cx="0" cy="0"/>
+        </a:xfrm>
+      </p:grpSpPr>
+      <p:sp>
+        <p:nvSpPr>
+          <p:cNvPr id="4" name="Title 3"/>
+          <p:cNvSpPr>
+            <a:spLocks noGrp="1"/>
+          </p:cNvSpPr>
+          <p:nvPr>
+            <p:ph type="title"/>
+          </p:nvPr>
+        </p:nvSpPr>
+        <p:spPr/>
+        <p:txBody>
+          <a:bodyPr/>
+          <a:lstStyle/>
+          <a:p>
+            <a:r>
+              <a:rPr lang="en-US" smtClean="0"/>
+              <a:t>Steps to build, train, test a model</a:t>
+            </a:r>
+            <a:endParaRPr lang="en-US"/>
+          </a:p>
+        </p:txBody>
+      </p:sp>
+      <p:sp>
+        <p:nvSpPr>
+          <p:cNvPr id="5" name="Content Placeholder 4"/>
+          <p:cNvSpPr>
+            <a:spLocks noGrp="1"/>
+          </p:cNvSpPr>
+          <p:nvPr>
+            <p:ph idx="1"/>
+          </p:nvPr>
+        </p:nvSpPr>
+        <p:spPr/>
+        <p:txBody>
+          <a:bodyPr>
+            <a:normAutofit lnSpcReduction="10000"/>
+          </a:bodyPr>
+          <a:lstStyle/>
+          <a:p>
+            <a:r>
+              <a:rPr lang="en-US" smtClean="0"/>
+              <a:t>Create a notebook instance: name, instance type, IAM role</a:t>
+            </a:r>
+          </a:p>
+          <a:p>
+            <a:r>
+              <a:rPr lang="en-US" smtClean="0"/>
+              <a:t>Create a S3 bucket: boto3 client</a:t>
+            </a:r>
+          </a:p>
+          <a:p>
+            <a:r>
+              <a:rPr lang="en-US" smtClean="0"/>
+              <a:t>Download data as csv, put into data frame</a:t>
+            </a:r>
+          </a:p>
+          <a:p>
+            <a:r>
+              <a:rPr lang="en-US" smtClean="0"/>
+              <a:t>Spit train and test data</a:t>
+            </a:r>
+          </a:p>
+          <a:p>
+            <a:r>
+              <a:rPr lang="en-US" smtClean="0"/>
+              <a:t>Upload to S3: boto3 client</a:t>
+            </a:r>
+          </a:p>
+          <a:p>
+            <a:r>
+              <a:rPr lang="en-US" smtClean="0"/>
+              <a:t>Create input train data, create model, hyperparameters, train: sagemaker</a:t>
+            </a:r>
+          </a:p>
+          <a:p>
+            <a:r>
+              <a:rPr lang="en-US" smtClean="0"/>
+              <a:t>Deploy: instance </a:t>
+            </a:r>
+            <a:r>
+              <a:rPr lang="en-US"/>
+              <a:t>type </a:t>
+            </a:r>
+            <a:r>
+              <a:rPr lang="en-US"/>
+              <a:t>and </a:t>
+            </a:r>
+            <a:r>
+              <a:rPr lang="en-US" smtClean="0"/>
+              <a:t>endpoint </a:t>
+            </a:r>
+            <a:r>
+              <a:rPr lang="en-US" smtClean="0">
+                <a:sym typeface="Wingdings" panose="05000000000000000000" pitchFamily="2" charset="2"/>
+              </a:rPr>
+              <a:t> return predictor</a:t>
+            </a:r>
+          </a:p>
+          <a:p>
+            <a:r>
+              <a:rPr lang="en-US" smtClean="0">
+                <a:sym typeface="Wingdings" panose="05000000000000000000" pitchFamily="2" charset="2"/>
+              </a:rPr>
+              <a:t>Use predictor to infer </a:t>
+            </a:r>
+            <a:endParaRPr lang="en-US" smtClean="0"/>
+          </a:p>
+          <a:p>
+            <a:endParaRPr lang="en-US" smtClean="0"/>
+          </a:p>
+        </p:txBody>
+      </p:sp>
+    </p:spTree>
+    <p:extLst>
+      <p:ext uri="{BB962C8B-B14F-4D97-AF65-F5344CB8AC3E}">
+        <p14:creationId xmlns:p14="http://schemas.microsoft.com/office/powerpoint/2010/main" val="232256181"/>
       </p:ext>
     </p:extLst>
   </p:cSld>

--- a/IoT analytics.pptx
+++ b/IoT analytics.pptx
@@ -29,6 +29,9 @@
     <p:sldId id="283" r:id="rId23"/>
     <p:sldId id="284" r:id="rId24"/>
     <p:sldId id="286" r:id="rId25"/>
+    <p:sldId id="287" r:id="rId26"/>
+    <p:sldId id="288" r:id="rId27"/>
+    <p:sldId id="289" r:id="rId28"/>
   </p:sldIdLst>
   <p:sldSz cx="12192000" cy="6858000"/>
   <p:notesSz cx="6858000" cy="9144000"/>
@@ -266,7 +269,7 @@
           <a:p>
             <a:fld id="{3BC1C1F4-6ABF-4EFA-90D5-B3F216C913A9}" type="datetimeFigureOut">
               <a:rPr lang="en-US" smtClean="0"/>
-              <a:t>11/4/2020</a:t>
+              <a:t>11/5/2020</a:t>
             </a:fld>
             <a:endParaRPr lang="en-US"/>
           </a:p>
@@ -436,7 +439,7 @@
           <a:p>
             <a:fld id="{3BC1C1F4-6ABF-4EFA-90D5-B3F216C913A9}" type="datetimeFigureOut">
               <a:rPr lang="en-US" smtClean="0"/>
-              <a:t>11/4/2020</a:t>
+              <a:t>11/5/2020</a:t>
             </a:fld>
             <a:endParaRPr lang="en-US"/>
           </a:p>
@@ -616,7 +619,7 @@
           <a:p>
             <a:fld id="{3BC1C1F4-6ABF-4EFA-90D5-B3F216C913A9}" type="datetimeFigureOut">
               <a:rPr lang="en-US" smtClean="0"/>
-              <a:t>11/4/2020</a:t>
+              <a:t>11/5/2020</a:t>
             </a:fld>
             <a:endParaRPr lang="en-US"/>
           </a:p>
@@ -786,7 +789,7 @@
           <a:p>
             <a:fld id="{3BC1C1F4-6ABF-4EFA-90D5-B3F216C913A9}" type="datetimeFigureOut">
               <a:rPr lang="en-US" smtClean="0"/>
-              <a:t>11/4/2020</a:t>
+              <a:t>11/5/2020</a:t>
             </a:fld>
             <a:endParaRPr lang="en-US"/>
           </a:p>
@@ -1032,7 +1035,7 @@
           <a:p>
             <a:fld id="{3BC1C1F4-6ABF-4EFA-90D5-B3F216C913A9}" type="datetimeFigureOut">
               <a:rPr lang="en-US" smtClean="0"/>
-              <a:t>11/4/2020</a:t>
+              <a:t>11/5/2020</a:t>
             </a:fld>
             <a:endParaRPr lang="en-US"/>
           </a:p>
@@ -1264,7 +1267,7 @@
           <a:p>
             <a:fld id="{3BC1C1F4-6ABF-4EFA-90D5-B3F216C913A9}" type="datetimeFigureOut">
               <a:rPr lang="en-US" smtClean="0"/>
-              <a:t>11/4/2020</a:t>
+              <a:t>11/5/2020</a:t>
             </a:fld>
             <a:endParaRPr lang="en-US"/>
           </a:p>
@@ -1631,7 +1634,7 @@
           <a:p>
             <a:fld id="{3BC1C1F4-6ABF-4EFA-90D5-B3F216C913A9}" type="datetimeFigureOut">
               <a:rPr lang="en-US" smtClean="0"/>
-              <a:t>11/4/2020</a:t>
+              <a:t>11/5/2020</a:t>
             </a:fld>
             <a:endParaRPr lang="en-US"/>
           </a:p>
@@ -1749,7 +1752,7 @@
           <a:p>
             <a:fld id="{3BC1C1F4-6ABF-4EFA-90D5-B3F216C913A9}" type="datetimeFigureOut">
               <a:rPr lang="en-US" smtClean="0"/>
-              <a:t>11/4/2020</a:t>
+              <a:t>11/5/2020</a:t>
             </a:fld>
             <a:endParaRPr lang="en-US"/>
           </a:p>
@@ -1844,7 +1847,7 @@
           <a:p>
             <a:fld id="{3BC1C1F4-6ABF-4EFA-90D5-B3F216C913A9}" type="datetimeFigureOut">
               <a:rPr lang="en-US" smtClean="0"/>
-              <a:t>11/4/2020</a:t>
+              <a:t>11/5/2020</a:t>
             </a:fld>
             <a:endParaRPr lang="en-US"/>
           </a:p>
@@ -2121,7 +2124,7 @@
           <a:p>
             <a:fld id="{3BC1C1F4-6ABF-4EFA-90D5-B3F216C913A9}" type="datetimeFigureOut">
               <a:rPr lang="en-US" smtClean="0"/>
-              <a:t>11/4/2020</a:t>
+              <a:t>11/5/2020</a:t>
             </a:fld>
             <a:endParaRPr lang="en-US"/>
           </a:p>
@@ -2374,7 +2377,7 @@
           <a:p>
             <a:fld id="{3BC1C1F4-6ABF-4EFA-90D5-B3F216C913A9}" type="datetimeFigureOut">
               <a:rPr lang="en-US" smtClean="0"/>
-              <a:t>11/4/2020</a:t>
+              <a:t>11/5/2020</a:t>
             </a:fld>
             <a:endParaRPr lang="en-US"/>
           </a:p>
@@ -2587,7 +2590,7 @@
           <a:p>
             <a:fld id="{3BC1C1F4-6ABF-4EFA-90D5-B3F216C913A9}" type="datetimeFigureOut">
               <a:rPr lang="en-US" smtClean="0"/>
-              <a:t>11/4/2020</a:t>
+              <a:t>11/5/2020</a:t>
             </a:fld>
             <a:endParaRPr lang="en-US"/>
           </a:p>
@@ -4838,7 +4841,11 @@
           <a:p>
             <a:r>
               <a:rPr lang="en-US" smtClean="0"/>
-              <a:t>Steps to build, train, test a model</a:t>
+              <a:t>Steps to build, train, test a </a:t>
+            </a:r>
+            <a:r>
+              <a:rPr lang="en-US" smtClean="0"/>
+              <a:t>model in a notebook</a:t>
             </a:r>
             <a:endParaRPr lang="en-US"/>
           </a:p>
@@ -4903,11 +4910,7 @@
             </a:r>
             <a:r>
               <a:rPr lang="en-US"/>
-              <a:t>type </a:t>
-            </a:r>
-            <a:r>
-              <a:rPr lang="en-US"/>
-              <a:t>and </a:t>
+              <a:t>type and </a:t>
             </a:r>
             <a:r>
               <a:rPr lang="en-US" smtClean="0"/>
@@ -4938,6 +4941,305 @@
     <p:extLst>
       <p:ext uri="{BB962C8B-B14F-4D97-AF65-F5344CB8AC3E}">
         <p14:creationId xmlns:p14="http://schemas.microsoft.com/office/powerpoint/2010/main" val="232256181"/>
+      </p:ext>
+    </p:extLst>
+  </p:cSld>
+  <p:clrMapOvr>
+    <a:masterClrMapping/>
+  </p:clrMapOvr>
+</p:sld>
+</file>
+
+<file path=ppt/slides/slide25.xml><?xml version="1.0" encoding="utf-8"?>
+<p:sld xmlns:a="http://schemas.openxmlformats.org/drawingml/2006/main" xmlns:r="http://schemas.openxmlformats.org/officeDocument/2006/relationships" xmlns:p="http://schemas.openxmlformats.org/presentationml/2006/main">
+  <p:cSld>
+    <p:spTree>
+      <p:nvGrpSpPr>
+        <p:cNvPr id="1" name=""/>
+        <p:cNvGrpSpPr/>
+        <p:nvPr/>
+      </p:nvGrpSpPr>
+      <p:grpSpPr>
+        <a:xfrm>
+          <a:off x="0" y="0"/>
+          <a:ext cx="0" cy="0"/>
+          <a:chOff x="0" y="0"/>
+          <a:chExt cx="0" cy="0"/>
+        </a:xfrm>
+      </p:grpSpPr>
+      <p:sp>
+        <p:nvSpPr>
+          <p:cNvPr id="2" name="Title 1"/>
+          <p:cNvSpPr>
+            <a:spLocks noGrp="1"/>
+          </p:cNvSpPr>
+          <p:nvPr>
+            <p:ph type="title"/>
+          </p:nvPr>
+        </p:nvSpPr>
+        <p:spPr/>
+        <p:txBody>
+          <a:bodyPr/>
+          <a:lstStyle/>
+          <a:p>
+            <a:r>
+              <a:rPr lang="en-US" smtClean="0"/>
+              <a:t>Create an algorithm</a:t>
+            </a:r>
+            <a:endParaRPr lang="en-US"/>
+          </a:p>
+        </p:txBody>
+      </p:sp>
+      <p:sp>
+        <p:nvSpPr>
+          <p:cNvPr id="3" name="Content Placeholder 2"/>
+          <p:cNvSpPr>
+            <a:spLocks noGrp="1"/>
+          </p:cNvSpPr>
+          <p:nvPr>
+            <p:ph idx="1"/>
+          </p:nvPr>
+        </p:nvSpPr>
+        <p:spPr/>
+        <p:txBody>
+          <a:bodyPr/>
+          <a:lstStyle/>
+          <a:p>
+            <a:r>
+              <a:rPr lang="en-US" smtClean="0"/>
+              <a:t>SageMaker built-in algorithm</a:t>
+            </a:r>
+          </a:p>
+          <a:p>
+            <a:r>
+              <a:rPr lang="en-US" smtClean="0"/>
+              <a:t>Algorithm subscription from AWS marketplace</a:t>
+            </a:r>
+          </a:p>
+          <a:p>
+            <a:r>
+              <a:rPr lang="en-US" smtClean="0"/>
+              <a:t>Algorithm container</a:t>
+            </a:r>
+            <a:endParaRPr lang="en-US"/>
+          </a:p>
+        </p:txBody>
+      </p:sp>
+    </p:spTree>
+    <p:extLst>
+      <p:ext uri="{BB962C8B-B14F-4D97-AF65-F5344CB8AC3E}">
+        <p14:creationId xmlns:p14="http://schemas.microsoft.com/office/powerpoint/2010/main" val="3385182572"/>
+      </p:ext>
+    </p:extLst>
+  </p:cSld>
+  <p:clrMapOvr>
+    <a:masterClrMapping/>
+  </p:clrMapOvr>
+</p:sld>
+</file>
+
+<file path=ppt/slides/slide26.xml><?xml version="1.0" encoding="utf-8"?>
+<p:sld xmlns:a="http://schemas.openxmlformats.org/drawingml/2006/main" xmlns:r="http://schemas.openxmlformats.org/officeDocument/2006/relationships" xmlns:p="http://schemas.openxmlformats.org/presentationml/2006/main">
+  <p:cSld>
+    <p:spTree>
+      <p:nvGrpSpPr>
+        <p:cNvPr id="1" name=""/>
+        <p:cNvGrpSpPr/>
+        <p:nvPr/>
+      </p:nvGrpSpPr>
+      <p:grpSpPr>
+        <a:xfrm>
+          <a:off x="0" y="0"/>
+          <a:ext cx="0" cy="0"/>
+          <a:chOff x="0" y="0"/>
+          <a:chExt cx="0" cy="0"/>
+        </a:xfrm>
+      </p:grpSpPr>
+      <p:sp>
+        <p:nvSpPr>
+          <p:cNvPr id="2" name="Title 1"/>
+          <p:cNvSpPr>
+            <a:spLocks noGrp="1"/>
+          </p:cNvSpPr>
+          <p:nvPr>
+            <p:ph type="title"/>
+          </p:nvPr>
+        </p:nvSpPr>
+        <p:spPr/>
+        <p:txBody>
+          <a:bodyPr/>
+          <a:lstStyle/>
+          <a:p>
+            <a:r>
+              <a:rPr lang="en-US" smtClean="0"/>
+              <a:t>Create training job</a:t>
+            </a:r>
+            <a:endParaRPr lang="en-US"/>
+          </a:p>
+        </p:txBody>
+      </p:sp>
+      <p:sp>
+        <p:nvSpPr>
+          <p:cNvPr id="3" name="Content Placeholder 2"/>
+          <p:cNvSpPr>
+            <a:spLocks noGrp="1"/>
+          </p:cNvSpPr>
+          <p:nvPr>
+            <p:ph idx="1"/>
+          </p:nvPr>
+        </p:nvSpPr>
+        <p:spPr/>
+        <p:txBody>
+          <a:bodyPr>
+            <a:normAutofit lnSpcReduction="10000"/>
+          </a:bodyPr>
+          <a:lstStyle/>
+          <a:p>
+            <a:r>
+              <a:rPr lang="en-US" smtClean="0"/>
+              <a:t>Jobname, role</a:t>
+            </a:r>
+          </a:p>
+          <a:p>
+            <a:r>
+              <a:rPr lang="en-US" smtClean="0"/>
+              <a:t>Algorithm source: built-in, custom, container, subscription</a:t>
+            </a:r>
+          </a:p>
+          <a:p>
+            <a:r>
+              <a:rPr lang="en-US" smtClean="0"/>
+              <a:t>Hyperparameters: depend algorithms</a:t>
+            </a:r>
+          </a:p>
+          <a:p>
+            <a:r>
+              <a:rPr lang="en-US" smtClean="0"/>
+              <a:t>Computing resource</a:t>
+            </a:r>
+          </a:p>
+          <a:p>
+            <a:pPr lvl="1"/>
+            <a:r>
+              <a:rPr lang="en-US" smtClean="0"/>
+              <a:t>Instance type</a:t>
+            </a:r>
+          </a:p>
+          <a:p>
+            <a:r>
+              <a:rPr lang="en-US" smtClean="0"/>
+              <a:t>Network resource</a:t>
+            </a:r>
+          </a:p>
+          <a:p>
+            <a:r>
+              <a:rPr lang="en-US" smtClean="0"/>
+              <a:t>Input data</a:t>
+            </a:r>
+          </a:p>
+          <a:p>
+            <a:pPr lvl="1"/>
+            <a:r>
+              <a:rPr lang="en-US" smtClean="0"/>
+              <a:t>Dataset file on S3</a:t>
+            </a:r>
+          </a:p>
+          <a:p>
+            <a:r>
+              <a:rPr lang="en-US" smtClean="0"/>
+              <a:t>Output data</a:t>
+            </a:r>
+          </a:p>
+          <a:p>
+            <a:pPr lvl="1"/>
+            <a:r>
+              <a:rPr lang="en-US" smtClean="0"/>
+              <a:t>Output model on S3 </a:t>
+            </a:r>
+            <a:endParaRPr lang="en-US"/>
+          </a:p>
+        </p:txBody>
+      </p:sp>
+    </p:spTree>
+    <p:extLst>
+      <p:ext uri="{BB962C8B-B14F-4D97-AF65-F5344CB8AC3E}">
+        <p14:creationId xmlns:p14="http://schemas.microsoft.com/office/powerpoint/2010/main" val="2453165832"/>
+      </p:ext>
+    </p:extLst>
+  </p:cSld>
+  <p:clrMapOvr>
+    <a:masterClrMapping/>
+  </p:clrMapOvr>
+</p:sld>
+</file>
+
+<file path=ppt/slides/slide27.xml><?xml version="1.0" encoding="utf-8"?>
+<p:sld xmlns:a="http://schemas.openxmlformats.org/drawingml/2006/main" xmlns:r="http://schemas.openxmlformats.org/officeDocument/2006/relationships" xmlns:p="http://schemas.openxmlformats.org/presentationml/2006/main">
+  <p:cSld>
+    <p:spTree>
+      <p:nvGrpSpPr>
+        <p:cNvPr id="1" name=""/>
+        <p:cNvGrpSpPr/>
+        <p:nvPr/>
+      </p:nvGrpSpPr>
+      <p:grpSpPr>
+        <a:xfrm>
+          <a:off x="0" y="0"/>
+          <a:ext cx="0" cy="0"/>
+          <a:chOff x="0" y="0"/>
+          <a:chExt cx="0" cy="0"/>
+        </a:xfrm>
+      </p:grpSpPr>
+      <p:sp>
+        <p:nvSpPr>
+          <p:cNvPr id="2" name="Title 1"/>
+          <p:cNvSpPr>
+            <a:spLocks noGrp="1"/>
+          </p:cNvSpPr>
+          <p:nvPr>
+            <p:ph type="title"/>
+          </p:nvPr>
+        </p:nvSpPr>
+        <p:spPr/>
+        <p:txBody>
+          <a:bodyPr/>
+          <a:lstStyle/>
+          <a:p>
+            <a:r>
+              <a:rPr lang="en-US" smtClean="0"/>
+              <a:t>Hyperparameter tuning job</a:t>
+            </a:r>
+            <a:endParaRPr lang="en-US"/>
+          </a:p>
+        </p:txBody>
+      </p:sp>
+      <p:sp>
+        <p:nvSpPr>
+          <p:cNvPr id="3" name="Content Placeholder 2"/>
+          <p:cNvSpPr>
+            <a:spLocks noGrp="1"/>
+          </p:cNvSpPr>
+          <p:nvPr>
+            <p:ph idx="1"/>
+          </p:nvPr>
+        </p:nvSpPr>
+        <p:spPr/>
+        <p:txBody>
+          <a:bodyPr/>
+          <a:lstStyle/>
+          <a:p>
+            <a:r>
+              <a:rPr lang="en-US" smtClean="0"/>
+              <a:t>Jobname</a:t>
+            </a:r>
+            <a:endParaRPr lang="en-US"/>
+          </a:p>
+        </p:txBody>
+      </p:sp>
+    </p:spTree>
+    <p:extLst>
+      <p:ext uri="{BB962C8B-B14F-4D97-AF65-F5344CB8AC3E}">
+        <p14:creationId xmlns:p14="http://schemas.microsoft.com/office/powerpoint/2010/main" val="2569786708"/>
       </p:ext>
     </p:extLst>
   </p:cSld>

--- a/IoT analytics.pptx
+++ b/IoT analytics.pptx
@@ -4,6 +4,9 @@
   <p:sldMasterIdLst>
     <p:sldMasterId id="2147483648" r:id="rId1"/>
   </p:sldMasterIdLst>
+  <p:notesMasterIdLst>
+    <p:notesMasterId r:id="rId37"/>
+  </p:notesMasterIdLst>
   <p:sldIdLst>
     <p:sldId id="256" r:id="rId2"/>
     <p:sldId id="266" r:id="rId3"/>
@@ -28,10 +31,18 @@
     <p:sldId id="281" r:id="rId22"/>
     <p:sldId id="283" r:id="rId23"/>
     <p:sldId id="284" r:id="rId24"/>
-    <p:sldId id="286" r:id="rId25"/>
-    <p:sldId id="287" r:id="rId26"/>
-    <p:sldId id="288" r:id="rId27"/>
-    <p:sldId id="289" r:id="rId28"/>
+    <p:sldId id="291" r:id="rId25"/>
+    <p:sldId id="290" r:id="rId26"/>
+    <p:sldId id="292" r:id="rId27"/>
+    <p:sldId id="286" r:id="rId28"/>
+    <p:sldId id="293" r:id="rId29"/>
+    <p:sldId id="297" r:id="rId30"/>
+    <p:sldId id="287" r:id="rId31"/>
+    <p:sldId id="288" r:id="rId32"/>
+    <p:sldId id="289" r:id="rId33"/>
+    <p:sldId id="294" r:id="rId34"/>
+    <p:sldId id="295" r:id="rId35"/>
+    <p:sldId id="296" r:id="rId36"/>
   </p:sldIdLst>
   <p:sldSz cx="12192000" cy="6858000"/>
   <p:notesSz cx="6858000" cy="9144000"/>
@@ -138,6 +149,440 @@
 </p:presentation>
 </file>
 
+<file path=ppt/notesMasters/notesMaster1.xml><?xml version="1.0" encoding="utf-8"?>
+<p:notesMaster xmlns:a="http://schemas.openxmlformats.org/drawingml/2006/main" xmlns:r="http://schemas.openxmlformats.org/officeDocument/2006/relationships" xmlns:p="http://schemas.openxmlformats.org/presentationml/2006/main">
+  <p:cSld>
+    <p:bg>
+      <p:bgRef idx="1001">
+        <a:schemeClr val="bg1"/>
+      </p:bgRef>
+    </p:bg>
+    <p:spTree>
+      <p:nvGrpSpPr>
+        <p:cNvPr id="1" name=""/>
+        <p:cNvGrpSpPr/>
+        <p:nvPr/>
+      </p:nvGrpSpPr>
+      <p:grpSpPr>
+        <a:xfrm>
+          <a:off x="0" y="0"/>
+          <a:ext cx="0" cy="0"/>
+          <a:chOff x="0" y="0"/>
+          <a:chExt cx="0" cy="0"/>
+        </a:xfrm>
+      </p:grpSpPr>
+      <p:sp>
+        <p:nvSpPr>
+          <p:cNvPr id="2" name="Header Placeholder 1"/>
+          <p:cNvSpPr>
+            <a:spLocks noGrp="1"/>
+          </p:cNvSpPr>
+          <p:nvPr>
+            <p:ph type="hdr" sz="quarter"/>
+          </p:nvPr>
+        </p:nvSpPr>
+        <p:spPr>
+          <a:xfrm>
+            <a:off x="0" y="0"/>
+            <a:ext cx="2971800" cy="458788"/>
+          </a:xfrm>
+          <a:prstGeom prst="rect">
+            <a:avLst/>
+          </a:prstGeom>
+        </p:spPr>
+        <p:txBody>
+          <a:bodyPr vert="horz" lIns="91440" tIns="45720" rIns="91440" bIns="45720" rtlCol="0"/>
+          <a:lstStyle>
+            <a:lvl1pPr algn="l">
+              <a:defRPr sz="1200"/>
+            </a:lvl1pPr>
+          </a:lstStyle>
+          <a:p>
+            <a:endParaRPr lang="en-US"/>
+          </a:p>
+        </p:txBody>
+      </p:sp>
+      <p:sp>
+        <p:nvSpPr>
+          <p:cNvPr id="3" name="Date Placeholder 2"/>
+          <p:cNvSpPr>
+            <a:spLocks noGrp="1"/>
+          </p:cNvSpPr>
+          <p:nvPr>
+            <p:ph type="dt" idx="1"/>
+          </p:nvPr>
+        </p:nvSpPr>
+        <p:spPr>
+          <a:xfrm>
+            <a:off x="3884613" y="0"/>
+            <a:ext cx="2971800" cy="458788"/>
+          </a:xfrm>
+          <a:prstGeom prst="rect">
+            <a:avLst/>
+          </a:prstGeom>
+        </p:spPr>
+        <p:txBody>
+          <a:bodyPr vert="horz" lIns="91440" tIns="45720" rIns="91440" bIns="45720" rtlCol="0"/>
+          <a:lstStyle>
+            <a:lvl1pPr algn="r">
+              <a:defRPr sz="1200"/>
+            </a:lvl1pPr>
+          </a:lstStyle>
+          <a:p>
+            <a:fld id="{BAB03BB9-0388-4A96-8419-37E1E77EAF7C}" type="datetimeFigureOut">
+              <a:rPr lang="en-US" smtClean="0"/>
+              <a:t>11/9/2020</a:t>
+            </a:fld>
+            <a:endParaRPr lang="en-US"/>
+          </a:p>
+        </p:txBody>
+      </p:sp>
+      <p:sp>
+        <p:nvSpPr>
+          <p:cNvPr id="4" name="Slide Image Placeholder 3"/>
+          <p:cNvSpPr>
+            <a:spLocks noGrp="1" noRot="1" noChangeAspect="1"/>
+          </p:cNvSpPr>
+          <p:nvPr>
+            <p:ph type="sldImg" idx="2"/>
+          </p:nvPr>
+        </p:nvSpPr>
+        <p:spPr>
+          <a:xfrm>
+            <a:off x="685800" y="1143000"/>
+            <a:ext cx="5486400" cy="3086100"/>
+          </a:xfrm>
+          <a:prstGeom prst="rect">
+            <a:avLst/>
+          </a:prstGeom>
+          <a:noFill/>
+          <a:ln w="12700">
+            <a:solidFill>
+              <a:prstClr val="black"/>
+            </a:solidFill>
+          </a:ln>
+        </p:spPr>
+        <p:txBody>
+          <a:bodyPr vert="horz" lIns="91440" tIns="45720" rIns="91440" bIns="45720" rtlCol="0" anchor="ctr"/>
+          <a:lstStyle/>
+          <a:p>
+            <a:endParaRPr lang="en-US"/>
+          </a:p>
+        </p:txBody>
+      </p:sp>
+      <p:sp>
+        <p:nvSpPr>
+          <p:cNvPr id="5" name="Notes Placeholder 4"/>
+          <p:cNvSpPr>
+            <a:spLocks noGrp="1"/>
+          </p:cNvSpPr>
+          <p:nvPr>
+            <p:ph type="body" sz="quarter" idx="3"/>
+          </p:nvPr>
+        </p:nvSpPr>
+        <p:spPr>
+          <a:xfrm>
+            <a:off x="685800" y="4400550"/>
+            <a:ext cx="5486400" cy="3600450"/>
+          </a:xfrm>
+          <a:prstGeom prst="rect">
+            <a:avLst/>
+          </a:prstGeom>
+        </p:spPr>
+        <p:txBody>
+          <a:bodyPr vert="horz" lIns="91440" tIns="45720" rIns="91440" bIns="45720" rtlCol="0"/>
+          <a:lstStyle/>
+          <a:p>
+            <a:pPr lvl="0"/>
+            <a:r>
+              <a:rPr lang="en-US" smtClean="0"/>
+              <a:t>Edit Master text styles</a:t>
+            </a:r>
+          </a:p>
+          <a:p>
+            <a:pPr lvl="1"/>
+            <a:r>
+              <a:rPr lang="en-US" smtClean="0"/>
+              <a:t>Second level</a:t>
+            </a:r>
+          </a:p>
+          <a:p>
+            <a:pPr lvl="2"/>
+            <a:r>
+              <a:rPr lang="en-US" smtClean="0"/>
+              <a:t>Third level</a:t>
+            </a:r>
+          </a:p>
+          <a:p>
+            <a:pPr lvl="3"/>
+            <a:r>
+              <a:rPr lang="en-US" smtClean="0"/>
+              <a:t>Fourth level</a:t>
+            </a:r>
+          </a:p>
+          <a:p>
+            <a:pPr lvl="4"/>
+            <a:r>
+              <a:rPr lang="en-US" smtClean="0"/>
+              <a:t>Fifth level</a:t>
+            </a:r>
+            <a:endParaRPr lang="en-US"/>
+          </a:p>
+        </p:txBody>
+      </p:sp>
+      <p:sp>
+        <p:nvSpPr>
+          <p:cNvPr id="6" name="Footer Placeholder 5"/>
+          <p:cNvSpPr>
+            <a:spLocks noGrp="1"/>
+          </p:cNvSpPr>
+          <p:nvPr>
+            <p:ph type="ftr" sz="quarter" idx="4"/>
+          </p:nvPr>
+        </p:nvSpPr>
+        <p:spPr>
+          <a:xfrm>
+            <a:off x="0" y="8685213"/>
+            <a:ext cx="2971800" cy="458787"/>
+          </a:xfrm>
+          <a:prstGeom prst="rect">
+            <a:avLst/>
+          </a:prstGeom>
+        </p:spPr>
+        <p:txBody>
+          <a:bodyPr vert="horz" lIns="91440" tIns="45720" rIns="91440" bIns="45720" rtlCol="0" anchor="b"/>
+          <a:lstStyle>
+            <a:lvl1pPr algn="l">
+              <a:defRPr sz="1200"/>
+            </a:lvl1pPr>
+          </a:lstStyle>
+          <a:p>
+            <a:endParaRPr lang="en-US"/>
+          </a:p>
+        </p:txBody>
+      </p:sp>
+      <p:sp>
+        <p:nvSpPr>
+          <p:cNvPr id="7" name="Slide Number Placeholder 6"/>
+          <p:cNvSpPr>
+            <a:spLocks noGrp="1"/>
+          </p:cNvSpPr>
+          <p:nvPr>
+            <p:ph type="sldNum" sz="quarter" idx="5"/>
+          </p:nvPr>
+        </p:nvSpPr>
+        <p:spPr>
+          <a:xfrm>
+            <a:off x="3884613" y="8685213"/>
+            <a:ext cx="2971800" cy="458787"/>
+          </a:xfrm>
+          <a:prstGeom prst="rect">
+            <a:avLst/>
+          </a:prstGeom>
+        </p:spPr>
+        <p:txBody>
+          <a:bodyPr vert="horz" lIns="91440" tIns="45720" rIns="91440" bIns="45720" rtlCol="0" anchor="b"/>
+          <a:lstStyle>
+            <a:lvl1pPr algn="r">
+              <a:defRPr sz="1200"/>
+            </a:lvl1pPr>
+          </a:lstStyle>
+          <a:p>
+            <a:fld id="{DB56B67A-ED24-402E-9105-679A1D7AA354}" type="slidenum">
+              <a:rPr lang="en-US" smtClean="0"/>
+              <a:t>‹#›</a:t>
+            </a:fld>
+            <a:endParaRPr lang="en-US"/>
+          </a:p>
+        </p:txBody>
+      </p:sp>
+    </p:spTree>
+    <p:extLst>
+      <p:ext uri="{BB962C8B-B14F-4D97-AF65-F5344CB8AC3E}">
+        <p14:creationId xmlns:p14="http://schemas.microsoft.com/office/powerpoint/2010/main" val="3112144958"/>
+      </p:ext>
+    </p:extLst>
+  </p:cSld>
+  <p:clrMap bg1="lt1" tx1="dk1" bg2="lt2" tx2="dk2" accent1="accent1" accent2="accent2" accent3="accent3" accent4="accent4" accent5="accent5" accent6="accent6" hlink="hlink" folHlink="folHlink"/>
+  <p:notesStyle>
+    <a:lvl1pPr marL="0" algn="l" defTabSz="914400" rtl="0" eaLnBrk="1" latinLnBrk="0" hangingPunct="1">
+      <a:defRPr sz="1200" kern="1200">
+        <a:solidFill>
+          <a:schemeClr val="tx1"/>
+        </a:solidFill>
+        <a:latin typeface="+mn-lt"/>
+        <a:ea typeface="+mn-ea"/>
+        <a:cs typeface="+mn-cs"/>
+      </a:defRPr>
+    </a:lvl1pPr>
+    <a:lvl2pPr marL="457200" algn="l" defTabSz="914400" rtl="0" eaLnBrk="1" latinLnBrk="0" hangingPunct="1">
+      <a:defRPr sz="1200" kern="1200">
+        <a:solidFill>
+          <a:schemeClr val="tx1"/>
+        </a:solidFill>
+        <a:latin typeface="+mn-lt"/>
+        <a:ea typeface="+mn-ea"/>
+        <a:cs typeface="+mn-cs"/>
+      </a:defRPr>
+    </a:lvl2pPr>
+    <a:lvl3pPr marL="914400" algn="l" defTabSz="914400" rtl="0" eaLnBrk="1" latinLnBrk="0" hangingPunct="1">
+      <a:defRPr sz="1200" kern="1200">
+        <a:solidFill>
+          <a:schemeClr val="tx1"/>
+        </a:solidFill>
+        <a:latin typeface="+mn-lt"/>
+        <a:ea typeface="+mn-ea"/>
+        <a:cs typeface="+mn-cs"/>
+      </a:defRPr>
+    </a:lvl3pPr>
+    <a:lvl4pPr marL="1371600" algn="l" defTabSz="914400" rtl="0" eaLnBrk="1" latinLnBrk="0" hangingPunct="1">
+      <a:defRPr sz="1200" kern="1200">
+        <a:solidFill>
+          <a:schemeClr val="tx1"/>
+        </a:solidFill>
+        <a:latin typeface="+mn-lt"/>
+        <a:ea typeface="+mn-ea"/>
+        <a:cs typeface="+mn-cs"/>
+      </a:defRPr>
+    </a:lvl4pPr>
+    <a:lvl5pPr marL="1828800" algn="l" defTabSz="914400" rtl="0" eaLnBrk="1" latinLnBrk="0" hangingPunct="1">
+      <a:defRPr sz="1200" kern="1200">
+        <a:solidFill>
+          <a:schemeClr val="tx1"/>
+        </a:solidFill>
+        <a:latin typeface="+mn-lt"/>
+        <a:ea typeface="+mn-ea"/>
+        <a:cs typeface="+mn-cs"/>
+      </a:defRPr>
+    </a:lvl5pPr>
+    <a:lvl6pPr marL="2286000" algn="l" defTabSz="914400" rtl="0" eaLnBrk="1" latinLnBrk="0" hangingPunct="1">
+      <a:defRPr sz="1200" kern="1200">
+        <a:solidFill>
+          <a:schemeClr val="tx1"/>
+        </a:solidFill>
+        <a:latin typeface="+mn-lt"/>
+        <a:ea typeface="+mn-ea"/>
+        <a:cs typeface="+mn-cs"/>
+      </a:defRPr>
+    </a:lvl6pPr>
+    <a:lvl7pPr marL="2743200" algn="l" defTabSz="914400" rtl="0" eaLnBrk="1" latinLnBrk="0" hangingPunct="1">
+      <a:defRPr sz="1200" kern="1200">
+        <a:solidFill>
+          <a:schemeClr val="tx1"/>
+        </a:solidFill>
+        <a:latin typeface="+mn-lt"/>
+        <a:ea typeface="+mn-ea"/>
+        <a:cs typeface="+mn-cs"/>
+      </a:defRPr>
+    </a:lvl7pPr>
+    <a:lvl8pPr marL="3200400" algn="l" defTabSz="914400" rtl="0" eaLnBrk="1" latinLnBrk="0" hangingPunct="1">
+      <a:defRPr sz="1200" kern="1200">
+        <a:solidFill>
+          <a:schemeClr val="tx1"/>
+        </a:solidFill>
+        <a:latin typeface="+mn-lt"/>
+        <a:ea typeface="+mn-ea"/>
+        <a:cs typeface="+mn-cs"/>
+      </a:defRPr>
+    </a:lvl8pPr>
+    <a:lvl9pPr marL="3657600" algn="l" defTabSz="914400" rtl="0" eaLnBrk="1" latinLnBrk="0" hangingPunct="1">
+      <a:defRPr sz="1200" kern="1200">
+        <a:solidFill>
+          <a:schemeClr val="tx1"/>
+        </a:solidFill>
+        <a:latin typeface="+mn-lt"/>
+        <a:ea typeface="+mn-ea"/>
+        <a:cs typeface="+mn-cs"/>
+      </a:defRPr>
+    </a:lvl9pPr>
+  </p:notesStyle>
+</p:notesMaster>
+</file>
+
+<file path=ppt/notesSlides/notesSlide1.xml><?xml version="1.0" encoding="utf-8"?>
+<p:notes xmlns:a="http://schemas.openxmlformats.org/drawingml/2006/main" xmlns:r="http://schemas.openxmlformats.org/officeDocument/2006/relationships" xmlns:p="http://schemas.openxmlformats.org/presentationml/2006/main">
+  <p:cSld>
+    <p:spTree>
+      <p:nvGrpSpPr>
+        <p:cNvPr id="1" name=""/>
+        <p:cNvGrpSpPr/>
+        <p:nvPr/>
+      </p:nvGrpSpPr>
+      <p:grpSpPr>
+        <a:xfrm>
+          <a:off x="0" y="0"/>
+          <a:ext cx="0" cy="0"/>
+          <a:chOff x="0" y="0"/>
+          <a:chExt cx="0" cy="0"/>
+        </a:xfrm>
+      </p:grpSpPr>
+      <p:sp>
+        <p:nvSpPr>
+          <p:cNvPr id="2" name="Slide Image Placeholder 1"/>
+          <p:cNvSpPr>
+            <a:spLocks noGrp="1" noRot="1" noChangeAspect="1"/>
+          </p:cNvSpPr>
+          <p:nvPr>
+            <p:ph type="sldImg"/>
+          </p:nvPr>
+        </p:nvSpPr>
+        <p:spPr/>
+      </p:sp>
+      <p:sp>
+        <p:nvSpPr>
+          <p:cNvPr id="3" name="Notes Placeholder 2"/>
+          <p:cNvSpPr>
+            <a:spLocks noGrp="1"/>
+          </p:cNvSpPr>
+          <p:nvPr>
+            <p:ph type="body" idx="1"/>
+          </p:nvPr>
+        </p:nvSpPr>
+        <p:spPr/>
+        <p:txBody>
+          <a:bodyPr/>
+          <a:lstStyle/>
+          <a:p>
+            <a:endParaRPr lang="en-US"/>
+          </a:p>
+        </p:txBody>
+      </p:sp>
+      <p:sp>
+        <p:nvSpPr>
+          <p:cNvPr id="4" name="Slide Number Placeholder 3"/>
+          <p:cNvSpPr>
+            <a:spLocks noGrp="1"/>
+          </p:cNvSpPr>
+          <p:nvPr>
+            <p:ph type="sldNum" sz="quarter" idx="10"/>
+          </p:nvPr>
+        </p:nvSpPr>
+        <p:spPr/>
+        <p:txBody>
+          <a:bodyPr/>
+          <a:lstStyle/>
+          <a:p>
+            <a:fld id="{DB56B67A-ED24-402E-9105-679A1D7AA354}" type="slidenum">
+              <a:rPr lang="en-US" smtClean="0"/>
+              <a:t>30</a:t>
+            </a:fld>
+            <a:endParaRPr lang="en-US"/>
+          </a:p>
+        </p:txBody>
+      </p:sp>
+    </p:spTree>
+    <p:extLst>
+      <p:ext uri="{BB962C8B-B14F-4D97-AF65-F5344CB8AC3E}">
+        <p14:creationId xmlns:p14="http://schemas.microsoft.com/office/powerpoint/2010/main" val="3106909852"/>
+      </p:ext>
+    </p:extLst>
+  </p:cSld>
+  <p:clrMapOvr>
+    <a:masterClrMapping/>
+  </p:clrMapOvr>
+</p:notes>
+</file>
+
 <file path=ppt/slideLayouts/slideLayout1.xml><?xml version="1.0" encoding="utf-8"?>
 <p:sldLayout xmlns:a="http://schemas.openxmlformats.org/drawingml/2006/main" xmlns:r="http://schemas.openxmlformats.org/officeDocument/2006/relationships" xmlns:p="http://schemas.openxmlformats.org/presentationml/2006/main" type="title" preserve="1">
   <p:cSld name="Title Slide">
@@ -269,7 +714,7 @@
           <a:p>
             <a:fld id="{3BC1C1F4-6ABF-4EFA-90D5-B3F216C913A9}" type="datetimeFigureOut">
               <a:rPr lang="en-US" smtClean="0"/>
-              <a:t>11/5/2020</a:t>
+              <a:t>11/9/2020</a:t>
             </a:fld>
             <a:endParaRPr lang="en-US"/>
           </a:p>
@@ -439,7 +884,7 @@
           <a:p>
             <a:fld id="{3BC1C1F4-6ABF-4EFA-90D5-B3F216C913A9}" type="datetimeFigureOut">
               <a:rPr lang="en-US" smtClean="0"/>
-              <a:t>11/5/2020</a:t>
+              <a:t>11/9/2020</a:t>
             </a:fld>
             <a:endParaRPr lang="en-US"/>
           </a:p>
@@ -619,7 +1064,7 @@
           <a:p>
             <a:fld id="{3BC1C1F4-6ABF-4EFA-90D5-B3F216C913A9}" type="datetimeFigureOut">
               <a:rPr lang="en-US" smtClean="0"/>
-              <a:t>11/5/2020</a:t>
+              <a:t>11/9/2020</a:t>
             </a:fld>
             <a:endParaRPr lang="en-US"/>
           </a:p>
@@ -789,7 +1234,7 @@
           <a:p>
             <a:fld id="{3BC1C1F4-6ABF-4EFA-90D5-B3F216C913A9}" type="datetimeFigureOut">
               <a:rPr lang="en-US" smtClean="0"/>
-              <a:t>11/5/2020</a:t>
+              <a:t>11/9/2020</a:t>
             </a:fld>
             <a:endParaRPr lang="en-US"/>
           </a:p>
@@ -1035,7 +1480,7 @@
           <a:p>
             <a:fld id="{3BC1C1F4-6ABF-4EFA-90D5-B3F216C913A9}" type="datetimeFigureOut">
               <a:rPr lang="en-US" smtClean="0"/>
-              <a:t>11/5/2020</a:t>
+              <a:t>11/9/2020</a:t>
             </a:fld>
             <a:endParaRPr lang="en-US"/>
           </a:p>
@@ -1267,7 +1712,7 @@
           <a:p>
             <a:fld id="{3BC1C1F4-6ABF-4EFA-90D5-B3F216C913A9}" type="datetimeFigureOut">
               <a:rPr lang="en-US" smtClean="0"/>
-              <a:t>11/5/2020</a:t>
+              <a:t>11/9/2020</a:t>
             </a:fld>
             <a:endParaRPr lang="en-US"/>
           </a:p>
@@ -1634,7 +2079,7 @@
           <a:p>
             <a:fld id="{3BC1C1F4-6ABF-4EFA-90D5-B3F216C913A9}" type="datetimeFigureOut">
               <a:rPr lang="en-US" smtClean="0"/>
-              <a:t>11/5/2020</a:t>
+              <a:t>11/9/2020</a:t>
             </a:fld>
             <a:endParaRPr lang="en-US"/>
           </a:p>
@@ -1752,7 +2197,7 @@
           <a:p>
             <a:fld id="{3BC1C1F4-6ABF-4EFA-90D5-B3F216C913A9}" type="datetimeFigureOut">
               <a:rPr lang="en-US" smtClean="0"/>
-              <a:t>11/5/2020</a:t>
+              <a:t>11/9/2020</a:t>
             </a:fld>
             <a:endParaRPr lang="en-US"/>
           </a:p>
@@ -1847,7 +2292,7 @@
           <a:p>
             <a:fld id="{3BC1C1F4-6ABF-4EFA-90D5-B3F216C913A9}" type="datetimeFigureOut">
               <a:rPr lang="en-US" smtClean="0"/>
-              <a:t>11/5/2020</a:t>
+              <a:t>11/9/2020</a:t>
             </a:fld>
             <a:endParaRPr lang="en-US"/>
           </a:p>
@@ -2124,7 +2569,7 @@
           <a:p>
             <a:fld id="{3BC1C1F4-6ABF-4EFA-90D5-B3F216C913A9}" type="datetimeFigureOut">
               <a:rPr lang="en-US" smtClean="0"/>
-              <a:t>11/5/2020</a:t>
+              <a:t>11/9/2020</a:t>
             </a:fld>
             <a:endParaRPr lang="en-US"/>
           </a:p>
@@ -2377,7 +2822,7 @@
           <a:p>
             <a:fld id="{3BC1C1F4-6ABF-4EFA-90D5-B3F216C913A9}" type="datetimeFigureOut">
               <a:rPr lang="en-US" smtClean="0"/>
-              <a:t>11/5/2020</a:t>
+              <a:t>11/9/2020</a:t>
             </a:fld>
             <a:endParaRPr lang="en-US"/>
           </a:p>
@@ -2590,7 +3035,7 @@
           <a:p>
             <a:fld id="{3BC1C1F4-6ABF-4EFA-90D5-B3F216C913A9}" type="datetimeFigureOut">
               <a:rPr lang="en-US" smtClean="0"/>
-              <a:t>11/5/2020</a:t>
+              <a:t>11/9/2020</a:t>
             </a:fld>
             <a:endParaRPr lang="en-US"/>
           </a:p>
@@ -3018,25 +3463,6 @@
           </a:p>
         </p:txBody>
       </p:sp>
-      <p:sp>
-        <p:nvSpPr>
-          <p:cNvPr id="3" name="Text Placeholder 2"/>
-          <p:cNvSpPr>
-            <a:spLocks noGrp="1"/>
-          </p:cNvSpPr>
-          <p:nvPr>
-            <p:ph type="body" idx="1"/>
-          </p:nvPr>
-        </p:nvSpPr>
-        <p:spPr/>
-        <p:txBody>
-          <a:bodyPr/>
-          <a:lstStyle/>
-          <a:p>
-            <a:endParaRPr lang="en-US"/>
-          </a:p>
-        </p:txBody>
-      </p:sp>
     </p:spTree>
     <p:extLst>
       <p:ext uri="{BB962C8B-B14F-4D97-AF65-F5344CB8AC3E}">
@@ -4768,28 +5194,9 @@
           <a:lstStyle/>
           <a:p>
             <a:r>
-              <a:rPr lang="en-US" smtClean="0"/>
-              <a:t>AWS SageMaker</a:t>
-            </a:r>
-            <a:endParaRPr lang="en-US"/>
-          </a:p>
-        </p:txBody>
-      </p:sp>
-      <p:sp>
-        <p:nvSpPr>
-          <p:cNvPr id="4" name="Text Placeholder 3"/>
-          <p:cNvSpPr>
-            <a:spLocks noGrp="1"/>
-          </p:cNvSpPr>
-          <p:nvPr>
-            <p:ph type="body" idx="1"/>
-          </p:nvPr>
-        </p:nvSpPr>
-        <p:spPr/>
-        <p:txBody>
-          <a:bodyPr/>
-          <a:lstStyle/>
-          <a:p>
+              <a:rPr lang="en-US"/>
+              <a:t>Steps to build, train, test a model in a notebook</a:t>
+            </a:r>
             <a:endParaRPr lang="en-US"/>
           </a:p>
         </p:txBody>
@@ -4836,111 +5243,766 @@
         </p:nvSpPr>
         <p:spPr/>
         <p:txBody>
-          <a:bodyPr/>
-          <a:lstStyle/>
-          <a:p>
-            <a:r>
-              <a:rPr lang="en-US" smtClean="0"/>
-              <a:t>Steps to build, train, test a </a:t>
-            </a:r>
-            <a:r>
-              <a:rPr lang="en-US" smtClean="0"/>
-              <a:t>model in a notebook</a:t>
-            </a:r>
-            <a:endParaRPr lang="en-US"/>
-          </a:p>
-        </p:txBody>
-      </p:sp>
-      <p:sp>
-        <p:nvSpPr>
-          <p:cNvPr id="5" name="Content Placeholder 4"/>
-          <p:cNvSpPr>
-            <a:spLocks noGrp="1"/>
-          </p:cNvSpPr>
-          <p:nvPr>
-            <p:ph idx="1"/>
-          </p:nvPr>
-        </p:nvSpPr>
-        <p:spPr/>
-        <p:txBody>
           <a:bodyPr>
-            <a:normAutofit lnSpcReduction="10000"/>
+            <a:normAutofit/>
           </a:bodyPr>
           <a:lstStyle/>
           <a:p>
             <a:r>
               <a:rPr lang="en-US" smtClean="0"/>
+              <a:t>Prepare a notebook instance</a:t>
+            </a:r>
+            <a:endParaRPr lang="en-US"/>
+          </a:p>
+        </p:txBody>
+      </p:sp>
+      <p:sp>
+        <p:nvSpPr>
+          <p:cNvPr id="6" name="Rectangle 5"/>
+          <p:cNvSpPr/>
+          <p:nvPr/>
+        </p:nvSpPr>
+        <p:spPr>
+          <a:xfrm>
+            <a:off x="1756931" y="2043969"/>
+            <a:ext cx="5682389" cy="369332"/>
+          </a:xfrm>
+          <a:prstGeom prst="rect">
+            <a:avLst/>
+          </a:prstGeom>
+        </p:spPr>
+        <p:txBody>
+          <a:bodyPr wrap="none">
+            <a:spAutoFit/>
+          </a:bodyPr>
+          <a:lstStyle/>
+          <a:p>
+            <a:r>
+              <a:rPr lang="en-US"/>
               <a:t>Create a notebook instance: name, instance type, IAM role</a:t>
             </a:r>
           </a:p>
-          <a:p>
-            <a:r>
-              <a:rPr lang="en-US" smtClean="0"/>
-              <a:t>Create a S3 bucket: boto3 client</a:t>
-            </a:r>
-          </a:p>
-          <a:p>
-            <a:r>
-              <a:rPr lang="en-US" smtClean="0"/>
-              <a:t>Download data as csv, put into data frame</a:t>
-            </a:r>
-          </a:p>
-          <a:p>
-            <a:r>
-              <a:rPr lang="en-US" smtClean="0"/>
-              <a:t>Spit train and test data</a:t>
-            </a:r>
-          </a:p>
-          <a:p>
-            <a:r>
-              <a:rPr lang="en-US" smtClean="0"/>
-              <a:t>Upload to S3: boto3 client</a:t>
-            </a:r>
-          </a:p>
-          <a:p>
-            <a:r>
-              <a:rPr lang="en-US" smtClean="0"/>
-              <a:t>Create input train data, create model, hyperparameters, train: sagemaker</a:t>
-            </a:r>
-          </a:p>
-          <a:p>
-            <a:r>
-              <a:rPr lang="en-US" smtClean="0"/>
-              <a:t>Deploy: instance </a:t>
-            </a:r>
-            <a:r>
-              <a:rPr lang="en-US"/>
-              <a:t>type and </a:t>
-            </a:r>
-            <a:r>
-              <a:rPr lang="en-US" smtClean="0"/>
-              <a:t>endpoint </a:t>
-            </a:r>
+        </p:txBody>
+      </p:sp>
+      <p:sp>
+        <p:nvSpPr>
+          <p:cNvPr id="7" name="Rectangle 6"/>
+          <p:cNvSpPr/>
+          <p:nvPr/>
+        </p:nvSpPr>
+        <p:spPr>
+          <a:xfrm>
+            <a:off x="461554" y="2882831"/>
+            <a:ext cx="11730446" cy="2862322"/>
+          </a:xfrm>
+          <a:prstGeom prst="rect">
+            <a:avLst/>
+          </a:prstGeom>
+        </p:spPr>
+        <p:txBody>
+          <a:bodyPr wrap="square">
+            <a:spAutoFit/>
+          </a:bodyPr>
+          <a:lstStyle/>
+          <a:p>
+            <a:r>
+              <a:rPr lang="en-US">
+                <a:solidFill>
+                  <a:srgbClr val="7D8B99"/>
+                </a:solidFill>
+                <a:latin typeface="Consolas" panose="020B0609020204030204" pitchFamily="49" charset="0"/>
+              </a:rPr>
+              <a:t># Define IAM </a:t>
+            </a:r>
+            <a:r>
+              <a:rPr lang="en-US">
+                <a:solidFill>
+                  <a:srgbClr val="7D8B99"/>
+                </a:solidFill>
+                <a:latin typeface="Consolas" panose="020B0609020204030204" pitchFamily="49" charset="0"/>
+              </a:rPr>
+              <a:t>role</a:t>
+            </a:r>
+            <a:r>
+              <a:rPr lang="en-US">
+                <a:solidFill>
+                  <a:srgbClr val="333333"/>
+                </a:solidFill>
+                <a:latin typeface="Consolas" panose="020B0609020204030204" pitchFamily="49" charset="0"/>
+              </a:rPr>
+              <a:t> </a:t>
+            </a:r>
+            <a:endParaRPr lang="en-US" smtClean="0">
+              <a:solidFill>
+                <a:srgbClr val="333333"/>
+              </a:solidFill>
+              <a:latin typeface="Consolas" panose="020B0609020204030204" pitchFamily="49" charset="0"/>
+            </a:endParaRPr>
+          </a:p>
+          <a:p>
             <a:r>
               <a:rPr lang="en-US" smtClean="0">
-                <a:sym typeface="Wingdings" panose="05000000000000000000" pitchFamily="2" charset="2"/>
-              </a:rPr>
-              <a:t> return predictor</a:t>
-            </a:r>
+                <a:solidFill>
+                  <a:srgbClr val="333333"/>
+                </a:solidFill>
+                <a:latin typeface="Consolas" panose="020B0609020204030204" pitchFamily="49" charset="0"/>
+              </a:rPr>
+              <a:t>role </a:t>
+            </a:r>
+            <a:r>
+              <a:rPr lang="en-US">
+                <a:solidFill>
+                  <a:srgbClr val="A67F59"/>
+                </a:solidFill>
+                <a:latin typeface="Consolas" panose="020B0609020204030204" pitchFamily="49" charset="0"/>
+              </a:rPr>
+              <a:t>=</a:t>
+            </a:r>
+            <a:r>
+              <a:rPr lang="en-US">
+                <a:solidFill>
+                  <a:srgbClr val="333333"/>
+                </a:solidFill>
+                <a:latin typeface="Consolas" panose="020B0609020204030204" pitchFamily="49" charset="0"/>
+              </a:rPr>
+              <a:t> get_execution_role</a:t>
+            </a:r>
+            <a:r>
+              <a:rPr lang="en-US">
+                <a:solidFill>
+                  <a:srgbClr val="5F6364"/>
+                </a:solidFill>
+                <a:latin typeface="Consolas" panose="020B0609020204030204" pitchFamily="49" charset="0"/>
+              </a:rPr>
+              <a:t>()</a:t>
+            </a:r>
+            <a:r>
+              <a:rPr lang="en-US">
+                <a:solidFill>
+                  <a:srgbClr val="333333"/>
+                </a:solidFill>
+                <a:latin typeface="Consolas" panose="020B0609020204030204" pitchFamily="49" charset="0"/>
+              </a:rPr>
+              <a:t> </a:t>
+            </a:r>
+            <a:endParaRPr lang="en-US" smtClean="0">
+              <a:solidFill>
+                <a:srgbClr val="333333"/>
+              </a:solidFill>
+              <a:latin typeface="Consolas" panose="020B0609020204030204" pitchFamily="49" charset="0"/>
+            </a:endParaRPr>
           </a:p>
           <a:p>
             <a:r>
               <a:rPr lang="en-US" smtClean="0">
-                <a:sym typeface="Wingdings" panose="05000000000000000000" pitchFamily="2" charset="2"/>
-              </a:rPr>
-              <a:t>Use predictor to infer </a:t>
-            </a:r>
-            <a:endParaRPr lang="en-US" smtClean="0"/>
-          </a:p>
-          <a:p>
-            <a:endParaRPr lang="en-US" smtClean="0"/>
+                <a:solidFill>
+                  <a:srgbClr val="333333"/>
+                </a:solidFill>
+                <a:latin typeface="Consolas" panose="020B0609020204030204" pitchFamily="49" charset="0"/>
+              </a:rPr>
+              <a:t>prefix </a:t>
+            </a:r>
+            <a:r>
+              <a:rPr lang="en-US">
+                <a:solidFill>
+                  <a:srgbClr val="A67F59"/>
+                </a:solidFill>
+                <a:latin typeface="Consolas" panose="020B0609020204030204" pitchFamily="49" charset="0"/>
+              </a:rPr>
+              <a:t>=</a:t>
+            </a:r>
+            <a:r>
+              <a:rPr lang="en-US">
+                <a:solidFill>
+                  <a:srgbClr val="333333"/>
+                </a:solidFill>
+                <a:latin typeface="Consolas" panose="020B0609020204030204" pitchFamily="49" charset="0"/>
+              </a:rPr>
+              <a:t> </a:t>
+            </a:r>
+            <a:r>
+              <a:rPr lang="en-US">
+                <a:solidFill>
+                  <a:srgbClr val="2F9C0A"/>
+                </a:solidFill>
+                <a:latin typeface="Consolas" panose="020B0609020204030204" pitchFamily="49" charset="0"/>
+              </a:rPr>
+              <a:t>'sagemaker/DEMO-xgboost-dm</a:t>
+            </a:r>
+            <a:r>
+              <a:rPr lang="en-US">
+                <a:solidFill>
+                  <a:srgbClr val="2F9C0A"/>
+                </a:solidFill>
+                <a:latin typeface="Consolas" panose="020B0609020204030204" pitchFamily="49" charset="0"/>
+              </a:rPr>
+              <a:t>'</a:t>
+            </a:r>
+            <a:r>
+              <a:rPr lang="en-US">
+                <a:solidFill>
+                  <a:srgbClr val="333333"/>
+                </a:solidFill>
+                <a:latin typeface="Consolas" panose="020B0609020204030204" pitchFamily="49" charset="0"/>
+              </a:rPr>
+              <a:t> </a:t>
+            </a:r>
+            <a:endParaRPr lang="en-US" smtClean="0">
+              <a:solidFill>
+                <a:srgbClr val="333333"/>
+              </a:solidFill>
+              <a:latin typeface="Consolas" panose="020B0609020204030204" pitchFamily="49" charset="0"/>
+            </a:endParaRPr>
+          </a:p>
+          <a:p>
+            <a:r>
+              <a:rPr lang="en-US" smtClean="0">
+                <a:solidFill>
+                  <a:srgbClr val="333333"/>
+                </a:solidFill>
+                <a:latin typeface="Consolas" panose="020B0609020204030204" pitchFamily="49" charset="0"/>
+              </a:rPr>
+              <a:t>containers </a:t>
+            </a:r>
+            <a:r>
+              <a:rPr lang="en-US">
+                <a:solidFill>
+                  <a:srgbClr val="A67F59"/>
+                </a:solidFill>
+                <a:latin typeface="Consolas" panose="020B0609020204030204" pitchFamily="49" charset="0"/>
+              </a:rPr>
+              <a:t>=</a:t>
+            </a:r>
+            <a:r>
+              <a:rPr lang="en-US">
+                <a:solidFill>
+                  <a:srgbClr val="333333"/>
+                </a:solidFill>
+                <a:latin typeface="Consolas" panose="020B0609020204030204" pitchFamily="49" charset="0"/>
+              </a:rPr>
+              <a:t> </a:t>
+            </a:r>
+            <a:r>
+              <a:rPr lang="en-US">
+                <a:solidFill>
+                  <a:srgbClr val="5F6364"/>
+                </a:solidFill>
+                <a:latin typeface="Consolas" panose="020B0609020204030204" pitchFamily="49" charset="0"/>
+              </a:rPr>
+              <a:t>{</a:t>
+            </a:r>
+            <a:r>
+              <a:rPr lang="en-US">
+                <a:solidFill>
+                  <a:srgbClr val="2F9C0A"/>
+                </a:solidFill>
+                <a:latin typeface="Consolas" panose="020B0609020204030204" pitchFamily="49" charset="0"/>
+              </a:rPr>
+              <a:t>'us-west-2'</a:t>
+            </a:r>
+            <a:r>
+              <a:rPr lang="en-US">
+                <a:solidFill>
+                  <a:srgbClr val="5F6364"/>
+                </a:solidFill>
+                <a:latin typeface="Consolas" panose="020B0609020204030204" pitchFamily="49" charset="0"/>
+              </a:rPr>
+              <a:t>:</a:t>
+            </a:r>
+            <a:r>
+              <a:rPr lang="en-US">
+                <a:solidFill>
+                  <a:srgbClr val="333333"/>
+                </a:solidFill>
+                <a:latin typeface="Consolas" panose="020B0609020204030204" pitchFamily="49" charset="0"/>
+              </a:rPr>
+              <a:t> </a:t>
+            </a:r>
+            <a:r>
+              <a:rPr lang="en-US">
+                <a:solidFill>
+                  <a:srgbClr val="2F9C0A"/>
+                </a:solidFill>
+                <a:latin typeface="Consolas" panose="020B0609020204030204" pitchFamily="49" charset="0"/>
+              </a:rPr>
+              <a:t>'433757028032.dkr.ecr.us-west-2.amazonaws.com/xgboost:latest'</a:t>
+            </a:r>
+            <a:r>
+              <a:rPr lang="en-US">
+                <a:solidFill>
+                  <a:srgbClr val="5F6364"/>
+                </a:solidFill>
+                <a:latin typeface="Consolas" panose="020B0609020204030204" pitchFamily="49" charset="0"/>
+              </a:rPr>
+              <a:t>,</a:t>
+            </a:r>
+            <a:r>
+              <a:rPr lang="en-US">
+                <a:solidFill>
+                  <a:srgbClr val="333333"/>
+                </a:solidFill>
+                <a:latin typeface="Consolas" panose="020B0609020204030204" pitchFamily="49" charset="0"/>
+              </a:rPr>
+              <a:t> </a:t>
+            </a:r>
+            <a:r>
+              <a:rPr lang="en-US">
+                <a:solidFill>
+                  <a:srgbClr val="2F9C0A"/>
+                </a:solidFill>
+                <a:latin typeface="Consolas" panose="020B0609020204030204" pitchFamily="49" charset="0"/>
+              </a:rPr>
+              <a:t>'us-east-1'</a:t>
+            </a:r>
+            <a:r>
+              <a:rPr lang="en-US">
+                <a:solidFill>
+                  <a:srgbClr val="5F6364"/>
+                </a:solidFill>
+                <a:latin typeface="Consolas" panose="020B0609020204030204" pitchFamily="49" charset="0"/>
+              </a:rPr>
+              <a:t>:</a:t>
+            </a:r>
+            <a:r>
+              <a:rPr lang="en-US">
+                <a:solidFill>
+                  <a:srgbClr val="333333"/>
+                </a:solidFill>
+                <a:latin typeface="Consolas" panose="020B0609020204030204" pitchFamily="49" charset="0"/>
+              </a:rPr>
+              <a:t> </a:t>
+            </a:r>
+            <a:r>
+              <a:rPr lang="en-US">
+                <a:solidFill>
+                  <a:srgbClr val="2F9C0A"/>
+                </a:solidFill>
+                <a:latin typeface="Consolas" panose="020B0609020204030204" pitchFamily="49" charset="0"/>
+              </a:rPr>
+              <a:t>'811284229777.dkr.ecr.us-east-1.amazonaws.com/xgboost:latest'</a:t>
+            </a:r>
+            <a:r>
+              <a:rPr lang="en-US">
+                <a:solidFill>
+                  <a:srgbClr val="5F6364"/>
+                </a:solidFill>
+                <a:latin typeface="Consolas" panose="020B0609020204030204" pitchFamily="49" charset="0"/>
+              </a:rPr>
+              <a:t>,</a:t>
+            </a:r>
+            <a:r>
+              <a:rPr lang="en-US">
+                <a:solidFill>
+                  <a:srgbClr val="333333"/>
+                </a:solidFill>
+                <a:latin typeface="Consolas" panose="020B0609020204030204" pitchFamily="49" charset="0"/>
+              </a:rPr>
+              <a:t> </a:t>
+            </a:r>
+            <a:r>
+              <a:rPr lang="en-US">
+                <a:solidFill>
+                  <a:srgbClr val="2F9C0A"/>
+                </a:solidFill>
+                <a:latin typeface="Consolas" panose="020B0609020204030204" pitchFamily="49" charset="0"/>
+              </a:rPr>
+              <a:t>'us-east-2'</a:t>
+            </a:r>
+            <a:r>
+              <a:rPr lang="en-US">
+                <a:solidFill>
+                  <a:srgbClr val="5F6364"/>
+                </a:solidFill>
+                <a:latin typeface="Consolas" panose="020B0609020204030204" pitchFamily="49" charset="0"/>
+              </a:rPr>
+              <a:t>:</a:t>
+            </a:r>
+            <a:r>
+              <a:rPr lang="en-US">
+                <a:solidFill>
+                  <a:srgbClr val="333333"/>
+                </a:solidFill>
+                <a:latin typeface="Consolas" panose="020B0609020204030204" pitchFamily="49" charset="0"/>
+              </a:rPr>
+              <a:t> </a:t>
+            </a:r>
+            <a:r>
+              <a:rPr lang="en-US">
+                <a:solidFill>
+                  <a:srgbClr val="2F9C0A"/>
+                </a:solidFill>
+                <a:latin typeface="Consolas" panose="020B0609020204030204" pitchFamily="49" charset="0"/>
+              </a:rPr>
+              <a:t>'825641698319.dkr.ecr.us-east-2.amazonaws.com/xgboost:latest'</a:t>
+            </a:r>
+            <a:r>
+              <a:rPr lang="en-US">
+                <a:solidFill>
+                  <a:srgbClr val="5F6364"/>
+                </a:solidFill>
+                <a:latin typeface="Consolas" panose="020B0609020204030204" pitchFamily="49" charset="0"/>
+              </a:rPr>
+              <a:t>,</a:t>
+            </a:r>
+            <a:r>
+              <a:rPr lang="en-US">
+                <a:solidFill>
+                  <a:srgbClr val="333333"/>
+                </a:solidFill>
+                <a:latin typeface="Consolas" panose="020B0609020204030204" pitchFamily="49" charset="0"/>
+              </a:rPr>
+              <a:t> </a:t>
+            </a:r>
+            <a:r>
+              <a:rPr lang="en-US">
+                <a:solidFill>
+                  <a:srgbClr val="2F9C0A"/>
+                </a:solidFill>
+                <a:latin typeface="Consolas" panose="020B0609020204030204" pitchFamily="49" charset="0"/>
+              </a:rPr>
+              <a:t>'eu-west-1'</a:t>
+            </a:r>
+            <a:r>
+              <a:rPr lang="en-US">
+                <a:solidFill>
+                  <a:srgbClr val="5F6364"/>
+                </a:solidFill>
+                <a:latin typeface="Consolas" panose="020B0609020204030204" pitchFamily="49" charset="0"/>
+              </a:rPr>
+              <a:t>:</a:t>
+            </a:r>
+            <a:r>
+              <a:rPr lang="en-US">
+                <a:solidFill>
+                  <a:srgbClr val="333333"/>
+                </a:solidFill>
+                <a:latin typeface="Consolas" panose="020B0609020204030204" pitchFamily="49" charset="0"/>
+              </a:rPr>
+              <a:t> </a:t>
+            </a:r>
+            <a:r>
+              <a:rPr lang="en-US">
+                <a:solidFill>
+                  <a:srgbClr val="2F9C0A"/>
+                </a:solidFill>
+                <a:latin typeface="Consolas" panose="020B0609020204030204" pitchFamily="49" charset="0"/>
+              </a:rPr>
+              <a:t>'685385470294.dkr.ecr.eu-west-1.amazonaws.com/xgboost:latest'</a:t>
+            </a:r>
+            <a:r>
+              <a:rPr lang="en-US">
+                <a:solidFill>
+                  <a:srgbClr val="5F6364"/>
+                </a:solidFill>
+                <a:latin typeface="Consolas" panose="020B0609020204030204" pitchFamily="49" charset="0"/>
+              </a:rPr>
+              <a:t>}</a:t>
+            </a:r>
+            <a:r>
+              <a:rPr lang="en-US">
+                <a:solidFill>
+                  <a:srgbClr val="333333"/>
+                </a:solidFill>
+                <a:latin typeface="Consolas" panose="020B0609020204030204" pitchFamily="49" charset="0"/>
+              </a:rPr>
+              <a:t> </a:t>
+            </a:r>
+            <a:r>
+              <a:rPr lang="en-US">
+                <a:solidFill>
+                  <a:srgbClr val="7D8B99"/>
+                </a:solidFill>
+                <a:latin typeface="Consolas" panose="020B0609020204030204" pitchFamily="49" charset="0"/>
+              </a:rPr>
+              <a:t># each region has its XGBoost container</a:t>
+            </a:r>
+            <a:r>
+              <a:rPr lang="en-US">
+                <a:solidFill>
+                  <a:srgbClr val="333333"/>
+                </a:solidFill>
+                <a:latin typeface="Consolas" panose="020B0609020204030204" pitchFamily="49" charset="0"/>
+              </a:rPr>
+              <a:t> my_region </a:t>
+            </a:r>
+            <a:r>
+              <a:rPr lang="en-US">
+                <a:solidFill>
+                  <a:srgbClr val="A67F59"/>
+                </a:solidFill>
+                <a:latin typeface="Consolas" panose="020B0609020204030204" pitchFamily="49" charset="0"/>
+              </a:rPr>
+              <a:t>=</a:t>
+            </a:r>
+            <a:r>
+              <a:rPr lang="en-US">
+                <a:solidFill>
+                  <a:srgbClr val="333333"/>
+                </a:solidFill>
+                <a:latin typeface="Consolas" panose="020B0609020204030204" pitchFamily="49" charset="0"/>
+              </a:rPr>
+              <a:t> boto3</a:t>
+            </a:r>
+            <a:r>
+              <a:rPr lang="en-US">
+                <a:solidFill>
+                  <a:srgbClr val="5F6364"/>
+                </a:solidFill>
+                <a:latin typeface="Consolas" panose="020B0609020204030204" pitchFamily="49" charset="0"/>
+              </a:rPr>
+              <a:t>.</a:t>
+            </a:r>
+            <a:r>
+              <a:rPr lang="en-US">
+                <a:solidFill>
+                  <a:srgbClr val="333333"/>
+                </a:solidFill>
+                <a:latin typeface="Consolas" panose="020B0609020204030204" pitchFamily="49" charset="0"/>
+              </a:rPr>
+              <a:t>session</a:t>
+            </a:r>
+            <a:r>
+              <a:rPr lang="en-US">
+                <a:solidFill>
+                  <a:srgbClr val="5F6364"/>
+                </a:solidFill>
+                <a:latin typeface="Consolas" panose="020B0609020204030204" pitchFamily="49" charset="0"/>
+              </a:rPr>
+              <a:t>.</a:t>
+            </a:r>
+            <a:r>
+              <a:rPr lang="en-US">
+                <a:solidFill>
+                  <a:srgbClr val="333333"/>
+                </a:solidFill>
+                <a:latin typeface="Consolas" panose="020B0609020204030204" pitchFamily="49" charset="0"/>
+              </a:rPr>
+              <a:t>Session</a:t>
+            </a:r>
+            <a:r>
+              <a:rPr lang="en-US">
+                <a:solidFill>
+                  <a:srgbClr val="5F6364"/>
+                </a:solidFill>
+                <a:latin typeface="Consolas" panose="020B0609020204030204" pitchFamily="49" charset="0"/>
+              </a:rPr>
+              <a:t>().</a:t>
+            </a:r>
+            <a:r>
+              <a:rPr lang="en-US">
+                <a:solidFill>
+                  <a:srgbClr val="333333"/>
+                </a:solidFill>
+                <a:latin typeface="Consolas" panose="020B0609020204030204" pitchFamily="49" charset="0"/>
+              </a:rPr>
+              <a:t>region_name </a:t>
+            </a:r>
+            <a:r>
+              <a:rPr lang="en-US">
+                <a:solidFill>
+                  <a:srgbClr val="7D8B99"/>
+                </a:solidFill>
+                <a:latin typeface="Consolas" panose="020B0609020204030204" pitchFamily="49" charset="0"/>
+              </a:rPr>
+              <a:t># set the region of the instance</a:t>
+            </a:r>
+            <a:r>
+              <a:rPr lang="en-US">
+                <a:solidFill>
+                  <a:srgbClr val="333333"/>
+                </a:solidFill>
+                <a:latin typeface="Consolas" panose="020B0609020204030204" pitchFamily="49" charset="0"/>
+              </a:rPr>
+              <a:t> </a:t>
+            </a:r>
+            <a:r>
+              <a:rPr lang="en-US">
+                <a:solidFill>
+                  <a:srgbClr val="1990B8"/>
+                </a:solidFill>
+                <a:latin typeface="Consolas" panose="020B0609020204030204" pitchFamily="49" charset="0"/>
+              </a:rPr>
+              <a:t>print</a:t>
+            </a:r>
+            <a:r>
+              <a:rPr lang="en-US">
+                <a:solidFill>
+                  <a:srgbClr val="5F6364"/>
+                </a:solidFill>
+                <a:latin typeface="Consolas" panose="020B0609020204030204" pitchFamily="49" charset="0"/>
+              </a:rPr>
+              <a:t>(</a:t>
+            </a:r>
+            <a:r>
+              <a:rPr lang="en-US">
+                <a:solidFill>
+                  <a:srgbClr val="2F9C0A"/>
+                </a:solidFill>
+                <a:latin typeface="Consolas" panose="020B0609020204030204" pitchFamily="49" charset="0"/>
+              </a:rPr>
+              <a:t>"Success - the MySageMakerInstance is in the "</a:t>
+            </a:r>
+            <a:r>
+              <a:rPr lang="en-US">
+                <a:solidFill>
+                  <a:srgbClr val="333333"/>
+                </a:solidFill>
+                <a:latin typeface="Consolas" panose="020B0609020204030204" pitchFamily="49" charset="0"/>
+              </a:rPr>
+              <a:t> </a:t>
+            </a:r>
+            <a:r>
+              <a:rPr lang="en-US">
+                <a:solidFill>
+                  <a:srgbClr val="A67F59"/>
+                </a:solidFill>
+                <a:latin typeface="Consolas" panose="020B0609020204030204" pitchFamily="49" charset="0"/>
+              </a:rPr>
+              <a:t>+</a:t>
+            </a:r>
+            <a:r>
+              <a:rPr lang="en-US">
+                <a:solidFill>
+                  <a:srgbClr val="333333"/>
+                </a:solidFill>
+                <a:latin typeface="Consolas" panose="020B0609020204030204" pitchFamily="49" charset="0"/>
+              </a:rPr>
+              <a:t> my_region </a:t>
+            </a:r>
+            <a:r>
+              <a:rPr lang="en-US">
+                <a:solidFill>
+                  <a:srgbClr val="A67F59"/>
+                </a:solidFill>
+                <a:latin typeface="Consolas" panose="020B0609020204030204" pitchFamily="49" charset="0"/>
+              </a:rPr>
+              <a:t>+</a:t>
+            </a:r>
+            <a:r>
+              <a:rPr lang="en-US">
+                <a:solidFill>
+                  <a:srgbClr val="333333"/>
+                </a:solidFill>
+                <a:latin typeface="Consolas" panose="020B0609020204030204" pitchFamily="49" charset="0"/>
+              </a:rPr>
+              <a:t> </a:t>
+            </a:r>
+            <a:r>
+              <a:rPr lang="en-US">
+                <a:solidFill>
+                  <a:srgbClr val="2F9C0A"/>
+                </a:solidFill>
+                <a:latin typeface="Consolas" panose="020B0609020204030204" pitchFamily="49" charset="0"/>
+              </a:rPr>
+              <a:t>" region. You will use the "</a:t>
+            </a:r>
+            <a:r>
+              <a:rPr lang="en-US">
+                <a:solidFill>
+                  <a:srgbClr val="333333"/>
+                </a:solidFill>
+                <a:latin typeface="Consolas" panose="020B0609020204030204" pitchFamily="49" charset="0"/>
+              </a:rPr>
+              <a:t> </a:t>
+            </a:r>
+            <a:r>
+              <a:rPr lang="en-US">
+                <a:solidFill>
+                  <a:srgbClr val="A67F59"/>
+                </a:solidFill>
+                <a:latin typeface="Consolas" panose="020B0609020204030204" pitchFamily="49" charset="0"/>
+              </a:rPr>
+              <a:t>+</a:t>
+            </a:r>
+            <a:r>
+              <a:rPr lang="en-US">
+                <a:solidFill>
+                  <a:srgbClr val="333333"/>
+                </a:solidFill>
+                <a:latin typeface="Consolas" panose="020B0609020204030204" pitchFamily="49" charset="0"/>
+              </a:rPr>
+              <a:t> containers</a:t>
+            </a:r>
+            <a:r>
+              <a:rPr lang="en-US">
+                <a:solidFill>
+                  <a:srgbClr val="5F6364"/>
+                </a:solidFill>
+                <a:latin typeface="Consolas" panose="020B0609020204030204" pitchFamily="49" charset="0"/>
+              </a:rPr>
+              <a:t>[</a:t>
+            </a:r>
+            <a:r>
+              <a:rPr lang="en-US">
+                <a:solidFill>
+                  <a:srgbClr val="333333"/>
+                </a:solidFill>
+                <a:latin typeface="Consolas" panose="020B0609020204030204" pitchFamily="49" charset="0"/>
+              </a:rPr>
+              <a:t>my_region</a:t>
+            </a:r>
+            <a:r>
+              <a:rPr lang="en-US">
+                <a:solidFill>
+                  <a:srgbClr val="5F6364"/>
+                </a:solidFill>
+                <a:latin typeface="Consolas" panose="020B0609020204030204" pitchFamily="49" charset="0"/>
+              </a:rPr>
+              <a:t>]</a:t>
+            </a:r>
+            <a:r>
+              <a:rPr lang="en-US">
+                <a:solidFill>
+                  <a:srgbClr val="333333"/>
+                </a:solidFill>
+                <a:latin typeface="Consolas" panose="020B0609020204030204" pitchFamily="49" charset="0"/>
+              </a:rPr>
+              <a:t> </a:t>
+            </a:r>
+            <a:r>
+              <a:rPr lang="en-US">
+                <a:solidFill>
+                  <a:srgbClr val="A67F59"/>
+                </a:solidFill>
+                <a:latin typeface="Consolas" panose="020B0609020204030204" pitchFamily="49" charset="0"/>
+              </a:rPr>
+              <a:t>+</a:t>
+            </a:r>
+            <a:r>
+              <a:rPr lang="en-US">
+                <a:solidFill>
+                  <a:srgbClr val="333333"/>
+                </a:solidFill>
+                <a:latin typeface="Consolas" panose="020B0609020204030204" pitchFamily="49" charset="0"/>
+              </a:rPr>
+              <a:t> </a:t>
+            </a:r>
+            <a:r>
+              <a:rPr lang="en-US">
+                <a:solidFill>
+                  <a:srgbClr val="2F9C0A"/>
+                </a:solidFill>
+                <a:latin typeface="Consolas" panose="020B0609020204030204" pitchFamily="49" charset="0"/>
+              </a:rPr>
+              <a:t>" container for your SageMaker endpoint."</a:t>
+            </a:r>
+            <a:r>
+              <a:rPr lang="en-US">
+                <a:solidFill>
+                  <a:srgbClr val="5F6364"/>
+                </a:solidFill>
+                <a:latin typeface="Consolas" panose="020B0609020204030204" pitchFamily="49" charset="0"/>
+              </a:rPr>
+              <a:t>)</a:t>
+            </a:r>
+            <a:endParaRPr lang="en-US"/>
           </a:p>
         </p:txBody>
       </p:sp>
     </p:spTree>
     <p:extLst>
       <p:ext uri="{BB962C8B-B14F-4D97-AF65-F5344CB8AC3E}">
-        <p14:creationId xmlns:p14="http://schemas.microsoft.com/office/powerpoint/2010/main" val="232256181"/>
+        <p14:creationId xmlns:p14="http://schemas.microsoft.com/office/powerpoint/2010/main" val="1423123868"/>
       </p:ext>
     </p:extLst>
   </p:cSld>
@@ -4979,47 +6041,1370 @@
         </p:nvSpPr>
         <p:spPr/>
         <p:txBody>
-          <a:bodyPr/>
-          <a:lstStyle/>
-          <a:p>
-            <a:r>
-              <a:rPr lang="en-US" smtClean="0"/>
-              <a:t>Create an algorithm</a:t>
-            </a:r>
-            <a:endParaRPr lang="en-US"/>
-          </a:p>
-        </p:txBody>
-      </p:sp>
-      <p:sp>
-        <p:nvSpPr>
-          <p:cNvPr id="3" name="Content Placeholder 2"/>
-          <p:cNvSpPr>
-            <a:spLocks noGrp="1"/>
-          </p:cNvSpPr>
-          <p:nvPr>
-            <p:ph idx="1"/>
-          </p:nvPr>
-        </p:nvSpPr>
-        <p:spPr/>
-        <p:txBody>
-          <a:bodyPr/>
-          <a:lstStyle/>
-          <a:p>
-            <a:r>
-              <a:rPr lang="en-US" smtClean="0"/>
-              <a:t>SageMaker built-in algorithm</a:t>
-            </a:r>
-          </a:p>
-          <a:p>
-            <a:r>
-              <a:rPr lang="en-US" smtClean="0"/>
-              <a:t>Algorithm subscription from AWS marketplace</a:t>
-            </a:r>
-          </a:p>
-          <a:p>
-            <a:r>
-              <a:rPr lang="en-US" smtClean="0"/>
-              <a:t>Algorithm container</a:t>
+          <a:bodyPr>
+            <a:normAutofit/>
+          </a:bodyPr>
+          <a:lstStyle/>
+          <a:p>
+            <a:r>
+              <a:rPr lang="en-US" smtClean="0"/>
+              <a:t>Prepare data</a:t>
+            </a:r>
+            <a:endParaRPr lang="en-US"/>
+          </a:p>
+        </p:txBody>
+      </p:sp>
+      <p:sp>
+        <p:nvSpPr>
+          <p:cNvPr id="4" name="Rectangle 3"/>
+          <p:cNvSpPr/>
+          <p:nvPr/>
+        </p:nvSpPr>
+        <p:spPr>
+          <a:xfrm>
+            <a:off x="6096000" y="470217"/>
+            <a:ext cx="6096000" cy="1477328"/>
+          </a:xfrm>
+          <a:prstGeom prst="rect">
+            <a:avLst/>
+          </a:prstGeom>
+        </p:spPr>
+        <p:txBody>
+          <a:bodyPr>
+            <a:spAutoFit/>
+          </a:bodyPr>
+          <a:lstStyle/>
+          <a:p>
+            <a:r>
+              <a:rPr lang="en-US"/>
+              <a:t>Create a S3 bucket: boto3 client</a:t>
+            </a:r>
+            <a:br>
+              <a:rPr lang="en-US"/>
+            </a:br>
+            <a:r>
+              <a:rPr lang="en-US"/>
+              <a:t>Download data as csv, put into </a:t>
+            </a:r>
+            <a:r>
+              <a:rPr lang="en-US"/>
+              <a:t>data </a:t>
+            </a:r>
+            <a:r>
+              <a:rPr lang="en-US" smtClean="0"/>
+              <a:t>frame</a:t>
+            </a:r>
+          </a:p>
+          <a:p>
+            <a:r>
+              <a:rPr lang="en-US"/>
+              <a:t>Spit train and test data </a:t>
+            </a:r>
+          </a:p>
+          <a:p>
+            <a:r>
+              <a:rPr lang="en-US"/>
+              <a:t>Upload to S3: boto3 client</a:t>
+            </a:r>
+          </a:p>
+          <a:p>
+            <a:endParaRPr lang="en-US"/>
+          </a:p>
+        </p:txBody>
+      </p:sp>
+      <p:sp>
+        <p:nvSpPr>
+          <p:cNvPr id="5" name="Rectangle 4"/>
+          <p:cNvSpPr/>
+          <p:nvPr/>
+        </p:nvSpPr>
+        <p:spPr>
+          <a:xfrm>
+            <a:off x="444137" y="1997839"/>
+            <a:ext cx="11321143" cy="2031325"/>
+          </a:xfrm>
+          <a:prstGeom prst="rect">
+            <a:avLst/>
+          </a:prstGeom>
+        </p:spPr>
+        <p:txBody>
+          <a:bodyPr wrap="square">
+            <a:spAutoFit/>
+          </a:bodyPr>
+          <a:lstStyle/>
+          <a:p>
+            <a:r>
+              <a:rPr lang="en-US">
+                <a:solidFill>
+                  <a:srgbClr val="333333"/>
+                </a:solidFill>
+                <a:latin typeface="Consolas" panose="020B0609020204030204" pitchFamily="49" charset="0"/>
+              </a:rPr>
+              <a:t>bucket_name </a:t>
+            </a:r>
+            <a:r>
+              <a:rPr lang="en-US">
+                <a:solidFill>
+                  <a:srgbClr val="A67F59"/>
+                </a:solidFill>
+                <a:latin typeface="Consolas" panose="020B0609020204030204" pitchFamily="49" charset="0"/>
+              </a:rPr>
+              <a:t>=</a:t>
+            </a:r>
+            <a:r>
+              <a:rPr lang="en-US">
+                <a:solidFill>
+                  <a:srgbClr val="333333"/>
+                </a:solidFill>
+                <a:latin typeface="Consolas" panose="020B0609020204030204" pitchFamily="49" charset="0"/>
+              </a:rPr>
+              <a:t> </a:t>
+            </a:r>
+            <a:r>
+              <a:rPr lang="en-US">
+                <a:solidFill>
+                  <a:srgbClr val="2F9C0A"/>
+                </a:solidFill>
+                <a:latin typeface="Consolas" panose="020B0609020204030204" pitchFamily="49" charset="0"/>
+              </a:rPr>
+              <a:t>'your-s3-bucket-name'</a:t>
+            </a:r>
+            <a:r>
+              <a:rPr lang="en-US">
+                <a:solidFill>
+                  <a:srgbClr val="333333"/>
+                </a:solidFill>
+                <a:latin typeface="Consolas" panose="020B0609020204030204" pitchFamily="49" charset="0"/>
+              </a:rPr>
+              <a:t> </a:t>
+            </a:r>
+            <a:r>
+              <a:rPr lang="en-US">
+                <a:solidFill>
+                  <a:srgbClr val="7D8B99"/>
+                </a:solidFill>
+                <a:latin typeface="Consolas" panose="020B0609020204030204" pitchFamily="49" charset="0"/>
+              </a:rPr>
+              <a:t># &lt;--- CHANGE THIS VARIABLE TO A UNIQUE NAME FOR YOUR </a:t>
+            </a:r>
+            <a:r>
+              <a:rPr lang="en-US">
+                <a:solidFill>
+                  <a:srgbClr val="7D8B99"/>
+                </a:solidFill>
+                <a:latin typeface="Consolas" panose="020B0609020204030204" pitchFamily="49" charset="0"/>
+              </a:rPr>
+              <a:t>BUCKET</a:t>
+            </a:r>
+            <a:r>
+              <a:rPr lang="en-US">
+                <a:solidFill>
+                  <a:srgbClr val="333333"/>
+                </a:solidFill>
+                <a:latin typeface="Consolas" panose="020B0609020204030204" pitchFamily="49" charset="0"/>
+              </a:rPr>
+              <a:t> </a:t>
+            </a:r>
+            <a:endParaRPr lang="en-US" smtClean="0">
+              <a:solidFill>
+                <a:srgbClr val="333333"/>
+              </a:solidFill>
+              <a:latin typeface="Consolas" panose="020B0609020204030204" pitchFamily="49" charset="0"/>
+            </a:endParaRPr>
+          </a:p>
+          <a:p>
+            <a:r>
+              <a:rPr lang="en-US" smtClean="0">
+                <a:solidFill>
+                  <a:srgbClr val="333333"/>
+                </a:solidFill>
+                <a:latin typeface="Consolas" panose="020B0609020204030204" pitchFamily="49" charset="0"/>
+              </a:rPr>
+              <a:t>s3 </a:t>
+            </a:r>
+            <a:r>
+              <a:rPr lang="en-US">
+                <a:solidFill>
+                  <a:srgbClr val="A67F59"/>
+                </a:solidFill>
+                <a:latin typeface="Consolas" panose="020B0609020204030204" pitchFamily="49" charset="0"/>
+              </a:rPr>
+              <a:t>=</a:t>
+            </a:r>
+            <a:r>
+              <a:rPr lang="en-US">
+                <a:solidFill>
+                  <a:srgbClr val="333333"/>
+                </a:solidFill>
+                <a:latin typeface="Consolas" panose="020B0609020204030204" pitchFamily="49" charset="0"/>
+              </a:rPr>
+              <a:t> boto3</a:t>
+            </a:r>
+            <a:r>
+              <a:rPr lang="en-US">
+                <a:solidFill>
+                  <a:srgbClr val="5F6364"/>
+                </a:solidFill>
+                <a:latin typeface="Consolas" panose="020B0609020204030204" pitchFamily="49" charset="0"/>
+              </a:rPr>
+              <a:t>.</a:t>
+            </a:r>
+            <a:r>
+              <a:rPr lang="en-US">
+                <a:solidFill>
+                  <a:srgbClr val="333333"/>
+                </a:solidFill>
+                <a:latin typeface="Consolas" panose="020B0609020204030204" pitchFamily="49" charset="0"/>
+              </a:rPr>
+              <a:t>resource</a:t>
+            </a:r>
+            <a:r>
+              <a:rPr lang="en-US">
+                <a:solidFill>
+                  <a:srgbClr val="5F6364"/>
+                </a:solidFill>
+                <a:latin typeface="Consolas" panose="020B0609020204030204" pitchFamily="49" charset="0"/>
+              </a:rPr>
+              <a:t>(</a:t>
+            </a:r>
+            <a:r>
+              <a:rPr lang="en-US">
+                <a:solidFill>
+                  <a:srgbClr val="2F9C0A"/>
+                </a:solidFill>
+                <a:latin typeface="Consolas" panose="020B0609020204030204" pitchFamily="49" charset="0"/>
+              </a:rPr>
+              <a:t>'s3</a:t>
+            </a:r>
+            <a:r>
+              <a:rPr lang="en-US">
+                <a:solidFill>
+                  <a:srgbClr val="2F9C0A"/>
+                </a:solidFill>
+                <a:latin typeface="Consolas" panose="020B0609020204030204" pitchFamily="49" charset="0"/>
+              </a:rPr>
+              <a:t>'</a:t>
+            </a:r>
+            <a:r>
+              <a:rPr lang="en-US">
+                <a:solidFill>
+                  <a:srgbClr val="5F6364"/>
+                </a:solidFill>
+                <a:latin typeface="Consolas" panose="020B0609020204030204" pitchFamily="49" charset="0"/>
+              </a:rPr>
+              <a:t>)</a:t>
+            </a:r>
+            <a:r>
+              <a:rPr lang="en-US">
+                <a:solidFill>
+                  <a:srgbClr val="333333"/>
+                </a:solidFill>
+                <a:latin typeface="Consolas" panose="020B0609020204030204" pitchFamily="49" charset="0"/>
+              </a:rPr>
+              <a:t> </a:t>
+            </a:r>
+            <a:endParaRPr lang="en-US" smtClean="0">
+              <a:solidFill>
+                <a:srgbClr val="333333"/>
+              </a:solidFill>
+              <a:latin typeface="Consolas" panose="020B0609020204030204" pitchFamily="49" charset="0"/>
+            </a:endParaRPr>
+          </a:p>
+          <a:p>
+            <a:r>
+              <a:rPr lang="en-US" smtClean="0">
+                <a:solidFill>
+                  <a:srgbClr val="1990B8"/>
+                </a:solidFill>
+                <a:latin typeface="Consolas" panose="020B0609020204030204" pitchFamily="49" charset="0"/>
+              </a:rPr>
+              <a:t>try</a:t>
+            </a:r>
+            <a:r>
+              <a:rPr lang="en-US">
+                <a:solidFill>
+                  <a:srgbClr val="5F6364"/>
+                </a:solidFill>
+                <a:latin typeface="Consolas" panose="020B0609020204030204" pitchFamily="49" charset="0"/>
+              </a:rPr>
+              <a:t>:</a:t>
+            </a:r>
+            <a:r>
+              <a:rPr lang="en-US">
+                <a:solidFill>
+                  <a:srgbClr val="333333"/>
+                </a:solidFill>
+                <a:latin typeface="Consolas" panose="020B0609020204030204" pitchFamily="49" charset="0"/>
+              </a:rPr>
+              <a:t> </a:t>
+            </a:r>
+            <a:r>
+              <a:rPr lang="en-US">
+                <a:solidFill>
+                  <a:srgbClr val="1990B8"/>
+                </a:solidFill>
+                <a:latin typeface="Consolas" panose="020B0609020204030204" pitchFamily="49" charset="0"/>
+              </a:rPr>
+              <a:t>if</a:t>
+            </a:r>
+            <a:r>
+              <a:rPr lang="en-US">
+                <a:solidFill>
+                  <a:srgbClr val="333333"/>
+                </a:solidFill>
+                <a:latin typeface="Consolas" panose="020B0609020204030204" pitchFamily="49" charset="0"/>
+              </a:rPr>
+              <a:t> my_region </a:t>
+            </a:r>
+            <a:r>
+              <a:rPr lang="en-US">
+                <a:solidFill>
+                  <a:srgbClr val="A67F59"/>
+                </a:solidFill>
+                <a:latin typeface="Consolas" panose="020B0609020204030204" pitchFamily="49" charset="0"/>
+              </a:rPr>
+              <a:t>==</a:t>
+            </a:r>
+            <a:r>
+              <a:rPr lang="en-US">
+                <a:solidFill>
+                  <a:srgbClr val="333333"/>
+                </a:solidFill>
+                <a:latin typeface="Consolas" panose="020B0609020204030204" pitchFamily="49" charset="0"/>
+              </a:rPr>
+              <a:t> </a:t>
+            </a:r>
+            <a:r>
+              <a:rPr lang="en-US">
+                <a:solidFill>
+                  <a:srgbClr val="2F9C0A"/>
+                </a:solidFill>
+                <a:latin typeface="Consolas" panose="020B0609020204030204" pitchFamily="49" charset="0"/>
+              </a:rPr>
+              <a:t>'us-east-1'</a:t>
+            </a:r>
+            <a:r>
+              <a:rPr lang="en-US">
+                <a:solidFill>
+                  <a:srgbClr val="5F6364"/>
+                </a:solidFill>
+                <a:latin typeface="Consolas" panose="020B0609020204030204" pitchFamily="49" charset="0"/>
+              </a:rPr>
+              <a:t>:</a:t>
+            </a:r>
+            <a:r>
+              <a:rPr lang="en-US">
+                <a:solidFill>
+                  <a:srgbClr val="333333"/>
+                </a:solidFill>
+                <a:latin typeface="Consolas" panose="020B0609020204030204" pitchFamily="49" charset="0"/>
+              </a:rPr>
+              <a:t> s3</a:t>
+            </a:r>
+            <a:r>
+              <a:rPr lang="en-US">
+                <a:solidFill>
+                  <a:srgbClr val="5F6364"/>
+                </a:solidFill>
+                <a:latin typeface="Consolas" panose="020B0609020204030204" pitchFamily="49" charset="0"/>
+              </a:rPr>
+              <a:t>.</a:t>
+            </a:r>
+            <a:r>
+              <a:rPr lang="en-US">
+                <a:solidFill>
+                  <a:srgbClr val="333333"/>
+                </a:solidFill>
+                <a:latin typeface="Consolas" panose="020B0609020204030204" pitchFamily="49" charset="0"/>
+              </a:rPr>
+              <a:t>create_bucket</a:t>
+            </a:r>
+            <a:r>
+              <a:rPr lang="en-US">
+                <a:solidFill>
+                  <a:srgbClr val="5F6364"/>
+                </a:solidFill>
+                <a:latin typeface="Consolas" panose="020B0609020204030204" pitchFamily="49" charset="0"/>
+              </a:rPr>
+              <a:t>(</a:t>
+            </a:r>
+            <a:r>
+              <a:rPr lang="en-US">
+                <a:solidFill>
+                  <a:srgbClr val="333333"/>
+                </a:solidFill>
+                <a:latin typeface="Consolas" panose="020B0609020204030204" pitchFamily="49" charset="0"/>
+              </a:rPr>
+              <a:t>Bucket</a:t>
+            </a:r>
+            <a:r>
+              <a:rPr lang="en-US">
+                <a:solidFill>
+                  <a:srgbClr val="A67F59"/>
+                </a:solidFill>
+                <a:latin typeface="Consolas" panose="020B0609020204030204" pitchFamily="49" charset="0"/>
+              </a:rPr>
+              <a:t>=</a:t>
+            </a:r>
+            <a:r>
+              <a:rPr lang="en-US">
+                <a:solidFill>
+                  <a:srgbClr val="333333"/>
+                </a:solidFill>
+                <a:latin typeface="Consolas" panose="020B0609020204030204" pitchFamily="49" charset="0"/>
+              </a:rPr>
+              <a:t>bucket_name</a:t>
+            </a:r>
+            <a:r>
+              <a:rPr lang="en-US">
+                <a:solidFill>
+                  <a:srgbClr val="5F6364"/>
+                </a:solidFill>
+                <a:latin typeface="Consolas" panose="020B0609020204030204" pitchFamily="49" charset="0"/>
+              </a:rPr>
+              <a:t>)</a:t>
+            </a:r>
+            <a:r>
+              <a:rPr lang="en-US">
+                <a:solidFill>
+                  <a:srgbClr val="333333"/>
+                </a:solidFill>
+                <a:latin typeface="Consolas" panose="020B0609020204030204" pitchFamily="49" charset="0"/>
+              </a:rPr>
+              <a:t> </a:t>
+            </a:r>
+            <a:r>
+              <a:rPr lang="en-US">
+                <a:solidFill>
+                  <a:srgbClr val="1990B8"/>
+                </a:solidFill>
+                <a:latin typeface="Consolas" panose="020B0609020204030204" pitchFamily="49" charset="0"/>
+              </a:rPr>
+              <a:t>else</a:t>
+            </a:r>
+            <a:r>
+              <a:rPr lang="en-US">
+                <a:solidFill>
+                  <a:srgbClr val="5F6364"/>
+                </a:solidFill>
+                <a:latin typeface="Consolas" panose="020B0609020204030204" pitchFamily="49" charset="0"/>
+              </a:rPr>
+              <a:t>:</a:t>
+            </a:r>
+            <a:r>
+              <a:rPr lang="en-US">
+                <a:solidFill>
+                  <a:srgbClr val="333333"/>
+                </a:solidFill>
+                <a:latin typeface="Consolas" panose="020B0609020204030204" pitchFamily="49" charset="0"/>
+              </a:rPr>
+              <a:t> s3</a:t>
+            </a:r>
+            <a:r>
+              <a:rPr lang="en-US">
+                <a:solidFill>
+                  <a:srgbClr val="5F6364"/>
+                </a:solidFill>
+                <a:latin typeface="Consolas" panose="020B0609020204030204" pitchFamily="49" charset="0"/>
+              </a:rPr>
+              <a:t>.</a:t>
+            </a:r>
+            <a:r>
+              <a:rPr lang="en-US">
+                <a:solidFill>
+                  <a:srgbClr val="333333"/>
+                </a:solidFill>
+                <a:latin typeface="Consolas" panose="020B0609020204030204" pitchFamily="49" charset="0"/>
+              </a:rPr>
+              <a:t>create_bucket</a:t>
+            </a:r>
+            <a:r>
+              <a:rPr lang="en-US">
+                <a:solidFill>
+                  <a:srgbClr val="5F6364"/>
+                </a:solidFill>
+                <a:latin typeface="Consolas" panose="020B0609020204030204" pitchFamily="49" charset="0"/>
+              </a:rPr>
+              <a:t>(</a:t>
+            </a:r>
+            <a:r>
+              <a:rPr lang="en-US">
+                <a:solidFill>
+                  <a:srgbClr val="333333"/>
+                </a:solidFill>
+                <a:latin typeface="Consolas" panose="020B0609020204030204" pitchFamily="49" charset="0"/>
+              </a:rPr>
+              <a:t>Bucket</a:t>
+            </a:r>
+            <a:r>
+              <a:rPr lang="en-US">
+                <a:solidFill>
+                  <a:srgbClr val="A67F59"/>
+                </a:solidFill>
+                <a:latin typeface="Consolas" panose="020B0609020204030204" pitchFamily="49" charset="0"/>
+              </a:rPr>
+              <a:t>=</a:t>
+            </a:r>
+            <a:r>
+              <a:rPr lang="en-US">
+                <a:solidFill>
+                  <a:srgbClr val="333333"/>
+                </a:solidFill>
+                <a:latin typeface="Consolas" panose="020B0609020204030204" pitchFamily="49" charset="0"/>
+              </a:rPr>
+              <a:t>bucket_name</a:t>
+            </a:r>
+            <a:r>
+              <a:rPr lang="en-US">
+                <a:solidFill>
+                  <a:srgbClr val="5F6364"/>
+                </a:solidFill>
+                <a:latin typeface="Consolas" panose="020B0609020204030204" pitchFamily="49" charset="0"/>
+              </a:rPr>
+              <a:t>,</a:t>
+            </a:r>
+            <a:r>
+              <a:rPr lang="en-US">
+                <a:solidFill>
+                  <a:srgbClr val="333333"/>
+                </a:solidFill>
+                <a:latin typeface="Consolas" panose="020B0609020204030204" pitchFamily="49" charset="0"/>
+              </a:rPr>
+              <a:t> CreateBucketConfiguration</a:t>
+            </a:r>
+            <a:r>
+              <a:rPr lang="en-US">
+                <a:solidFill>
+                  <a:srgbClr val="A67F59"/>
+                </a:solidFill>
+                <a:latin typeface="Consolas" panose="020B0609020204030204" pitchFamily="49" charset="0"/>
+              </a:rPr>
+              <a:t>=</a:t>
+            </a:r>
+            <a:r>
+              <a:rPr lang="en-US">
+                <a:solidFill>
+                  <a:srgbClr val="5F6364"/>
+                </a:solidFill>
+                <a:latin typeface="Consolas" panose="020B0609020204030204" pitchFamily="49" charset="0"/>
+              </a:rPr>
+              <a:t>{</a:t>
+            </a:r>
+            <a:r>
+              <a:rPr lang="en-US">
+                <a:solidFill>
+                  <a:srgbClr val="333333"/>
+                </a:solidFill>
+                <a:latin typeface="Consolas" panose="020B0609020204030204" pitchFamily="49" charset="0"/>
+              </a:rPr>
+              <a:t> </a:t>
+            </a:r>
+            <a:r>
+              <a:rPr lang="en-US">
+                <a:solidFill>
+                  <a:srgbClr val="2F9C0A"/>
+                </a:solidFill>
+                <a:latin typeface="Consolas" panose="020B0609020204030204" pitchFamily="49" charset="0"/>
+              </a:rPr>
+              <a:t>'LocationConstraint'</a:t>
+            </a:r>
+            <a:r>
+              <a:rPr lang="en-US">
+                <a:solidFill>
+                  <a:srgbClr val="5F6364"/>
+                </a:solidFill>
+                <a:latin typeface="Consolas" panose="020B0609020204030204" pitchFamily="49" charset="0"/>
+              </a:rPr>
+              <a:t>:</a:t>
+            </a:r>
+            <a:r>
+              <a:rPr lang="en-US">
+                <a:solidFill>
+                  <a:srgbClr val="333333"/>
+                </a:solidFill>
+                <a:latin typeface="Consolas" panose="020B0609020204030204" pitchFamily="49" charset="0"/>
+              </a:rPr>
+              <a:t> my_region </a:t>
+            </a:r>
+            <a:r>
+              <a:rPr lang="en-US">
+                <a:solidFill>
+                  <a:srgbClr val="5F6364"/>
+                </a:solidFill>
+                <a:latin typeface="Consolas" panose="020B0609020204030204" pitchFamily="49" charset="0"/>
+              </a:rPr>
+              <a:t>})</a:t>
+            </a:r>
+            <a:r>
+              <a:rPr lang="en-US">
+                <a:solidFill>
+                  <a:srgbClr val="333333"/>
+                </a:solidFill>
+                <a:latin typeface="Consolas" panose="020B0609020204030204" pitchFamily="49" charset="0"/>
+              </a:rPr>
+              <a:t> </a:t>
+            </a:r>
+            <a:endParaRPr lang="en-US" smtClean="0">
+              <a:solidFill>
+                <a:srgbClr val="333333"/>
+              </a:solidFill>
+              <a:latin typeface="Consolas" panose="020B0609020204030204" pitchFamily="49" charset="0"/>
+            </a:endParaRPr>
+          </a:p>
+          <a:p>
+            <a:r>
+              <a:rPr lang="en-US" smtClean="0">
+                <a:solidFill>
+                  <a:srgbClr val="1990B8"/>
+                </a:solidFill>
+                <a:latin typeface="Consolas" panose="020B0609020204030204" pitchFamily="49" charset="0"/>
+              </a:rPr>
+              <a:t>print</a:t>
+            </a:r>
+            <a:r>
+              <a:rPr lang="en-US">
+                <a:solidFill>
+                  <a:srgbClr val="5F6364"/>
+                </a:solidFill>
+                <a:latin typeface="Consolas" panose="020B0609020204030204" pitchFamily="49" charset="0"/>
+              </a:rPr>
+              <a:t>(</a:t>
+            </a:r>
+            <a:r>
+              <a:rPr lang="en-US">
+                <a:solidFill>
+                  <a:srgbClr val="2F9C0A"/>
+                </a:solidFill>
+                <a:latin typeface="Consolas" panose="020B0609020204030204" pitchFamily="49" charset="0"/>
+              </a:rPr>
+              <a:t>'S3 bucket created successfully'</a:t>
+            </a:r>
+            <a:r>
+              <a:rPr lang="en-US">
+                <a:solidFill>
+                  <a:srgbClr val="5F6364"/>
+                </a:solidFill>
+                <a:latin typeface="Consolas" panose="020B0609020204030204" pitchFamily="49" charset="0"/>
+              </a:rPr>
+              <a:t>)</a:t>
+            </a:r>
+            <a:r>
+              <a:rPr lang="en-US">
+                <a:solidFill>
+                  <a:srgbClr val="333333"/>
+                </a:solidFill>
+                <a:latin typeface="Consolas" panose="020B0609020204030204" pitchFamily="49" charset="0"/>
+              </a:rPr>
+              <a:t> </a:t>
+            </a:r>
+            <a:r>
+              <a:rPr lang="en-US">
+                <a:solidFill>
+                  <a:srgbClr val="1990B8"/>
+                </a:solidFill>
+                <a:latin typeface="Consolas" panose="020B0609020204030204" pitchFamily="49" charset="0"/>
+              </a:rPr>
+              <a:t>except</a:t>
+            </a:r>
+            <a:r>
+              <a:rPr lang="en-US">
+                <a:solidFill>
+                  <a:srgbClr val="333333"/>
+                </a:solidFill>
+                <a:latin typeface="Consolas" panose="020B0609020204030204" pitchFamily="49" charset="0"/>
+              </a:rPr>
+              <a:t> Exception </a:t>
+            </a:r>
+            <a:r>
+              <a:rPr lang="en-US">
+                <a:solidFill>
+                  <a:srgbClr val="1990B8"/>
+                </a:solidFill>
+                <a:latin typeface="Consolas" panose="020B0609020204030204" pitchFamily="49" charset="0"/>
+              </a:rPr>
+              <a:t>as</a:t>
+            </a:r>
+            <a:r>
+              <a:rPr lang="en-US">
+                <a:solidFill>
+                  <a:srgbClr val="333333"/>
+                </a:solidFill>
+                <a:latin typeface="Consolas" panose="020B0609020204030204" pitchFamily="49" charset="0"/>
+              </a:rPr>
+              <a:t> e</a:t>
+            </a:r>
+            <a:r>
+              <a:rPr lang="en-US">
+                <a:solidFill>
+                  <a:srgbClr val="5F6364"/>
+                </a:solidFill>
+                <a:latin typeface="Consolas" panose="020B0609020204030204" pitchFamily="49" charset="0"/>
+              </a:rPr>
+              <a:t>:</a:t>
+            </a:r>
+            <a:r>
+              <a:rPr lang="en-US">
+                <a:solidFill>
+                  <a:srgbClr val="333333"/>
+                </a:solidFill>
+                <a:latin typeface="Consolas" panose="020B0609020204030204" pitchFamily="49" charset="0"/>
+              </a:rPr>
+              <a:t> </a:t>
+            </a:r>
+            <a:r>
+              <a:rPr lang="en-US">
+                <a:solidFill>
+                  <a:srgbClr val="1990B8"/>
+                </a:solidFill>
+                <a:latin typeface="Consolas" panose="020B0609020204030204" pitchFamily="49" charset="0"/>
+              </a:rPr>
+              <a:t>print</a:t>
+            </a:r>
+            <a:r>
+              <a:rPr lang="en-US">
+                <a:solidFill>
+                  <a:srgbClr val="5F6364"/>
+                </a:solidFill>
+                <a:latin typeface="Consolas" panose="020B0609020204030204" pitchFamily="49" charset="0"/>
+              </a:rPr>
+              <a:t>(</a:t>
+            </a:r>
+            <a:r>
+              <a:rPr lang="en-US">
+                <a:solidFill>
+                  <a:srgbClr val="2F9C0A"/>
+                </a:solidFill>
+                <a:latin typeface="Consolas" panose="020B0609020204030204" pitchFamily="49" charset="0"/>
+              </a:rPr>
+              <a:t>'S3 error: '</a:t>
+            </a:r>
+            <a:r>
+              <a:rPr lang="en-US">
+                <a:solidFill>
+                  <a:srgbClr val="5F6364"/>
+                </a:solidFill>
+                <a:latin typeface="Consolas" panose="020B0609020204030204" pitchFamily="49" charset="0"/>
+              </a:rPr>
+              <a:t>,</a:t>
+            </a:r>
+            <a:r>
+              <a:rPr lang="en-US">
+                <a:solidFill>
+                  <a:srgbClr val="333333"/>
+                </a:solidFill>
+                <a:latin typeface="Consolas" panose="020B0609020204030204" pitchFamily="49" charset="0"/>
+              </a:rPr>
+              <a:t>e</a:t>
+            </a:r>
+            <a:r>
+              <a:rPr lang="en-US">
+                <a:solidFill>
+                  <a:srgbClr val="5F6364"/>
+                </a:solidFill>
+                <a:latin typeface="Consolas" panose="020B0609020204030204" pitchFamily="49" charset="0"/>
+              </a:rPr>
+              <a:t>)</a:t>
+            </a:r>
+            <a:endParaRPr lang="en-US"/>
+          </a:p>
+        </p:txBody>
+      </p:sp>
+      <p:sp>
+        <p:nvSpPr>
+          <p:cNvPr id="6" name="Rectangle 5"/>
+          <p:cNvSpPr/>
+          <p:nvPr/>
+        </p:nvSpPr>
+        <p:spPr>
+          <a:xfrm>
+            <a:off x="444137" y="4336315"/>
+            <a:ext cx="11643360" cy="1754326"/>
+          </a:xfrm>
+          <a:prstGeom prst="rect">
+            <a:avLst/>
+          </a:prstGeom>
+        </p:spPr>
+        <p:txBody>
+          <a:bodyPr wrap="square">
+            <a:spAutoFit/>
+          </a:bodyPr>
+          <a:lstStyle/>
+          <a:p>
+            <a:r>
+              <a:rPr lang="en-US">
+                <a:solidFill>
+                  <a:srgbClr val="1990B8"/>
+                </a:solidFill>
+                <a:latin typeface="Consolas" panose="020B0609020204030204" pitchFamily="49" charset="0"/>
+              </a:rPr>
+              <a:t>try</a:t>
+            </a:r>
+            <a:r>
+              <a:rPr lang="en-US">
+                <a:solidFill>
+                  <a:srgbClr val="5F6364"/>
+                </a:solidFill>
+                <a:latin typeface="Consolas" panose="020B0609020204030204" pitchFamily="49" charset="0"/>
+              </a:rPr>
+              <a:t>:</a:t>
+            </a:r>
+            <a:r>
+              <a:rPr lang="en-US">
+                <a:solidFill>
+                  <a:srgbClr val="333333"/>
+                </a:solidFill>
+                <a:latin typeface="Consolas" panose="020B0609020204030204" pitchFamily="49" charset="0"/>
+              </a:rPr>
+              <a:t> urllib</a:t>
+            </a:r>
+            <a:r>
+              <a:rPr lang="en-US">
+                <a:solidFill>
+                  <a:srgbClr val="5F6364"/>
+                </a:solidFill>
+                <a:latin typeface="Consolas" panose="020B0609020204030204" pitchFamily="49" charset="0"/>
+              </a:rPr>
+              <a:t>.</a:t>
+            </a:r>
+            <a:r>
+              <a:rPr lang="en-US">
+                <a:solidFill>
+                  <a:srgbClr val="333333"/>
+                </a:solidFill>
+                <a:latin typeface="Consolas" panose="020B0609020204030204" pitchFamily="49" charset="0"/>
+              </a:rPr>
+              <a:t>request</a:t>
+            </a:r>
+            <a:r>
+              <a:rPr lang="en-US">
+                <a:solidFill>
+                  <a:srgbClr val="5F6364"/>
+                </a:solidFill>
+                <a:latin typeface="Consolas" panose="020B0609020204030204" pitchFamily="49" charset="0"/>
+              </a:rPr>
+              <a:t>.</a:t>
+            </a:r>
+            <a:r>
+              <a:rPr lang="en-US">
+                <a:solidFill>
+                  <a:srgbClr val="333333"/>
+                </a:solidFill>
+                <a:latin typeface="Consolas" panose="020B0609020204030204" pitchFamily="49" charset="0"/>
+              </a:rPr>
+              <a:t>urlretrieve </a:t>
+            </a:r>
+            <a:r>
+              <a:rPr lang="en-US">
+                <a:solidFill>
+                  <a:srgbClr val="5F6364"/>
+                </a:solidFill>
+                <a:latin typeface="Consolas" panose="020B0609020204030204" pitchFamily="49" charset="0"/>
+              </a:rPr>
+              <a:t>(</a:t>
+            </a:r>
+            <a:r>
+              <a:rPr lang="en-US">
+                <a:solidFill>
+                  <a:srgbClr val="2F9C0A"/>
+                </a:solidFill>
+                <a:latin typeface="Consolas" panose="020B0609020204030204" pitchFamily="49" charset="0"/>
+              </a:rPr>
+              <a:t>"https://d1.awsstatic.com/tmt/build-train-deploy-machine-learning-model-sagemaker/bank_clean.27f01fbbdf43271788427f3682996ae29ceca05d.csv"</a:t>
+            </a:r>
+            <a:r>
+              <a:rPr lang="en-US">
+                <a:solidFill>
+                  <a:srgbClr val="5F6364"/>
+                </a:solidFill>
+                <a:latin typeface="Consolas" panose="020B0609020204030204" pitchFamily="49" charset="0"/>
+              </a:rPr>
+              <a:t>,</a:t>
+            </a:r>
+            <a:r>
+              <a:rPr lang="en-US">
+                <a:solidFill>
+                  <a:srgbClr val="333333"/>
+                </a:solidFill>
+                <a:latin typeface="Consolas" panose="020B0609020204030204" pitchFamily="49" charset="0"/>
+              </a:rPr>
+              <a:t> </a:t>
+            </a:r>
+            <a:r>
+              <a:rPr lang="en-US">
+                <a:solidFill>
+                  <a:srgbClr val="2F9C0A"/>
+                </a:solidFill>
+                <a:latin typeface="Consolas" panose="020B0609020204030204" pitchFamily="49" charset="0"/>
+              </a:rPr>
+              <a:t>"bank_clean.csv"</a:t>
+            </a:r>
+            <a:r>
+              <a:rPr lang="en-US">
+                <a:solidFill>
+                  <a:srgbClr val="5F6364"/>
+                </a:solidFill>
+                <a:latin typeface="Consolas" panose="020B0609020204030204" pitchFamily="49" charset="0"/>
+              </a:rPr>
+              <a:t>)</a:t>
+            </a:r>
+            <a:r>
+              <a:rPr lang="en-US">
+                <a:solidFill>
+                  <a:srgbClr val="333333"/>
+                </a:solidFill>
+                <a:latin typeface="Consolas" panose="020B0609020204030204" pitchFamily="49" charset="0"/>
+              </a:rPr>
+              <a:t> </a:t>
+            </a:r>
+            <a:r>
+              <a:rPr lang="en-US">
+                <a:solidFill>
+                  <a:srgbClr val="1990B8"/>
+                </a:solidFill>
+                <a:latin typeface="Consolas" panose="020B0609020204030204" pitchFamily="49" charset="0"/>
+              </a:rPr>
+              <a:t>print</a:t>
+            </a:r>
+            <a:r>
+              <a:rPr lang="en-US">
+                <a:solidFill>
+                  <a:srgbClr val="5F6364"/>
+                </a:solidFill>
+                <a:latin typeface="Consolas" panose="020B0609020204030204" pitchFamily="49" charset="0"/>
+              </a:rPr>
+              <a:t>(</a:t>
+            </a:r>
+            <a:r>
+              <a:rPr lang="en-US">
+                <a:solidFill>
+                  <a:srgbClr val="2F9C0A"/>
+                </a:solidFill>
+                <a:latin typeface="Consolas" panose="020B0609020204030204" pitchFamily="49" charset="0"/>
+              </a:rPr>
+              <a:t>'Success: downloaded bank_clean.csv.'</a:t>
+            </a:r>
+            <a:r>
+              <a:rPr lang="en-US">
+                <a:solidFill>
+                  <a:srgbClr val="5F6364"/>
+                </a:solidFill>
+                <a:latin typeface="Consolas" panose="020B0609020204030204" pitchFamily="49" charset="0"/>
+              </a:rPr>
+              <a:t>)</a:t>
+            </a:r>
+            <a:r>
+              <a:rPr lang="en-US">
+                <a:solidFill>
+                  <a:srgbClr val="333333"/>
+                </a:solidFill>
+                <a:latin typeface="Consolas" panose="020B0609020204030204" pitchFamily="49" charset="0"/>
+              </a:rPr>
+              <a:t> </a:t>
+            </a:r>
+            <a:r>
+              <a:rPr lang="en-US">
+                <a:solidFill>
+                  <a:srgbClr val="1990B8"/>
+                </a:solidFill>
+                <a:latin typeface="Consolas" panose="020B0609020204030204" pitchFamily="49" charset="0"/>
+              </a:rPr>
+              <a:t>except</a:t>
+            </a:r>
+            <a:r>
+              <a:rPr lang="en-US">
+                <a:solidFill>
+                  <a:srgbClr val="333333"/>
+                </a:solidFill>
+                <a:latin typeface="Consolas" panose="020B0609020204030204" pitchFamily="49" charset="0"/>
+              </a:rPr>
+              <a:t> Exception </a:t>
+            </a:r>
+            <a:r>
+              <a:rPr lang="en-US">
+                <a:solidFill>
+                  <a:srgbClr val="1990B8"/>
+                </a:solidFill>
+                <a:latin typeface="Consolas" panose="020B0609020204030204" pitchFamily="49" charset="0"/>
+              </a:rPr>
+              <a:t>as</a:t>
+            </a:r>
+            <a:r>
+              <a:rPr lang="en-US">
+                <a:solidFill>
+                  <a:srgbClr val="333333"/>
+                </a:solidFill>
+                <a:latin typeface="Consolas" panose="020B0609020204030204" pitchFamily="49" charset="0"/>
+              </a:rPr>
+              <a:t> e</a:t>
+            </a:r>
+            <a:r>
+              <a:rPr lang="en-US">
+                <a:solidFill>
+                  <a:srgbClr val="5F6364"/>
+                </a:solidFill>
+                <a:latin typeface="Consolas" panose="020B0609020204030204" pitchFamily="49" charset="0"/>
+              </a:rPr>
+              <a:t>:</a:t>
+            </a:r>
+            <a:r>
+              <a:rPr lang="en-US">
+                <a:solidFill>
+                  <a:srgbClr val="333333"/>
+                </a:solidFill>
+                <a:latin typeface="Consolas" panose="020B0609020204030204" pitchFamily="49" charset="0"/>
+              </a:rPr>
+              <a:t> </a:t>
+            </a:r>
+            <a:r>
+              <a:rPr lang="en-US">
+                <a:solidFill>
+                  <a:srgbClr val="1990B8"/>
+                </a:solidFill>
+                <a:latin typeface="Consolas" panose="020B0609020204030204" pitchFamily="49" charset="0"/>
+              </a:rPr>
+              <a:t>print</a:t>
+            </a:r>
+            <a:r>
+              <a:rPr lang="en-US">
+                <a:solidFill>
+                  <a:srgbClr val="5F6364"/>
+                </a:solidFill>
+                <a:latin typeface="Consolas" panose="020B0609020204030204" pitchFamily="49" charset="0"/>
+              </a:rPr>
+              <a:t>(</a:t>
+            </a:r>
+            <a:r>
+              <a:rPr lang="en-US">
+                <a:solidFill>
+                  <a:srgbClr val="2F9C0A"/>
+                </a:solidFill>
+                <a:latin typeface="Consolas" panose="020B0609020204030204" pitchFamily="49" charset="0"/>
+              </a:rPr>
+              <a:t>'Data load error: '</a:t>
+            </a:r>
+            <a:r>
+              <a:rPr lang="en-US">
+                <a:solidFill>
+                  <a:srgbClr val="5F6364"/>
+                </a:solidFill>
+                <a:latin typeface="Consolas" panose="020B0609020204030204" pitchFamily="49" charset="0"/>
+              </a:rPr>
+              <a:t>,</a:t>
+            </a:r>
+            <a:r>
+              <a:rPr lang="en-US">
+                <a:solidFill>
+                  <a:srgbClr val="333333"/>
+                </a:solidFill>
+                <a:latin typeface="Consolas" panose="020B0609020204030204" pitchFamily="49" charset="0"/>
+              </a:rPr>
+              <a:t>e</a:t>
+            </a:r>
+            <a:r>
+              <a:rPr lang="en-US">
+                <a:solidFill>
+                  <a:srgbClr val="5F6364"/>
+                </a:solidFill>
+                <a:latin typeface="Consolas" panose="020B0609020204030204" pitchFamily="49" charset="0"/>
+              </a:rPr>
+              <a:t>)</a:t>
+            </a:r>
+            <a:r>
+              <a:rPr lang="en-US">
+                <a:solidFill>
+                  <a:srgbClr val="333333"/>
+                </a:solidFill>
+                <a:latin typeface="Consolas" panose="020B0609020204030204" pitchFamily="49" charset="0"/>
+              </a:rPr>
+              <a:t> </a:t>
+            </a:r>
+            <a:r>
+              <a:rPr lang="en-US">
+                <a:solidFill>
+                  <a:srgbClr val="1990B8"/>
+                </a:solidFill>
+                <a:latin typeface="Consolas" panose="020B0609020204030204" pitchFamily="49" charset="0"/>
+              </a:rPr>
+              <a:t>try</a:t>
+            </a:r>
+            <a:r>
+              <a:rPr lang="en-US">
+                <a:solidFill>
+                  <a:srgbClr val="5F6364"/>
+                </a:solidFill>
+                <a:latin typeface="Consolas" panose="020B0609020204030204" pitchFamily="49" charset="0"/>
+              </a:rPr>
+              <a:t>:</a:t>
+            </a:r>
+            <a:r>
+              <a:rPr lang="en-US">
+                <a:solidFill>
+                  <a:srgbClr val="333333"/>
+                </a:solidFill>
+                <a:latin typeface="Consolas" panose="020B0609020204030204" pitchFamily="49" charset="0"/>
+              </a:rPr>
+              <a:t> model_data </a:t>
+            </a:r>
+            <a:r>
+              <a:rPr lang="en-US">
+                <a:solidFill>
+                  <a:srgbClr val="A67F59"/>
+                </a:solidFill>
+                <a:latin typeface="Consolas" panose="020B0609020204030204" pitchFamily="49" charset="0"/>
+              </a:rPr>
+              <a:t>=</a:t>
+            </a:r>
+            <a:r>
+              <a:rPr lang="en-US">
+                <a:solidFill>
+                  <a:srgbClr val="333333"/>
+                </a:solidFill>
+                <a:latin typeface="Consolas" panose="020B0609020204030204" pitchFamily="49" charset="0"/>
+              </a:rPr>
+              <a:t> pd</a:t>
+            </a:r>
+            <a:r>
+              <a:rPr lang="en-US">
+                <a:solidFill>
+                  <a:srgbClr val="5F6364"/>
+                </a:solidFill>
+                <a:latin typeface="Consolas" panose="020B0609020204030204" pitchFamily="49" charset="0"/>
+              </a:rPr>
+              <a:t>.</a:t>
+            </a:r>
+            <a:r>
+              <a:rPr lang="en-US">
+                <a:solidFill>
+                  <a:srgbClr val="333333"/>
+                </a:solidFill>
+                <a:latin typeface="Consolas" panose="020B0609020204030204" pitchFamily="49" charset="0"/>
+              </a:rPr>
+              <a:t>read_csv</a:t>
+            </a:r>
+            <a:r>
+              <a:rPr lang="en-US">
+                <a:solidFill>
+                  <a:srgbClr val="5F6364"/>
+                </a:solidFill>
+                <a:latin typeface="Consolas" panose="020B0609020204030204" pitchFamily="49" charset="0"/>
+              </a:rPr>
+              <a:t>(</a:t>
+            </a:r>
+            <a:r>
+              <a:rPr lang="en-US">
+                <a:solidFill>
+                  <a:srgbClr val="2F9C0A"/>
+                </a:solidFill>
+                <a:latin typeface="Consolas" panose="020B0609020204030204" pitchFamily="49" charset="0"/>
+              </a:rPr>
+              <a:t>'./bank_clean.csv'</a:t>
+            </a:r>
+            <a:r>
+              <a:rPr lang="en-US">
+                <a:solidFill>
+                  <a:srgbClr val="5F6364"/>
+                </a:solidFill>
+                <a:latin typeface="Consolas" panose="020B0609020204030204" pitchFamily="49" charset="0"/>
+              </a:rPr>
+              <a:t>,</a:t>
+            </a:r>
+            <a:r>
+              <a:rPr lang="en-US">
+                <a:solidFill>
+                  <a:srgbClr val="333333"/>
+                </a:solidFill>
+                <a:latin typeface="Consolas" panose="020B0609020204030204" pitchFamily="49" charset="0"/>
+              </a:rPr>
+              <a:t>index_col</a:t>
+            </a:r>
+            <a:r>
+              <a:rPr lang="en-US">
+                <a:solidFill>
+                  <a:srgbClr val="A67F59"/>
+                </a:solidFill>
+                <a:latin typeface="Consolas" panose="020B0609020204030204" pitchFamily="49" charset="0"/>
+              </a:rPr>
+              <a:t>=</a:t>
+            </a:r>
+            <a:r>
+              <a:rPr lang="en-US">
+                <a:solidFill>
+                  <a:srgbClr val="C92C2C"/>
+                </a:solidFill>
+                <a:latin typeface="Consolas" panose="020B0609020204030204" pitchFamily="49" charset="0"/>
+              </a:rPr>
+              <a:t>0</a:t>
+            </a:r>
+            <a:r>
+              <a:rPr lang="en-US">
+                <a:solidFill>
+                  <a:srgbClr val="5F6364"/>
+                </a:solidFill>
+                <a:latin typeface="Consolas" panose="020B0609020204030204" pitchFamily="49" charset="0"/>
+              </a:rPr>
+              <a:t>)</a:t>
+            </a:r>
+            <a:r>
+              <a:rPr lang="en-US">
+                <a:solidFill>
+                  <a:srgbClr val="333333"/>
+                </a:solidFill>
+                <a:latin typeface="Consolas" panose="020B0609020204030204" pitchFamily="49" charset="0"/>
+              </a:rPr>
+              <a:t> </a:t>
+            </a:r>
+            <a:r>
+              <a:rPr lang="en-US">
+                <a:solidFill>
+                  <a:srgbClr val="1990B8"/>
+                </a:solidFill>
+                <a:latin typeface="Consolas" panose="020B0609020204030204" pitchFamily="49" charset="0"/>
+              </a:rPr>
+              <a:t>print</a:t>
+            </a:r>
+            <a:r>
+              <a:rPr lang="en-US">
+                <a:solidFill>
+                  <a:srgbClr val="5F6364"/>
+                </a:solidFill>
+                <a:latin typeface="Consolas" panose="020B0609020204030204" pitchFamily="49" charset="0"/>
+              </a:rPr>
+              <a:t>(</a:t>
+            </a:r>
+            <a:r>
+              <a:rPr lang="en-US">
+                <a:solidFill>
+                  <a:srgbClr val="2F9C0A"/>
+                </a:solidFill>
+                <a:latin typeface="Consolas" panose="020B0609020204030204" pitchFamily="49" charset="0"/>
+              </a:rPr>
+              <a:t>'Success: Data loaded into dataframe.'</a:t>
+            </a:r>
+            <a:r>
+              <a:rPr lang="en-US">
+                <a:solidFill>
+                  <a:srgbClr val="5F6364"/>
+                </a:solidFill>
+                <a:latin typeface="Consolas" panose="020B0609020204030204" pitchFamily="49" charset="0"/>
+              </a:rPr>
+              <a:t>)</a:t>
+            </a:r>
+            <a:r>
+              <a:rPr lang="en-US">
+                <a:solidFill>
+                  <a:srgbClr val="333333"/>
+                </a:solidFill>
+                <a:latin typeface="Consolas" panose="020B0609020204030204" pitchFamily="49" charset="0"/>
+              </a:rPr>
+              <a:t> </a:t>
+            </a:r>
+            <a:r>
+              <a:rPr lang="en-US">
+                <a:solidFill>
+                  <a:srgbClr val="1990B8"/>
+                </a:solidFill>
+                <a:latin typeface="Consolas" panose="020B0609020204030204" pitchFamily="49" charset="0"/>
+              </a:rPr>
+              <a:t>except</a:t>
+            </a:r>
+            <a:r>
+              <a:rPr lang="en-US">
+                <a:solidFill>
+                  <a:srgbClr val="333333"/>
+                </a:solidFill>
+                <a:latin typeface="Consolas" panose="020B0609020204030204" pitchFamily="49" charset="0"/>
+              </a:rPr>
+              <a:t> Exception </a:t>
+            </a:r>
+            <a:r>
+              <a:rPr lang="en-US">
+                <a:solidFill>
+                  <a:srgbClr val="1990B8"/>
+                </a:solidFill>
+                <a:latin typeface="Consolas" panose="020B0609020204030204" pitchFamily="49" charset="0"/>
+              </a:rPr>
+              <a:t>as</a:t>
+            </a:r>
+            <a:r>
+              <a:rPr lang="en-US">
+                <a:solidFill>
+                  <a:srgbClr val="333333"/>
+                </a:solidFill>
+                <a:latin typeface="Consolas" panose="020B0609020204030204" pitchFamily="49" charset="0"/>
+              </a:rPr>
+              <a:t> e</a:t>
+            </a:r>
+            <a:r>
+              <a:rPr lang="en-US">
+                <a:solidFill>
+                  <a:srgbClr val="5F6364"/>
+                </a:solidFill>
+                <a:latin typeface="Consolas" panose="020B0609020204030204" pitchFamily="49" charset="0"/>
+              </a:rPr>
+              <a:t>:</a:t>
+            </a:r>
+            <a:r>
+              <a:rPr lang="en-US">
+                <a:solidFill>
+                  <a:srgbClr val="333333"/>
+                </a:solidFill>
+                <a:latin typeface="Consolas" panose="020B0609020204030204" pitchFamily="49" charset="0"/>
+              </a:rPr>
+              <a:t> </a:t>
+            </a:r>
+            <a:r>
+              <a:rPr lang="en-US">
+                <a:solidFill>
+                  <a:srgbClr val="1990B8"/>
+                </a:solidFill>
+                <a:latin typeface="Consolas" panose="020B0609020204030204" pitchFamily="49" charset="0"/>
+              </a:rPr>
+              <a:t>print</a:t>
+            </a:r>
+            <a:r>
+              <a:rPr lang="en-US">
+                <a:solidFill>
+                  <a:srgbClr val="5F6364"/>
+                </a:solidFill>
+                <a:latin typeface="Consolas" panose="020B0609020204030204" pitchFamily="49" charset="0"/>
+              </a:rPr>
+              <a:t>(</a:t>
+            </a:r>
+            <a:r>
+              <a:rPr lang="en-US">
+                <a:solidFill>
+                  <a:srgbClr val="2F9C0A"/>
+                </a:solidFill>
+                <a:latin typeface="Consolas" panose="020B0609020204030204" pitchFamily="49" charset="0"/>
+              </a:rPr>
+              <a:t>'Data load error: '</a:t>
+            </a:r>
+            <a:r>
+              <a:rPr lang="en-US">
+                <a:solidFill>
+                  <a:srgbClr val="5F6364"/>
+                </a:solidFill>
+                <a:latin typeface="Consolas" panose="020B0609020204030204" pitchFamily="49" charset="0"/>
+              </a:rPr>
+              <a:t>,</a:t>
+            </a:r>
+            <a:r>
+              <a:rPr lang="en-US">
+                <a:solidFill>
+                  <a:srgbClr val="333333"/>
+                </a:solidFill>
+                <a:latin typeface="Consolas" panose="020B0609020204030204" pitchFamily="49" charset="0"/>
+              </a:rPr>
+              <a:t>e</a:t>
+            </a:r>
+            <a:r>
+              <a:rPr lang="en-US">
+                <a:solidFill>
+                  <a:srgbClr val="5F6364"/>
+                </a:solidFill>
+                <a:latin typeface="Consolas" panose="020B0609020204030204" pitchFamily="49" charset="0"/>
+              </a:rPr>
+              <a:t>)</a:t>
             </a:r>
             <a:endParaRPr lang="en-US"/>
           </a:p>
@@ -5028,7 +7413,7 @@
     </p:spTree>
     <p:extLst>
       <p:ext uri="{BB962C8B-B14F-4D97-AF65-F5344CB8AC3E}">
-        <p14:creationId xmlns:p14="http://schemas.microsoft.com/office/powerpoint/2010/main" val="3385182572"/>
+        <p14:creationId xmlns:p14="http://schemas.microsoft.com/office/powerpoint/2010/main" val="664109589"/>
       </p:ext>
     </p:extLst>
   </p:cSld>
@@ -5067,94 +7452,867 @@
         </p:nvSpPr>
         <p:spPr/>
         <p:txBody>
+          <a:bodyPr>
+            <a:normAutofit/>
+          </a:bodyPr>
+          <a:lstStyle/>
+          <a:p>
+            <a:r>
+              <a:rPr lang="en-US" smtClean="0"/>
+              <a:t>Create model and train</a:t>
+            </a:r>
+            <a:endParaRPr lang="en-US"/>
+          </a:p>
+        </p:txBody>
+      </p:sp>
+      <p:sp>
+        <p:nvSpPr>
+          <p:cNvPr id="3" name="Content Placeholder 2"/>
+          <p:cNvSpPr>
+            <a:spLocks noGrp="1"/>
+          </p:cNvSpPr>
+          <p:nvPr>
+            <p:ph idx="1"/>
+          </p:nvPr>
+        </p:nvSpPr>
+        <p:spPr/>
+        <p:txBody>
           <a:bodyPr/>
           <a:lstStyle/>
           <a:p>
             <a:r>
               <a:rPr lang="en-US" smtClean="0"/>
-              <a:t>Create training job</a:t>
-            </a:r>
-            <a:endParaRPr lang="en-US"/>
-          </a:p>
-        </p:txBody>
-      </p:sp>
-      <p:sp>
-        <p:nvSpPr>
-          <p:cNvPr id="3" name="Content Placeholder 2"/>
-          <p:cNvSpPr>
-            <a:spLocks noGrp="1"/>
-          </p:cNvSpPr>
-          <p:nvPr>
-            <p:ph idx="1"/>
-          </p:nvPr>
-        </p:nvSpPr>
-        <p:spPr/>
-        <p:txBody>
-          <a:bodyPr>
-            <a:normAutofit lnSpcReduction="10000"/>
+              <a:t>Create input train data from data in S3</a:t>
+            </a:r>
+          </a:p>
+          <a:p>
+            <a:r>
+              <a:rPr lang="en-US" smtClean="0"/>
+              <a:t>Create model, hyperparameters, train: sagemaker client</a:t>
+            </a:r>
+            <a:endParaRPr lang="en-US"/>
+          </a:p>
+        </p:txBody>
+      </p:sp>
+      <p:sp>
+        <p:nvSpPr>
+          <p:cNvPr id="4" name="Rectangle 3"/>
+          <p:cNvSpPr/>
+          <p:nvPr/>
+        </p:nvSpPr>
+        <p:spPr>
+          <a:xfrm>
+            <a:off x="566056" y="3124131"/>
+            <a:ext cx="11538857" cy="1754326"/>
+          </a:xfrm>
+          <a:prstGeom prst="rect">
+            <a:avLst/>
+          </a:prstGeom>
+        </p:spPr>
+        <p:txBody>
+          <a:bodyPr wrap="square">
+            <a:spAutoFit/>
           </a:bodyPr>
           <a:lstStyle/>
           <a:p>
             <a:r>
-              <a:rPr lang="en-US" smtClean="0"/>
-              <a:t>Jobname, role</a:t>
-            </a:r>
-          </a:p>
-          <a:p>
-            <a:r>
-              <a:rPr lang="en-US" smtClean="0"/>
-              <a:t>Algorithm source: built-in, custom, container, subscription</a:t>
-            </a:r>
-          </a:p>
-          <a:p>
-            <a:r>
-              <a:rPr lang="en-US" smtClean="0"/>
-              <a:t>Hyperparameters: depend algorithms</a:t>
-            </a:r>
-          </a:p>
-          <a:p>
-            <a:r>
-              <a:rPr lang="en-US" smtClean="0"/>
-              <a:t>Computing resource</a:t>
-            </a:r>
-          </a:p>
-          <a:p>
-            <a:pPr lvl="1"/>
-            <a:r>
-              <a:rPr lang="en-US" smtClean="0"/>
-              <a:t>Instance type</a:t>
-            </a:r>
-          </a:p>
-          <a:p>
-            <a:r>
-              <a:rPr lang="en-US" smtClean="0"/>
-              <a:t>Network resource</a:t>
-            </a:r>
-          </a:p>
-          <a:p>
-            <a:r>
-              <a:rPr lang="en-US" smtClean="0"/>
-              <a:t>Input data</a:t>
-            </a:r>
-          </a:p>
-          <a:p>
-            <a:pPr lvl="1"/>
-            <a:r>
-              <a:rPr lang="en-US" smtClean="0"/>
-              <a:t>Dataset file on S3</a:t>
-            </a:r>
-          </a:p>
-          <a:p>
-            <a:r>
-              <a:rPr lang="en-US" smtClean="0"/>
-              <a:t>Output data</a:t>
-            </a:r>
-          </a:p>
-          <a:p>
-            <a:pPr lvl="1"/>
-            <a:r>
-              <a:rPr lang="en-US" smtClean="0"/>
-              <a:t>Output model on S3 </a:t>
+              <a:rPr lang="en-US">
+                <a:solidFill>
+                  <a:srgbClr val="333333"/>
+                </a:solidFill>
+                <a:latin typeface="Consolas" panose="020B0609020204030204" pitchFamily="49" charset="0"/>
+              </a:rPr>
+              <a:t>sess </a:t>
+            </a:r>
+            <a:r>
+              <a:rPr lang="en-US">
+                <a:solidFill>
+                  <a:srgbClr val="A67F59"/>
+                </a:solidFill>
+                <a:latin typeface="Consolas" panose="020B0609020204030204" pitchFamily="49" charset="0"/>
+              </a:rPr>
+              <a:t>=</a:t>
+            </a:r>
+            <a:r>
+              <a:rPr lang="en-US">
+                <a:solidFill>
+                  <a:srgbClr val="333333"/>
+                </a:solidFill>
+                <a:latin typeface="Consolas" panose="020B0609020204030204" pitchFamily="49" charset="0"/>
+              </a:rPr>
+              <a:t> sagemaker</a:t>
+            </a:r>
+            <a:r>
+              <a:rPr lang="en-US">
+                <a:solidFill>
+                  <a:srgbClr val="5F6364"/>
+                </a:solidFill>
+                <a:latin typeface="Consolas" panose="020B0609020204030204" pitchFamily="49" charset="0"/>
+              </a:rPr>
+              <a:t>.</a:t>
+            </a:r>
+            <a:r>
+              <a:rPr lang="en-US">
+                <a:solidFill>
+                  <a:srgbClr val="333333"/>
+                </a:solidFill>
+                <a:latin typeface="Consolas" panose="020B0609020204030204" pitchFamily="49" charset="0"/>
+              </a:rPr>
+              <a:t>Session</a:t>
+            </a:r>
+            <a:r>
+              <a:rPr lang="en-US">
+                <a:solidFill>
+                  <a:srgbClr val="5F6364"/>
+                </a:solidFill>
+                <a:latin typeface="Consolas" panose="020B0609020204030204" pitchFamily="49" charset="0"/>
+              </a:rPr>
+              <a:t>()</a:t>
+            </a:r>
+            <a:r>
+              <a:rPr lang="en-US">
+                <a:solidFill>
+                  <a:srgbClr val="333333"/>
+                </a:solidFill>
+                <a:latin typeface="Consolas" panose="020B0609020204030204" pitchFamily="49" charset="0"/>
+              </a:rPr>
+              <a:t> xgb </a:t>
+            </a:r>
+            <a:r>
+              <a:rPr lang="en-US">
+                <a:solidFill>
+                  <a:srgbClr val="A67F59"/>
+                </a:solidFill>
+                <a:latin typeface="Consolas" panose="020B0609020204030204" pitchFamily="49" charset="0"/>
+              </a:rPr>
+              <a:t>=</a:t>
+            </a:r>
+            <a:r>
+              <a:rPr lang="en-US">
+                <a:solidFill>
+                  <a:srgbClr val="333333"/>
+                </a:solidFill>
+                <a:latin typeface="Consolas" panose="020B0609020204030204" pitchFamily="49" charset="0"/>
+              </a:rPr>
+              <a:t> sagemaker</a:t>
+            </a:r>
+            <a:r>
+              <a:rPr lang="en-US">
+                <a:solidFill>
+                  <a:srgbClr val="5F6364"/>
+                </a:solidFill>
+                <a:latin typeface="Consolas" panose="020B0609020204030204" pitchFamily="49" charset="0"/>
+              </a:rPr>
+              <a:t>.</a:t>
+            </a:r>
+            <a:r>
+              <a:rPr lang="en-US">
+                <a:solidFill>
+                  <a:srgbClr val="333333"/>
+                </a:solidFill>
+                <a:latin typeface="Consolas" panose="020B0609020204030204" pitchFamily="49" charset="0"/>
+              </a:rPr>
+              <a:t>estimator</a:t>
+            </a:r>
+            <a:r>
+              <a:rPr lang="en-US">
+                <a:solidFill>
+                  <a:srgbClr val="5F6364"/>
+                </a:solidFill>
+                <a:latin typeface="Consolas" panose="020B0609020204030204" pitchFamily="49" charset="0"/>
+              </a:rPr>
+              <a:t>.</a:t>
+            </a:r>
+            <a:r>
+              <a:rPr lang="en-US">
+                <a:solidFill>
+                  <a:srgbClr val="333333"/>
+                </a:solidFill>
+                <a:latin typeface="Consolas" panose="020B0609020204030204" pitchFamily="49" charset="0"/>
+              </a:rPr>
+              <a:t>Estimator</a:t>
+            </a:r>
+            <a:r>
+              <a:rPr lang="en-US">
+                <a:solidFill>
+                  <a:srgbClr val="5F6364"/>
+                </a:solidFill>
+                <a:latin typeface="Consolas" panose="020B0609020204030204" pitchFamily="49" charset="0"/>
+              </a:rPr>
+              <a:t>(</a:t>
+            </a:r>
+            <a:r>
+              <a:rPr lang="en-US">
+                <a:solidFill>
+                  <a:srgbClr val="333333"/>
+                </a:solidFill>
+                <a:latin typeface="Consolas" panose="020B0609020204030204" pitchFamily="49" charset="0"/>
+              </a:rPr>
+              <a:t>containers</a:t>
+            </a:r>
+            <a:r>
+              <a:rPr lang="en-US">
+                <a:solidFill>
+                  <a:srgbClr val="5F6364"/>
+                </a:solidFill>
+                <a:latin typeface="Consolas" panose="020B0609020204030204" pitchFamily="49" charset="0"/>
+              </a:rPr>
+              <a:t>[</a:t>
+            </a:r>
+            <a:r>
+              <a:rPr lang="en-US">
+                <a:solidFill>
+                  <a:srgbClr val="333333"/>
+                </a:solidFill>
+                <a:latin typeface="Consolas" panose="020B0609020204030204" pitchFamily="49" charset="0"/>
+              </a:rPr>
+              <a:t>my_region</a:t>
+            </a:r>
+            <a:r>
+              <a:rPr lang="en-US">
+                <a:solidFill>
+                  <a:srgbClr val="5F6364"/>
+                </a:solidFill>
+                <a:latin typeface="Consolas" panose="020B0609020204030204" pitchFamily="49" charset="0"/>
+              </a:rPr>
+              <a:t>],</a:t>
+            </a:r>
+            <a:r>
+              <a:rPr lang="en-US">
+                <a:solidFill>
+                  <a:srgbClr val="333333"/>
+                </a:solidFill>
+                <a:latin typeface="Consolas" panose="020B0609020204030204" pitchFamily="49" charset="0"/>
+              </a:rPr>
+              <a:t>role</a:t>
+            </a:r>
+            <a:r>
+              <a:rPr lang="en-US">
+                <a:solidFill>
+                  <a:srgbClr val="5F6364"/>
+                </a:solidFill>
+                <a:latin typeface="Consolas" panose="020B0609020204030204" pitchFamily="49" charset="0"/>
+              </a:rPr>
+              <a:t>,</a:t>
+            </a:r>
+            <a:r>
+              <a:rPr lang="en-US">
+                <a:solidFill>
+                  <a:srgbClr val="333333"/>
+                </a:solidFill>
+                <a:latin typeface="Consolas" panose="020B0609020204030204" pitchFamily="49" charset="0"/>
+              </a:rPr>
+              <a:t> train_instance_count</a:t>
+            </a:r>
+            <a:r>
+              <a:rPr lang="en-US">
+                <a:solidFill>
+                  <a:srgbClr val="A67F59"/>
+                </a:solidFill>
+                <a:latin typeface="Consolas" panose="020B0609020204030204" pitchFamily="49" charset="0"/>
+              </a:rPr>
+              <a:t>=</a:t>
+            </a:r>
+            <a:r>
+              <a:rPr lang="en-US">
+                <a:solidFill>
+                  <a:srgbClr val="C92C2C"/>
+                </a:solidFill>
+                <a:latin typeface="Consolas" panose="020B0609020204030204" pitchFamily="49" charset="0"/>
+              </a:rPr>
+              <a:t>1</a:t>
+            </a:r>
+            <a:r>
+              <a:rPr lang="en-US">
+                <a:solidFill>
+                  <a:srgbClr val="5F6364"/>
+                </a:solidFill>
+                <a:latin typeface="Consolas" panose="020B0609020204030204" pitchFamily="49" charset="0"/>
+              </a:rPr>
+              <a:t>,</a:t>
+            </a:r>
+            <a:r>
+              <a:rPr lang="en-US">
+                <a:solidFill>
+                  <a:srgbClr val="333333"/>
+                </a:solidFill>
+                <a:latin typeface="Consolas" panose="020B0609020204030204" pitchFamily="49" charset="0"/>
+              </a:rPr>
+              <a:t> train_instance_type</a:t>
+            </a:r>
+            <a:r>
+              <a:rPr lang="en-US">
+                <a:solidFill>
+                  <a:srgbClr val="A67F59"/>
+                </a:solidFill>
+                <a:latin typeface="Consolas" panose="020B0609020204030204" pitchFamily="49" charset="0"/>
+              </a:rPr>
+              <a:t>=</a:t>
+            </a:r>
+            <a:r>
+              <a:rPr lang="en-US">
+                <a:solidFill>
+                  <a:srgbClr val="2F9C0A"/>
+                </a:solidFill>
+                <a:latin typeface="Consolas" panose="020B0609020204030204" pitchFamily="49" charset="0"/>
+              </a:rPr>
+              <a:t>'ml.m4.xlarge'</a:t>
+            </a:r>
+            <a:r>
+              <a:rPr lang="en-US">
+                <a:solidFill>
+                  <a:srgbClr val="5F6364"/>
+                </a:solidFill>
+                <a:latin typeface="Consolas" panose="020B0609020204030204" pitchFamily="49" charset="0"/>
+              </a:rPr>
+              <a:t>,</a:t>
+            </a:r>
+            <a:r>
+              <a:rPr lang="en-US">
+                <a:solidFill>
+                  <a:srgbClr val="333333"/>
+                </a:solidFill>
+                <a:latin typeface="Consolas" panose="020B0609020204030204" pitchFamily="49" charset="0"/>
+              </a:rPr>
+              <a:t>output_path</a:t>
+            </a:r>
+            <a:r>
+              <a:rPr lang="en-US">
+                <a:solidFill>
+                  <a:srgbClr val="A67F59"/>
+                </a:solidFill>
+                <a:latin typeface="Consolas" panose="020B0609020204030204" pitchFamily="49" charset="0"/>
+              </a:rPr>
+              <a:t>=</a:t>
+            </a:r>
+            <a:r>
+              <a:rPr lang="en-US">
+                <a:solidFill>
+                  <a:srgbClr val="2F9C0A"/>
+                </a:solidFill>
+                <a:latin typeface="Consolas" panose="020B0609020204030204" pitchFamily="49" charset="0"/>
+              </a:rPr>
+              <a:t>'s3://{}/{}/output'</a:t>
+            </a:r>
+            <a:r>
+              <a:rPr lang="en-US">
+                <a:solidFill>
+                  <a:srgbClr val="5F6364"/>
+                </a:solidFill>
+                <a:latin typeface="Consolas" panose="020B0609020204030204" pitchFamily="49" charset="0"/>
+              </a:rPr>
+              <a:t>.</a:t>
+            </a:r>
+            <a:r>
+              <a:rPr lang="en-US">
+                <a:solidFill>
+                  <a:srgbClr val="333333"/>
+                </a:solidFill>
+                <a:latin typeface="Consolas" panose="020B0609020204030204" pitchFamily="49" charset="0"/>
+              </a:rPr>
+              <a:t>format</a:t>
+            </a:r>
+            <a:r>
+              <a:rPr lang="en-US">
+                <a:solidFill>
+                  <a:srgbClr val="5F6364"/>
+                </a:solidFill>
+                <a:latin typeface="Consolas" panose="020B0609020204030204" pitchFamily="49" charset="0"/>
+              </a:rPr>
+              <a:t>(</a:t>
+            </a:r>
+            <a:r>
+              <a:rPr lang="en-US">
+                <a:solidFill>
+                  <a:srgbClr val="333333"/>
+                </a:solidFill>
+                <a:latin typeface="Consolas" panose="020B0609020204030204" pitchFamily="49" charset="0"/>
+              </a:rPr>
+              <a:t>bucket_name</a:t>
+            </a:r>
+            <a:r>
+              <a:rPr lang="en-US">
+                <a:solidFill>
+                  <a:srgbClr val="5F6364"/>
+                </a:solidFill>
+                <a:latin typeface="Consolas" panose="020B0609020204030204" pitchFamily="49" charset="0"/>
+              </a:rPr>
+              <a:t>,</a:t>
+            </a:r>
+            <a:r>
+              <a:rPr lang="en-US">
+                <a:solidFill>
+                  <a:srgbClr val="333333"/>
+                </a:solidFill>
+                <a:latin typeface="Consolas" panose="020B0609020204030204" pitchFamily="49" charset="0"/>
+              </a:rPr>
+              <a:t> prefix</a:t>
+            </a:r>
+            <a:r>
+              <a:rPr lang="en-US">
+                <a:solidFill>
+                  <a:srgbClr val="5F6364"/>
+                </a:solidFill>
+                <a:latin typeface="Consolas" panose="020B0609020204030204" pitchFamily="49" charset="0"/>
+              </a:rPr>
+              <a:t>),</a:t>
+            </a:r>
+            <a:r>
+              <a:rPr lang="en-US">
+                <a:solidFill>
+                  <a:srgbClr val="333333"/>
+                </a:solidFill>
+                <a:latin typeface="Consolas" panose="020B0609020204030204" pitchFamily="49" charset="0"/>
+              </a:rPr>
+              <a:t>sagemaker_session</a:t>
+            </a:r>
+            <a:r>
+              <a:rPr lang="en-US">
+                <a:solidFill>
+                  <a:srgbClr val="A67F59"/>
+                </a:solidFill>
+                <a:latin typeface="Consolas" panose="020B0609020204030204" pitchFamily="49" charset="0"/>
+              </a:rPr>
+              <a:t>=</a:t>
+            </a:r>
+            <a:r>
+              <a:rPr lang="en-US">
+                <a:solidFill>
+                  <a:srgbClr val="333333"/>
+                </a:solidFill>
+                <a:latin typeface="Consolas" panose="020B0609020204030204" pitchFamily="49" charset="0"/>
+              </a:rPr>
+              <a:t>sess</a:t>
+            </a:r>
+            <a:r>
+              <a:rPr lang="en-US">
+                <a:solidFill>
+                  <a:srgbClr val="5F6364"/>
+                </a:solidFill>
+                <a:latin typeface="Consolas" panose="020B0609020204030204" pitchFamily="49" charset="0"/>
+              </a:rPr>
+              <a:t>)</a:t>
+            </a:r>
+            <a:r>
+              <a:rPr lang="en-US">
+                <a:solidFill>
+                  <a:srgbClr val="333333"/>
+                </a:solidFill>
+                <a:latin typeface="Consolas" panose="020B0609020204030204" pitchFamily="49" charset="0"/>
+              </a:rPr>
+              <a:t> xgb</a:t>
+            </a:r>
+            <a:r>
+              <a:rPr lang="en-US">
+                <a:solidFill>
+                  <a:srgbClr val="5F6364"/>
+                </a:solidFill>
+                <a:latin typeface="Consolas" panose="020B0609020204030204" pitchFamily="49" charset="0"/>
+              </a:rPr>
+              <a:t>.</a:t>
+            </a:r>
+            <a:r>
+              <a:rPr lang="en-US">
+                <a:solidFill>
+                  <a:srgbClr val="333333"/>
+                </a:solidFill>
+                <a:latin typeface="Consolas" panose="020B0609020204030204" pitchFamily="49" charset="0"/>
+              </a:rPr>
+              <a:t>set_hyperparameters</a:t>
+            </a:r>
+            <a:r>
+              <a:rPr lang="en-US">
+                <a:solidFill>
+                  <a:srgbClr val="5F6364"/>
+                </a:solidFill>
+                <a:latin typeface="Consolas" panose="020B0609020204030204" pitchFamily="49" charset="0"/>
+              </a:rPr>
+              <a:t>(</a:t>
+            </a:r>
+            <a:r>
+              <a:rPr lang="en-US">
+                <a:solidFill>
+                  <a:srgbClr val="333333"/>
+                </a:solidFill>
+                <a:latin typeface="Consolas" panose="020B0609020204030204" pitchFamily="49" charset="0"/>
+              </a:rPr>
+              <a:t>max_depth</a:t>
+            </a:r>
+            <a:r>
+              <a:rPr lang="en-US">
+                <a:solidFill>
+                  <a:srgbClr val="A67F59"/>
+                </a:solidFill>
+                <a:latin typeface="Consolas" panose="020B0609020204030204" pitchFamily="49" charset="0"/>
+              </a:rPr>
+              <a:t>=</a:t>
+            </a:r>
+            <a:r>
+              <a:rPr lang="en-US">
+                <a:solidFill>
+                  <a:srgbClr val="C92C2C"/>
+                </a:solidFill>
+                <a:latin typeface="Consolas" panose="020B0609020204030204" pitchFamily="49" charset="0"/>
+              </a:rPr>
+              <a:t>5</a:t>
+            </a:r>
+            <a:r>
+              <a:rPr lang="en-US">
+                <a:solidFill>
+                  <a:srgbClr val="5F6364"/>
+                </a:solidFill>
+                <a:latin typeface="Consolas" panose="020B0609020204030204" pitchFamily="49" charset="0"/>
+              </a:rPr>
+              <a:t>,</a:t>
+            </a:r>
+            <a:r>
+              <a:rPr lang="en-US">
+                <a:solidFill>
+                  <a:srgbClr val="333333"/>
+                </a:solidFill>
+                <a:latin typeface="Consolas" panose="020B0609020204030204" pitchFamily="49" charset="0"/>
+              </a:rPr>
+              <a:t>eta</a:t>
+            </a:r>
+            <a:r>
+              <a:rPr lang="en-US">
+                <a:solidFill>
+                  <a:srgbClr val="A67F59"/>
+                </a:solidFill>
+                <a:latin typeface="Consolas" panose="020B0609020204030204" pitchFamily="49" charset="0"/>
+              </a:rPr>
+              <a:t>=</a:t>
+            </a:r>
+            <a:r>
+              <a:rPr lang="en-US">
+                <a:solidFill>
+                  <a:srgbClr val="C92C2C"/>
+                </a:solidFill>
+                <a:latin typeface="Consolas" panose="020B0609020204030204" pitchFamily="49" charset="0"/>
+              </a:rPr>
+              <a:t>0.2</a:t>
+            </a:r>
+            <a:r>
+              <a:rPr lang="en-US">
+                <a:solidFill>
+                  <a:srgbClr val="5F6364"/>
+                </a:solidFill>
+                <a:latin typeface="Consolas" panose="020B0609020204030204" pitchFamily="49" charset="0"/>
+              </a:rPr>
+              <a:t>,</a:t>
+            </a:r>
+            <a:r>
+              <a:rPr lang="en-US">
+                <a:solidFill>
+                  <a:srgbClr val="333333"/>
+                </a:solidFill>
+                <a:latin typeface="Consolas" panose="020B0609020204030204" pitchFamily="49" charset="0"/>
+              </a:rPr>
+              <a:t>gamma</a:t>
+            </a:r>
+            <a:r>
+              <a:rPr lang="en-US">
+                <a:solidFill>
+                  <a:srgbClr val="A67F59"/>
+                </a:solidFill>
+                <a:latin typeface="Consolas" panose="020B0609020204030204" pitchFamily="49" charset="0"/>
+              </a:rPr>
+              <a:t>=</a:t>
+            </a:r>
+            <a:r>
+              <a:rPr lang="en-US">
+                <a:solidFill>
+                  <a:srgbClr val="C92C2C"/>
+                </a:solidFill>
+                <a:latin typeface="Consolas" panose="020B0609020204030204" pitchFamily="49" charset="0"/>
+              </a:rPr>
+              <a:t>4</a:t>
+            </a:r>
+            <a:r>
+              <a:rPr lang="en-US">
+                <a:solidFill>
+                  <a:srgbClr val="5F6364"/>
+                </a:solidFill>
+                <a:latin typeface="Consolas" panose="020B0609020204030204" pitchFamily="49" charset="0"/>
+              </a:rPr>
+              <a:t>,</a:t>
+            </a:r>
+            <a:r>
+              <a:rPr lang="en-US">
+                <a:solidFill>
+                  <a:srgbClr val="333333"/>
+                </a:solidFill>
+                <a:latin typeface="Consolas" panose="020B0609020204030204" pitchFamily="49" charset="0"/>
+              </a:rPr>
+              <a:t>min_child_weight</a:t>
+            </a:r>
+            <a:r>
+              <a:rPr lang="en-US">
+                <a:solidFill>
+                  <a:srgbClr val="A67F59"/>
+                </a:solidFill>
+                <a:latin typeface="Consolas" panose="020B0609020204030204" pitchFamily="49" charset="0"/>
+              </a:rPr>
+              <a:t>=</a:t>
+            </a:r>
+            <a:r>
+              <a:rPr lang="en-US">
+                <a:solidFill>
+                  <a:srgbClr val="C92C2C"/>
+                </a:solidFill>
+                <a:latin typeface="Consolas" panose="020B0609020204030204" pitchFamily="49" charset="0"/>
+              </a:rPr>
+              <a:t>6</a:t>
+            </a:r>
+            <a:r>
+              <a:rPr lang="en-US">
+                <a:solidFill>
+                  <a:srgbClr val="5F6364"/>
+                </a:solidFill>
+                <a:latin typeface="Consolas" panose="020B0609020204030204" pitchFamily="49" charset="0"/>
+              </a:rPr>
+              <a:t>,</a:t>
+            </a:r>
+            <a:r>
+              <a:rPr lang="en-US">
+                <a:solidFill>
+                  <a:srgbClr val="333333"/>
+                </a:solidFill>
+                <a:latin typeface="Consolas" panose="020B0609020204030204" pitchFamily="49" charset="0"/>
+              </a:rPr>
+              <a:t>subsample</a:t>
+            </a:r>
+            <a:r>
+              <a:rPr lang="en-US">
+                <a:solidFill>
+                  <a:srgbClr val="A67F59"/>
+                </a:solidFill>
+                <a:latin typeface="Consolas" panose="020B0609020204030204" pitchFamily="49" charset="0"/>
+              </a:rPr>
+              <a:t>=</a:t>
+            </a:r>
+            <a:r>
+              <a:rPr lang="en-US">
+                <a:solidFill>
+                  <a:srgbClr val="C92C2C"/>
+                </a:solidFill>
+                <a:latin typeface="Consolas" panose="020B0609020204030204" pitchFamily="49" charset="0"/>
+              </a:rPr>
+              <a:t>0.8</a:t>
+            </a:r>
+            <a:r>
+              <a:rPr lang="en-US">
+                <a:solidFill>
+                  <a:srgbClr val="5F6364"/>
+                </a:solidFill>
+                <a:latin typeface="Consolas" panose="020B0609020204030204" pitchFamily="49" charset="0"/>
+              </a:rPr>
+              <a:t>,</a:t>
+            </a:r>
+            <a:r>
+              <a:rPr lang="en-US">
+                <a:solidFill>
+                  <a:srgbClr val="333333"/>
+                </a:solidFill>
+                <a:latin typeface="Consolas" panose="020B0609020204030204" pitchFamily="49" charset="0"/>
+              </a:rPr>
+              <a:t>silent</a:t>
+            </a:r>
+            <a:r>
+              <a:rPr lang="en-US">
+                <a:solidFill>
+                  <a:srgbClr val="A67F59"/>
+                </a:solidFill>
+                <a:latin typeface="Consolas" panose="020B0609020204030204" pitchFamily="49" charset="0"/>
+              </a:rPr>
+              <a:t>=</a:t>
+            </a:r>
+            <a:r>
+              <a:rPr lang="en-US">
+                <a:solidFill>
+                  <a:srgbClr val="C92C2C"/>
+                </a:solidFill>
+                <a:latin typeface="Consolas" panose="020B0609020204030204" pitchFamily="49" charset="0"/>
+              </a:rPr>
+              <a:t>0</a:t>
+            </a:r>
+            <a:r>
+              <a:rPr lang="en-US">
+                <a:solidFill>
+                  <a:srgbClr val="5F6364"/>
+                </a:solidFill>
+                <a:latin typeface="Consolas" panose="020B0609020204030204" pitchFamily="49" charset="0"/>
+              </a:rPr>
+              <a:t>,</a:t>
+            </a:r>
+            <a:r>
+              <a:rPr lang="en-US">
+                <a:solidFill>
+                  <a:srgbClr val="333333"/>
+                </a:solidFill>
+                <a:latin typeface="Consolas" panose="020B0609020204030204" pitchFamily="49" charset="0"/>
+              </a:rPr>
+              <a:t>objective</a:t>
+            </a:r>
+            <a:r>
+              <a:rPr lang="en-US">
+                <a:solidFill>
+                  <a:srgbClr val="A67F59"/>
+                </a:solidFill>
+                <a:latin typeface="Consolas" panose="020B0609020204030204" pitchFamily="49" charset="0"/>
+              </a:rPr>
+              <a:t>=</a:t>
+            </a:r>
+            <a:r>
+              <a:rPr lang="en-US">
+                <a:solidFill>
+                  <a:srgbClr val="2F9C0A"/>
+                </a:solidFill>
+                <a:latin typeface="Consolas" panose="020B0609020204030204" pitchFamily="49" charset="0"/>
+              </a:rPr>
+              <a:t>'binary:logistic'</a:t>
+            </a:r>
+            <a:r>
+              <a:rPr lang="en-US">
+                <a:solidFill>
+                  <a:srgbClr val="5F6364"/>
+                </a:solidFill>
+                <a:latin typeface="Consolas" panose="020B0609020204030204" pitchFamily="49" charset="0"/>
+              </a:rPr>
+              <a:t>,</a:t>
+            </a:r>
+            <a:r>
+              <a:rPr lang="en-US">
+                <a:solidFill>
+                  <a:srgbClr val="333333"/>
+                </a:solidFill>
+                <a:latin typeface="Consolas" panose="020B0609020204030204" pitchFamily="49" charset="0"/>
+              </a:rPr>
+              <a:t>num_round</a:t>
+            </a:r>
+            <a:r>
+              <a:rPr lang="en-US">
+                <a:solidFill>
+                  <a:srgbClr val="A67F59"/>
+                </a:solidFill>
+                <a:latin typeface="Consolas" panose="020B0609020204030204" pitchFamily="49" charset="0"/>
+              </a:rPr>
+              <a:t>=</a:t>
+            </a:r>
+            <a:r>
+              <a:rPr lang="en-US">
+                <a:solidFill>
+                  <a:srgbClr val="C92C2C"/>
+                </a:solidFill>
+                <a:latin typeface="Consolas" panose="020B0609020204030204" pitchFamily="49" charset="0"/>
+              </a:rPr>
+              <a:t>100</a:t>
+            </a:r>
+            <a:r>
+              <a:rPr lang="en-US">
+                <a:solidFill>
+                  <a:srgbClr val="5F6364"/>
+                </a:solidFill>
+                <a:latin typeface="Consolas" panose="020B0609020204030204" pitchFamily="49" charset="0"/>
+              </a:rPr>
+              <a:t>)</a:t>
+            </a:r>
+            <a:endParaRPr lang="en-US"/>
+          </a:p>
+        </p:txBody>
+      </p:sp>
+      <p:sp>
+        <p:nvSpPr>
+          <p:cNvPr id="5" name="Rectangle 4"/>
+          <p:cNvSpPr/>
+          <p:nvPr/>
+        </p:nvSpPr>
+        <p:spPr>
+          <a:xfrm>
+            <a:off x="707039" y="5247306"/>
+            <a:ext cx="4490332" cy="369332"/>
+          </a:xfrm>
+          <a:prstGeom prst="rect">
+            <a:avLst/>
+          </a:prstGeom>
+        </p:spPr>
+        <p:txBody>
+          <a:bodyPr wrap="none">
+            <a:spAutoFit/>
+          </a:bodyPr>
+          <a:lstStyle/>
+          <a:p>
+            <a:r>
+              <a:rPr lang="en-US">
+                <a:solidFill>
+                  <a:srgbClr val="333333"/>
+                </a:solidFill>
+                <a:latin typeface="Consolas" panose="020B0609020204030204" pitchFamily="49" charset="0"/>
+              </a:rPr>
+              <a:t>xgb</a:t>
+            </a:r>
+            <a:r>
+              <a:rPr lang="en-US">
+                <a:solidFill>
+                  <a:srgbClr val="5F6364"/>
+                </a:solidFill>
+                <a:latin typeface="Consolas" panose="020B0609020204030204" pitchFamily="49" charset="0"/>
+              </a:rPr>
+              <a:t>.</a:t>
+            </a:r>
+            <a:r>
+              <a:rPr lang="en-US">
+                <a:solidFill>
+                  <a:srgbClr val="333333"/>
+                </a:solidFill>
+                <a:latin typeface="Consolas" panose="020B0609020204030204" pitchFamily="49" charset="0"/>
+              </a:rPr>
+              <a:t>fit</a:t>
+            </a:r>
+            <a:r>
+              <a:rPr lang="en-US">
+                <a:solidFill>
+                  <a:srgbClr val="5F6364"/>
+                </a:solidFill>
+                <a:latin typeface="Consolas" panose="020B0609020204030204" pitchFamily="49" charset="0"/>
+              </a:rPr>
+              <a:t>({</a:t>
+            </a:r>
+            <a:r>
+              <a:rPr lang="en-US">
+                <a:solidFill>
+                  <a:srgbClr val="2F9C0A"/>
+                </a:solidFill>
+                <a:latin typeface="Consolas" panose="020B0609020204030204" pitchFamily="49" charset="0"/>
+              </a:rPr>
+              <a:t>'train'</a:t>
+            </a:r>
+            <a:r>
+              <a:rPr lang="en-US">
+                <a:solidFill>
+                  <a:srgbClr val="5F6364"/>
+                </a:solidFill>
+                <a:latin typeface="Consolas" panose="020B0609020204030204" pitchFamily="49" charset="0"/>
+              </a:rPr>
+              <a:t>:</a:t>
+            </a:r>
+            <a:r>
+              <a:rPr lang="en-US">
+                <a:solidFill>
+                  <a:srgbClr val="333333"/>
+                </a:solidFill>
+                <a:latin typeface="Consolas" panose="020B0609020204030204" pitchFamily="49" charset="0"/>
+              </a:rPr>
+              <a:t> s3_input_train</a:t>
+            </a:r>
+            <a:r>
+              <a:rPr lang="en-US">
+                <a:solidFill>
+                  <a:srgbClr val="5F6364"/>
+                </a:solidFill>
+                <a:latin typeface="Consolas" panose="020B0609020204030204" pitchFamily="49" charset="0"/>
+              </a:rPr>
+              <a:t>})</a:t>
             </a:r>
             <a:endParaRPr lang="en-US"/>
           </a:p>
@@ -5163,7 +8321,7 @@
     </p:spTree>
     <p:extLst>
       <p:ext uri="{BB962C8B-B14F-4D97-AF65-F5344CB8AC3E}">
-        <p14:creationId xmlns:p14="http://schemas.microsoft.com/office/powerpoint/2010/main" val="2453165832"/>
+        <p14:creationId xmlns:p14="http://schemas.microsoft.com/office/powerpoint/2010/main" val="3779245016"/>
       </p:ext>
     </p:extLst>
   </p:cSld>
@@ -5192,7 +8350,7 @@
       </p:grpSpPr>
       <p:sp>
         <p:nvSpPr>
-          <p:cNvPr id="2" name="Title 1"/>
+          <p:cNvPr id="4" name="Title 3"/>
           <p:cNvSpPr>
             <a:spLocks noGrp="1"/>
           </p:cNvSpPr>
@@ -5207,30 +8365,838 @@
           <a:p>
             <a:r>
               <a:rPr lang="en-US" smtClean="0"/>
-              <a:t>Hyperparameter tuning job</a:t>
-            </a:r>
-            <a:endParaRPr lang="en-US"/>
-          </a:p>
-        </p:txBody>
-      </p:sp>
-      <p:sp>
-        <p:nvSpPr>
-          <p:cNvPr id="3" name="Content Placeholder 2"/>
-          <p:cNvSpPr>
-            <a:spLocks noGrp="1"/>
-          </p:cNvSpPr>
-          <p:nvPr>
-            <p:ph idx="1"/>
-          </p:nvPr>
-        </p:nvSpPr>
-        <p:spPr/>
-        <p:txBody>
-          <a:bodyPr/>
-          <a:lstStyle/>
-          <a:p>
-            <a:r>
-              <a:rPr lang="en-US" smtClean="0"/>
-              <a:t>Jobname</a:t>
+              <a:t>Deploy and infer</a:t>
+            </a:r>
+            <a:endParaRPr lang="en-US"/>
+          </a:p>
+        </p:txBody>
+      </p:sp>
+      <p:sp>
+        <p:nvSpPr>
+          <p:cNvPr id="3" name="Rectangle 2"/>
+          <p:cNvSpPr/>
+          <p:nvPr/>
+        </p:nvSpPr>
+        <p:spPr>
+          <a:xfrm>
+            <a:off x="5477692" y="1517971"/>
+            <a:ext cx="6096000" cy="646331"/>
+          </a:xfrm>
+          <a:prstGeom prst="rect">
+            <a:avLst/>
+          </a:prstGeom>
+        </p:spPr>
+        <p:txBody>
+          <a:bodyPr>
+            <a:spAutoFit/>
+          </a:bodyPr>
+          <a:lstStyle/>
+          <a:p>
+            <a:r>
+              <a:rPr lang="en-US"/>
+              <a:t>Deploy: instance type and endpoint </a:t>
+            </a:r>
+            <a:r>
+              <a:rPr lang="en-US">
+                <a:sym typeface="Wingdings" panose="05000000000000000000" pitchFamily="2" charset="2"/>
+              </a:rPr>
+              <a:t> return predictor</a:t>
+            </a:r>
+          </a:p>
+          <a:p>
+            <a:r>
+              <a:rPr lang="en-US">
+                <a:sym typeface="Wingdings" panose="05000000000000000000" pitchFamily="2" charset="2"/>
+              </a:rPr>
+              <a:t>Use predictor to infer </a:t>
+            </a:r>
+            <a:endParaRPr lang="en-US"/>
+          </a:p>
+        </p:txBody>
+      </p:sp>
+      <p:sp>
+        <p:nvSpPr>
+          <p:cNvPr id="6" name="Rectangle 5"/>
+          <p:cNvSpPr/>
+          <p:nvPr/>
+        </p:nvSpPr>
+        <p:spPr>
+          <a:xfrm>
+            <a:off x="1062446" y="2558032"/>
+            <a:ext cx="9849394" cy="646331"/>
+          </a:xfrm>
+          <a:prstGeom prst="rect">
+            <a:avLst/>
+          </a:prstGeom>
+        </p:spPr>
+        <p:txBody>
+          <a:bodyPr wrap="square">
+            <a:spAutoFit/>
+          </a:bodyPr>
+          <a:lstStyle/>
+          <a:p>
+            <a:r>
+              <a:rPr lang="en-US">
+                <a:solidFill>
+                  <a:srgbClr val="333333"/>
+                </a:solidFill>
+                <a:latin typeface="Consolas" panose="020B0609020204030204" pitchFamily="49" charset="0"/>
+              </a:rPr>
+              <a:t>xgb_predictor </a:t>
+            </a:r>
+            <a:r>
+              <a:rPr lang="en-US">
+                <a:solidFill>
+                  <a:srgbClr val="A67F59"/>
+                </a:solidFill>
+                <a:latin typeface="Consolas" panose="020B0609020204030204" pitchFamily="49" charset="0"/>
+              </a:rPr>
+              <a:t>=</a:t>
+            </a:r>
+            <a:r>
+              <a:rPr lang="en-US">
+                <a:solidFill>
+                  <a:srgbClr val="333333"/>
+                </a:solidFill>
+                <a:latin typeface="Consolas" panose="020B0609020204030204" pitchFamily="49" charset="0"/>
+              </a:rPr>
+              <a:t> xgb</a:t>
+            </a:r>
+            <a:r>
+              <a:rPr lang="en-US">
+                <a:solidFill>
+                  <a:srgbClr val="5F6364"/>
+                </a:solidFill>
+                <a:latin typeface="Consolas" panose="020B0609020204030204" pitchFamily="49" charset="0"/>
+              </a:rPr>
+              <a:t>.</a:t>
+            </a:r>
+            <a:r>
+              <a:rPr lang="en-US">
+                <a:solidFill>
+                  <a:srgbClr val="333333"/>
+                </a:solidFill>
+                <a:latin typeface="Consolas" panose="020B0609020204030204" pitchFamily="49" charset="0"/>
+              </a:rPr>
+              <a:t>deploy</a:t>
+            </a:r>
+            <a:r>
+              <a:rPr lang="en-US">
+                <a:solidFill>
+                  <a:srgbClr val="5F6364"/>
+                </a:solidFill>
+                <a:latin typeface="Consolas" panose="020B0609020204030204" pitchFamily="49" charset="0"/>
+              </a:rPr>
+              <a:t>(</a:t>
+            </a:r>
+            <a:r>
+              <a:rPr lang="en-US">
+                <a:solidFill>
+                  <a:srgbClr val="333333"/>
+                </a:solidFill>
+                <a:latin typeface="Consolas" panose="020B0609020204030204" pitchFamily="49" charset="0"/>
+              </a:rPr>
+              <a:t>initial_instance_count</a:t>
+            </a:r>
+            <a:r>
+              <a:rPr lang="en-US">
+                <a:solidFill>
+                  <a:srgbClr val="A67F59"/>
+                </a:solidFill>
+                <a:latin typeface="Consolas" panose="020B0609020204030204" pitchFamily="49" charset="0"/>
+              </a:rPr>
+              <a:t>=</a:t>
+            </a:r>
+            <a:r>
+              <a:rPr lang="en-US">
+                <a:solidFill>
+                  <a:srgbClr val="C92C2C"/>
+                </a:solidFill>
+                <a:latin typeface="Consolas" panose="020B0609020204030204" pitchFamily="49" charset="0"/>
+              </a:rPr>
+              <a:t>1</a:t>
+            </a:r>
+            <a:r>
+              <a:rPr lang="en-US">
+                <a:solidFill>
+                  <a:srgbClr val="5F6364"/>
+                </a:solidFill>
+                <a:latin typeface="Consolas" panose="020B0609020204030204" pitchFamily="49" charset="0"/>
+              </a:rPr>
+              <a:t>,</a:t>
+            </a:r>
+            <a:r>
+              <a:rPr lang="en-US">
+                <a:solidFill>
+                  <a:srgbClr val="333333"/>
+                </a:solidFill>
+                <a:latin typeface="Consolas" panose="020B0609020204030204" pitchFamily="49" charset="0"/>
+              </a:rPr>
+              <a:t>instance_type</a:t>
+            </a:r>
+            <a:r>
+              <a:rPr lang="en-US">
+                <a:solidFill>
+                  <a:srgbClr val="A67F59"/>
+                </a:solidFill>
+                <a:latin typeface="Consolas" panose="020B0609020204030204" pitchFamily="49" charset="0"/>
+              </a:rPr>
+              <a:t>=</a:t>
+            </a:r>
+            <a:r>
+              <a:rPr lang="en-US">
+                <a:solidFill>
+                  <a:srgbClr val="2F9C0A"/>
+                </a:solidFill>
+                <a:latin typeface="Consolas" panose="020B0609020204030204" pitchFamily="49" charset="0"/>
+              </a:rPr>
+              <a:t>'ml.m4.xlarge'</a:t>
+            </a:r>
+            <a:r>
+              <a:rPr lang="en-US">
+                <a:solidFill>
+                  <a:srgbClr val="5F6364"/>
+                </a:solidFill>
+                <a:latin typeface="Consolas" panose="020B0609020204030204" pitchFamily="49" charset="0"/>
+              </a:rPr>
+              <a:t>)</a:t>
+            </a:r>
+            <a:endParaRPr lang="en-US"/>
+          </a:p>
+        </p:txBody>
+      </p:sp>
+      <p:sp>
+        <p:nvSpPr>
+          <p:cNvPr id="7" name="Rectangle 6"/>
+          <p:cNvSpPr/>
+          <p:nvPr/>
+        </p:nvSpPr>
+        <p:spPr>
+          <a:xfrm>
+            <a:off x="1062445" y="3505260"/>
+            <a:ext cx="10650583" cy="1754326"/>
+          </a:xfrm>
+          <a:prstGeom prst="rect">
+            <a:avLst/>
+          </a:prstGeom>
+        </p:spPr>
+        <p:txBody>
+          <a:bodyPr wrap="square">
+            <a:spAutoFit/>
+          </a:bodyPr>
+          <a:lstStyle/>
+          <a:p>
+            <a:r>
+              <a:rPr lang="en-US">
+                <a:solidFill>
+                  <a:srgbClr val="333333"/>
+                </a:solidFill>
+                <a:latin typeface="Consolas" panose="020B0609020204030204" pitchFamily="49" charset="0"/>
+              </a:rPr>
+              <a:t>test_data_array </a:t>
+            </a:r>
+            <a:r>
+              <a:rPr lang="en-US">
+                <a:solidFill>
+                  <a:srgbClr val="A67F59"/>
+                </a:solidFill>
+                <a:latin typeface="Consolas" panose="020B0609020204030204" pitchFamily="49" charset="0"/>
+              </a:rPr>
+              <a:t>=</a:t>
+            </a:r>
+            <a:r>
+              <a:rPr lang="en-US">
+                <a:solidFill>
+                  <a:srgbClr val="333333"/>
+                </a:solidFill>
+                <a:latin typeface="Consolas" panose="020B0609020204030204" pitchFamily="49" charset="0"/>
+              </a:rPr>
+              <a:t> test_data</a:t>
+            </a:r>
+            <a:r>
+              <a:rPr lang="en-US">
+                <a:solidFill>
+                  <a:srgbClr val="5F6364"/>
+                </a:solidFill>
+                <a:latin typeface="Consolas" panose="020B0609020204030204" pitchFamily="49" charset="0"/>
+              </a:rPr>
+              <a:t>.</a:t>
+            </a:r>
+            <a:r>
+              <a:rPr lang="en-US">
+                <a:solidFill>
+                  <a:srgbClr val="333333"/>
+                </a:solidFill>
+                <a:latin typeface="Consolas" panose="020B0609020204030204" pitchFamily="49" charset="0"/>
+              </a:rPr>
+              <a:t>drop</a:t>
+            </a:r>
+            <a:r>
+              <a:rPr lang="en-US">
+                <a:solidFill>
+                  <a:srgbClr val="5F6364"/>
+                </a:solidFill>
+                <a:latin typeface="Consolas" panose="020B0609020204030204" pitchFamily="49" charset="0"/>
+              </a:rPr>
+              <a:t>([</a:t>
+            </a:r>
+            <a:r>
+              <a:rPr lang="en-US">
+                <a:solidFill>
+                  <a:srgbClr val="2F9C0A"/>
+                </a:solidFill>
+                <a:latin typeface="Consolas" panose="020B0609020204030204" pitchFamily="49" charset="0"/>
+              </a:rPr>
+              <a:t>'y_no'</a:t>
+            </a:r>
+            <a:r>
+              <a:rPr lang="en-US">
+                <a:solidFill>
+                  <a:srgbClr val="5F6364"/>
+                </a:solidFill>
+                <a:latin typeface="Consolas" panose="020B0609020204030204" pitchFamily="49" charset="0"/>
+              </a:rPr>
+              <a:t>,</a:t>
+            </a:r>
+            <a:r>
+              <a:rPr lang="en-US">
+                <a:solidFill>
+                  <a:srgbClr val="333333"/>
+                </a:solidFill>
+                <a:latin typeface="Consolas" panose="020B0609020204030204" pitchFamily="49" charset="0"/>
+              </a:rPr>
+              <a:t> </a:t>
+            </a:r>
+            <a:r>
+              <a:rPr lang="en-US">
+                <a:solidFill>
+                  <a:srgbClr val="2F9C0A"/>
+                </a:solidFill>
+                <a:latin typeface="Consolas" panose="020B0609020204030204" pitchFamily="49" charset="0"/>
+              </a:rPr>
+              <a:t>'y_yes'</a:t>
+            </a:r>
+            <a:r>
+              <a:rPr lang="en-US">
+                <a:solidFill>
+                  <a:srgbClr val="5F6364"/>
+                </a:solidFill>
+                <a:latin typeface="Consolas" panose="020B0609020204030204" pitchFamily="49" charset="0"/>
+              </a:rPr>
+              <a:t>],</a:t>
+            </a:r>
+            <a:r>
+              <a:rPr lang="en-US">
+                <a:solidFill>
+                  <a:srgbClr val="333333"/>
+                </a:solidFill>
+                <a:latin typeface="Consolas" panose="020B0609020204030204" pitchFamily="49" charset="0"/>
+              </a:rPr>
+              <a:t> axis</a:t>
+            </a:r>
+            <a:r>
+              <a:rPr lang="en-US">
+                <a:solidFill>
+                  <a:srgbClr val="A67F59"/>
+                </a:solidFill>
+                <a:latin typeface="Consolas" panose="020B0609020204030204" pitchFamily="49" charset="0"/>
+              </a:rPr>
+              <a:t>=</a:t>
+            </a:r>
+            <a:r>
+              <a:rPr lang="en-US">
+                <a:solidFill>
+                  <a:srgbClr val="C92C2C"/>
+                </a:solidFill>
+                <a:latin typeface="Consolas" panose="020B0609020204030204" pitchFamily="49" charset="0"/>
+              </a:rPr>
+              <a:t>1</a:t>
+            </a:r>
+            <a:r>
+              <a:rPr lang="en-US">
+                <a:solidFill>
+                  <a:srgbClr val="5F6364"/>
+                </a:solidFill>
+                <a:latin typeface="Consolas" panose="020B0609020204030204" pitchFamily="49" charset="0"/>
+              </a:rPr>
+              <a:t>).</a:t>
+            </a:r>
+            <a:r>
+              <a:rPr lang="en-US">
+                <a:solidFill>
+                  <a:srgbClr val="333333"/>
+                </a:solidFill>
+                <a:latin typeface="Consolas" panose="020B0609020204030204" pitchFamily="49" charset="0"/>
+              </a:rPr>
+              <a:t>values </a:t>
+            </a:r>
+            <a:r>
+              <a:rPr lang="en-US">
+                <a:solidFill>
+                  <a:srgbClr val="7D8B99"/>
+                </a:solidFill>
+                <a:latin typeface="Consolas" panose="020B0609020204030204" pitchFamily="49" charset="0"/>
+              </a:rPr>
+              <a:t>#load the data into an array</a:t>
+            </a:r>
+            <a:r>
+              <a:rPr lang="en-US">
+                <a:solidFill>
+                  <a:srgbClr val="333333"/>
+                </a:solidFill>
+                <a:latin typeface="Consolas" panose="020B0609020204030204" pitchFamily="49" charset="0"/>
+              </a:rPr>
+              <a:t> xgb_predictor</a:t>
+            </a:r>
+            <a:r>
+              <a:rPr lang="en-US">
+                <a:solidFill>
+                  <a:srgbClr val="5F6364"/>
+                </a:solidFill>
+                <a:latin typeface="Consolas" panose="020B0609020204030204" pitchFamily="49" charset="0"/>
+              </a:rPr>
+              <a:t>.</a:t>
+            </a:r>
+            <a:r>
+              <a:rPr lang="en-US">
+                <a:solidFill>
+                  <a:srgbClr val="333333"/>
+                </a:solidFill>
+                <a:latin typeface="Consolas" panose="020B0609020204030204" pitchFamily="49" charset="0"/>
+              </a:rPr>
+              <a:t>content_type </a:t>
+            </a:r>
+            <a:r>
+              <a:rPr lang="en-US">
+                <a:solidFill>
+                  <a:srgbClr val="A67F59"/>
+                </a:solidFill>
+                <a:latin typeface="Consolas" panose="020B0609020204030204" pitchFamily="49" charset="0"/>
+              </a:rPr>
+              <a:t>=</a:t>
+            </a:r>
+            <a:r>
+              <a:rPr lang="en-US">
+                <a:solidFill>
+                  <a:srgbClr val="333333"/>
+                </a:solidFill>
+                <a:latin typeface="Consolas" panose="020B0609020204030204" pitchFamily="49" charset="0"/>
+              </a:rPr>
+              <a:t> </a:t>
+            </a:r>
+            <a:r>
+              <a:rPr lang="en-US">
+                <a:solidFill>
+                  <a:srgbClr val="2F9C0A"/>
+                </a:solidFill>
+                <a:latin typeface="Consolas" panose="020B0609020204030204" pitchFamily="49" charset="0"/>
+              </a:rPr>
+              <a:t>'text/csv'</a:t>
+            </a:r>
+            <a:r>
+              <a:rPr lang="en-US">
+                <a:solidFill>
+                  <a:srgbClr val="333333"/>
+                </a:solidFill>
+                <a:latin typeface="Consolas" panose="020B0609020204030204" pitchFamily="49" charset="0"/>
+              </a:rPr>
+              <a:t> </a:t>
+            </a:r>
+            <a:r>
+              <a:rPr lang="en-US">
+                <a:solidFill>
+                  <a:srgbClr val="7D8B99"/>
+                </a:solidFill>
+                <a:latin typeface="Consolas" panose="020B0609020204030204" pitchFamily="49" charset="0"/>
+              </a:rPr>
+              <a:t># set the data type for an inference</a:t>
+            </a:r>
+            <a:r>
+              <a:rPr lang="en-US">
+                <a:solidFill>
+                  <a:srgbClr val="333333"/>
+                </a:solidFill>
+                <a:latin typeface="Consolas" panose="020B0609020204030204" pitchFamily="49" charset="0"/>
+              </a:rPr>
+              <a:t> xgb_predictor</a:t>
+            </a:r>
+            <a:r>
+              <a:rPr lang="en-US">
+                <a:solidFill>
+                  <a:srgbClr val="5F6364"/>
+                </a:solidFill>
+                <a:latin typeface="Consolas" panose="020B0609020204030204" pitchFamily="49" charset="0"/>
+              </a:rPr>
+              <a:t>.</a:t>
+            </a:r>
+            <a:r>
+              <a:rPr lang="en-US">
+                <a:solidFill>
+                  <a:srgbClr val="333333"/>
+                </a:solidFill>
+                <a:latin typeface="Consolas" panose="020B0609020204030204" pitchFamily="49" charset="0"/>
+              </a:rPr>
+              <a:t>serializer </a:t>
+            </a:r>
+            <a:r>
+              <a:rPr lang="en-US">
+                <a:solidFill>
+                  <a:srgbClr val="A67F59"/>
+                </a:solidFill>
+                <a:latin typeface="Consolas" panose="020B0609020204030204" pitchFamily="49" charset="0"/>
+              </a:rPr>
+              <a:t>=</a:t>
+            </a:r>
+            <a:r>
+              <a:rPr lang="en-US">
+                <a:solidFill>
+                  <a:srgbClr val="333333"/>
+                </a:solidFill>
+                <a:latin typeface="Consolas" panose="020B0609020204030204" pitchFamily="49" charset="0"/>
+              </a:rPr>
+              <a:t> csv_serializer </a:t>
+            </a:r>
+            <a:r>
+              <a:rPr lang="en-US">
+                <a:solidFill>
+                  <a:srgbClr val="7D8B99"/>
+                </a:solidFill>
+                <a:latin typeface="Consolas" panose="020B0609020204030204" pitchFamily="49" charset="0"/>
+              </a:rPr>
+              <a:t># set the serializer type</a:t>
+            </a:r>
+            <a:r>
+              <a:rPr lang="en-US">
+                <a:solidFill>
+                  <a:srgbClr val="333333"/>
+                </a:solidFill>
+                <a:latin typeface="Consolas" panose="020B0609020204030204" pitchFamily="49" charset="0"/>
+              </a:rPr>
+              <a:t> predictions </a:t>
+            </a:r>
+            <a:r>
+              <a:rPr lang="en-US">
+                <a:solidFill>
+                  <a:srgbClr val="A67F59"/>
+                </a:solidFill>
+                <a:latin typeface="Consolas" panose="020B0609020204030204" pitchFamily="49" charset="0"/>
+              </a:rPr>
+              <a:t>=</a:t>
+            </a:r>
+            <a:r>
+              <a:rPr lang="en-US">
+                <a:solidFill>
+                  <a:srgbClr val="333333"/>
+                </a:solidFill>
+                <a:latin typeface="Consolas" panose="020B0609020204030204" pitchFamily="49" charset="0"/>
+              </a:rPr>
+              <a:t> xgb_predictor</a:t>
+            </a:r>
+            <a:r>
+              <a:rPr lang="en-US">
+                <a:solidFill>
+                  <a:srgbClr val="5F6364"/>
+                </a:solidFill>
+                <a:latin typeface="Consolas" panose="020B0609020204030204" pitchFamily="49" charset="0"/>
+              </a:rPr>
+              <a:t>.</a:t>
+            </a:r>
+            <a:r>
+              <a:rPr lang="en-US">
+                <a:solidFill>
+                  <a:srgbClr val="333333"/>
+                </a:solidFill>
+                <a:latin typeface="Consolas" panose="020B0609020204030204" pitchFamily="49" charset="0"/>
+              </a:rPr>
+              <a:t>predict</a:t>
+            </a:r>
+            <a:r>
+              <a:rPr lang="en-US">
+                <a:solidFill>
+                  <a:srgbClr val="5F6364"/>
+                </a:solidFill>
+                <a:latin typeface="Consolas" panose="020B0609020204030204" pitchFamily="49" charset="0"/>
+              </a:rPr>
+              <a:t>(</a:t>
+            </a:r>
+            <a:r>
+              <a:rPr lang="en-US">
+                <a:solidFill>
+                  <a:srgbClr val="333333"/>
+                </a:solidFill>
+                <a:latin typeface="Consolas" panose="020B0609020204030204" pitchFamily="49" charset="0"/>
+              </a:rPr>
+              <a:t>test_data_array</a:t>
+            </a:r>
+            <a:r>
+              <a:rPr lang="en-US">
+                <a:solidFill>
+                  <a:srgbClr val="5F6364"/>
+                </a:solidFill>
+                <a:latin typeface="Consolas" panose="020B0609020204030204" pitchFamily="49" charset="0"/>
+              </a:rPr>
+              <a:t>).</a:t>
+            </a:r>
+            <a:r>
+              <a:rPr lang="en-US">
+                <a:solidFill>
+                  <a:srgbClr val="333333"/>
+                </a:solidFill>
+                <a:latin typeface="Consolas" panose="020B0609020204030204" pitchFamily="49" charset="0"/>
+              </a:rPr>
+              <a:t>decode</a:t>
+            </a:r>
+            <a:r>
+              <a:rPr lang="en-US">
+                <a:solidFill>
+                  <a:srgbClr val="5F6364"/>
+                </a:solidFill>
+                <a:latin typeface="Consolas" panose="020B0609020204030204" pitchFamily="49" charset="0"/>
+              </a:rPr>
+              <a:t>(</a:t>
+            </a:r>
+            <a:r>
+              <a:rPr lang="en-US">
+                <a:solidFill>
+                  <a:srgbClr val="2F9C0A"/>
+                </a:solidFill>
+                <a:latin typeface="Consolas" panose="020B0609020204030204" pitchFamily="49" charset="0"/>
+              </a:rPr>
+              <a:t>'utf-8'</a:t>
+            </a:r>
+            <a:r>
+              <a:rPr lang="en-US">
+                <a:solidFill>
+                  <a:srgbClr val="5F6364"/>
+                </a:solidFill>
+                <a:latin typeface="Consolas" panose="020B0609020204030204" pitchFamily="49" charset="0"/>
+              </a:rPr>
+              <a:t>)</a:t>
+            </a:r>
+            <a:r>
+              <a:rPr lang="en-US">
+                <a:solidFill>
+                  <a:srgbClr val="333333"/>
+                </a:solidFill>
+                <a:latin typeface="Consolas" panose="020B0609020204030204" pitchFamily="49" charset="0"/>
+              </a:rPr>
+              <a:t> </a:t>
+            </a:r>
+            <a:r>
+              <a:rPr lang="en-US">
+                <a:solidFill>
+                  <a:srgbClr val="7D8B99"/>
+                </a:solidFill>
+                <a:latin typeface="Consolas" panose="020B0609020204030204" pitchFamily="49" charset="0"/>
+              </a:rPr>
+              <a:t># predict!</a:t>
+            </a:r>
+            <a:r>
+              <a:rPr lang="en-US">
+                <a:solidFill>
+                  <a:srgbClr val="333333"/>
+                </a:solidFill>
+                <a:latin typeface="Consolas" panose="020B0609020204030204" pitchFamily="49" charset="0"/>
+              </a:rPr>
+              <a:t> predictions_array </a:t>
+            </a:r>
+            <a:r>
+              <a:rPr lang="en-US">
+                <a:solidFill>
+                  <a:srgbClr val="A67F59"/>
+                </a:solidFill>
+                <a:latin typeface="Consolas" panose="020B0609020204030204" pitchFamily="49" charset="0"/>
+              </a:rPr>
+              <a:t>=</a:t>
+            </a:r>
+            <a:r>
+              <a:rPr lang="en-US">
+                <a:solidFill>
+                  <a:srgbClr val="333333"/>
+                </a:solidFill>
+                <a:latin typeface="Consolas" panose="020B0609020204030204" pitchFamily="49" charset="0"/>
+              </a:rPr>
+              <a:t> np</a:t>
+            </a:r>
+            <a:r>
+              <a:rPr lang="en-US">
+                <a:solidFill>
+                  <a:srgbClr val="5F6364"/>
+                </a:solidFill>
+                <a:latin typeface="Consolas" panose="020B0609020204030204" pitchFamily="49" charset="0"/>
+              </a:rPr>
+              <a:t>.</a:t>
+            </a:r>
+            <a:r>
+              <a:rPr lang="en-US">
+                <a:solidFill>
+                  <a:srgbClr val="333333"/>
+                </a:solidFill>
+                <a:latin typeface="Consolas" panose="020B0609020204030204" pitchFamily="49" charset="0"/>
+              </a:rPr>
+              <a:t>fromstring</a:t>
+            </a:r>
+            <a:r>
+              <a:rPr lang="en-US">
+                <a:solidFill>
+                  <a:srgbClr val="5F6364"/>
+                </a:solidFill>
+                <a:latin typeface="Consolas" panose="020B0609020204030204" pitchFamily="49" charset="0"/>
+              </a:rPr>
+              <a:t>(</a:t>
+            </a:r>
+            <a:r>
+              <a:rPr lang="en-US">
+                <a:solidFill>
+                  <a:srgbClr val="333333"/>
+                </a:solidFill>
+                <a:latin typeface="Consolas" panose="020B0609020204030204" pitchFamily="49" charset="0"/>
+              </a:rPr>
+              <a:t>predictions</a:t>
+            </a:r>
+            <a:r>
+              <a:rPr lang="en-US">
+                <a:solidFill>
+                  <a:srgbClr val="5F6364"/>
+                </a:solidFill>
+                <a:latin typeface="Consolas" panose="020B0609020204030204" pitchFamily="49" charset="0"/>
+              </a:rPr>
+              <a:t>[</a:t>
+            </a:r>
+            <a:r>
+              <a:rPr lang="en-US">
+                <a:solidFill>
+                  <a:srgbClr val="C92C2C"/>
+                </a:solidFill>
+                <a:latin typeface="Consolas" panose="020B0609020204030204" pitchFamily="49" charset="0"/>
+              </a:rPr>
+              <a:t>1</a:t>
+            </a:r>
+            <a:r>
+              <a:rPr lang="en-US">
+                <a:solidFill>
+                  <a:srgbClr val="5F6364"/>
+                </a:solidFill>
+                <a:latin typeface="Consolas" panose="020B0609020204030204" pitchFamily="49" charset="0"/>
+              </a:rPr>
+              <a:t>:],</a:t>
+            </a:r>
+            <a:r>
+              <a:rPr lang="en-US">
+                <a:solidFill>
+                  <a:srgbClr val="333333"/>
+                </a:solidFill>
+                <a:latin typeface="Consolas" panose="020B0609020204030204" pitchFamily="49" charset="0"/>
+              </a:rPr>
+              <a:t> sep</a:t>
+            </a:r>
+            <a:r>
+              <a:rPr lang="en-US">
+                <a:solidFill>
+                  <a:srgbClr val="A67F59"/>
+                </a:solidFill>
+                <a:latin typeface="Consolas" panose="020B0609020204030204" pitchFamily="49" charset="0"/>
+              </a:rPr>
+              <a:t>=</a:t>
+            </a:r>
+            <a:r>
+              <a:rPr lang="en-US">
+                <a:solidFill>
+                  <a:srgbClr val="2F9C0A"/>
+                </a:solidFill>
+                <a:latin typeface="Consolas" panose="020B0609020204030204" pitchFamily="49" charset="0"/>
+              </a:rPr>
+              <a:t>','</a:t>
+            </a:r>
+            <a:r>
+              <a:rPr lang="en-US">
+                <a:solidFill>
+                  <a:srgbClr val="5F6364"/>
+                </a:solidFill>
+                <a:latin typeface="Consolas" panose="020B0609020204030204" pitchFamily="49" charset="0"/>
+              </a:rPr>
+              <a:t>)</a:t>
+            </a:r>
+            <a:r>
+              <a:rPr lang="en-US">
+                <a:solidFill>
+                  <a:srgbClr val="333333"/>
+                </a:solidFill>
+                <a:latin typeface="Consolas" panose="020B0609020204030204" pitchFamily="49" charset="0"/>
+              </a:rPr>
+              <a:t> </a:t>
+            </a:r>
+            <a:r>
+              <a:rPr lang="en-US">
+                <a:solidFill>
+                  <a:srgbClr val="7D8B99"/>
+                </a:solidFill>
+                <a:latin typeface="Consolas" panose="020B0609020204030204" pitchFamily="49" charset="0"/>
+              </a:rPr>
+              <a:t># and turn the prediction into an array</a:t>
+            </a:r>
+            <a:r>
+              <a:rPr lang="en-US">
+                <a:solidFill>
+                  <a:srgbClr val="333333"/>
+                </a:solidFill>
+                <a:latin typeface="Consolas" panose="020B0609020204030204" pitchFamily="49" charset="0"/>
+              </a:rPr>
+              <a:t> </a:t>
+            </a:r>
+            <a:r>
+              <a:rPr lang="en-US">
+                <a:solidFill>
+                  <a:srgbClr val="1990B8"/>
+                </a:solidFill>
+                <a:latin typeface="Consolas" panose="020B0609020204030204" pitchFamily="49" charset="0"/>
+              </a:rPr>
+              <a:t>print</a:t>
+            </a:r>
+            <a:r>
+              <a:rPr lang="en-US">
+                <a:solidFill>
+                  <a:srgbClr val="5F6364"/>
+                </a:solidFill>
+                <a:latin typeface="Consolas" panose="020B0609020204030204" pitchFamily="49" charset="0"/>
+              </a:rPr>
+              <a:t>(</a:t>
+            </a:r>
+            <a:r>
+              <a:rPr lang="en-US">
+                <a:solidFill>
+                  <a:srgbClr val="333333"/>
+                </a:solidFill>
+                <a:latin typeface="Consolas" panose="020B0609020204030204" pitchFamily="49" charset="0"/>
+              </a:rPr>
+              <a:t>predictions_array</a:t>
+            </a:r>
+            <a:r>
+              <a:rPr lang="en-US">
+                <a:solidFill>
+                  <a:srgbClr val="5F6364"/>
+                </a:solidFill>
+                <a:latin typeface="Consolas" panose="020B0609020204030204" pitchFamily="49" charset="0"/>
+              </a:rPr>
+              <a:t>.</a:t>
+            </a:r>
+            <a:r>
+              <a:rPr lang="en-US">
+                <a:solidFill>
+                  <a:srgbClr val="333333"/>
+                </a:solidFill>
+                <a:latin typeface="Consolas" panose="020B0609020204030204" pitchFamily="49" charset="0"/>
+              </a:rPr>
+              <a:t>shape</a:t>
+            </a:r>
+            <a:r>
+              <a:rPr lang="en-US">
+                <a:solidFill>
+                  <a:srgbClr val="5F6364"/>
+                </a:solidFill>
+                <a:latin typeface="Consolas" panose="020B0609020204030204" pitchFamily="49" charset="0"/>
+              </a:rPr>
+              <a:t>)</a:t>
             </a:r>
             <a:endParaRPr lang="en-US"/>
           </a:p>
@@ -5239,7 +9205,145 @@
     </p:spTree>
     <p:extLst>
       <p:ext uri="{BB962C8B-B14F-4D97-AF65-F5344CB8AC3E}">
-        <p14:creationId xmlns:p14="http://schemas.microsoft.com/office/powerpoint/2010/main" val="2569786708"/>
+        <p14:creationId xmlns:p14="http://schemas.microsoft.com/office/powerpoint/2010/main" val="232256181"/>
+      </p:ext>
+    </p:extLst>
+  </p:cSld>
+  <p:clrMapOvr>
+    <a:masterClrMapping/>
+  </p:clrMapOvr>
+</p:sld>
+</file>
+
+<file path=ppt/slides/slide28.xml><?xml version="1.0" encoding="utf-8"?>
+<p:sld xmlns:a="http://schemas.openxmlformats.org/drawingml/2006/main" xmlns:r="http://schemas.openxmlformats.org/officeDocument/2006/relationships" xmlns:p="http://schemas.openxmlformats.org/presentationml/2006/main">
+  <p:cSld>
+    <p:spTree>
+      <p:nvGrpSpPr>
+        <p:cNvPr id="1" name=""/>
+        <p:cNvGrpSpPr/>
+        <p:nvPr/>
+      </p:nvGrpSpPr>
+      <p:grpSpPr>
+        <a:xfrm>
+          <a:off x="0" y="0"/>
+          <a:ext cx="0" cy="0"/>
+          <a:chOff x="0" y="0"/>
+          <a:chExt cx="0" cy="0"/>
+        </a:xfrm>
+      </p:grpSpPr>
+      <p:sp>
+        <p:nvSpPr>
+          <p:cNvPr id="4" name="Title 3"/>
+          <p:cNvSpPr>
+            <a:spLocks noGrp="1"/>
+          </p:cNvSpPr>
+          <p:nvPr>
+            <p:ph type="title"/>
+          </p:nvPr>
+        </p:nvSpPr>
+        <p:spPr/>
+        <p:txBody>
+          <a:bodyPr/>
+          <a:lstStyle/>
+          <a:p>
+            <a:r>
+              <a:rPr lang="en-US"/>
+              <a:t>Steps to build, train, test a </a:t>
+            </a:r>
+            <a:r>
+              <a:rPr lang="en-US"/>
+              <a:t>model </a:t>
+            </a:r>
+            <a:r>
+              <a:rPr lang="en-US" smtClean="0"/>
+              <a:t>using APIs</a:t>
+            </a:r>
+            <a:endParaRPr lang="en-US"/>
+          </a:p>
+        </p:txBody>
+      </p:sp>
+    </p:spTree>
+    <p:extLst>
+      <p:ext uri="{BB962C8B-B14F-4D97-AF65-F5344CB8AC3E}">
+        <p14:creationId xmlns:p14="http://schemas.microsoft.com/office/powerpoint/2010/main" val="1741884536"/>
+      </p:ext>
+    </p:extLst>
+  </p:cSld>
+  <p:clrMapOvr>
+    <a:masterClrMapping/>
+  </p:clrMapOvr>
+</p:sld>
+</file>
+
+<file path=ppt/slides/slide29.xml><?xml version="1.0" encoding="utf-8"?>
+<p:sld xmlns:a="http://schemas.openxmlformats.org/drawingml/2006/main" xmlns:r="http://schemas.openxmlformats.org/officeDocument/2006/relationships" xmlns:p="http://schemas.openxmlformats.org/presentationml/2006/main">
+  <p:cSld>
+    <p:spTree>
+      <p:nvGrpSpPr>
+        <p:cNvPr id="1" name=""/>
+        <p:cNvGrpSpPr/>
+        <p:nvPr/>
+      </p:nvGrpSpPr>
+      <p:grpSpPr>
+        <a:xfrm>
+          <a:off x="0" y="0"/>
+          <a:ext cx="0" cy="0"/>
+          <a:chOff x="0" y="0"/>
+          <a:chExt cx="0" cy="0"/>
+        </a:xfrm>
+      </p:grpSpPr>
+      <p:sp>
+        <p:nvSpPr>
+          <p:cNvPr id="4" name="Title 3"/>
+          <p:cNvSpPr>
+            <a:spLocks noGrp="1"/>
+          </p:cNvSpPr>
+          <p:nvPr>
+            <p:ph type="title"/>
+          </p:nvPr>
+        </p:nvSpPr>
+        <p:spPr/>
+        <p:txBody>
+          <a:bodyPr/>
+          <a:lstStyle/>
+          <a:p>
+            <a:r>
+              <a:rPr lang="en-US" smtClean="0"/>
+              <a:t>Sagemaker architecture</a:t>
+            </a:r>
+            <a:endParaRPr lang="en-US"/>
+          </a:p>
+        </p:txBody>
+      </p:sp>
+      <p:pic>
+        <p:nvPicPr>
+          <p:cNvPr id="6" name="Picture 5"/>
+          <p:cNvPicPr>
+            <a:picLocks noChangeAspect="1"/>
+          </p:cNvPicPr>
+          <p:nvPr/>
+        </p:nvPicPr>
+        <p:blipFill>
+          <a:blip r:embed="rId2"/>
+          <a:stretch>
+            <a:fillRect/>
+          </a:stretch>
+        </p:blipFill>
+        <p:spPr>
+          <a:xfrm>
+            <a:off x="2595155" y="1392733"/>
+            <a:ext cx="6394404" cy="5195845"/>
+          </a:xfrm>
+          <a:prstGeom prst="rect">
+            <a:avLst/>
+          </a:prstGeom>
+        </p:spPr>
+      </p:pic>
+    </p:spTree>
+    <p:extLst>
+      <p:ext uri="{BB962C8B-B14F-4D97-AF65-F5344CB8AC3E}">
+        <p14:creationId xmlns:p14="http://schemas.microsoft.com/office/powerpoint/2010/main" val="553576223"/>
       </p:ext>
     </p:extLst>
   </p:cSld>
@@ -5341,6 +9445,771 @@
     <p:extLst>
       <p:ext uri="{BB962C8B-B14F-4D97-AF65-F5344CB8AC3E}">
         <p14:creationId xmlns:p14="http://schemas.microsoft.com/office/powerpoint/2010/main" val="4036106335"/>
+      </p:ext>
+    </p:extLst>
+  </p:cSld>
+  <p:clrMapOvr>
+    <a:masterClrMapping/>
+  </p:clrMapOvr>
+</p:sld>
+</file>
+
+<file path=ppt/slides/slide30.xml><?xml version="1.0" encoding="utf-8"?>
+<p:sld xmlns:a="http://schemas.openxmlformats.org/drawingml/2006/main" xmlns:r="http://schemas.openxmlformats.org/officeDocument/2006/relationships" xmlns:p="http://schemas.openxmlformats.org/presentationml/2006/main">
+  <p:cSld>
+    <p:spTree>
+      <p:nvGrpSpPr>
+        <p:cNvPr id="1" name=""/>
+        <p:cNvGrpSpPr/>
+        <p:nvPr/>
+      </p:nvGrpSpPr>
+      <p:grpSpPr>
+        <a:xfrm>
+          <a:off x="0" y="0"/>
+          <a:ext cx="0" cy="0"/>
+          <a:chOff x="0" y="0"/>
+          <a:chExt cx="0" cy="0"/>
+        </a:xfrm>
+      </p:grpSpPr>
+      <p:sp>
+        <p:nvSpPr>
+          <p:cNvPr id="2" name="Title 1"/>
+          <p:cNvSpPr>
+            <a:spLocks noGrp="1"/>
+          </p:cNvSpPr>
+          <p:nvPr>
+            <p:ph type="title"/>
+          </p:nvPr>
+        </p:nvSpPr>
+        <p:spPr/>
+        <p:txBody>
+          <a:bodyPr/>
+          <a:lstStyle/>
+          <a:p>
+            <a:r>
+              <a:rPr lang="en-US" smtClean="0"/>
+              <a:t>Create an algorithm</a:t>
+            </a:r>
+            <a:endParaRPr lang="en-US"/>
+          </a:p>
+        </p:txBody>
+      </p:sp>
+      <p:sp>
+        <p:nvSpPr>
+          <p:cNvPr id="3" name="Content Placeholder 2"/>
+          <p:cNvSpPr>
+            <a:spLocks noGrp="1"/>
+          </p:cNvSpPr>
+          <p:nvPr>
+            <p:ph idx="1"/>
+          </p:nvPr>
+        </p:nvSpPr>
+        <p:spPr/>
+        <p:txBody>
+          <a:bodyPr/>
+          <a:lstStyle/>
+          <a:p>
+            <a:r>
+              <a:rPr lang="en-US" smtClean="0"/>
+              <a:t>SageMaker built-in </a:t>
+            </a:r>
+            <a:r>
+              <a:rPr lang="en-US" smtClean="0"/>
+              <a:t>algorithm</a:t>
+            </a:r>
+          </a:p>
+          <a:p>
+            <a:pPr lvl="1"/>
+            <a:r>
+              <a:rPr lang="en-US" smtClean="0"/>
+              <a:t>Training spec</a:t>
+            </a:r>
+          </a:p>
+          <a:p>
+            <a:pPr lvl="2"/>
+            <a:r>
+              <a:rPr lang="en-US" smtClean="0"/>
+              <a:t>Name, training mage, instance</a:t>
+            </a:r>
+          </a:p>
+          <a:p>
+            <a:pPr lvl="2"/>
+            <a:r>
+              <a:rPr lang="en-US" smtClean="0"/>
+              <a:t>Channel: 20 channels of input sources</a:t>
+            </a:r>
+          </a:p>
+          <a:p>
+            <a:pPr lvl="1"/>
+            <a:r>
+              <a:rPr lang="en-US" smtClean="0"/>
+              <a:t>Tuning spec</a:t>
+            </a:r>
+          </a:p>
+          <a:p>
+            <a:pPr lvl="1"/>
+            <a:r>
+              <a:rPr lang="en-US" smtClean="0"/>
+              <a:t>Inference spec</a:t>
+            </a:r>
+          </a:p>
+          <a:p>
+            <a:pPr lvl="2"/>
+            <a:r>
+              <a:rPr lang="en-US" smtClean="0"/>
+              <a:t>Inference image, instance</a:t>
+            </a:r>
+          </a:p>
+          <a:p>
+            <a:pPr lvl="1"/>
+            <a:r>
+              <a:rPr lang="en-US" smtClean="0"/>
+              <a:t>Validation spec</a:t>
+            </a:r>
+          </a:p>
+          <a:p>
+            <a:pPr lvl="2"/>
+            <a:r>
+              <a:rPr lang="en-US" smtClean="0"/>
+              <a:t>Validataion profile</a:t>
+            </a:r>
+          </a:p>
+          <a:p>
+            <a:pPr lvl="3"/>
+            <a:r>
+              <a:rPr lang="en-US" smtClean="0"/>
+              <a:t>Training job definition</a:t>
+            </a:r>
+          </a:p>
+          <a:p>
+            <a:pPr lvl="3"/>
+            <a:r>
+              <a:rPr lang="en-US" smtClean="0"/>
+              <a:t>Transform job definition</a:t>
+            </a:r>
+          </a:p>
+          <a:p>
+            <a:pPr lvl="2"/>
+            <a:endParaRPr lang="en-US" smtClean="0"/>
+          </a:p>
+          <a:p>
+            <a:pPr lvl="2"/>
+            <a:endParaRPr lang="en-US" smtClean="0"/>
+          </a:p>
+        </p:txBody>
+      </p:sp>
+      <p:pic>
+        <p:nvPicPr>
+          <p:cNvPr id="4" name="Picture 3"/>
+          <p:cNvPicPr>
+            <a:picLocks noChangeAspect="1"/>
+          </p:cNvPicPr>
+          <p:nvPr/>
+        </p:nvPicPr>
+        <p:blipFill>
+          <a:blip r:embed="rId3"/>
+          <a:stretch>
+            <a:fillRect/>
+          </a:stretch>
+        </p:blipFill>
+        <p:spPr>
+          <a:xfrm>
+            <a:off x="7368131" y="1370102"/>
+            <a:ext cx="4352925" cy="4048125"/>
+          </a:xfrm>
+          <a:prstGeom prst="rect">
+            <a:avLst/>
+          </a:prstGeom>
+        </p:spPr>
+      </p:pic>
+    </p:spTree>
+    <p:extLst>
+      <p:ext uri="{BB962C8B-B14F-4D97-AF65-F5344CB8AC3E}">
+        <p14:creationId xmlns:p14="http://schemas.microsoft.com/office/powerpoint/2010/main" val="3385182572"/>
+      </p:ext>
+    </p:extLst>
+  </p:cSld>
+  <p:clrMapOvr>
+    <a:masterClrMapping/>
+  </p:clrMapOvr>
+</p:sld>
+</file>
+
+<file path=ppt/slides/slide31.xml><?xml version="1.0" encoding="utf-8"?>
+<p:sld xmlns:a="http://schemas.openxmlformats.org/drawingml/2006/main" xmlns:r="http://schemas.openxmlformats.org/officeDocument/2006/relationships" xmlns:p="http://schemas.openxmlformats.org/presentationml/2006/main">
+  <p:cSld>
+    <p:spTree>
+      <p:nvGrpSpPr>
+        <p:cNvPr id="1" name=""/>
+        <p:cNvGrpSpPr/>
+        <p:nvPr/>
+      </p:nvGrpSpPr>
+      <p:grpSpPr>
+        <a:xfrm>
+          <a:off x="0" y="0"/>
+          <a:ext cx="0" cy="0"/>
+          <a:chOff x="0" y="0"/>
+          <a:chExt cx="0" cy="0"/>
+        </a:xfrm>
+      </p:grpSpPr>
+      <p:sp>
+        <p:nvSpPr>
+          <p:cNvPr id="2" name="Title 1"/>
+          <p:cNvSpPr>
+            <a:spLocks noGrp="1"/>
+          </p:cNvSpPr>
+          <p:nvPr>
+            <p:ph type="title"/>
+          </p:nvPr>
+        </p:nvSpPr>
+        <p:spPr/>
+        <p:txBody>
+          <a:bodyPr/>
+          <a:lstStyle/>
+          <a:p>
+            <a:r>
+              <a:rPr lang="en-US" smtClean="0"/>
+              <a:t>Create training job</a:t>
+            </a:r>
+            <a:endParaRPr lang="en-US"/>
+          </a:p>
+        </p:txBody>
+      </p:sp>
+      <p:sp>
+        <p:nvSpPr>
+          <p:cNvPr id="3" name="Content Placeholder 2"/>
+          <p:cNvSpPr>
+            <a:spLocks noGrp="1"/>
+          </p:cNvSpPr>
+          <p:nvPr>
+            <p:ph idx="1"/>
+          </p:nvPr>
+        </p:nvSpPr>
+        <p:spPr/>
+        <p:txBody>
+          <a:bodyPr>
+            <a:normAutofit lnSpcReduction="10000"/>
+          </a:bodyPr>
+          <a:lstStyle/>
+          <a:p>
+            <a:r>
+              <a:rPr lang="en-US" smtClean="0"/>
+              <a:t>Jobname, role</a:t>
+            </a:r>
+          </a:p>
+          <a:p>
+            <a:r>
+              <a:rPr lang="en-US" smtClean="0"/>
+              <a:t>Algorithm source: built-in, custom, container, subscription</a:t>
+            </a:r>
+          </a:p>
+          <a:p>
+            <a:r>
+              <a:rPr lang="en-US" smtClean="0"/>
+              <a:t>Hyperparameters: depend algorithms</a:t>
+            </a:r>
+          </a:p>
+          <a:p>
+            <a:r>
+              <a:rPr lang="en-US" smtClean="0"/>
+              <a:t>Computing resource</a:t>
+            </a:r>
+          </a:p>
+          <a:p>
+            <a:pPr lvl="1"/>
+            <a:r>
+              <a:rPr lang="en-US" smtClean="0"/>
+              <a:t>Instance type</a:t>
+            </a:r>
+          </a:p>
+          <a:p>
+            <a:r>
+              <a:rPr lang="en-US" smtClean="0"/>
+              <a:t>Network resource</a:t>
+            </a:r>
+          </a:p>
+          <a:p>
+            <a:r>
+              <a:rPr lang="en-US" smtClean="0"/>
+              <a:t>Input data</a:t>
+            </a:r>
+          </a:p>
+          <a:p>
+            <a:pPr lvl="1"/>
+            <a:r>
+              <a:rPr lang="en-US" smtClean="0"/>
+              <a:t>Dataset file on S3</a:t>
+            </a:r>
+          </a:p>
+          <a:p>
+            <a:r>
+              <a:rPr lang="en-US" smtClean="0"/>
+              <a:t>Output data</a:t>
+            </a:r>
+          </a:p>
+          <a:p>
+            <a:pPr lvl="1"/>
+            <a:r>
+              <a:rPr lang="en-US" smtClean="0"/>
+              <a:t>Output model on S3 </a:t>
+            </a:r>
+            <a:endParaRPr lang="en-US"/>
+          </a:p>
+        </p:txBody>
+      </p:sp>
+    </p:spTree>
+    <p:extLst>
+      <p:ext uri="{BB962C8B-B14F-4D97-AF65-F5344CB8AC3E}">
+        <p14:creationId xmlns:p14="http://schemas.microsoft.com/office/powerpoint/2010/main" val="2453165832"/>
+      </p:ext>
+    </p:extLst>
+  </p:cSld>
+  <p:clrMapOvr>
+    <a:masterClrMapping/>
+  </p:clrMapOvr>
+</p:sld>
+</file>
+
+<file path=ppt/slides/slide32.xml><?xml version="1.0" encoding="utf-8"?>
+<p:sld xmlns:a="http://schemas.openxmlformats.org/drawingml/2006/main" xmlns:r="http://schemas.openxmlformats.org/officeDocument/2006/relationships" xmlns:p="http://schemas.openxmlformats.org/presentationml/2006/main">
+  <p:cSld>
+    <p:spTree>
+      <p:nvGrpSpPr>
+        <p:cNvPr id="1" name=""/>
+        <p:cNvGrpSpPr/>
+        <p:nvPr/>
+      </p:nvGrpSpPr>
+      <p:grpSpPr>
+        <a:xfrm>
+          <a:off x="0" y="0"/>
+          <a:ext cx="0" cy="0"/>
+          <a:chOff x="0" y="0"/>
+          <a:chExt cx="0" cy="0"/>
+        </a:xfrm>
+      </p:grpSpPr>
+      <p:sp>
+        <p:nvSpPr>
+          <p:cNvPr id="2" name="Title 1"/>
+          <p:cNvSpPr>
+            <a:spLocks noGrp="1"/>
+          </p:cNvSpPr>
+          <p:nvPr>
+            <p:ph type="title"/>
+          </p:nvPr>
+        </p:nvSpPr>
+        <p:spPr/>
+        <p:txBody>
+          <a:bodyPr/>
+          <a:lstStyle/>
+          <a:p>
+            <a:r>
+              <a:rPr lang="en-US" smtClean="0"/>
+              <a:t>Hyperparameter tuning job</a:t>
+            </a:r>
+            <a:endParaRPr lang="en-US"/>
+          </a:p>
+        </p:txBody>
+      </p:sp>
+      <p:sp>
+        <p:nvSpPr>
+          <p:cNvPr id="3" name="Content Placeholder 2"/>
+          <p:cNvSpPr>
+            <a:spLocks noGrp="1"/>
+          </p:cNvSpPr>
+          <p:nvPr>
+            <p:ph idx="1"/>
+          </p:nvPr>
+        </p:nvSpPr>
+        <p:spPr/>
+        <p:txBody>
+          <a:bodyPr/>
+          <a:lstStyle/>
+          <a:p>
+            <a:r>
+              <a:rPr lang="en-US" smtClean="0"/>
+              <a:t>Tuning strategy</a:t>
+            </a:r>
+          </a:p>
+          <a:p>
+            <a:pPr lvl="1"/>
+            <a:r>
+              <a:rPr lang="en-US" smtClean="0"/>
+              <a:t>Random: c</a:t>
+            </a:r>
+            <a:r>
+              <a:rPr lang="en-US" smtClean="0"/>
+              <a:t>hooses </a:t>
+            </a:r>
+            <a:r>
+              <a:rPr lang="en-US"/>
+              <a:t>a random combination of values from within the ranges that you specify</a:t>
+            </a:r>
+            <a:endParaRPr lang="en-US" smtClean="0"/>
+          </a:p>
+          <a:p>
+            <a:pPr lvl="1"/>
+            <a:r>
+              <a:rPr lang="en-US"/>
+              <a:t>Bayesian: hyperparameter tuning makes guesses about which hyperparameter combinations are likely to get the </a:t>
+            </a:r>
+            <a:r>
+              <a:rPr lang="en-US"/>
+              <a:t>best </a:t>
+            </a:r>
+            <a:r>
+              <a:rPr lang="en-US" smtClean="0"/>
+              <a:t>results</a:t>
+            </a:r>
+          </a:p>
+          <a:p>
+            <a:r>
+              <a:rPr lang="en-US" smtClean="0"/>
+              <a:t>Create training job definition</a:t>
+            </a:r>
+          </a:p>
+          <a:p>
+            <a:pPr lvl="1"/>
+            <a:r>
+              <a:rPr lang="en-US" smtClean="0"/>
+              <a:t>Algorithm, data input, output, configure resources</a:t>
+            </a:r>
+          </a:p>
+          <a:p>
+            <a:r>
+              <a:rPr lang="en-US" smtClean="0"/>
+              <a:t>Configure tuning job resources</a:t>
+            </a:r>
+            <a:endParaRPr lang="en-US"/>
+          </a:p>
+        </p:txBody>
+      </p:sp>
+    </p:spTree>
+    <p:extLst>
+      <p:ext uri="{BB962C8B-B14F-4D97-AF65-F5344CB8AC3E}">
+        <p14:creationId xmlns:p14="http://schemas.microsoft.com/office/powerpoint/2010/main" val="2569786708"/>
+      </p:ext>
+    </p:extLst>
+  </p:cSld>
+  <p:clrMapOvr>
+    <a:masterClrMapping/>
+  </p:clrMapOvr>
+</p:sld>
+</file>
+
+<file path=ppt/slides/slide33.xml><?xml version="1.0" encoding="utf-8"?>
+<p:sld xmlns:a="http://schemas.openxmlformats.org/drawingml/2006/main" xmlns:r="http://schemas.openxmlformats.org/officeDocument/2006/relationships" xmlns:p="http://schemas.openxmlformats.org/presentationml/2006/main">
+  <p:cSld>
+    <p:spTree>
+      <p:nvGrpSpPr>
+        <p:cNvPr id="1" name=""/>
+        <p:cNvGrpSpPr/>
+        <p:nvPr/>
+      </p:nvGrpSpPr>
+      <p:grpSpPr>
+        <a:xfrm>
+          <a:off x="0" y="0"/>
+          <a:ext cx="0" cy="0"/>
+          <a:chOff x="0" y="0"/>
+          <a:chExt cx="0" cy="0"/>
+        </a:xfrm>
+      </p:grpSpPr>
+      <p:sp>
+        <p:nvSpPr>
+          <p:cNvPr id="2" name="Title 1"/>
+          <p:cNvSpPr>
+            <a:spLocks noGrp="1"/>
+          </p:cNvSpPr>
+          <p:nvPr>
+            <p:ph type="title"/>
+          </p:nvPr>
+        </p:nvSpPr>
+        <p:spPr/>
+        <p:txBody>
+          <a:bodyPr/>
+          <a:lstStyle/>
+          <a:p>
+            <a:r>
+              <a:rPr lang="en-US" smtClean="0"/>
+              <a:t>Create model</a:t>
+            </a:r>
+            <a:endParaRPr lang="en-US"/>
+          </a:p>
+        </p:txBody>
+      </p:sp>
+      <p:sp>
+        <p:nvSpPr>
+          <p:cNvPr id="3" name="Content Placeholder 2"/>
+          <p:cNvSpPr>
+            <a:spLocks noGrp="1"/>
+          </p:cNvSpPr>
+          <p:nvPr>
+            <p:ph idx="1"/>
+          </p:nvPr>
+        </p:nvSpPr>
+        <p:spPr/>
+        <p:txBody>
+          <a:bodyPr/>
+          <a:lstStyle/>
+          <a:p>
+            <a:r>
+              <a:rPr lang="en-US" smtClean="0"/>
+              <a:t>Model name, IAM role</a:t>
+            </a:r>
+          </a:p>
+          <a:p>
+            <a:r>
+              <a:rPr lang="en-US" smtClean="0"/>
+              <a:t>Provide model artifacts and inference image location</a:t>
+            </a:r>
+          </a:p>
+          <a:p>
+            <a:endParaRPr lang="en-US"/>
+          </a:p>
+        </p:txBody>
+      </p:sp>
+      <p:pic>
+        <p:nvPicPr>
+          <p:cNvPr id="4" name="Picture 3"/>
+          <p:cNvPicPr>
+            <a:picLocks noChangeAspect="1"/>
+          </p:cNvPicPr>
+          <p:nvPr/>
+        </p:nvPicPr>
+        <p:blipFill>
+          <a:blip r:embed="rId2"/>
+          <a:stretch>
+            <a:fillRect/>
+          </a:stretch>
+        </p:blipFill>
+        <p:spPr>
+          <a:xfrm>
+            <a:off x="2365454" y="2960914"/>
+            <a:ext cx="4530782" cy="3702639"/>
+          </a:xfrm>
+          <a:prstGeom prst="rect">
+            <a:avLst/>
+          </a:prstGeom>
+        </p:spPr>
+      </p:pic>
+    </p:spTree>
+    <p:extLst>
+      <p:ext uri="{BB962C8B-B14F-4D97-AF65-F5344CB8AC3E}">
+        <p14:creationId xmlns:p14="http://schemas.microsoft.com/office/powerpoint/2010/main" val="1089684612"/>
+      </p:ext>
+    </p:extLst>
+  </p:cSld>
+  <p:clrMapOvr>
+    <a:masterClrMapping/>
+  </p:clrMapOvr>
+</p:sld>
+</file>
+
+<file path=ppt/slides/slide34.xml><?xml version="1.0" encoding="utf-8"?>
+<p:sld xmlns:a="http://schemas.openxmlformats.org/drawingml/2006/main" xmlns:r="http://schemas.openxmlformats.org/officeDocument/2006/relationships" xmlns:p="http://schemas.openxmlformats.org/presentationml/2006/main">
+  <p:cSld>
+    <p:spTree>
+      <p:nvGrpSpPr>
+        <p:cNvPr id="1" name=""/>
+        <p:cNvGrpSpPr/>
+        <p:nvPr/>
+      </p:nvGrpSpPr>
+      <p:grpSpPr>
+        <a:xfrm>
+          <a:off x="0" y="0"/>
+          <a:ext cx="0" cy="0"/>
+          <a:chOff x="0" y="0"/>
+          <a:chExt cx="0" cy="0"/>
+        </a:xfrm>
+      </p:grpSpPr>
+      <p:sp>
+        <p:nvSpPr>
+          <p:cNvPr id="2" name="Title 1"/>
+          <p:cNvSpPr>
+            <a:spLocks noGrp="1"/>
+          </p:cNvSpPr>
+          <p:nvPr>
+            <p:ph type="title"/>
+          </p:nvPr>
+        </p:nvSpPr>
+        <p:spPr/>
+        <p:txBody>
+          <a:bodyPr/>
+          <a:lstStyle/>
+          <a:p>
+            <a:r>
+              <a:rPr lang="en-US" smtClean="0"/>
+              <a:t>End points</a:t>
+            </a:r>
+            <a:endParaRPr lang="en-US"/>
+          </a:p>
+        </p:txBody>
+      </p:sp>
+      <p:sp>
+        <p:nvSpPr>
+          <p:cNvPr id="3" name="Content Placeholder 2"/>
+          <p:cNvSpPr>
+            <a:spLocks noGrp="1"/>
+          </p:cNvSpPr>
+          <p:nvPr>
+            <p:ph idx="1"/>
+          </p:nvPr>
+        </p:nvSpPr>
+        <p:spPr/>
+        <p:txBody>
+          <a:bodyPr/>
+          <a:lstStyle/>
+          <a:p>
+            <a:r>
+              <a:rPr lang="en-US" smtClean="0"/>
+              <a:t>Endpoint name</a:t>
+            </a:r>
+          </a:p>
+          <a:p>
+            <a:r>
+              <a:rPr lang="en-US" smtClean="0"/>
+              <a:t>Create end point configuration</a:t>
+            </a:r>
+          </a:p>
+          <a:p>
+            <a:pPr lvl="1"/>
+            <a:r>
+              <a:rPr lang="en-US" smtClean="0"/>
+              <a:t> add model</a:t>
+            </a:r>
+          </a:p>
+          <a:p>
+            <a:endParaRPr lang="en-US"/>
+          </a:p>
+        </p:txBody>
+      </p:sp>
+      <p:pic>
+        <p:nvPicPr>
+          <p:cNvPr id="4" name="Picture 3"/>
+          <p:cNvPicPr>
+            <a:picLocks noChangeAspect="1"/>
+          </p:cNvPicPr>
+          <p:nvPr/>
+        </p:nvPicPr>
+        <p:blipFill>
+          <a:blip r:embed="rId2"/>
+          <a:stretch>
+            <a:fillRect/>
+          </a:stretch>
+        </p:blipFill>
+        <p:spPr>
+          <a:xfrm>
+            <a:off x="5894584" y="1219494"/>
+            <a:ext cx="5784331" cy="5149057"/>
+          </a:xfrm>
+          <a:prstGeom prst="rect">
+            <a:avLst/>
+          </a:prstGeom>
+        </p:spPr>
+      </p:pic>
+    </p:spTree>
+    <p:extLst>
+      <p:ext uri="{BB962C8B-B14F-4D97-AF65-F5344CB8AC3E}">
+        <p14:creationId xmlns:p14="http://schemas.microsoft.com/office/powerpoint/2010/main" val="3247687491"/>
+      </p:ext>
+    </p:extLst>
+  </p:cSld>
+  <p:clrMapOvr>
+    <a:masterClrMapping/>
+  </p:clrMapOvr>
+</p:sld>
+</file>
+
+<file path=ppt/slides/slide35.xml><?xml version="1.0" encoding="utf-8"?>
+<p:sld xmlns:a="http://schemas.openxmlformats.org/drawingml/2006/main" xmlns:r="http://schemas.openxmlformats.org/officeDocument/2006/relationships" xmlns:p="http://schemas.openxmlformats.org/presentationml/2006/main">
+  <p:cSld>
+    <p:spTree>
+      <p:nvGrpSpPr>
+        <p:cNvPr id="1" name=""/>
+        <p:cNvGrpSpPr/>
+        <p:nvPr/>
+      </p:nvGrpSpPr>
+      <p:grpSpPr>
+        <a:xfrm>
+          <a:off x="0" y="0"/>
+          <a:ext cx="0" cy="0"/>
+          <a:chOff x="0" y="0"/>
+          <a:chExt cx="0" cy="0"/>
+        </a:xfrm>
+      </p:grpSpPr>
+      <p:sp>
+        <p:nvSpPr>
+          <p:cNvPr id="2" name="Title 1"/>
+          <p:cNvSpPr>
+            <a:spLocks noGrp="1"/>
+          </p:cNvSpPr>
+          <p:nvPr>
+            <p:ph type="title"/>
+          </p:nvPr>
+        </p:nvSpPr>
+        <p:spPr/>
+        <p:txBody>
+          <a:bodyPr/>
+          <a:lstStyle/>
+          <a:p>
+            <a:r>
+              <a:rPr lang="en-US" smtClean="0"/>
+              <a:t>Batch transform job</a:t>
+            </a:r>
+            <a:endParaRPr lang="en-US"/>
+          </a:p>
+        </p:txBody>
+      </p:sp>
+      <p:sp>
+        <p:nvSpPr>
+          <p:cNvPr id="3" name="Content Placeholder 2"/>
+          <p:cNvSpPr>
+            <a:spLocks noGrp="1"/>
+          </p:cNvSpPr>
+          <p:nvPr>
+            <p:ph idx="1"/>
+          </p:nvPr>
+        </p:nvSpPr>
+        <p:spPr/>
+        <p:txBody>
+          <a:bodyPr/>
+          <a:lstStyle/>
+          <a:p>
+            <a:r>
+              <a:rPr lang="en-US" smtClean="0"/>
+              <a:t>Use model to transform data</a:t>
+            </a:r>
+            <a:endParaRPr lang="en-US"/>
+          </a:p>
+        </p:txBody>
+      </p:sp>
+      <p:pic>
+        <p:nvPicPr>
+          <p:cNvPr id="4" name="Picture 3"/>
+          <p:cNvPicPr>
+            <a:picLocks noChangeAspect="1"/>
+          </p:cNvPicPr>
+          <p:nvPr/>
+        </p:nvPicPr>
+        <p:blipFill>
+          <a:blip r:embed="rId2"/>
+          <a:stretch>
+            <a:fillRect/>
+          </a:stretch>
+        </p:blipFill>
+        <p:spPr>
+          <a:xfrm>
+            <a:off x="1567542" y="2457341"/>
+            <a:ext cx="6108791" cy="4120895"/>
+          </a:xfrm>
+          <a:prstGeom prst="rect">
+            <a:avLst/>
+          </a:prstGeom>
+        </p:spPr>
+      </p:pic>
+    </p:spTree>
+    <p:extLst>
+      <p:ext uri="{BB962C8B-B14F-4D97-AF65-F5344CB8AC3E}">
+        <p14:creationId xmlns:p14="http://schemas.microsoft.com/office/powerpoint/2010/main" val="1809474079"/>
       </p:ext>
     </p:extLst>
   </p:cSld>
@@ -6275,4 +11144,265 @@
     </a:ext>
   </a:extLst>
 </a:theme>
+</file>
+
+<file path=ppt/theme/theme2.xml><?xml version="1.0" encoding="utf-8"?>
+<a:theme xmlns:a="http://schemas.openxmlformats.org/drawingml/2006/main" name="Office Theme">
+  <a:themeElements>
+    <a:clrScheme name="Office">
+      <a:dk1>
+        <a:sysClr val="windowText" lastClr="000000"/>
+      </a:dk1>
+      <a:lt1>
+        <a:sysClr val="window" lastClr="FFFFFF"/>
+      </a:lt1>
+      <a:dk2>
+        <a:srgbClr val="44546A"/>
+      </a:dk2>
+      <a:lt2>
+        <a:srgbClr val="E7E6E6"/>
+      </a:lt2>
+      <a:accent1>
+        <a:srgbClr val="5B9BD5"/>
+      </a:accent1>
+      <a:accent2>
+        <a:srgbClr val="ED7D31"/>
+      </a:accent2>
+      <a:accent3>
+        <a:srgbClr val="A5A5A5"/>
+      </a:accent3>
+      <a:accent4>
+        <a:srgbClr val="FFC000"/>
+      </a:accent4>
+      <a:accent5>
+        <a:srgbClr val="4472C4"/>
+      </a:accent5>
+      <a:accent6>
+        <a:srgbClr val="70AD47"/>
+      </a:accent6>
+      <a:hlink>
+        <a:srgbClr val="0563C1"/>
+      </a:hlink>
+      <a:folHlink>
+        <a:srgbClr val="954F72"/>
+      </a:folHlink>
+    </a:clrScheme>
+    <a:fontScheme name="Office">
+      <a:majorFont>
+        <a:latin typeface="Calibri Light" panose="020F0302020204030204"/>
+        <a:ea typeface=""/>
+        <a:cs typeface=""/>
+        <a:font script="Jpan" typeface="游ゴシック Light"/>
+        <a:font script="Hang" typeface="맑은 고딕"/>
+        <a:font script="Hans" typeface="等线 Light"/>
+        <a:font script="Hant" typeface="新細明體"/>
+        <a:font script="Arab" typeface="Times New Roman"/>
+        <a:font script="Hebr" typeface="Times New Roman"/>
+        <a:font script="Thai" typeface="Angsana New"/>
+        <a:font script="Ethi" typeface="Nyala"/>
+        <a:font script="Beng" typeface="Vrinda"/>
+        <a:font script="Gujr" typeface="Shruti"/>
+        <a:font script="Khmr" typeface="MoolBoran"/>
+        <a:font script="Knda" typeface="Tunga"/>
+        <a:font script="Guru" typeface="Raavi"/>
+        <a:font script="Cans" typeface="Euphemia"/>
+        <a:font script="Cher" typeface="Plantagenet Cherokee"/>
+        <a:font script="Yiii" typeface="Microsoft Yi Baiti"/>
+        <a:font script="Tibt" typeface="Microsoft Himalaya"/>
+        <a:font script="Thaa" typeface="MV Boli"/>
+        <a:font script="Deva" typeface="Mangal"/>
+        <a:font script="Telu" typeface="Gautami"/>
+        <a:font script="Taml" typeface="Latha"/>
+        <a:font script="Syrc" typeface="Estrangelo Edessa"/>
+        <a:font script="Orya" typeface="Kalinga"/>
+        <a:font script="Mlym" typeface="Kartika"/>
+        <a:font script="Laoo" typeface="DokChampa"/>
+        <a:font script="Sinh" typeface="Iskoola Pota"/>
+        <a:font script="Mong" typeface="Mongolian Baiti"/>
+        <a:font script="Viet" typeface="Times New Roman"/>
+        <a:font script="Uigh" typeface="Microsoft Uighur"/>
+        <a:font script="Geor" typeface="Sylfaen"/>
+      </a:majorFont>
+      <a:minorFont>
+        <a:latin typeface="Calibri" panose="020F0502020204030204"/>
+        <a:ea typeface=""/>
+        <a:cs typeface=""/>
+        <a:font script="Jpan" typeface="游ゴシック"/>
+        <a:font script="Hang" typeface="맑은 고딕"/>
+        <a:font script="Hans" typeface="等线"/>
+        <a:font script="Hant" typeface="新細明體"/>
+        <a:font script="Arab" typeface="Arial"/>
+        <a:font script="Hebr" typeface="Arial"/>
+        <a:font script="Thai" typeface="Cordia New"/>
+        <a:font script="Ethi" typeface="Nyala"/>
+        <a:font script="Beng" typeface="Vrinda"/>
+        <a:font script="Gujr" typeface="Shruti"/>
+        <a:font script="Khmr" typeface="DaunPenh"/>
+        <a:font script="Knda" typeface="Tunga"/>
+        <a:font script="Guru" typeface="Raavi"/>
+        <a:font script="Cans" typeface="Euphemia"/>
+        <a:font script="Cher" typeface="Plantagenet Cherokee"/>
+        <a:font script="Yiii" typeface="Microsoft Yi Baiti"/>
+        <a:font script="Tibt" typeface="Microsoft Himalaya"/>
+        <a:font script="Thaa" typeface="MV Boli"/>
+        <a:font script="Deva" typeface="Mangal"/>
+        <a:font script="Telu" typeface="Gautami"/>
+        <a:font script="Taml" typeface="Latha"/>
+        <a:font script="Syrc" typeface="Estrangelo Edessa"/>
+        <a:font script="Orya" typeface="Kalinga"/>
+        <a:font script="Mlym" typeface="Kartika"/>
+        <a:font script="Laoo" typeface="DokChampa"/>
+        <a:font script="Sinh" typeface="Iskoola Pota"/>
+        <a:font script="Mong" typeface="Mongolian Baiti"/>
+        <a:font script="Viet" typeface="Arial"/>
+        <a:font script="Uigh" typeface="Microsoft Uighur"/>
+        <a:font script="Geor" typeface="Sylfaen"/>
+      </a:minorFont>
+    </a:fontScheme>
+    <a:fmtScheme name="Office">
+      <a:fillStyleLst>
+        <a:solidFill>
+          <a:schemeClr val="phClr"/>
+        </a:solidFill>
+        <a:gradFill rotWithShape="1">
+          <a:gsLst>
+            <a:gs pos="0">
+              <a:schemeClr val="phClr">
+                <a:lumMod val="110000"/>
+                <a:satMod val="105000"/>
+                <a:tint val="67000"/>
+              </a:schemeClr>
+            </a:gs>
+            <a:gs pos="50000">
+              <a:schemeClr val="phClr">
+                <a:lumMod val="105000"/>
+                <a:satMod val="103000"/>
+                <a:tint val="73000"/>
+              </a:schemeClr>
+            </a:gs>
+            <a:gs pos="100000">
+              <a:schemeClr val="phClr">
+                <a:lumMod val="105000"/>
+                <a:satMod val="109000"/>
+                <a:tint val="81000"/>
+              </a:schemeClr>
+            </a:gs>
+          </a:gsLst>
+          <a:lin ang="5400000" scaled="0"/>
+        </a:gradFill>
+        <a:gradFill rotWithShape="1">
+          <a:gsLst>
+            <a:gs pos="0">
+              <a:schemeClr val="phClr">
+                <a:satMod val="103000"/>
+                <a:lumMod val="102000"/>
+                <a:tint val="94000"/>
+              </a:schemeClr>
+            </a:gs>
+            <a:gs pos="50000">
+              <a:schemeClr val="phClr">
+                <a:satMod val="110000"/>
+                <a:lumMod val="100000"/>
+                <a:shade val="100000"/>
+              </a:schemeClr>
+            </a:gs>
+            <a:gs pos="100000">
+              <a:schemeClr val="phClr">
+                <a:lumMod val="99000"/>
+                <a:satMod val="120000"/>
+                <a:shade val="78000"/>
+              </a:schemeClr>
+            </a:gs>
+          </a:gsLst>
+          <a:lin ang="5400000" scaled="0"/>
+        </a:gradFill>
+      </a:fillStyleLst>
+      <a:lnStyleLst>
+        <a:ln w="6350" cap="flat" cmpd="sng" algn="ctr">
+          <a:solidFill>
+            <a:schemeClr val="phClr"/>
+          </a:solidFill>
+          <a:prstDash val="solid"/>
+          <a:miter lim="800000"/>
+        </a:ln>
+        <a:ln w="12700" cap="flat" cmpd="sng" algn="ctr">
+          <a:solidFill>
+            <a:schemeClr val="phClr"/>
+          </a:solidFill>
+          <a:prstDash val="solid"/>
+          <a:miter lim="800000"/>
+        </a:ln>
+        <a:ln w="19050" cap="flat" cmpd="sng" algn="ctr">
+          <a:solidFill>
+            <a:schemeClr val="phClr"/>
+          </a:solidFill>
+          <a:prstDash val="solid"/>
+          <a:miter lim="800000"/>
+        </a:ln>
+      </a:lnStyleLst>
+      <a:effectStyleLst>
+        <a:effectStyle>
+          <a:effectLst/>
+        </a:effectStyle>
+        <a:effectStyle>
+          <a:effectLst/>
+        </a:effectStyle>
+        <a:effectStyle>
+          <a:effectLst>
+            <a:outerShdw blurRad="57150" dist="19050" dir="5400000" algn="ctr" rotWithShape="0">
+              <a:srgbClr val="000000">
+                <a:alpha val="63000"/>
+              </a:srgbClr>
+            </a:outerShdw>
+          </a:effectLst>
+        </a:effectStyle>
+      </a:effectStyleLst>
+      <a:bgFillStyleLst>
+        <a:solidFill>
+          <a:schemeClr val="phClr"/>
+        </a:solidFill>
+        <a:solidFill>
+          <a:schemeClr val="phClr">
+            <a:tint val="95000"/>
+            <a:satMod val="170000"/>
+          </a:schemeClr>
+        </a:solidFill>
+        <a:gradFill rotWithShape="1">
+          <a:gsLst>
+            <a:gs pos="0">
+              <a:schemeClr val="phClr">
+                <a:tint val="93000"/>
+                <a:satMod val="150000"/>
+                <a:shade val="98000"/>
+                <a:lumMod val="102000"/>
+              </a:schemeClr>
+            </a:gs>
+            <a:gs pos="50000">
+              <a:schemeClr val="phClr">
+                <a:tint val="98000"/>
+                <a:satMod val="130000"/>
+                <a:shade val="90000"/>
+                <a:lumMod val="103000"/>
+              </a:schemeClr>
+            </a:gs>
+            <a:gs pos="100000">
+              <a:schemeClr val="phClr">
+                <a:shade val="63000"/>
+                <a:satMod val="120000"/>
+              </a:schemeClr>
+            </a:gs>
+          </a:gsLst>
+          <a:lin ang="5400000" scaled="0"/>
+        </a:gradFill>
+      </a:bgFillStyleLst>
+    </a:fmtScheme>
+  </a:themeElements>
+  <a:objectDefaults/>
+  <a:extraClrSchemeLst/>
+  <a:extLst>
+    <a:ext uri="{05A4C25C-085E-4340-85A3-A5531E510DB2}">
+      <thm15:themeFamily xmlns:thm15="http://schemas.microsoft.com/office/thememl/2012/main" name="Office Theme" id="{62F939B6-93AF-4DB8-9C6B-D6C7DFDC589F}" vid="{4A3C46E8-61CC-4603-A589-7422A47A8E4A}"/>
+    </a:ext>
+  </a:extLst>
+</a:theme>
 </file>